--- a/docs/Introduction to Python.pptx
+++ b/docs/Introduction to Python.pptx
@@ -328,7 +328,7 @@
           <a:p>
             <a:fld id="{749D2849-5570-4342-91BD-2F06611478A8}" type="datetimeFigureOut">
               <a:rPr lang="he-IL" smtClean="0"/>
-              <a:t>ט"ו/אדר א/תשע"ו</a:t>
+              <a:t>ט"ז/אדר א/תשע"ו</a:t>
             </a:fld>
             <a:endParaRPr lang="he-IL"/>
           </a:p>
@@ -498,7 +498,7 @@
           <a:p>
             <a:fld id="{749D2849-5570-4342-91BD-2F06611478A8}" type="datetimeFigureOut">
               <a:rPr lang="he-IL" smtClean="0"/>
-              <a:t>ט"ו/אדר א/תשע"ו</a:t>
+              <a:t>ט"ז/אדר א/תשע"ו</a:t>
             </a:fld>
             <a:endParaRPr lang="he-IL"/>
           </a:p>
@@ -678,7 +678,7 @@
           <a:p>
             <a:fld id="{749D2849-5570-4342-91BD-2F06611478A8}" type="datetimeFigureOut">
               <a:rPr lang="he-IL" smtClean="0"/>
-              <a:t>ט"ו/אדר א/תשע"ו</a:t>
+              <a:t>ט"ז/אדר א/תשע"ו</a:t>
             </a:fld>
             <a:endParaRPr lang="he-IL"/>
           </a:p>
@@ -848,7 +848,7 @@
           <a:p>
             <a:fld id="{749D2849-5570-4342-91BD-2F06611478A8}" type="datetimeFigureOut">
               <a:rPr lang="he-IL" smtClean="0"/>
-              <a:t>ט"ו/אדר א/תשע"ו</a:t>
+              <a:t>ט"ז/אדר א/תשע"ו</a:t>
             </a:fld>
             <a:endParaRPr lang="he-IL"/>
           </a:p>
@@ -1094,7 +1094,7 @@
           <a:p>
             <a:fld id="{749D2849-5570-4342-91BD-2F06611478A8}" type="datetimeFigureOut">
               <a:rPr lang="he-IL" smtClean="0"/>
-              <a:t>ט"ו/אדר א/תשע"ו</a:t>
+              <a:t>ט"ז/אדר א/תשע"ו</a:t>
             </a:fld>
             <a:endParaRPr lang="he-IL"/>
           </a:p>
@@ -1382,7 +1382,7 @@
           <a:p>
             <a:fld id="{749D2849-5570-4342-91BD-2F06611478A8}" type="datetimeFigureOut">
               <a:rPr lang="he-IL" smtClean="0"/>
-              <a:t>ט"ו/אדר א/תשע"ו</a:t>
+              <a:t>ט"ז/אדר א/תשע"ו</a:t>
             </a:fld>
             <a:endParaRPr lang="he-IL"/>
           </a:p>
@@ -1804,7 +1804,7 @@
           <a:p>
             <a:fld id="{749D2849-5570-4342-91BD-2F06611478A8}" type="datetimeFigureOut">
               <a:rPr lang="he-IL" smtClean="0"/>
-              <a:t>ט"ו/אדר א/תשע"ו</a:t>
+              <a:t>ט"ז/אדר א/תשע"ו</a:t>
             </a:fld>
             <a:endParaRPr lang="he-IL"/>
           </a:p>
@@ -1922,7 +1922,7 @@
           <a:p>
             <a:fld id="{749D2849-5570-4342-91BD-2F06611478A8}" type="datetimeFigureOut">
               <a:rPr lang="he-IL" smtClean="0"/>
-              <a:t>ט"ו/אדר א/תשע"ו</a:t>
+              <a:t>ט"ז/אדר א/תשע"ו</a:t>
             </a:fld>
             <a:endParaRPr lang="he-IL"/>
           </a:p>
@@ -2017,7 +2017,7 @@
           <a:p>
             <a:fld id="{749D2849-5570-4342-91BD-2F06611478A8}" type="datetimeFigureOut">
               <a:rPr lang="he-IL" smtClean="0"/>
-              <a:t>ט"ו/אדר א/תשע"ו</a:t>
+              <a:t>ט"ז/אדר א/תשע"ו</a:t>
             </a:fld>
             <a:endParaRPr lang="he-IL"/>
           </a:p>
@@ -2294,7 +2294,7 @@
           <a:p>
             <a:fld id="{749D2849-5570-4342-91BD-2F06611478A8}" type="datetimeFigureOut">
               <a:rPr lang="he-IL" smtClean="0"/>
-              <a:t>ט"ו/אדר א/תשע"ו</a:t>
+              <a:t>ט"ז/אדר א/תשע"ו</a:t>
             </a:fld>
             <a:endParaRPr lang="he-IL"/>
           </a:p>
@@ -2547,7 +2547,7 @@
           <a:p>
             <a:fld id="{749D2849-5570-4342-91BD-2F06611478A8}" type="datetimeFigureOut">
               <a:rPr lang="he-IL" smtClean="0"/>
-              <a:t>ט"ו/אדר א/תשע"ו</a:t>
+              <a:t>ט"ז/אדר א/תשע"ו</a:t>
             </a:fld>
             <a:endParaRPr lang="he-IL"/>
           </a:p>
@@ -2760,7 +2760,7 @@
           <a:p>
             <a:fld id="{749D2849-5570-4342-91BD-2F06611478A8}" type="datetimeFigureOut">
               <a:rPr lang="he-IL" smtClean="0"/>
-              <a:t>ט"ו/אדר א/תשע"ו</a:t>
+              <a:t>ט"ז/אדר א/תשע"ו</a:t>
             </a:fld>
             <a:endParaRPr lang="he-IL"/>
           </a:p>
@@ -3223,26 +3223,71 @@
             <a:pPr rtl="0"/>
             <a:r>
               <a:rPr lang="en-US" dirty="0" smtClean="0"/>
-              <a:t>Yoav Ram</a:t>
+              <a:t>Yoav </a:t>
+            </a:r>
+            <a:r>
+              <a:rPr lang="en-US" dirty="0" smtClean="0"/>
+              <a:t>Ram</a:t>
             </a:r>
           </a:p>
           <a:p>
             <a:pPr rtl="0"/>
             <a:r>
               <a:rPr lang="en-US" dirty="0" smtClean="0"/>
-              <a:t>Python for Engineers</a:t>
+              <a:t>25 Feb 2016</a:t>
             </a:r>
           </a:p>
           <a:p>
             <a:pPr rtl="0"/>
             <a:r>
               <a:rPr lang="en-US" dirty="0" smtClean="0"/>
-              <a:t>Applied Materials, Feb-Mar 2016</a:t>
-            </a:r>
-            <a:endParaRPr lang="he-IL" dirty="0"/>
-          </a:p>
-        </p:txBody>
-      </p:sp>
+              <a:t>http://python.yoavram.com</a:t>
+            </a:r>
+            <a:endParaRPr lang="en-US" dirty="0" smtClean="0"/>
+          </a:p>
+        </p:txBody>
+      </p:sp>
+      <p:pic>
+        <p:nvPicPr>
+          <p:cNvPr id="1026" name="Picture 2" descr="Creative Commons License"/>
+          <p:cNvPicPr>
+            <a:picLocks noChangeAspect="1" noChangeArrowheads="1"/>
+          </p:cNvPicPr>
+          <p:nvPr/>
+        </p:nvPicPr>
+        <p:blipFill>
+          <a:blip r:embed="rId3">
+            <a:extLst>
+              <a:ext uri="{28A0092B-C50C-407E-A947-70E740481C1C}">
+                <a14:useLocalDpi xmlns:a14="http://schemas.microsoft.com/office/drawing/2010/main" val="0"/>
+              </a:ext>
+            </a:extLst>
+          </a:blip>
+          <a:srcRect/>
+          <a:stretch>
+            <a:fillRect/>
+          </a:stretch>
+        </p:blipFill>
+        <p:spPr bwMode="auto">
+          <a:xfrm>
+            <a:off x="3923928" y="6014045"/>
+            <a:ext cx="1451429" cy="511299"/>
+          </a:xfrm>
+          <a:prstGeom prst="rect">
+            <a:avLst/>
+          </a:prstGeom>
+          <a:noFill/>
+          <a:extLst>
+            <a:ext uri="{909E8E84-426E-40DD-AFC4-6F175D3DCCD1}">
+              <a14:hiddenFill xmlns:a14="http://schemas.microsoft.com/office/drawing/2010/main">
+                <a:solidFill>
+                  <a:srgbClr val="FFFFFF"/>
+                </a:solidFill>
+              </a14:hiddenFill>
+            </a:ext>
+          </a:extLst>
+        </p:spPr>
+      </p:pic>
     </p:spTree>
     <p:extLst>
       <p:ext uri="{BB962C8B-B14F-4D97-AF65-F5344CB8AC3E}">
@@ -3649,7 +3694,6 @@
               <a:rPr lang="en-US" dirty="0" smtClean="0"/>
               <a:t>Spends half his time developing Python…</a:t>
             </a:r>
-            <a:endParaRPr lang="en-US" dirty="0" smtClean="0"/>
           </a:p>
           <a:p>
             <a:pPr marL="0" indent="0" rtl="0">
@@ -4212,15 +4256,7 @@
             <a:pPr algn="l" rtl="0"/>
             <a:r>
               <a:rPr lang="en-GB" dirty="0" smtClean="0"/>
-              <a:t>Python </a:t>
-            </a:r>
-            <a:r>
-              <a:rPr lang="en-GB" dirty="0" smtClean="0"/>
-              <a:t>source code is open and </a:t>
-            </a:r>
-            <a:r>
-              <a:rPr lang="en-GB" dirty="0" smtClean="0"/>
-              <a:t>free</a:t>
+              <a:t>Python source code is open and free</a:t>
             </a:r>
           </a:p>
           <a:p>
@@ -6520,7 +6556,6 @@
               <a:rPr lang="en-US" dirty="0" smtClean="0"/>
               <a:t>Easy to find help on the Internet</a:t>
             </a:r>
-            <a:endParaRPr lang="en-US" dirty="0" smtClean="0"/>
           </a:p>
         </p:txBody>
       </p:sp>
@@ -6597,11 +6632,7 @@
             </a:r>
             <a:r>
               <a:rPr lang="en-US" sz="2400" dirty="0" smtClean="0"/>
-              <a:t>, </a:t>
-            </a:r>
-            <a:r>
-              <a:rPr lang="en-US" sz="2400" dirty="0" smtClean="0"/>
-              <a:t>Feb 2016</a:t>
+              <a:t>, Feb 2016</a:t>
             </a:r>
           </a:p>
           <a:p>
@@ -6701,7 +6732,6 @@
               <a:rPr lang="en-US" dirty="0" smtClean="0"/>
               <a:t>Very active community</a:t>
             </a:r>
-            <a:endParaRPr lang="en-US" dirty="0" smtClean="0"/>
           </a:p>
         </p:txBody>
       </p:sp>
@@ -7605,25 +7635,15 @@
             <a:pPr algn="l" rtl="0"/>
             <a:r>
               <a:rPr lang="en-US" dirty="0" smtClean="0"/>
-              <a:t>object-oriented </a:t>
-            </a:r>
-            <a:r>
-              <a:rPr lang="en-US" dirty="0" smtClean="0"/>
-              <a:t>programming </a:t>
-            </a:r>
-            <a:endParaRPr lang="en-US" dirty="0" smtClean="0"/>
+              <a:t>object-oriented programming </a:t>
+            </a:r>
           </a:p>
           <a:p>
             <a:pPr algn="l" rtl="0"/>
             <a:r>
               <a:rPr lang="en-US" dirty="0" smtClean="0"/>
-              <a:t>Imperative </a:t>
-            </a:r>
-            <a:r>
-              <a:rPr lang="en-US" dirty="0" smtClean="0"/>
-              <a:t>programming </a:t>
-            </a:r>
-            <a:endParaRPr lang="en-US" dirty="0" smtClean="0"/>
+              <a:t>Imperative programming </a:t>
+            </a:r>
           </a:p>
           <a:p>
             <a:pPr algn="l" rtl="0"/>
@@ -7636,11 +7656,7 @@
             <a:pPr algn="l" rtl="0"/>
             <a:r>
               <a:rPr lang="en-US" dirty="0" smtClean="0"/>
-              <a:t>procedural </a:t>
-            </a:r>
-            <a:r>
-              <a:rPr lang="en-US" dirty="0" smtClean="0"/>
-              <a:t>programming</a:t>
+              <a:t>procedural programming</a:t>
             </a:r>
           </a:p>
         </p:txBody>

--- a/docs/Introduction to Python.pptx
+++ b/docs/Introduction to Python.pptx
@@ -12,40 +12,40 @@
     <p:sldId id="293" r:id="rId6"/>
     <p:sldId id="290" r:id="rId7"/>
     <p:sldId id="291" r:id="rId8"/>
-    <p:sldId id="288" r:id="rId9"/>
-    <p:sldId id="294" r:id="rId10"/>
-    <p:sldId id="296" r:id="rId11"/>
-    <p:sldId id="295" r:id="rId12"/>
-    <p:sldId id="258" r:id="rId13"/>
-    <p:sldId id="263" r:id="rId14"/>
-    <p:sldId id="262" r:id="rId15"/>
-    <p:sldId id="261" r:id="rId16"/>
-    <p:sldId id="264" r:id="rId17"/>
-    <p:sldId id="259" r:id="rId18"/>
-    <p:sldId id="265" r:id="rId19"/>
-    <p:sldId id="279" r:id="rId20"/>
-    <p:sldId id="298" r:id="rId21"/>
-    <p:sldId id="286" r:id="rId22"/>
-    <p:sldId id="260" r:id="rId23"/>
-    <p:sldId id="266" r:id="rId24"/>
-    <p:sldId id="267" r:id="rId25"/>
-    <p:sldId id="268" r:id="rId26"/>
-    <p:sldId id="269" r:id="rId27"/>
-    <p:sldId id="270" r:id="rId28"/>
-    <p:sldId id="271" r:id="rId29"/>
-    <p:sldId id="272" r:id="rId30"/>
-    <p:sldId id="273" r:id="rId31"/>
-    <p:sldId id="274" r:id="rId32"/>
-    <p:sldId id="275" r:id="rId33"/>
-    <p:sldId id="276" r:id="rId34"/>
-    <p:sldId id="277" r:id="rId35"/>
-    <p:sldId id="278" r:id="rId36"/>
-    <p:sldId id="280" r:id="rId37"/>
-    <p:sldId id="281" r:id="rId38"/>
-    <p:sldId id="284" r:id="rId39"/>
-    <p:sldId id="283" r:id="rId40"/>
-    <p:sldId id="285" r:id="rId41"/>
-    <p:sldId id="297" r:id="rId42"/>
+    <p:sldId id="294" r:id="rId9"/>
+    <p:sldId id="296" r:id="rId10"/>
+    <p:sldId id="295" r:id="rId11"/>
+    <p:sldId id="258" r:id="rId12"/>
+    <p:sldId id="263" r:id="rId13"/>
+    <p:sldId id="262" r:id="rId14"/>
+    <p:sldId id="261" r:id="rId15"/>
+    <p:sldId id="264" r:id="rId16"/>
+    <p:sldId id="259" r:id="rId17"/>
+    <p:sldId id="265" r:id="rId18"/>
+    <p:sldId id="279" r:id="rId19"/>
+    <p:sldId id="298" r:id="rId20"/>
+    <p:sldId id="286" r:id="rId21"/>
+    <p:sldId id="260" r:id="rId22"/>
+    <p:sldId id="266" r:id="rId23"/>
+    <p:sldId id="267" r:id="rId24"/>
+    <p:sldId id="268" r:id="rId25"/>
+    <p:sldId id="269" r:id="rId26"/>
+    <p:sldId id="270" r:id="rId27"/>
+    <p:sldId id="271" r:id="rId28"/>
+    <p:sldId id="272" r:id="rId29"/>
+    <p:sldId id="273" r:id="rId30"/>
+    <p:sldId id="274" r:id="rId31"/>
+    <p:sldId id="275" r:id="rId32"/>
+    <p:sldId id="276" r:id="rId33"/>
+    <p:sldId id="277" r:id="rId34"/>
+    <p:sldId id="278" r:id="rId35"/>
+    <p:sldId id="280" r:id="rId36"/>
+    <p:sldId id="281" r:id="rId37"/>
+    <p:sldId id="284" r:id="rId38"/>
+    <p:sldId id="283" r:id="rId39"/>
+    <p:sldId id="285" r:id="rId40"/>
+    <p:sldId id="297" r:id="rId41"/>
+    <p:sldId id="299" r:id="rId42"/>
   </p:sldIdLst>
   <p:sldSz cx="9144000" cy="6858000" type="screen4x3"/>
   <p:notesSz cx="6858000" cy="9144000"/>
@@ -328,7 +328,7 @@
           <a:p>
             <a:fld id="{749D2849-5570-4342-91BD-2F06611478A8}" type="datetimeFigureOut">
               <a:rPr lang="he-IL" smtClean="0"/>
-              <a:t>ט"ז/אדר א/תשע"ו</a:t>
+              <a:t>י"ח/אדר א/תשע"ו</a:t>
             </a:fld>
             <a:endParaRPr lang="he-IL"/>
           </a:p>
@@ -498,7 +498,7 @@
           <a:p>
             <a:fld id="{749D2849-5570-4342-91BD-2F06611478A8}" type="datetimeFigureOut">
               <a:rPr lang="he-IL" smtClean="0"/>
-              <a:t>ט"ז/אדר א/תשע"ו</a:t>
+              <a:t>י"ח/אדר א/תשע"ו</a:t>
             </a:fld>
             <a:endParaRPr lang="he-IL"/>
           </a:p>
@@ -678,7 +678,7 @@
           <a:p>
             <a:fld id="{749D2849-5570-4342-91BD-2F06611478A8}" type="datetimeFigureOut">
               <a:rPr lang="he-IL" smtClean="0"/>
-              <a:t>ט"ז/אדר א/תשע"ו</a:t>
+              <a:t>י"ח/אדר א/תשע"ו</a:t>
             </a:fld>
             <a:endParaRPr lang="he-IL"/>
           </a:p>
@@ -848,7 +848,7 @@
           <a:p>
             <a:fld id="{749D2849-5570-4342-91BD-2F06611478A8}" type="datetimeFigureOut">
               <a:rPr lang="he-IL" smtClean="0"/>
-              <a:t>ט"ז/אדר א/תשע"ו</a:t>
+              <a:t>י"ח/אדר א/תשע"ו</a:t>
             </a:fld>
             <a:endParaRPr lang="he-IL"/>
           </a:p>
@@ -1094,7 +1094,7 @@
           <a:p>
             <a:fld id="{749D2849-5570-4342-91BD-2F06611478A8}" type="datetimeFigureOut">
               <a:rPr lang="he-IL" smtClean="0"/>
-              <a:t>ט"ז/אדר א/תשע"ו</a:t>
+              <a:t>י"ח/אדר א/תשע"ו</a:t>
             </a:fld>
             <a:endParaRPr lang="he-IL"/>
           </a:p>
@@ -1382,7 +1382,7 @@
           <a:p>
             <a:fld id="{749D2849-5570-4342-91BD-2F06611478A8}" type="datetimeFigureOut">
               <a:rPr lang="he-IL" smtClean="0"/>
-              <a:t>ט"ז/אדר א/תשע"ו</a:t>
+              <a:t>י"ח/אדר א/תשע"ו</a:t>
             </a:fld>
             <a:endParaRPr lang="he-IL"/>
           </a:p>
@@ -1804,7 +1804,7 @@
           <a:p>
             <a:fld id="{749D2849-5570-4342-91BD-2F06611478A8}" type="datetimeFigureOut">
               <a:rPr lang="he-IL" smtClean="0"/>
-              <a:t>ט"ז/אדר א/תשע"ו</a:t>
+              <a:t>י"ח/אדר א/תשע"ו</a:t>
             </a:fld>
             <a:endParaRPr lang="he-IL"/>
           </a:p>
@@ -1922,7 +1922,7 @@
           <a:p>
             <a:fld id="{749D2849-5570-4342-91BD-2F06611478A8}" type="datetimeFigureOut">
               <a:rPr lang="he-IL" smtClean="0"/>
-              <a:t>ט"ז/אדר א/תשע"ו</a:t>
+              <a:t>י"ח/אדר א/תשע"ו</a:t>
             </a:fld>
             <a:endParaRPr lang="he-IL"/>
           </a:p>
@@ -2017,7 +2017,7 @@
           <a:p>
             <a:fld id="{749D2849-5570-4342-91BD-2F06611478A8}" type="datetimeFigureOut">
               <a:rPr lang="he-IL" smtClean="0"/>
-              <a:t>ט"ז/אדר א/תשע"ו</a:t>
+              <a:t>י"ח/אדר א/תשע"ו</a:t>
             </a:fld>
             <a:endParaRPr lang="he-IL"/>
           </a:p>
@@ -2294,7 +2294,7 @@
           <a:p>
             <a:fld id="{749D2849-5570-4342-91BD-2F06611478A8}" type="datetimeFigureOut">
               <a:rPr lang="he-IL" smtClean="0"/>
-              <a:t>ט"ז/אדר א/תשע"ו</a:t>
+              <a:t>י"ח/אדר א/תשע"ו</a:t>
             </a:fld>
             <a:endParaRPr lang="he-IL"/>
           </a:p>
@@ -2547,7 +2547,7 @@
           <a:p>
             <a:fld id="{749D2849-5570-4342-91BD-2F06611478A8}" type="datetimeFigureOut">
               <a:rPr lang="he-IL" smtClean="0"/>
-              <a:t>ט"ז/אדר א/תשע"ו</a:t>
+              <a:t>י"ח/אדר א/תשע"ו</a:t>
             </a:fld>
             <a:endParaRPr lang="he-IL"/>
           </a:p>
@@ -2760,7 +2760,7 @@
           <a:p>
             <a:fld id="{749D2849-5570-4342-91BD-2F06611478A8}" type="datetimeFigureOut">
               <a:rPr lang="he-IL" smtClean="0"/>
-              <a:t>ט"ז/אדר א/תשע"ו</a:t>
+              <a:t>י"ח/אדר א/תשע"ו</a:t>
             </a:fld>
             <a:endParaRPr lang="he-IL"/>
           </a:p>
@@ -3158,7 +3158,7 @@
         </p:blipFill>
         <p:spPr bwMode="auto">
           <a:xfrm>
-            <a:off x="1547664" y="1988840"/>
+            <a:off x="1707506" y="1093241"/>
             <a:ext cx="5724525" cy="1933576"/>
           </a:xfrm>
           <a:prstGeom prst="rect">
@@ -3188,62 +3188,116 @@
         </p:nvSpPr>
         <p:spPr>
           <a:xfrm>
-            <a:off x="683568" y="908720"/>
+            <a:off x="683568" y="-27384"/>
             <a:ext cx="7772400" cy="1470025"/>
           </a:xfrm>
         </p:spPr>
         <p:txBody>
+          <a:bodyPr>
+            <a:normAutofit/>
+          </a:bodyPr>
+          <a:lstStyle/>
+          <a:p>
+            <a:pPr rtl="0"/>
+            <a:r>
+              <a:rPr lang="en-US" sz="5400" dirty="0" smtClean="0">
+                <a:solidFill>
+                  <a:schemeClr val="tx1">
+                    <a:lumMod val="65000"/>
+                    <a:lumOff val="35000"/>
+                  </a:schemeClr>
+                </a:solidFill>
+                <a:latin typeface="Trebuchet MS" panose="020B0603020202020204" pitchFamily="34" charset="0"/>
+              </a:rPr>
+              <a:t>Introduction to</a:t>
+            </a:r>
+            <a:endParaRPr lang="he-IL" sz="5400" dirty="0">
+              <a:solidFill>
+                <a:schemeClr val="tx1">
+                  <a:lumMod val="65000"/>
+                  <a:lumOff val="35000"/>
+                </a:schemeClr>
+              </a:solidFill>
+              <a:latin typeface="Trebuchet MS" panose="020B0603020202020204" pitchFamily="34" charset="0"/>
+            </a:endParaRPr>
+          </a:p>
+        </p:txBody>
+      </p:sp>
+      <p:sp>
+        <p:nvSpPr>
+          <p:cNvPr id="3" name="Subtitle 2"/>
+          <p:cNvSpPr>
+            <a:spLocks noGrp="1"/>
+          </p:cNvSpPr>
+          <p:nvPr>
+            <p:ph type="subTitle" idx="1"/>
+          </p:nvPr>
+        </p:nvSpPr>
+        <p:spPr>
+          <a:xfrm>
+            <a:off x="1475656" y="4988768"/>
+            <a:ext cx="6400800" cy="1752600"/>
+          </a:xfrm>
+        </p:spPr>
+        <p:txBody>
           <a:bodyPr/>
           <a:lstStyle/>
           <a:p>
             <a:pPr rtl="0"/>
             <a:r>
-              <a:rPr lang="en-US" dirty="0" smtClean="0"/>
-              <a:t>Introduction to</a:t>
-            </a:r>
-            <a:endParaRPr lang="he-IL" dirty="0"/>
-          </a:p>
-        </p:txBody>
-      </p:sp>
-      <p:sp>
-        <p:nvSpPr>
-          <p:cNvPr id="3" name="Subtitle 2"/>
-          <p:cNvSpPr>
-            <a:spLocks noGrp="1"/>
-          </p:cNvSpPr>
-          <p:nvPr>
-            <p:ph type="subTitle" idx="1"/>
-          </p:nvPr>
-        </p:nvSpPr>
-        <p:spPr/>
-        <p:txBody>
-          <a:bodyPr/>
-          <a:lstStyle/>
+              <a:rPr lang="en-US" dirty="0" smtClean="0">
+                <a:solidFill>
+                  <a:schemeClr val="tx1">
+                    <a:lumMod val="75000"/>
+                    <a:lumOff val="25000"/>
+                  </a:schemeClr>
+                </a:solidFill>
+                <a:latin typeface="Arial Black" panose="020B0A04020102020204" pitchFamily="34" charset="0"/>
+              </a:rPr>
+              <a:t>Yoav Ram</a:t>
+            </a:r>
+          </a:p>
           <a:p>
             <a:pPr rtl="0"/>
             <a:r>
-              <a:rPr lang="en-US" dirty="0" smtClean="0"/>
-              <a:t>Yoav </a:t>
-            </a:r>
-            <a:r>
-              <a:rPr lang="en-US" dirty="0" smtClean="0"/>
-              <a:t>Ram</a:t>
+              <a:rPr lang="en-US" dirty="0" smtClean="0">
+                <a:solidFill>
+                  <a:schemeClr val="tx1">
+                    <a:lumMod val="75000"/>
+                    <a:lumOff val="25000"/>
+                  </a:schemeClr>
+                </a:solidFill>
+                <a:latin typeface="Arial Black" panose="020B0A04020102020204" pitchFamily="34" charset="0"/>
+              </a:rPr>
+              <a:t>Feb </a:t>
+            </a:r>
+            <a:r>
+              <a:rPr lang="en-US" dirty="0" smtClean="0">
+                <a:solidFill>
+                  <a:schemeClr val="tx1">
+                    <a:lumMod val="75000"/>
+                    <a:lumOff val="25000"/>
+                  </a:schemeClr>
+                </a:solidFill>
+                <a:latin typeface="Arial Black" panose="020B0A04020102020204" pitchFamily="34" charset="0"/>
+              </a:rPr>
+              <a:t>2016</a:t>
             </a:r>
           </a:p>
           <a:p>
             <a:pPr rtl="0"/>
             <a:r>
-              <a:rPr lang="en-US" dirty="0" smtClean="0"/>
-              <a:t>25 Feb 2016</a:t>
-            </a:r>
-          </a:p>
-          <a:p>
-            <a:pPr rtl="0"/>
-            <a:r>
-              <a:rPr lang="en-US" dirty="0" smtClean="0"/>
+              <a:rPr lang="en-US" dirty="0" smtClean="0">
+                <a:solidFill>
+                  <a:schemeClr val="tx1">
+                    <a:lumMod val="75000"/>
+                    <a:lumOff val="25000"/>
+                  </a:schemeClr>
+                </a:solidFill>
+                <a:latin typeface="Arial Black" panose="020B0A04020102020204" pitchFamily="34" charset="0"/>
+              </a:rPr>
               <a:t>http://python.yoavram.com</a:t>
             </a:r>
-            <a:endParaRPr lang="en-US" dirty="0" smtClean="0"/>
           </a:p>
         </p:txBody>
       </p:sp>
@@ -3270,13 +3324,75 @@
         </p:blipFill>
         <p:spPr bwMode="auto">
           <a:xfrm>
-            <a:off x="3923928" y="6014045"/>
-            <a:ext cx="1451429" cy="511299"/>
+            <a:off x="7740352" y="188640"/>
+            <a:ext cx="1226458" cy="432048"/>
           </a:xfrm>
           <a:prstGeom prst="rect">
             <a:avLst/>
           </a:prstGeom>
           <a:noFill/>
+          <a:extLst>
+            <a:ext uri="{909E8E84-426E-40DD-AFC4-6F175D3DCCD1}">
+              <a14:hiddenFill xmlns:a14="http://schemas.microsoft.com/office/drawing/2010/main">
+                <a:solidFill>
+                  <a:srgbClr val="FFFFFF"/>
+                </a:solidFill>
+              </a14:hiddenFill>
+            </a:ext>
+          </a:extLst>
+        </p:spPr>
+      </p:pic>
+      <p:pic>
+        <p:nvPicPr>
+          <p:cNvPr id="1027" name="Picture 3" descr="D:\workspace\python.yoavram.com\www\img\logo.png"/>
+          <p:cNvPicPr>
+            <a:picLocks noChangeAspect="1" noChangeArrowheads="1"/>
+          </p:cNvPicPr>
+          <p:nvPr/>
+        </p:nvPicPr>
+        <p:blipFill>
+          <a:blip r:embed="rId4">
+            <a:extLst>
+              <a:ext uri="{28A0092B-C50C-407E-A947-70E740481C1C}">
+                <a14:useLocalDpi xmlns:a14="http://schemas.microsoft.com/office/drawing/2010/main" val="0"/>
+              </a:ext>
+            </a:extLst>
+          </a:blip>
+          <a:srcRect/>
+          <a:stretch>
+            <a:fillRect/>
+          </a:stretch>
+        </p:blipFill>
+        <p:spPr bwMode="auto">
+          <a:xfrm>
+            <a:off x="3628344" y="2924944"/>
+            <a:ext cx="1882848" cy="1882848"/>
+          </a:xfrm>
+          <a:prstGeom prst="ellipse">
+            <a:avLst/>
+          </a:prstGeom>
+          <a:ln w="63500" cap="rnd">
+            <a:noFill/>
+          </a:ln>
+          <a:effectLst>
+            <a:outerShdw blurRad="50800" dist="38100" dir="2700000" algn="tl" rotWithShape="0">
+              <a:prstClr val="black">
+                <a:alpha val="40000"/>
+              </a:prstClr>
+            </a:outerShdw>
+          </a:effectLst>
+          <a:scene3d>
+            <a:camera prst="orthographicFront"/>
+            <a:lightRig rig="contrasting" dir="t">
+              <a:rot lat="0" lon="0" rev="3000000"/>
+            </a:lightRig>
+          </a:scene3d>
+          <a:sp3d contourW="7620">
+            <a:bevelT w="95250" h="31750"/>
+            <a:contourClr>
+              <a:srgbClr val="333333"/>
+            </a:contourClr>
+          </a:sp3d>
           <a:extLst>
             <a:ext uri="{909E8E84-426E-40DD-AFC4-6F175D3DCCD1}">
               <a14:hiddenFill xmlns:a14="http://schemas.microsoft.com/office/drawing/2010/main">
@@ -3298,6 +3414,13 @@
   <p:clrMapOvr>
     <a:masterClrMapping/>
   </p:clrMapOvr>
+  <p:timing>
+    <p:tnLst>
+      <p:par>
+        <p:cTn id="1" dur="indefinite" restart="never" nodeType="tmRoot"/>
+      </p:par>
+    </p:tnLst>
+  </p:timing>
 </p:sld>
 </file>
 
@@ -3335,8 +3458,8 @@
           <a:p>
             <a:pPr rtl="0"/>
             <a:r>
-              <a:rPr lang="en-US" dirty="0" smtClean="0"/>
-              <a:t>Version history</a:t>
+              <a:rPr lang="en-GB" dirty="0" smtClean="0"/>
+              <a:t>Guido van Rossum</a:t>
             </a:r>
             <a:endParaRPr lang="he-IL" dirty="0"/>
           </a:p>
@@ -3349,216 +3472,224 @@
             <a:spLocks noGrp="1"/>
           </p:cNvSpPr>
           <p:nvPr>
-            <p:ph sz="half" idx="1"/>
-          </p:nvPr>
-        </p:nvSpPr>
-        <p:spPr/>
+            <p:ph idx="1"/>
+          </p:nvPr>
+        </p:nvSpPr>
+        <p:spPr>
+          <a:xfrm>
+            <a:off x="457200" y="1600200"/>
+            <a:ext cx="8229600" cy="4997152"/>
+          </a:xfrm>
+        </p:spPr>
         <p:txBody>
           <a:bodyPr>
-            <a:noAutofit/>
+            <a:normAutofit fontScale="92500" lnSpcReduction="20000"/>
           </a:bodyPr>
           <a:lstStyle/>
           <a:p>
+            <a:pPr algn="l" rtl="0"/>
+            <a:r>
+              <a:rPr lang="en-US" dirty="0" smtClean="0"/>
+              <a:t>Python's principal author</a:t>
+            </a:r>
+          </a:p>
+          <a:p>
+            <a:pPr algn="l" rtl="0"/>
+            <a:r>
+              <a:rPr lang="en-US" dirty="0" smtClean="0"/>
+              <a:t>Still has a central role in deciding </a:t>
+            </a:r>
+          </a:p>
+          <a:p>
             <a:pPr marL="0" indent="0" algn="l" rtl="0">
               <a:buNone/>
             </a:pPr>
             <a:r>
-              <a:rPr lang="en-GB" sz="2000" dirty="0" smtClean="0"/>
-              <a:t>    Python 1.0 - January 1994</a:t>
-            </a:r>
+              <a:rPr lang="en-US" dirty="0"/>
+              <a:t>	</a:t>
+            </a:r>
+            <a:r>
+              <a:rPr lang="en-US" dirty="0" smtClean="0"/>
+              <a:t>the direction of </a:t>
+            </a:r>
+            <a:r>
+              <a:rPr lang="en-US" dirty="0" smtClean="0"/>
+              <a:t>Python development </a:t>
+            </a:r>
+            <a:endParaRPr lang="en-US" dirty="0" smtClean="0"/>
+          </a:p>
+          <a:p>
+            <a:pPr algn="l" rtl="0"/>
+            <a:r>
+              <a:rPr lang="en-US" dirty="0" smtClean="0"/>
+              <a:t>Titled by the Python community: </a:t>
+            </a:r>
+            <a:r>
+              <a:rPr lang="en-US" b="1" i="1" dirty="0" smtClean="0"/>
+              <a:t>Benevolent Dictator for Life</a:t>
+            </a:r>
+            <a:r>
+              <a:rPr lang="en-US" b="1" dirty="0" smtClean="0"/>
+              <a:t> (BDFL)</a:t>
+            </a:r>
+          </a:p>
+          <a:p>
+            <a:pPr algn="l" rtl="0"/>
+            <a:r>
+              <a:rPr lang="en-US" dirty="0" smtClean="0"/>
+              <a:t>Employed by Google </a:t>
+            </a:r>
+            <a:r>
+              <a:rPr lang="en-US" dirty="0" smtClean="0"/>
+              <a:t>2005-2012</a:t>
+            </a:r>
+            <a:endParaRPr lang="en-US" dirty="0" smtClean="0"/>
+          </a:p>
+          <a:p>
+            <a:pPr algn="l" rtl="0"/>
+            <a:r>
+              <a:rPr lang="en-US" dirty="0" smtClean="0"/>
+              <a:t>Spent half his time developing Python </a:t>
+            </a:r>
+          </a:p>
+          <a:p>
+            <a:pPr algn="l" rtl="0"/>
+            <a:r>
+              <a:rPr lang="en-US" dirty="0" smtClean="0"/>
+              <a:t>Since 2013 works for Dropbox</a:t>
+            </a:r>
+          </a:p>
+          <a:p>
+            <a:pPr algn="l" rtl="0"/>
+            <a:r>
+              <a:rPr lang="en-US" dirty="0" smtClean="0"/>
+              <a:t>Spends half his time developing Python</a:t>
+            </a:r>
+            <a:r>
+              <a:rPr lang="en-US" dirty="0" smtClean="0"/>
+              <a:t>…</a:t>
+            </a:r>
+            <a:endParaRPr lang="en-US" dirty="0" smtClean="0"/>
+          </a:p>
+          <a:p>
+            <a:pPr marL="0" indent="0" rtl="0">
+              <a:buNone/>
+            </a:pPr>
+            <a:r>
+              <a:rPr lang="en-GB" dirty="0" smtClean="0">
+                <a:hlinkClick r:id="rId2"/>
+              </a:rPr>
+              <a:t>Wikipedia</a:t>
+            </a:r>
+            <a:endParaRPr lang="en-GB" dirty="0" smtClean="0"/>
+          </a:p>
+          <a:p>
+            <a:pPr marL="0" indent="0" rtl="0">
+              <a:buNone/>
+            </a:pPr>
+            <a:r>
+              <a:rPr lang="en-US" dirty="0" smtClean="0">
+                <a:hlinkClick r:id="rId3"/>
+              </a:rPr>
+              <a:t>Homepage</a:t>
+            </a:r>
+            <a:endParaRPr lang="en-US" dirty="0" smtClean="0"/>
           </a:p>
           <a:p>
             <a:pPr marL="0" indent="0" algn="l" rtl="0">
               <a:buNone/>
             </a:pPr>
-            <a:r>
-              <a:rPr lang="en-GB" sz="2000" dirty="0" smtClean="0"/>
-              <a:t>        Python 1.5 - December 31, 1997</a:t>
-            </a:r>
+            <a:endParaRPr lang="en-US" dirty="0"/>
           </a:p>
           <a:p>
             <a:pPr marL="0" indent="0" algn="l" rtl="0">
               <a:buNone/>
             </a:pPr>
-            <a:r>
-              <a:rPr lang="en-GB" sz="2000" dirty="0" smtClean="0"/>
-              <a:t>        Python 1.6 - September 5, 2000</a:t>
-            </a:r>
-          </a:p>
-          <a:p>
-            <a:pPr marL="0" indent="0" algn="l" rtl="0">
-              <a:buNone/>
-            </a:pPr>
-            <a:r>
-              <a:rPr lang="en-GB" sz="2000" dirty="0" smtClean="0"/>
-              <a:t>    Python 2.0 - October 16, 2000</a:t>
-            </a:r>
-          </a:p>
-          <a:p>
-            <a:pPr marL="0" indent="0" algn="l" rtl="0">
-              <a:buNone/>
-            </a:pPr>
-            <a:r>
-              <a:rPr lang="en-GB" sz="2000" dirty="0" smtClean="0"/>
-              <a:t>        Python 2.1 - April 17, 2001</a:t>
-            </a:r>
-          </a:p>
-          <a:p>
-            <a:pPr marL="0" indent="0" algn="l" rtl="0">
-              <a:buNone/>
-            </a:pPr>
-            <a:r>
-              <a:rPr lang="en-GB" sz="2000" dirty="0" smtClean="0"/>
-              <a:t>        Python 2.2 - December 21, 2001</a:t>
-            </a:r>
-          </a:p>
-          <a:p>
-            <a:pPr marL="0" indent="0" algn="l" rtl="0">
-              <a:buNone/>
-            </a:pPr>
-            <a:r>
-              <a:rPr lang="en-GB" sz="2000" dirty="0" smtClean="0"/>
-              <a:t>        Python 2.3 - July 29, 2003</a:t>
-            </a:r>
-          </a:p>
-          <a:p>
-            <a:pPr marL="0" indent="0" algn="l" rtl="0">
-              <a:buNone/>
-            </a:pPr>
-            <a:r>
-              <a:rPr lang="en-GB" sz="2000" dirty="0" smtClean="0"/>
-              <a:t>        Python 2.4 - November 30, 2004</a:t>
-            </a:r>
-          </a:p>
-          <a:p>
-            <a:pPr marL="0" indent="0" algn="l" rtl="0">
-              <a:buNone/>
-            </a:pPr>
-            <a:r>
-              <a:rPr lang="en-GB" sz="2000" dirty="0" smtClean="0"/>
-              <a:t>        Python 2.5 - September 19, 2006</a:t>
-            </a:r>
-          </a:p>
-          <a:p>
-            <a:pPr marL="0" indent="0" algn="l" rtl="0">
-              <a:buNone/>
-            </a:pPr>
-            <a:r>
-              <a:rPr lang="en-GB" sz="2000" dirty="0" smtClean="0"/>
-              <a:t>        Python 2.6 - October 1, 2008</a:t>
-            </a:r>
-          </a:p>
-          <a:p>
-            <a:pPr marL="0" indent="0" algn="l" rtl="0">
-              <a:buNone/>
-            </a:pPr>
-            <a:r>
-              <a:rPr lang="en-GB" sz="2000" dirty="0" smtClean="0"/>
-              <a:t>        </a:t>
-            </a:r>
-            <a:r>
-              <a:rPr lang="en-GB" sz="2000" u="sng" dirty="0" smtClean="0"/>
-              <a:t>Python 2.7 - July 3, 2010</a:t>
-            </a:r>
-          </a:p>
-          <a:p>
-            <a:pPr marL="0" indent="0" algn="l" rtl="0">
-              <a:buNone/>
-            </a:pPr>
-            <a:r>
-              <a:rPr lang="en-GB" sz="2000" dirty="0" smtClean="0"/>
-              <a:t>    </a:t>
-            </a:r>
-            <a:endParaRPr lang="en-GB" sz="2000" b="1" dirty="0" smtClean="0"/>
-          </a:p>
-        </p:txBody>
-      </p:sp>
-      <p:sp>
-        <p:nvSpPr>
-          <p:cNvPr id="4" name="Content Placeholder 3"/>
-          <p:cNvSpPr>
-            <a:spLocks noGrp="1"/>
-          </p:cNvSpPr>
-          <p:nvPr>
-            <p:ph sz="half" idx="2"/>
-          </p:nvPr>
-        </p:nvSpPr>
-        <p:spPr/>
-        <p:txBody>
-          <a:bodyPr>
-            <a:normAutofit/>
+            <a:endParaRPr lang="en-GB" dirty="0" smtClean="0"/>
+          </a:p>
+          <a:p>
+            <a:pPr algn="l" rtl="0"/>
+            <a:endParaRPr lang="he-IL" dirty="0"/>
+          </a:p>
+        </p:txBody>
+      </p:sp>
+      <p:pic>
+        <p:nvPicPr>
+          <p:cNvPr id="18434" name="Picture 2" descr="Guido van Rossum OSCON 2006.jpg"/>
+          <p:cNvPicPr>
+            <a:picLocks noChangeAspect="1" noChangeArrowheads="1"/>
+          </p:cNvPicPr>
+          <p:nvPr/>
+        </p:nvPicPr>
+        <p:blipFill rotWithShape="1">
+          <a:blip r:embed="rId4">
+            <a:extLst>
+              <a:ext uri="{28A0092B-C50C-407E-A947-70E740481C1C}">
+                <a14:useLocalDpi xmlns:a14="http://schemas.microsoft.com/office/drawing/2010/main" val="0"/>
+              </a:ext>
+            </a:extLst>
+          </a:blip>
+          <a:srcRect b="22284"/>
+          <a:stretch/>
+        </p:blipFill>
+        <p:spPr bwMode="auto">
+          <a:xfrm>
+            <a:off x="7020385" y="188640"/>
+            <a:ext cx="1905000" cy="2220731"/>
+          </a:xfrm>
+          <a:prstGeom prst="rect">
+            <a:avLst/>
+          </a:prstGeom>
+          <a:ln>
+            <a:noFill/>
+          </a:ln>
+          <a:effectLst>
+            <a:outerShdw blurRad="292100" dist="139700" dir="2700000" algn="tl" rotWithShape="0">
+              <a:srgbClr val="333333">
+                <a:alpha val="65000"/>
+              </a:srgbClr>
+            </a:outerShdw>
+          </a:effectLst>
+          <a:extLst>
+            <a:ext uri="{909E8E84-426E-40DD-AFC4-6F175D3DCCD1}">
+              <a14:hiddenFill xmlns:a14="http://schemas.microsoft.com/office/drawing/2010/main">
+                <a:solidFill>
+                  <a:srgbClr val="FFFFFF"/>
+                </a:solidFill>
+              </a14:hiddenFill>
+            </a:ext>
+          </a:extLst>
+        </p:spPr>
+      </p:pic>
+      <p:sp>
+        <p:nvSpPr>
+          <p:cNvPr id="5" name="Rectangle 4"/>
+          <p:cNvSpPr/>
+          <p:nvPr/>
+        </p:nvSpPr>
+        <p:spPr>
+          <a:xfrm>
+            <a:off x="2285999" y="3105835"/>
+            <a:ext cx="6639385" cy="369332"/>
+          </a:xfrm>
+          <a:prstGeom prst="rect">
+            <a:avLst/>
+          </a:prstGeom>
+        </p:spPr>
+        <p:txBody>
+          <a:bodyPr wrap="square">
+            <a:spAutoFit/>
           </a:bodyPr>
           <a:lstStyle/>
           <a:p>
-            <a:pPr marL="0" indent="0" algn="l" rtl="0">
-              <a:buNone/>
-            </a:pPr>
-            <a:r>
-              <a:rPr lang="en-GB" sz="2000" dirty="0" smtClean="0"/>
-              <a:t>Python 3.0 - December 3, 2008</a:t>
-            </a:r>
-          </a:p>
-          <a:p>
-            <a:pPr marL="0" indent="0" algn="l" rtl="0">
-              <a:buNone/>
-            </a:pPr>
-            <a:r>
-              <a:rPr lang="en-GB" sz="2000" dirty="0" smtClean="0"/>
-              <a:t>        Python 3.1 - June 27, 2009</a:t>
-            </a:r>
-          </a:p>
-          <a:p>
-            <a:pPr marL="0" indent="0" algn="l" rtl="0">
-              <a:buNone/>
-            </a:pPr>
-            <a:r>
-              <a:rPr lang="en-GB" sz="2000" dirty="0" smtClean="0"/>
-              <a:t>        Python 3.2 - February 20, 2011</a:t>
-            </a:r>
-          </a:p>
-          <a:p>
-            <a:pPr marL="0" indent="0" algn="l" rtl="0">
-              <a:buNone/>
-            </a:pPr>
-            <a:r>
-              <a:rPr lang="en-GB" sz="2000" dirty="0" smtClean="0"/>
-              <a:t>        Python 3.3 - September 29, 2012</a:t>
-            </a:r>
-          </a:p>
-          <a:p>
-            <a:pPr marL="0" indent="0" algn="l" rtl="0">
-              <a:buNone/>
-            </a:pPr>
-            <a:r>
-              <a:rPr lang="en-GB" sz="2000" dirty="0" smtClean="0"/>
-              <a:t>        Python 3.4 - March 16, 2014</a:t>
-            </a:r>
-          </a:p>
-          <a:p>
-            <a:pPr marL="0" indent="0" algn="l" rtl="0">
-              <a:buNone/>
-            </a:pPr>
-            <a:r>
-              <a:rPr lang="en-GB" sz="2000" dirty="0" smtClean="0"/>
-              <a:t>        </a:t>
-            </a:r>
-            <a:r>
-              <a:rPr lang="en-GB" sz="2000" u="sng" dirty="0" smtClean="0"/>
-              <a:t>Python 3.5 - September 13, 2015</a:t>
-            </a:r>
-          </a:p>
-          <a:p>
-            <a:pPr marL="0" indent="0" algn="l" rtl="0">
-              <a:buNone/>
-            </a:pPr>
-            <a:endParaRPr lang="he-IL" sz="2000" dirty="0"/>
+            <a:endParaRPr lang="he-IL" dirty="0"/>
           </a:p>
         </p:txBody>
       </p:sp>
     </p:spTree>
     <p:extLst>
       <p:ext uri="{BB962C8B-B14F-4D97-AF65-F5344CB8AC3E}">
-        <p14:creationId xmlns:p14="http://schemas.microsoft.com/office/powerpoint/2010/main" val="3924827314"/>
+        <p14:creationId xmlns:p14="http://schemas.microsoft.com/office/powerpoint/2010/main" val="3443993632"/>
       </p:ext>
     </p:extLst>
   </p:cSld>
@@ -3592,7 +3723,7 @@
             <a:spLocks noGrp="1"/>
           </p:cNvSpPr>
           <p:nvPr>
-            <p:ph type="title"/>
+            <p:ph type="ctrTitle"/>
           </p:nvPr>
         </p:nvSpPr>
         <p:spPr/>
@@ -3602,8 +3733,8 @@
           <a:p>
             <a:pPr rtl="0"/>
             <a:r>
-              <a:rPr lang="en-GB" dirty="0" smtClean="0"/>
-              <a:t>Guido van Rossum</a:t>
+              <a:rPr lang="en-US" dirty="0" smtClean="0"/>
+              <a:t>Why Python?</a:t>
             </a:r>
             <a:endParaRPr lang="he-IL" dirty="0"/>
           </a:p>
@@ -3611,194 +3742,60 @@
       </p:sp>
       <p:sp>
         <p:nvSpPr>
-          <p:cNvPr id="3" name="Content Placeholder 2"/>
-          <p:cNvSpPr>
-            <a:spLocks noGrp="1"/>
-          </p:cNvSpPr>
-          <p:nvPr>
-            <p:ph idx="1"/>
-          </p:nvPr>
-        </p:nvSpPr>
-        <p:spPr/>
-        <p:txBody>
-          <a:bodyPr>
-            <a:normAutofit fontScale="85000" lnSpcReduction="20000"/>
-          </a:bodyPr>
-          <a:lstStyle/>
-          <a:p>
-            <a:pPr algn="l" rtl="0"/>
-            <a:r>
-              <a:rPr lang="en-US" dirty="0" smtClean="0"/>
-              <a:t>Python's principal author</a:t>
-            </a:r>
-          </a:p>
-          <a:p>
-            <a:pPr algn="l" rtl="0"/>
-            <a:r>
-              <a:rPr lang="en-US" dirty="0" smtClean="0"/>
-              <a:t>Still has a central role in deciding </a:t>
-            </a:r>
-          </a:p>
-          <a:p>
-            <a:pPr marL="0" indent="0" algn="l" rtl="0">
-              <a:buNone/>
-            </a:pPr>
-            <a:r>
-              <a:rPr lang="en-US" dirty="0"/>
-              <a:t>	</a:t>
-            </a:r>
-            <a:r>
-              <a:rPr lang="en-US" dirty="0" smtClean="0"/>
-              <a:t>the direction of Python </a:t>
-            </a:r>
-          </a:p>
-          <a:p>
-            <a:pPr algn="l" rtl="0"/>
-            <a:r>
-              <a:rPr lang="en-US" dirty="0" smtClean="0"/>
-              <a:t>Titled by the Python community: </a:t>
-            </a:r>
-            <a:r>
-              <a:rPr lang="en-US" b="1" i="1" dirty="0" smtClean="0"/>
-              <a:t>Benevolent Dictator for Life</a:t>
-            </a:r>
-            <a:r>
-              <a:rPr lang="en-US" b="1" dirty="0" smtClean="0"/>
-              <a:t> (BDFL)</a:t>
-            </a:r>
-          </a:p>
-          <a:p>
-            <a:pPr algn="l" rtl="0"/>
-            <a:r>
-              <a:rPr lang="en-US" dirty="0" smtClean="0"/>
-              <a:t>Employed by Google from 2005 until 2012</a:t>
-            </a:r>
-          </a:p>
-          <a:p>
-            <a:pPr algn="l" rtl="0"/>
-            <a:r>
-              <a:rPr lang="en-US" dirty="0" smtClean="0"/>
-              <a:t>Spent half his time developing Python </a:t>
-            </a:r>
-          </a:p>
-          <a:p>
-            <a:pPr algn="l" rtl="0"/>
-            <a:r>
-              <a:rPr lang="en-US" dirty="0" smtClean="0"/>
-              <a:t>Since 2013 works for Dropbox</a:t>
-            </a:r>
-          </a:p>
-          <a:p>
-            <a:pPr algn="l" rtl="0"/>
-            <a:r>
-              <a:rPr lang="en-US" dirty="0" smtClean="0"/>
-              <a:t>Spends half his time developing Python…</a:t>
-            </a:r>
-          </a:p>
-          <a:p>
-            <a:pPr marL="0" indent="0" rtl="0">
-              <a:buNone/>
-            </a:pPr>
-            <a:r>
-              <a:rPr lang="en-GB" dirty="0" smtClean="0">
-                <a:hlinkClick r:id="rId2"/>
-              </a:rPr>
-              <a:t>Wikipedia</a:t>
-            </a:r>
-            <a:endParaRPr lang="en-GB" dirty="0" smtClean="0"/>
-          </a:p>
-          <a:p>
-            <a:pPr marL="0" indent="0" rtl="0">
-              <a:buNone/>
-            </a:pPr>
-            <a:r>
-              <a:rPr lang="en-US" dirty="0" smtClean="0">
-                <a:hlinkClick r:id="rId3"/>
-              </a:rPr>
-              <a:t>Homepage</a:t>
-            </a:r>
-            <a:endParaRPr lang="en-US" dirty="0" smtClean="0"/>
-          </a:p>
-          <a:p>
-            <a:pPr marL="0" indent="0" algn="l" rtl="0">
-              <a:buNone/>
-            </a:pPr>
-            <a:endParaRPr lang="en-US" dirty="0"/>
-          </a:p>
-          <a:p>
-            <a:pPr marL="0" indent="0" algn="l" rtl="0">
-              <a:buNone/>
-            </a:pPr>
-            <a:endParaRPr lang="en-GB" dirty="0" smtClean="0"/>
-          </a:p>
-          <a:p>
-            <a:pPr algn="l" rtl="0"/>
-            <a:endParaRPr lang="he-IL" dirty="0"/>
-          </a:p>
-        </p:txBody>
-      </p:sp>
-      <p:pic>
-        <p:nvPicPr>
-          <p:cNvPr id="18434" name="Picture 2" descr="Guido van Rossum OSCON 2006.jpg"/>
-          <p:cNvPicPr>
-            <a:picLocks noChangeAspect="1" noChangeArrowheads="1"/>
-          </p:cNvPicPr>
-          <p:nvPr/>
-        </p:nvPicPr>
-        <p:blipFill>
-          <a:blip r:embed="rId4">
-            <a:extLst>
-              <a:ext uri="{28A0092B-C50C-407E-A947-70E740481C1C}">
-                <a14:useLocalDpi xmlns:a14="http://schemas.microsoft.com/office/drawing/2010/main" val="0"/>
-              </a:ext>
-            </a:extLst>
-          </a:blip>
-          <a:srcRect/>
-          <a:stretch>
-            <a:fillRect/>
-          </a:stretch>
-        </p:blipFill>
-        <p:spPr bwMode="auto">
-          <a:xfrm>
-            <a:off x="7020385" y="188640"/>
-            <a:ext cx="1905000" cy="2857500"/>
-          </a:xfrm>
-          <a:prstGeom prst="rect">
-            <a:avLst/>
-          </a:prstGeom>
-          <a:noFill/>
-          <a:extLst>
-            <a:ext uri="{909E8E84-426E-40DD-AFC4-6F175D3DCCD1}">
-              <a14:hiddenFill xmlns:a14="http://schemas.microsoft.com/office/drawing/2010/main">
-                <a:solidFill>
-                  <a:srgbClr val="FFFFFF"/>
-                </a:solidFill>
-              </a14:hiddenFill>
-            </a:ext>
-          </a:extLst>
-        </p:spPr>
-      </p:pic>
-      <p:sp>
-        <p:nvSpPr>
-          <p:cNvPr id="5" name="Rectangle 4"/>
+          <p:cNvPr id="4" name="Rectangle 3"/>
           <p:cNvSpPr/>
           <p:nvPr/>
         </p:nvSpPr>
         <p:spPr>
           <a:xfrm>
-            <a:off x="2285999" y="3105835"/>
-            <a:ext cx="6639385" cy="369332"/>
+            <a:off x="4288769" y="6039817"/>
+            <a:ext cx="4574137" cy="646331"/>
           </a:xfrm>
           <a:prstGeom prst="rect">
             <a:avLst/>
           </a:prstGeom>
         </p:spPr>
         <p:txBody>
-          <a:bodyPr wrap="square">
+          <a:bodyPr wrap="none">
             <a:spAutoFit/>
           </a:bodyPr>
           <a:lstStyle/>
           <a:p>
+            <a:pPr algn="l" rtl="0"/>
+            <a:r>
+              <a:rPr lang="en-US" dirty="0" smtClean="0">
+                <a:hlinkClick r:id="rId2"/>
+              </a:rPr>
+              <a:t>I used </a:t>
+            </a:r>
+            <a:r>
+              <a:rPr lang="en-US" dirty="0" err="1" smtClean="0">
+                <a:hlinkClick r:id="rId2"/>
+              </a:rPr>
+              <a:t>Matlab</a:t>
+            </a:r>
+            <a:r>
+              <a:rPr lang="en-US" dirty="0" smtClean="0">
+                <a:hlinkClick r:id="rId2"/>
+              </a:rPr>
+              <a:t>. Now I use Python. by Steve </a:t>
+            </a:r>
+            <a:r>
+              <a:rPr lang="en-US" dirty="0" err="1" smtClean="0">
+                <a:hlinkClick r:id="rId2"/>
+              </a:rPr>
+              <a:t>Tjoa</a:t>
+            </a:r>
+            <a:endParaRPr lang="en-US" dirty="0" smtClean="0"/>
+          </a:p>
+          <a:p>
+            <a:pPr algn="l" rtl="0"/>
+            <a:r>
+              <a:rPr lang="en-US" dirty="0" smtClean="0">
+                <a:hlinkClick r:id="rId3"/>
+              </a:rPr>
+              <a:t>Why use Python for scientific computing?</a:t>
+            </a:r>
             <a:endParaRPr lang="he-IL" dirty="0"/>
           </a:p>
         </p:txBody>
@@ -3806,7 +3803,7 @@
     </p:spTree>
     <p:extLst>
       <p:ext uri="{BB962C8B-B14F-4D97-AF65-F5344CB8AC3E}">
-        <p14:creationId xmlns:p14="http://schemas.microsoft.com/office/powerpoint/2010/main" val="3443993632"/>
+        <p14:creationId xmlns:p14="http://schemas.microsoft.com/office/powerpoint/2010/main" val="1858612101"/>
       </p:ext>
     </p:extLst>
   </p:cSld>
@@ -3851,67 +3848,7 @@
             <a:pPr rtl="0"/>
             <a:r>
               <a:rPr lang="en-US" dirty="0" smtClean="0"/>
-              <a:t>Why Python?</a:t>
-            </a:r>
-            <a:endParaRPr lang="he-IL" dirty="0"/>
-          </a:p>
-        </p:txBody>
-      </p:sp>
-      <p:sp>
-        <p:nvSpPr>
-          <p:cNvPr id="4" name="Rectangle 3"/>
-          <p:cNvSpPr/>
-          <p:nvPr/>
-        </p:nvSpPr>
-        <p:spPr>
-          <a:xfrm>
-            <a:off x="4288769" y="6039817"/>
-            <a:ext cx="4574137" cy="646331"/>
-          </a:xfrm>
-          <a:prstGeom prst="rect">
-            <a:avLst/>
-          </a:prstGeom>
-        </p:spPr>
-        <p:txBody>
-          <a:bodyPr wrap="none">
-            <a:spAutoFit/>
-          </a:bodyPr>
-          <a:lstStyle/>
-          <a:p>
-            <a:pPr algn="l" rtl="0"/>
-            <a:r>
-              <a:rPr lang="en-US" dirty="0" smtClean="0">
-                <a:hlinkClick r:id="rId2"/>
-              </a:rPr>
-              <a:t>I used </a:t>
-            </a:r>
-            <a:r>
-              <a:rPr lang="en-US" dirty="0" err="1" smtClean="0">
-                <a:hlinkClick r:id="rId2"/>
-              </a:rPr>
-              <a:t>Matlab</a:t>
-            </a:r>
-            <a:r>
-              <a:rPr lang="en-US" dirty="0" smtClean="0">
-                <a:hlinkClick r:id="rId2"/>
-              </a:rPr>
-              <a:t>. Now I use Python. by Steve </a:t>
-            </a:r>
-            <a:r>
-              <a:rPr lang="en-US" dirty="0" err="1" smtClean="0">
-                <a:hlinkClick r:id="rId2"/>
-              </a:rPr>
-              <a:t>Tjoa</a:t>
-            </a:r>
-            <a:endParaRPr lang="en-US" dirty="0" smtClean="0"/>
-          </a:p>
-          <a:p>
-            <a:pPr algn="l" rtl="0"/>
-            <a:r>
-              <a:rPr lang="en-US" dirty="0" smtClean="0">
-                <a:hlinkClick r:id="rId3"/>
-              </a:rPr>
-              <a:t>Why use Python for scientific computing?</a:t>
+              <a:t>Python is Free</a:t>
             </a:r>
             <a:endParaRPr lang="he-IL" dirty="0"/>
           </a:p>
@@ -3920,7 +3857,7 @@
     </p:spTree>
     <p:extLst>
       <p:ext uri="{BB962C8B-B14F-4D97-AF65-F5344CB8AC3E}">
-        <p14:creationId xmlns:p14="http://schemas.microsoft.com/office/powerpoint/2010/main" val="1858612101"/>
+        <p14:creationId xmlns:p14="http://schemas.microsoft.com/office/powerpoint/2010/main" val="4028440798"/>
       </p:ext>
     </p:extLst>
   </p:cSld>
@@ -3954,7 +3891,7 @@
             <a:spLocks noGrp="1"/>
           </p:cNvSpPr>
           <p:nvPr>
-            <p:ph type="ctrTitle"/>
+            <p:ph type="title"/>
           </p:nvPr>
         </p:nvSpPr>
         <p:spPr/>
@@ -3964,8 +3901,121 @@
           <a:p>
             <a:pPr rtl="0"/>
             <a:r>
-              <a:rPr lang="en-US" dirty="0" smtClean="0"/>
-              <a:t>Python is Free</a:t>
+              <a:rPr lang="en-US" b="1" dirty="0" smtClean="0"/>
+              <a:t>Gratis</a:t>
+            </a:r>
+            <a:r>
+              <a:rPr lang="en-US" dirty="0" smtClean="0"/>
+              <a:t>: Free as in Beer</a:t>
+            </a:r>
+            <a:endParaRPr lang="he-IL" dirty="0"/>
+          </a:p>
+        </p:txBody>
+      </p:sp>
+      <p:sp>
+        <p:nvSpPr>
+          <p:cNvPr id="3" name="Content Placeholder 2"/>
+          <p:cNvSpPr>
+            <a:spLocks noGrp="1"/>
+          </p:cNvSpPr>
+          <p:nvPr>
+            <p:ph idx="1"/>
+          </p:nvPr>
+        </p:nvSpPr>
+        <p:spPr/>
+        <p:txBody>
+          <a:bodyPr>
+            <a:normAutofit/>
+          </a:bodyPr>
+          <a:lstStyle/>
+          <a:p>
+            <a:pPr algn="l" rtl="0"/>
+            <a:r>
+              <a:rPr lang="en-GB" dirty="0" smtClean="0"/>
+              <a:t>Python is totally </a:t>
+            </a:r>
+            <a:r>
+              <a:rPr lang="en-GB" b="1" dirty="0" smtClean="0"/>
+              <a:t>free</a:t>
+            </a:r>
+          </a:p>
+          <a:p>
+            <a:pPr algn="l" rtl="0"/>
+            <a:r>
+              <a:rPr lang="en-GB" dirty="0" smtClean="0"/>
+              <a:t>MATLAB is </a:t>
+            </a:r>
+            <a:r>
+              <a:rPr lang="en-GB" b="1" dirty="0" smtClean="0"/>
+              <a:t>expensive </a:t>
+            </a:r>
+          </a:p>
+          <a:p>
+            <a:pPr lvl="1" algn="l" rtl="0"/>
+            <a:r>
+              <a:rPr lang="en-GB" dirty="0" smtClean="0"/>
+              <a:t>Individuals: $</a:t>
+            </a:r>
+            <a:r>
+              <a:rPr lang="en-GB" dirty="0" smtClean="0"/>
+              <a:t>2,605 </a:t>
+            </a:r>
+            <a:endParaRPr lang="he-IL" dirty="0" smtClean="0"/>
+          </a:p>
+          <a:p>
+            <a:pPr lvl="1" algn="l" rtl="0"/>
+            <a:r>
+              <a:rPr lang="en-US" dirty="0" smtClean="0"/>
+              <a:t>Academia: $625</a:t>
+            </a:r>
+          </a:p>
+          <a:p>
+            <a:pPr lvl="1" algn="l" rtl="0"/>
+            <a:r>
+              <a:rPr lang="en-US" dirty="0" smtClean="0"/>
+              <a:t>Personal: $135</a:t>
+            </a:r>
+          </a:p>
+          <a:p>
+            <a:pPr lvl="1" algn="l" rtl="0"/>
+            <a:r>
+              <a:rPr lang="en-US" dirty="0" smtClean="0"/>
+              <a:t>Student: $45-89</a:t>
+            </a:r>
+            <a:endParaRPr lang="en-GB" dirty="0"/>
+          </a:p>
+          <a:p>
+            <a:pPr marL="0" indent="0" algn="l" rtl="0">
+              <a:buNone/>
+            </a:pPr>
+            <a:endParaRPr lang="en-GB" dirty="0"/>
+          </a:p>
+        </p:txBody>
+      </p:sp>
+      <p:sp>
+        <p:nvSpPr>
+          <p:cNvPr id="4" name="Rectangle 3"/>
+          <p:cNvSpPr/>
+          <p:nvPr/>
+        </p:nvSpPr>
+        <p:spPr>
+          <a:xfrm>
+            <a:off x="1679797" y="6309320"/>
+            <a:ext cx="7016216" cy="369332"/>
+          </a:xfrm>
+          <a:prstGeom prst="rect">
+            <a:avLst/>
+          </a:prstGeom>
+        </p:spPr>
+        <p:txBody>
+          <a:bodyPr wrap="none">
+            <a:spAutoFit/>
+          </a:bodyPr>
+          <a:lstStyle/>
+          <a:p>
+            <a:r>
+              <a:rPr lang="en-GB" dirty="0" smtClean="0"/>
+              <a:t>http://www.mathworks.com/pricing-licensing/index.html?prodCode=ML</a:t>
             </a:r>
             <a:endParaRPr lang="he-IL" dirty="0"/>
           </a:p>
@@ -3974,7 +4024,7 @@
     </p:spTree>
     <p:extLst>
       <p:ext uri="{BB962C8B-B14F-4D97-AF65-F5344CB8AC3E}">
-        <p14:creationId xmlns:p14="http://schemas.microsoft.com/office/powerpoint/2010/main" val="4028440798"/>
+        <p14:creationId xmlns:p14="http://schemas.microsoft.com/office/powerpoint/2010/main" val="2733564774"/>
       </p:ext>
     </p:extLst>
   </p:cSld>
@@ -4018,8 +4068,12 @@
           <a:p>
             <a:pPr rtl="0"/>
             <a:r>
-              <a:rPr lang="en-US" dirty="0" smtClean="0"/>
-              <a:t>Gratis: Free as in Beer</a:t>
+              <a:rPr lang="en-US" b="1" dirty="0" err="1" smtClean="0"/>
+              <a:t>Libre</a:t>
+            </a:r>
+            <a:r>
+              <a:rPr lang="en-US" dirty="0" smtClean="0"/>
+              <a:t>: Free as in Speech</a:t>
             </a:r>
             <a:endParaRPr lang="he-IL" dirty="0"/>
           </a:p>
@@ -4038,102 +4092,187 @@
         <p:spPr/>
         <p:txBody>
           <a:bodyPr>
-            <a:normAutofit/>
+            <a:normAutofit lnSpcReduction="10000"/>
           </a:bodyPr>
           <a:lstStyle/>
           <a:p>
             <a:pPr algn="l" rtl="0"/>
             <a:r>
               <a:rPr lang="en-GB" dirty="0" smtClean="0"/>
-              <a:t>Python is totally </a:t>
+              <a:t>MATLAB source code is </a:t>
             </a:r>
             <a:r>
               <a:rPr lang="en-GB" b="1" dirty="0" smtClean="0"/>
-              <a:t>free</a:t>
-            </a:r>
-          </a:p>
-          <a:p>
-            <a:pPr algn="l" rtl="0"/>
+              <a:t>closed</a:t>
+            </a:r>
             <a:r>
               <a:rPr lang="en-GB" dirty="0" smtClean="0"/>
-              <a:t>MATLAB is </a:t>
+              <a:t> and </a:t>
+            </a:r>
+            <a:r>
+              <a:rPr lang="en-GB" dirty="0" smtClean="0"/>
+              <a:t>proprietary</a:t>
+            </a:r>
+            <a:endParaRPr lang="en-GB" dirty="0" smtClean="0"/>
+          </a:p>
+          <a:p>
+            <a:pPr lvl="1" algn="l" rtl="0"/>
+            <a:r>
+              <a:rPr lang="en-US" dirty="0" smtClean="0"/>
+              <a:t>You </a:t>
+            </a:r>
+            <a:r>
+              <a:rPr lang="en-US" dirty="0" smtClean="0"/>
+              <a:t>cannot </a:t>
+            </a:r>
+            <a:r>
+              <a:rPr lang="en-US" b="1" dirty="0" smtClean="0"/>
+              <a:t>see </a:t>
+            </a:r>
+            <a:r>
+              <a:rPr lang="en-US" dirty="0" smtClean="0"/>
+              <a:t>the code</a:t>
+            </a:r>
+          </a:p>
+          <a:p>
+            <a:pPr lvl="1" algn="l" rtl="0"/>
+            <a:r>
+              <a:rPr lang="en-US" dirty="0" smtClean="0"/>
+              <a:t>You </a:t>
+            </a:r>
+            <a:r>
+              <a:rPr lang="en-US" dirty="0" smtClean="0"/>
+              <a:t>cannot </a:t>
+            </a:r>
+            <a:r>
+              <a:rPr lang="en-US" b="1" dirty="0" smtClean="0"/>
+              <a:t>change </a:t>
+            </a:r>
+            <a:r>
+              <a:rPr lang="en-US" dirty="0" smtClean="0"/>
+              <a:t>the code</a:t>
+            </a:r>
+          </a:p>
+          <a:p>
+            <a:pPr lvl="1" algn="l" rtl="0"/>
+            <a:r>
+              <a:rPr lang="en-US" dirty="0" smtClean="0"/>
+              <a:t>You can participate in the discussion as a </a:t>
+            </a:r>
+            <a:r>
+              <a:rPr lang="en-US" b="1" dirty="0" smtClean="0"/>
+              <a:t>client</a:t>
+            </a:r>
+          </a:p>
+          <a:p>
+            <a:pPr algn="l" rtl="0"/>
+            <a:r>
+              <a:rPr lang="en-GB" dirty="0" smtClean="0"/>
+              <a:t>Python source code is </a:t>
             </a:r>
             <a:r>
               <a:rPr lang="en-GB" b="1" dirty="0" smtClean="0"/>
-              <a:t>expensive </a:t>
-            </a:r>
+              <a:t>open</a:t>
+            </a:r>
+            <a:endParaRPr lang="en-GB" b="1" dirty="0" smtClean="0"/>
           </a:p>
           <a:p>
             <a:pPr lvl="1" algn="l" rtl="0"/>
             <a:r>
               <a:rPr lang="en-GB" dirty="0" smtClean="0"/>
-              <a:t>Individuals: $2605 </a:t>
-            </a:r>
-            <a:endParaRPr lang="he-IL" dirty="0" smtClean="0"/>
+              <a:t>You can </a:t>
+            </a:r>
+            <a:r>
+              <a:rPr lang="en-GB" b="1" dirty="0" smtClean="0"/>
+              <a:t>see</a:t>
+            </a:r>
+            <a:r>
+              <a:rPr lang="en-GB" dirty="0" smtClean="0"/>
+              <a:t>, you can </a:t>
+            </a:r>
+            <a:r>
+              <a:rPr lang="en-GB" b="1" dirty="0" smtClean="0"/>
+              <a:t>change,</a:t>
+            </a:r>
+            <a:r>
+              <a:rPr lang="en-GB" dirty="0" smtClean="0"/>
+              <a:t> you can </a:t>
+            </a:r>
+            <a:r>
+              <a:rPr lang="en-GB" b="1" dirty="0" smtClean="0"/>
+              <a:t>contribute</a:t>
+            </a:r>
+            <a:r>
+              <a:rPr lang="en-GB" dirty="0" smtClean="0"/>
+              <a:t> </a:t>
+            </a:r>
+            <a:r>
+              <a:rPr lang="en-GB" dirty="0" smtClean="0"/>
+              <a:t>code and documentation (</a:t>
+            </a:r>
+            <a:r>
+              <a:rPr lang="en-GB" dirty="0" smtClean="0">
+                <a:hlinkClick r:id="rId2"/>
+              </a:rPr>
+              <a:t>python</a:t>
+            </a:r>
+            <a:r>
+              <a:rPr lang="en-GB" dirty="0" smtClean="0"/>
+              <a:t>, </a:t>
+            </a:r>
+            <a:r>
+              <a:rPr lang="en-GB" dirty="0" err="1" smtClean="0">
+                <a:hlinkClick r:id="rId3"/>
+              </a:rPr>
+              <a:t>numpy</a:t>
+            </a:r>
+            <a:r>
+              <a:rPr lang="en-GB" dirty="0" smtClean="0"/>
+              <a:t>)</a:t>
+            </a:r>
           </a:p>
           <a:p>
             <a:pPr lvl="1" algn="l" rtl="0"/>
             <a:r>
-              <a:rPr lang="en-US" dirty="0" smtClean="0"/>
-              <a:t>Academia: $625</a:t>
-            </a:r>
-          </a:p>
-          <a:p>
-            <a:pPr lvl="1" algn="l" rtl="0"/>
-            <a:r>
-              <a:rPr lang="en-US" dirty="0" smtClean="0"/>
-              <a:t>Personal: $135</a:t>
-            </a:r>
-          </a:p>
-          <a:p>
-            <a:pPr lvl="1" algn="l" rtl="0"/>
-            <a:r>
-              <a:rPr lang="en-US" dirty="0" smtClean="0"/>
-              <a:t>Student: $45-89</a:t>
-            </a:r>
-            <a:endParaRPr lang="en-GB" dirty="0"/>
-          </a:p>
-          <a:p>
-            <a:pPr marL="0" indent="0" algn="l" rtl="0">
-              <a:buNone/>
-            </a:pPr>
-            <a:endParaRPr lang="en-GB" dirty="0"/>
-          </a:p>
-        </p:txBody>
-      </p:sp>
-      <p:sp>
-        <p:nvSpPr>
-          <p:cNvPr id="4" name="Rectangle 3"/>
-          <p:cNvSpPr/>
-          <p:nvPr/>
-        </p:nvSpPr>
-        <p:spPr>
-          <a:xfrm>
-            <a:off x="1679797" y="6309320"/>
-            <a:ext cx="7016216" cy="369332"/>
-          </a:xfrm>
-          <a:prstGeom prst="rect">
-            <a:avLst/>
-          </a:prstGeom>
-        </p:spPr>
-        <p:txBody>
-          <a:bodyPr wrap="none">
-            <a:spAutoFit/>
-          </a:bodyPr>
-          <a:lstStyle/>
-          <a:p>
-            <a:r>
               <a:rPr lang="en-GB" dirty="0" smtClean="0"/>
-              <a:t>http://www.mathworks.com/pricing-licensing/index.html?prodCode=ML</a:t>
-            </a:r>
-            <a:endParaRPr lang="he-IL" dirty="0"/>
+              <a:t>You can participate in the discussion as a </a:t>
+            </a:r>
+            <a:r>
+              <a:rPr lang="en-GB" b="1" dirty="0" smtClean="0"/>
+              <a:t>peer</a:t>
+            </a:r>
+            <a:r>
+              <a:rPr lang="en-GB" dirty="0" smtClean="0"/>
+              <a:t> (</a:t>
+            </a:r>
+            <a:r>
+              <a:rPr lang="en-GB" dirty="0" smtClean="0">
+                <a:hlinkClick r:id="rId4"/>
+              </a:rPr>
+              <a:t>python</a:t>
+            </a:r>
+            <a:r>
+              <a:rPr lang="en-GB" dirty="0" smtClean="0"/>
+              <a:t> </a:t>
+            </a:r>
+            <a:r>
+              <a:rPr lang="en-GB" dirty="0" err="1" smtClean="0">
+                <a:hlinkClick r:id="rId5"/>
+              </a:rPr>
+              <a:t>numpy</a:t>
+            </a:r>
+            <a:r>
+              <a:rPr lang="en-GB" dirty="0" smtClean="0"/>
+              <a:t>)</a:t>
+            </a:r>
+            <a:endParaRPr lang="en-GB" b="1" dirty="0" smtClean="0"/>
           </a:p>
         </p:txBody>
       </p:sp>
     </p:spTree>
     <p:extLst>
       <p:ext uri="{BB962C8B-B14F-4D97-AF65-F5344CB8AC3E}">
-        <p14:creationId xmlns:p14="http://schemas.microsoft.com/office/powerpoint/2010/main" val="2733564774"/>
+        <p14:creationId xmlns:p14="http://schemas.microsoft.com/office/powerpoint/2010/main" val="1549319660"/>
       </p:ext>
     </p:extLst>
   </p:cSld>
@@ -4167,187 +4306,28 @@
             <a:spLocks noGrp="1"/>
           </p:cNvSpPr>
           <p:nvPr>
-            <p:ph type="title"/>
-          </p:nvPr>
-        </p:nvSpPr>
-        <p:spPr/>
-        <p:txBody>
-          <a:bodyPr/>
-          <a:lstStyle/>
-          <a:p>
-            <a:pPr rtl="0"/>
-            <a:r>
-              <a:rPr lang="en-US" dirty="0" err="1" smtClean="0"/>
-              <a:t>Libre</a:t>
-            </a:r>
-            <a:r>
-              <a:rPr lang="en-US" dirty="0" smtClean="0"/>
-              <a:t>: Free as in Speech</a:t>
+            <p:ph type="ctrTitle"/>
+          </p:nvPr>
+        </p:nvSpPr>
+        <p:spPr/>
+        <p:txBody>
+          <a:bodyPr>
+            <a:normAutofit/>
+          </a:bodyPr>
+          <a:lstStyle/>
+          <a:p>
+            <a:r>
+              <a:rPr lang="en-US" dirty="0" smtClean="0"/>
+              <a:t>Python is a general-purpose language</a:t>
             </a:r>
             <a:endParaRPr lang="he-IL" dirty="0"/>
-          </a:p>
-        </p:txBody>
-      </p:sp>
-      <p:sp>
-        <p:nvSpPr>
-          <p:cNvPr id="3" name="Content Placeholder 2"/>
-          <p:cNvSpPr>
-            <a:spLocks noGrp="1"/>
-          </p:cNvSpPr>
-          <p:nvPr>
-            <p:ph idx="1"/>
-          </p:nvPr>
-        </p:nvSpPr>
-        <p:spPr/>
-        <p:txBody>
-          <a:bodyPr>
-            <a:normAutofit fontScale="92500"/>
-          </a:bodyPr>
-          <a:lstStyle/>
-          <a:p>
-            <a:pPr algn="l" rtl="0"/>
-            <a:r>
-              <a:rPr lang="en-GB" dirty="0" smtClean="0"/>
-              <a:t>MATLAB source code is closed and proprietary:</a:t>
-            </a:r>
-          </a:p>
-          <a:p>
-            <a:pPr lvl="1" algn="l" rtl="0"/>
-            <a:r>
-              <a:rPr lang="en-US" dirty="0" smtClean="0"/>
-              <a:t>You can not </a:t>
-            </a:r>
-            <a:r>
-              <a:rPr lang="en-US" b="1" dirty="0" smtClean="0"/>
-              <a:t>see </a:t>
-            </a:r>
-            <a:r>
-              <a:rPr lang="en-US" dirty="0" smtClean="0"/>
-              <a:t>the code</a:t>
-            </a:r>
-          </a:p>
-          <a:p>
-            <a:pPr lvl="1" algn="l" rtl="0"/>
-            <a:r>
-              <a:rPr lang="en-US" dirty="0" smtClean="0"/>
-              <a:t>You can not </a:t>
-            </a:r>
-            <a:r>
-              <a:rPr lang="en-US" b="1" dirty="0" smtClean="0"/>
-              <a:t>change </a:t>
-            </a:r>
-            <a:r>
-              <a:rPr lang="en-US" dirty="0" smtClean="0"/>
-              <a:t>the code</a:t>
-            </a:r>
-          </a:p>
-          <a:p>
-            <a:pPr lvl="1" algn="l" rtl="0"/>
-            <a:r>
-              <a:rPr lang="en-US" dirty="0" smtClean="0"/>
-              <a:t>You can participate in the discussion as a </a:t>
-            </a:r>
-            <a:r>
-              <a:rPr lang="en-US" b="1" dirty="0" smtClean="0"/>
-              <a:t>client</a:t>
-            </a:r>
-          </a:p>
-          <a:p>
-            <a:pPr algn="l" rtl="0"/>
-            <a:r>
-              <a:rPr lang="en-GB" dirty="0" smtClean="0"/>
-              <a:t>Python source code is open and free</a:t>
-            </a:r>
-          </a:p>
-          <a:p>
-            <a:pPr lvl="1" algn="l" rtl="0"/>
-            <a:r>
-              <a:rPr lang="en-GB" dirty="0" smtClean="0"/>
-              <a:t>You can </a:t>
-            </a:r>
-            <a:r>
-              <a:rPr lang="en-GB" b="1" dirty="0" smtClean="0"/>
-              <a:t>see</a:t>
-            </a:r>
-            <a:r>
-              <a:rPr lang="en-GB" dirty="0" smtClean="0"/>
-              <a:t>, you can </a:t>
-            </a:r>
-            <a:r>
-              <a:rPr lang="en-GB" b="1" dirty="0" smtClean="0"/>
-              <a:t>change</a:t>
-            </a:r>
-            <a:r>
-              <a:rPr lang="en-GB" dirty="0"/>
-              <a:t> </a:t>
-            </a:r>
-            <a:r>
-              <a:rPr lang="en-GB" dirty="0" smtClean="0"/>
-              <a:t>and </a:t>
-            </a:r>
-            <a:r>
-              <a:rPr lang="en-GB" b="1" dirty="0" smtClean="0"/>
-              <a:t>contribute</a:t>
-            </a:r>
-            <a:r>
-              <a:rPr lang="en-GB" dirty="0" smtClean="0"/>
-              <a:t> code and documentation (</a:t>
-            </a:r>
-            <a:r>
-              <a:rPr lang="en-GB" dirty="0" smtClean="0">
-                <a:hlinkClick r:id="rId2"/>
-              </a:rPr>
-              <a:t>python</a:t>
-            </a:r>
-            <a:r>
-              <a:rPr lang="en-GB" dirty="0" smtClean="0"/>
-              <a:t>, </a:t>
-            </a:r>
-            <a:r>
-              <a:rPr lang="en-GB" dirty="0" err="1" smtClean="0">
-                <a:hlinkClick r:id="rId3"/>
-              </a:rPr>
-              <a:t>numpy</a:t>
-            </a:r>
-            <a:r>
-              <a:rPr lang="en-GB" dirty="0" smtClean="0"/>
-              <a:t>)</a:t>
-            </a:r>
-          </a:p>
-          <a:p>
-            <a:pPr lvl="1" algn="l" rtl="0"/>
-            <a:r>
-              <a:rPr lang="en-GB" dirty="0" smtClean="0"/>
-              <a:t>You can participate in the discussion as a peer (</a:t>
-            </a:r>
-            <a:r>
-              <a:rPr lang="en-GB" dirty="0" smtClean="0">
-                <a:hlinkClick r:id="rId4"/>
-              </a:rPr>
-              <a:t>python</a:t>
-            </a:r>
-            <a:r>
-              <a:rPr lang="en-GB" dirty="0" smtClean="0"/>
-              <a:t> </a:t>
-            </a:r>
-            <a:r>
-              <a:rPr lang="en-GB" dirty="0" err="1" smtClean="0">
-                <a:hlinkClick r:id="rId5"/>
-              </a:rPr>
-              <a:t>numpy</a:t>
-            </a:r>
-            <a:r>
-              <a:rPr lang="en-GB" dirty="0" smtClean="0"/>
-              <a:t>)</a:t>
-            </a:r>
-            <a:endParaRPr lang="en-GB" b="1" dirty="0" smtClean="0"/>
           </a:p>
         </p:txBody>
       </p:sp>
     </p:spTree>
     <p:extLst>
       <p:ext uri="{BB962C8B-B14F-4D97-AF65-F5344CB8AC3E}">
-        <p14:creationId xmlns:p14="http://schemas.microsoft.com/office/powerpoint/2010/main" val="1549319660"/>
+        <p14:creationId xmlns:p14="http://schemas.microsoft.com/office/powerpoint/2010/main" val="3467007499"/>
       </p:ext>
     </p:extLst>
   </p:cSld>
@@ -4381,7 +4361,31 @@
             <a:spLocks noGrp="1"/>
           </p:cNvSpPr>
           <p:nvPr>
-            <p:ph type="ctrTitle"/>
+            <p:ph type="title"/>
+          </p:nvPr>
+        </p:nvSpPr>
+        <p:spPr/>
+        <p:txBody>
+          <a:bodyPr/>
+          <a:lstStyle/>
+          <a:p>
+            <a:pPr rtl="0"/>
+            <a:r>
+              <a:rPr lang="en-GB" dirty="0" smtClean="0"/>
+              <a:t>Python is used for</a:t>
+            </a:r>
+            <a:endParaRPr lang="en-GB" b="1" dirty="0" smtClean="0"/>
+          </a:p>
+        </p:txBody>
+      </p:sp>
+      <p:sp>
+        <p:nvSpPr>
+          <p:cNvPr id="3" name="Content Placeholder 2"/>
+          <p:cNvSpPr>
+            <a:spLocks noGrp="1"/>
+          </p:cNvSpPr>
+          <p:nvPr>
+            <p:ph idx="1"/>
           </p:nvPr>
         </p:nvSpPr>
         <p:spPr/>
@@ -4391,18 +4395,53 @@
           </a:bodyPr>
           <a:lstStyle/>
           <a:p>
-            <a:r>
-              <a:rPr lang="en-US" dirty="0" smtClean="0"/>
-              <a:t>Python is a general-purpose language</a:t>
-            </a:r>
-            <a:endParaRPr lang="he-IL" dirty="0"/>
+            <a:pPr algn="l" rtl="0"/>
+            <a:r>
+              <a:rPr lang="en-US" dirty="0" smtClean="0"/>
+              <a:t>scientific computing</a:t>
+            </a:r>
+          </a:p>
+          <a:p>
+            <a:pPr algn="l" rtl="0"/>
+            <a:r>
+              <a:rPr lang="en-US" dirty="0" smtClean="0"/>
+              <a:t>enterprise software</a:t>
+            </a:r>
+          </a:p>
+          <a:p>
+            <a:pPr algn="l" rtl="0"/>
+            <a:r>
+              <a:rPr lang="en-US" dirty="0" smtClean="0"/>
+              <a:t>web design</a:t>
+            </a:r>
+          </a:p>
+          <a:p>
+            <a:pPr algn="l" rtl="0"/>
+            <a:r>
+              <a:rPr lang="en-US" dirty="0" smtClean="0"/>
+              <a:t>back end</a:t>
+            </a:r>
+          </a:p>
+          <a:p>
+            <a:pPr algn="l" rtl="0"/>
+            <a:r>
+              <a:rPr lang="en-US" dirty="0" smtClean="0"/>
+              <a:t>front end</a:t>
+            </a:r>
+          </a:p>
+          <a:p>
+            <a:pPr algn="l" rtl="0"/>
+            <a:r>
+              <a:rPr lang="en-US" dirty="0" smtClean="0"/>
+              <a:t>everything in between</a:t>
+            </a:r>
           </a:p>
         </p:txBody>
       </p:sp>
     </p:spTree>
     <p:extLst>
       <p:ext uri="{BB962C8B-B14F-4D97-AF65-F5344CB8AC3E}">
-        <p14:creationId xmlns:p14="http://schemas.microsoft.com/office/powerpoint/2010/main" val="3467007499"/>
+        <p14:creationId xmlns:p14="http://schemas.microsoft.com/office/powerpoint/2010/main" val="2298564234"/>
       </p:ext>
     </p:extLst>
   </p:cSld>
@@ -4446,10 +4485,10 @@
           <a:p>
             <a:pPr rtl="0"/>
             <a:r>
-              <a:rPr lang="en-GB" dirty="0" smtClean="0"/>
-              <a:t>Python is used for</a:t>
-            </a:r>
-            <a:endParaRPr lang="en-GB" b="1" dirty="0" smtClean="0"/>
+              <a:rPr lang="en-US" dirty="0" smtClean="0"/>
+              <a:t>Python is used at</a:t>
+            </a:r>
+            <a:endParaRPr lang="he-IL" dirty="0"/>
           </a:p>
         </p:txBody>
       </p:sp>
@@ -4463,60 +4502,162 @@
             <p:ph idx="1"/>
           </p:nvPr>
         </p:nvSpPr>
-        <p:spPr/>
+        <p:spPr>
+          <a:xfrm>
+            <a:off x="457200" y="1600200"/>
+            <a:ext cx="8229600" cy="5501208"/>
+          </a:xfrm>
+        </p:spPr>
         <p:txBody>
           <a:bodyPr>
-            <a:normAutofit/>
+            <a:normAutofit fontScale="55000" lnSpcReduction="20000"/>
           </a:bodyPr>
           <a:lstStyle/>
           <a:p>
-            <a:pPr algn="l" rtl="0"/>
-            <a:r>
-              <a:rPr lang="en-US" dirty="0" smtClean="0"/>
-              <a:t>scientific computing</a:t>
-            </a:r>
-          </a:p>
-          <a:p>
-            <a:pPr algn="l" rtl="0"/>
-            <a:r>
-              <a:rPr lang="en-US" dirty="0" smtClean="0"/>
-              <a:t>enterprise software</a:t>
-            </a:r>
-          </a:p>
-          <a:p>
-            <a:pPr algn="l" rtl="0"/>
-            <a:r>
-              <a:rPr lang="en-US" dirty="0" smtClean="0"/>
-              <a:t>web design</a:t>
-            </a:r>
-          </a:p>
-          <a:p>
-            <a:pPr algn="l" rtl="0"/>
-            <a:r>
-              <a:rPr lang="en-US" dirty="0" smtClean="0"/>
-              <a:t>back end</a:t>
-            </a:r>
-          </a:p>
-          <a:p>
-            <a:pPr algn="l" rtl="0"/>
-            <a:r>
-              <a:rPr lang="en-US" dirty="0" smtClean="0"/>
-              <a:t>front end</a:t>
-            </a:r>
-          </a:p>
-          <a:p>
-            <a:pPr algn="l" rtl="0"/>
-            <a:r>
-              <a:rPr lang="en-US" dirty="0" smtClean="0"/>
-              <a:t>everything in between</a:t>
-            </a:r>
+            <a:pPr marL="0" indent="0" algn="l" rtl="0">
+              <a:buNone/>
+            </a:pPr>
+            <a:r>
+              <a:rPr lang="en-US" sz="6400" dirty="0" smtClean="0"/>
+              <a:t>Google, </a:t>
+            </a:r>
+            <a:r>
+              <a:rPr lang="en-US" sz="6400" dirty="0" smtClean="0"/>
+              <a:t>Rackspace</a:t>
+            </a:r>
+            <a:r>
+              <a:rPr lang="en-US" sz="6400" dirty="0" smtClean="0"/>
+              <a:t>, Microsoft, Intel, Walt Disney, </a:t>
+            </a:r>
+            <a:r>
+              <a:rPr lang="en-US" sz="6400" dirty="0" err="1" smtClean="0"/>
+              <a:t>MailChimp</a:t>
+            </a:r>
+            <a:r>
+              <a:rPr lang="en-US" sz="6400" dirty="0" smtClean="0"/>
+              <a:t>, </a:t>
+            </a:r>
+            <a:r>
+              <a:rPr lang="en-US" sz="6400" dirty="0" err="1" smtClean="0"/>
+              <a:t>twilio</a:t>
+            </a:r>
+            <a:r>
+              <a:rPr lang="en-US" sz="6400" dirty="0" smtClean="0"/>
+              <a:t>, Bank of America, Facebook, Instagram, HP, </a:t>
+            </a:r>
+            <a:r>
+              <a:rPr lang="en-US" sz="6400" dirty="0" err="1" smtClean="0"/>
+              <a:t>Linkedin</a:t>
+            </a:r>
+            <a:r>
+              <a:rPr lang="en-US" sz="6400" dirty="0" smtClean="0"/>
+              <a:t>, Elastic, Mozilla, YouTube, ILM, Thawte, CERN, Yahoo!, NASA, </a:t>
+            </a:r>
+            <a:r>
+              <a:rPr lang="en-US" sz="6400" dirty="0" err="1" smtClean="0"/>
+              <a:t>Trac</a:t>
+            </a:r>
+            <a:r>
+              <a:rPr lang="en-US" sz="6400" dirty="0" smtClean="0"/>
+              <a:t>, Civilization IV, </a:t>
+            </a:r>
+            <a:r>
+              <a:rPr lang="en-US" sz="6400" dirty="0" err="1" smtClean="0"/>
+              <a:t>reddit</a:t>
+            </a:r>
+            <a:r>
+              <a:rPr lang="en-US" sz="6400" dirty="0" smtClean="0"/>
+              <a:t>, </a:t>
+            </a:r>
+            <a:r>
+              <a:rPr lang="en-US" sz="6400" dirty="0" err="1" smtClean="0"/>
+              <a:t>LucasFilms</a:t>
+            </a:r>
+            <a:r>
+              <a:rPr lang="en-US" sz="6400" dirty="0" smtClean="0"/>
+              <a:t>, D-Link, Phillips, AstraZeneca, </a:t>
+            </a:r>
+          </a:p>
+          <a:p>
+            <a:pPr marL="0" indent="0" algn="l" rtl="0">
+              <a:buNone/>
+            </a:pPr>
+            <a:endParaRPr lang="en-US" dirty="0"/>
+          </a:p>
+          <a:p>
+            <a:pPr marL="0" indent="0" algn="l" rtl="0">
+              <a:buNone/>
+            </a:pPr>
+            <a:endParaRPr lang="en-GB" dirty="0" smtClean="0">
+              <a:hlinkClick r:id="rId2"/>
+            </a:endParaRPr>
+          </a:p>
+          <a:p>
+            <a:pPr marL="0" indent="0" algn="l" rtl="0">
+              <a:buNone/>
+            </a:pPr>
+            <a:r>
+              <a:rPr lang="en-GB" dirty="0" smtClean="0">
+                <a:hlinkClick r:id="rId2"/>
+              </a:rPr>
+              <a:t>https://us.pycon.org/2016/sponsors/</a:t>
+            </a:r>
+            <a:endParaRPr lang="en-GB" dirty="0" smtClean="0"/>
+          </a:p>
+          <a:p>
+            <a:pPr marL="0" indent="0" algn="l" rtl="0">
+              <a:buNone/>
+            </a:pPr>
+            <a:r>
+              <a:rPr lang="en-GB" dirty="0" smtClean="0">
+                <a:hlinkClick r:id="rId3"/>
+              </a:rPr>
+              <a:t>https://www.python.org/about/quotes/</a:t>
+            </a:r>
+            <a:endParaRPr lang="en-GB" dirty="0" smtClean="0"/>
+          </a:p>
+          <a:p>
+            <a:pPr marL="0" indent="0" algn="l" rtl="0">
+              <a:buNone/>
+            </a:pPr>
+            <a:r>
+              <a:rPr lang="en-GB" dirty="0" smtClean="0">
+                <a:hlinkClick r:id="rId4"/>
+              </a:rPr>
+              <a:t>https://en.wikipedia.org/wiki/Python_%28programming_language%29#Use</a:t>
+            </a:r>
+            <a:endParaRPr lang="en-GB" dirty="0" smtClean="0"/>
+          </a:p>
+          <a:p>
+            <a:pPr marL="0" indent="0" algn="l" rtl="0">
+              <a:buNone/>
+            </a:pPr>
+            <a:r>
+              <a:rPr lang="en-US" dirty="0" smtClean="0">
+                <a:hlinkClick r:id="rId5"/>
+              </a:rPr>
+              <a:t>https://en.wikipedia.org/wiki/List_of_Python_software</a:t>
+            </a:r>
+            <a:endParaRPr lang="en-US" dirty="0" smtClean="0"/>
+          </a:p>
+          <a:p>
+            <a:pPr marL="0" indent="0" algn="l" rtl="0">
+              <a:buNone/>
+            </a:pPr>
+            <a:r>
+              <a:rPr lang="en-US" dirty="0" smtClean="0">
+                <a:hlinkClick r:id="rId6"/>
+              </a:rPr>
+              <a:t>https://www.python.org/about/success/</a:t>
+            </a:r>
+            <a:endParaRPr lang="en-US" dirty="0" smtClean="0"/>
           </a:p>
         </p:txBody>
       </p:sp>
     </p:spTree>
     <p:extLst>
       <p:ext uri="{BB962C8B-B14F-4D97-AF65-F5344CB8AC3E}">
-        <p14:creationId xmlns:p14="http://schemas.microsoft.com/office/powerpoint/2010/main" val="2298564234"/>
+        <p14:creationId xmlns:p14="http://schemas.microsoft.com/office/powerpoint/2010/main" val="3018733472"/>
       </p:ext>
     </p:extLst>
   </p:cSld>
@@ -4555,13 +4696,15 @@
         </p:nvSpPr>
         <p:spPr/>
         <p:txBody>
-          <a:bodyPr/>
+          <a:bodyPr>
+            <a:normAutofit fontScale="90000"/>
+          </a:bodyPr>
           <a:lstStyle/>
           <a:p>
             <a:pPr rtl="0"/>
             <a:r>
               <a:rPr lang="en-US" dirty="0" smtClean="0"/>
-              <a:t>Python is used at</a:t>
+              <a:t>How Dropbox Did It and How Python Helped</a:t>
             </a:r>
             <a:endParaRPr lang="he-IL" dirty="0"/>
           </a:p>
@@ -4580,7 +4723,7 @@
         <p:spPr/>
         <p:txBody>
           <a:bodyPr>
-            <a:normAutofit fontScale="47500" lnSpcReduction="20000"/>
+            <a:noAutofit/>
           </a:bodyPr>
           <a:lstStyle/>
           <a:p>
@@ -4588,146 +4731,104 @@
               <a:buNone/>
             </a:pPr>
             <a:r>
-              <a:rPr lang="en-US" sz="6400" dirty="0" smtClean="0"/>
-              <a:t>Google, </a:t>
-            </a:r>
-            <a:r>
-              <a:rPr lang="en-US" sz="6400" dirty="0" err="1" smtClean="0"/>
-              <a:t>rackspace</a:t>
-            </a:r>
-            <a:r>
-              <a:rPr lang="en-US" sz="6400" dirty="0" smtClean="0"/>
-              <a:t>, Microsoft, Intel, Walt Disney, </a:t>
-            </a:r>
-            <a:r>
-              <a:rPr lang="en-US" sz="6400" dirty="0" err="1" smtClean="0"/>
-              <a:t>MailChimp</a:t>
-            </a:r>
-            <a:r>
-              <a:rPr lang="en-US" sz="6400" dirty="0" smtClean="0"/>
+              <a:rPr lang="en-US" sz="2000" dirty="0" smtClean="0"/>
+              <a:t>Rian Hunter, a Dropbox Engineer presented at </a:t>
+            </a:r>
+            <a:r>
+              <a:rPr lang="en-US" sz="2000" dirty="0" err="1" smtClean="0"/>
+              <a:t>PyCon</a:t>
+            </a:r>
+            <a:r>
+              <a:rPr lang="en-US" sz="2000" dirty="0" smtClean="0"/>
+              <a:t> 2011:</a:t>
+            </a:r>
+          </a:p>
+          <a:p>
+            <a:pPr algn="l" rtl="0"/>
+            <a:r>
+              <a:rPr lang="en-GB" sz="2000" dirty="0" smtClean="0"/>
+              <a:t>99.9 % of code in Python. </a:t>
+            </a:r>
+          </a:p>
+          <a:p>
+            <a:pPr algn="l" rtl="0"/>
+            <a:r>
+              <a:rPr lang="en-GB" sz="2000" dirty="0" smtClean="0"/>
+              <a:t>Server backend, desktop client, website controller logic, API backend, and analytics. </a:t>
+            </a:r>
+          </a:p>
+          <a:p>
+            <a:pPr algn="l" rtl="0"/>
+            <a:r>
+              <a:rPr lang="en-GB" sz="2000" dirty="0" smtClean="0"/>
+              <a:t>Run on a single code base using Python: Windows, Mac, Linux using tools like </a:t>
+            </a:r>
+            <a:r>
+              <a:rPr lang="en-GB" sz="2000" dirty="0" err="1" smtClean="0"/>
+              <a:t>PyObjs</a:t>
+            </a:r>
+            <a:r>
+              <a:rPr lang="en-GB" sz="2000" dirty="0" smtClean="0"/>
               <a:t>, </a:t>
             </a:r>
             <a:r>
-              <a:rPr lang="en-US" sz="6400" dirty="0" err="1" smtClean="0"/>
-              <a:t>twilio</a:t>
-            </a:r>
-            <a:r>
-              <a:rPr lang="en-US" sz="6400" dirty="0" smtClean="0"/>
-              <a:t>, Bank of America, Facebook, Instagram, HP, </a:t>
-            </a:r>
-            <a:r>
-              <a:rPr lang="en-US" sz="6400" dirty="0" err="1" smtClean="0"/>
-              <a:t>Linkedin</a:t>
-            </a:r>
-            <a:r>
-              <a:rPr lang="en-US" sz="6400" dirty="0" smtClean="0"/>
-              <a:t>, Elastic, Mozilla, YouTube, ILM, Thawte, CERN, Yahoo!, NASA, </a:t>
-            </a:r>
-            <a:r>
-              <a:rPr lang="en-US" sz="6400" dirty="0" err="1" smtClean="0"/>
-              <a:t>Trac</a:t>
-            </a:r>
-            <a:r>
-              <a:rPr lang="en-US" sz="6400" dirty="0" smtClean="0"/>
-              <a:t>, Civilization IV, </a:t>
-            </a:r>
-            <a:r>
-              <a:rPr lang="en-US" sz="6400" dirty="0" err="1" smtClean="0"/>
-              <a:t>reddit</a:t>
-            </a:r>
-            <a:r>
-              <a:rPr lang="en-US" sz="6400" dirty="0" smtClean="0"/>
-              <a:t>, </a:t>
-            </a:r>
-            <a:r>
-              <a:rPr lang="en-US" sz="6400" dirty="0" err="1" smtClean="0"/>
-              <a:t>LucasFilms</a:t>
-            </a:r>
-            <a:r>
-              <a:rPr lang="en-US" sz="6400" dirty="0" smtClean="0"/>
-              <a:t>, D-Link, Phillips, AstraZeneca, </a:t>
+              <a:rPr lang="en-GB" sz="2000" dirty="0" err="1" smtClean="0"/>
+              <a:t>WxPython</a:t>
+            </a:r>
+            <a:r>
+              <a:rPr lang="en-GB" sz="2000" dirty="0" smtClean="0"/>
+              <a:t>, types, py2exe, py2app, PyWin32.</a:t>
+            </a:r>
+          </a:p>
+          <a:p>
+            <a:pPr algn="l" rtl="0"/>
+            <a:r>
+              <a:rPr lang="en-US" sz="2000" dirty="0" smtClean="0"/>
+              <a:t>Python helped iterate fast through all the different error cases they experienced on the wide variety of platforms they support.</a:t>
+            </a:r>
+          </a:p>
+          <a:p>
+            <a:pPr algn="l" rtl="0"/>
+            <a:r>
+              <a:rPr lang="en-US" sz="2000" dirty="0" smtClean="0"/>
+              <a:t>Use C for inner loops - optimizing CPU is easy</a:t>
+            </a:r>
+          </a:p>
+          <a:p>
+            <a:pPr algn="l" rtl="0"/>
+            <a:r>
+              <a:rPr lang="en-US" sz="2000" dirty="0" smtClean="0"/>
+              <a:t>Custom memory allocator - optimizing memory is hard</a:t>
             </a:r>
           </a:p>
           <a:p>
             <a:pPr marL="0" indent="0" algn="l" rtl="0">
               <a:buNone/>
             </a:pPr>
-            <a:endParaRPr lang="en-US" dirty="0"/>
+            <a:endParaRPr lang="en-US" sz="2000" dirty="0"/>
           </a:p>
           <a:p>
             <a:pPr marL="0" indent="0" algn="l" rtl="0">
               <a:buNone/>
             </a:pPr>
-            <a:endParaRPr lang="en-GB" dirty="0" smtClean="0">
-              <a:hlinkClick r:id="rId2"/>
-            </a:endParaRPr>
-          </a:p>
-          <a:p>
-            <a:pPr marL="0" indent="0" algn="l" rtl="0">
-              <a:buNone/>
-            </a:pPr>
-            <a:r>
-              <a:rPr lang="en-GB" dirty="0" smtClean="0">
+            <a:r>
+              <a:rPr lang="en-GB" sz="2000" dirty="0" smtClean="0"/>
+              <a:t>See more at </a:t>
+            </a:r>
+            <a:r>
+              <a:rPr lang="en-GB" sz="2000" dirty="0" err="1" smtClean="0">
                 <a:hlinkClick r:id="rId2"/>
               </a:rPr>
-              <a:t>https://us.pycon.org/2016/sponsors/</a:t>
-            </a:r>
-            <a:endParaRPr lang="en-GB" dirty="0" smtClean="0"/>
-          </a:p>
-          <a:p>
-            <a:pPr marL="0" indent="0" algn="l" rtl="0">
-              <a:buNone/>
-            </a:pPr>
-            <a:r>
-              <a:rPr lang="en-GB" dirty="0" smtClean="0">
-                <a:hlinkClick r:id="rId3"/>
-              </a:rPr>
-              <a:t>https://www.python.org/about/quotes/</a:t>
-            </a:r>
-            <a:endParaRPr lang="en-GB" dirty="0" smtClean="0"/>
-          </a:p>
-          <a:p>
-            <a:pPr marL="0" indent="0" algn="l" rtl="0">
-              <a:buNone/>
-            </a:pPr>
-            <a:r>
-              <a:rPr lang="en-GB" dirty="0" smtClean="0">
-                <a:hlinkClick r:id="rId4"/>
-              </a:rPr>
-              <a:t>https://en.wikipedia.org/wiki/Python_%28programming_language%29#Use</a:t>
-            </a:r>
-            <a:endParaRPr lang="en-GB" dirty="0" smtClean="0"/>
-          </a:p>
-          <a:p>
-            <a:pPr marL="0" indent="0" algn="l" rtl="0">
-              <a:buNone/>
-            </a:pPr>
-            <a:r>
-              <a:rPr lang="en-US" dirty="0" smtClean="0">
-                <a:hlinkClick r:id="rId5"/>
-              </a:rPr>
-              <a:t>https://en.wikipedia.org/wiki/List_of_Python_software</a:t>
-            </a:r>
-            <a:endParaRPr lang="en-US" dirty="0" smtClean="0"/>
-          </a:p>
-          <a:p>
-            <a:pPr marL="0" indent="0" algn="l" rtl="0">
-              <a:buNone/>
-            </a:pPr>
-            <a:r>
-              <a:rPr lang="en-US" dirty="0" smtClean="0">
-                <a:hlinkClick r:id="rId6"/>
-              </a:rPr>
-              <a:t>https://www.python.org/about/success/</a:t>
-            </a:r>
-            <a:endParaRPr lang="en-US" dirty="0" smtClean="0"/>
+              <a:t>highscalability</a:t>
+            </a:r>
+            <a:endParaRPr lang="he-IL" sz="2000" dirty="0"/>
           </a:p>
         </p:txBody>
       </p:sp>
     </p:spTree>
     <p:extLst>
       <p:ext uri="{BB962C8B-B14F-4D97-AF65-F5344CB8AC3E}">
-        <p14:creationId xmlns:p14="http://schemas.microsoft.com/office/powerpoint/2010/main" val="3018733472"/>
+        <p14:creationId xmlns:p14="http://schemas.microsoft.com/office/powerpoint/2010/main" val="3452425953"/>
       </p:ext>
     </p:extLst>
   </p:cSld>
@@ -4767,14 +4868,14 @@
         <p:spPr/>
         <p:txBody>
           <a:bodyPr>
-            <a:normAutofit fontScale="90000"/>
+            <a:normAutofit/>
           </a:bodyPr>
           <a:lstStyle/>
           <a:p>
             <a:pPr rtl="0"/>
             <a:r>
               <a:rPr lang="en-US" dirty="0" smtClean="0"/>
-              <a:t>How Dropbox Did It and How Python Helped</a:t>
+              <a:t>Success story: Philips</a:t>
             </a:r>
             <a:endParaRPr lang="he-IL" dirty="0"/>
           </a:p>
@@ -4790,115 +4891,192 @@
             <p:ph idx="1"/>
           </p:nvPr>
         </p:nvSpPr>
-        <p:spPr/>
+        <p:spPr>
+          <a:xfrm>
+            <a:off x="457200" y="1600200"/>
+            <a:ext cx="8229600" cy="5141168"/>
+          </a:xfrm>
+        </p:spPr>
         <p:txBody>
           <a:bodyPr>
-            <a:noAutofit/>
+            <a:normAutofit fontScale="55000" lnSpcReduction="20000"/>
           </a:bodyPr>
           <a:lstStyle/>
           <a:p>
+            <a:pPr algn="l" rtl="0"/>
+            <a:r>
+              <a:rPr lang="en-US" dirty="0"/>
+              <a:t>S</a:t>
+            </a:r>
+            <a:r>
+              <a:rPr lang="en-US" dirty="0" smtClean="0"/>
+              <a:t>emiconductor manufacturing facility in Fishkill, NY</a:t>
+            </a:r>
+          </a:p>
+          <a:p>
+            <a:pPr algn="l" rtl="0"/>
+            <a:r>
+              <a:rPr lang="en-US" dirty="0" smtClean="0"/>
+              <a:t>In 1997 they started redesigning the system architecture</a:t>
+            </a:r>
+          </a:p>
+          <a:p>
+            <a:pPr algn="l" rtl="0"/>
+            <a:r>
+              <a:rPr lang="en-US" dirty="0" smtClean="0"/>
+              <a:t>Python was suggested</a:t>
+            </a:r>
+          </a:p>
+          <a:p>
+            <a:pPr algn="l" rtl="0"/>
+            <a:r>
+              <a:rPr lang="en-US" dirty="0" smtClean="0"/>
+              <a:t>Concern if a scripting language is suitable for the bulk of the code</a:t>
+            </a:r>
+          </a:p>
+          <a:p>
+            <a:pPr algn="l" rtl="0"/>
+            <a:r>
+              <a:rPr lang="en-US" dirty="0" smtClean="0"/>
+              <a:t>Some favored significant portions of code in C++</a:t>
+            </a:r>
+          </a:p>
+          <a:p>
+            <a:pPr algn="l" rtl="0"/>
+            <a:r>
+              <a:rPr lang="en-US" dirty="0" smtClean="0"/>
+              <a:t>Everybody seemed to have a preference that </a:t>
+            </a:r>
+            <a:r>
+              <a:rPr lang="en-US" i="1" dirty="0" smtClean="0"/>
+              <a:t>wasn't</a:t>
+            </a:r>
+            <a:r>
+              <a:rPr lang="en-US" dirty="0" smtClean="0"/>
+              <a:t> Python</a:t>
+            </a:r>
+          </a:p>
+          <a:p>
+            <a:pPr algn="l" rtl="0"/>
+            <a:r>
+              <a:rPr lang="en-US" dirty="0" smtClean="0"/>
+              <a:t>After much discussion, Python prevailed </a:t>
+            </a:r>
+          </a:p>
+          <a:p>
+            <a:pPr algn="l" rtl="0"/>
+            <a:r>
+              <a:rPr lang="en-US" dirty="0" smtClean="0"/>
+              <a:t>The project was a </a:t>
+            </a:r>
+            <a:r>
+              <a:rPr lang="en-US" i="1" dirty="0" smtClean="0"/>
+              <a:t>huge success</a:t>
+            </a:r>
+          </a:p>
+          <a:p>
+            <a:pPr algn="l" rtl="0"/>
+            <a:r>
+              <a:rPr lang="en-US" dirty="0" smtClean="0"/>
+              <a:t>Rebuilt 8 years of software development effort in less &lt;2 years with a smaller team</a:t>
+            </a:r>
+          </a:p>
+          <a:p>
+            <a:pPr algn="l" rtl="0"/>
+            <a:r>
+              <a:rPr lang="en-US" dirty="0" smtClean="0"/>
+              <a:t>Success attributed largely to Python - it is very easy to develop code quickly:</a:t>
+            </a:r>
+          </a:p>
+          <a:p>
+            <a:pPr marL="514350" indent="-514350" algn="l" rtl="0">
+              <a:buFont typeface="+mj-lt"/>
+              <a:buAutoNum type="arabicPeriod"/>
+            </a:pPr>
+            <a:r>
+              <a:rPr lang="en-US" dirty="0" smtClean="0"/>
+              <a:t>Python requires less supporting code – less boilerplate</a:t>
+            </a:r>
+          </a:p>
+          <a:p>
+            <a:pPr marL="514350" indent="-514350" algn="l" rtl="0">
+              <a:buFont typeface="+mj-lt"/>
+              <a:buAutoNum type="arabicPeriod"/>
+            </a:pPr>
+            <a:r>
+              <a:rPr lang="en-US" dirty="0" smtClean="0"/>
+              <a:t>Python speeds the development cycle – no compilation</a:t>
+            </a:r>
+          </a:p>
+          <a:p>
+            <a:pPr marL="514350" indent="-514350" algn="l" rtl="0">
+              <a:buFont typeface="+mj-lt"/>
+              <a:buAutoNum type="arabicPeriod"/>
+            </a:pPr>
+            <a:r>
+              <a:rPr lang="en-GB" dirty="0" smtClean="0"/>
+              <a:t>Python facilitates debugging – even without using debugger</a:t>
+            </a:r>
+          </a:p>
+          <a:p>
+            <a:pPr algn="l" rtl="0"/>
+            <a:r>
+              <a:rPr lang="en-GB" dirty="0" smtClean="0"/>
+              <a:t>Later on, moving </a:t>
+            </a:r>
+            <a:r>
+              <a:rPr lang="en-GB" dirty="0" smtClean="0"/>
+              <a:t>the system from OS/2 to Linux </a:t>
+            </a:r>
+            <a:r>
+              <a:rPr lang="en-GB" dirty="0" smtClean="0"/>
+              <a:t>required </a:t>
+            </a:r>
+            <a:r>
+              <a:rPr lang="en-GB" dirty="0" smtClean="0"/>
+              <a:t>almost no effort</a:t>
+            </a:r>
+          </a:p>
+          <a:p>
             <a:pPr marL="0" indent="0" algn="l" rtl="0">
               <a:buNone/>
             </a:pPr>
-            <a:r>
-              <a:rPr lang="en-US" sz="2000" dirty="0" smtClean="0"/>
-              <a:t>Rian Hunter, a Dropbox Engineer presented at </a:t>
-            </a:r>
-            <a:r>
-              <a:rPr lang="en-US" sz="2000" dirty="0" err="1" smtClean="0"/>
-              <a:t>PyCon</a:t>
-            </a:r>
-            <a:r>
-              <a:rPr lang="en-US" sz="2000" dirty="0" smtClean="0"/>
-              <a:t> 2011:</a:t>
-            </a:r>
-          </a:p>
-          <a:p>
-            <a:pPr algn="l" rtl="0"/>
-            <a:r>
-              <a:rPr lang="en-GB" sz="2000" dirty="0" smtClean="0"/>
-              <a:t>99.9 % of code in Python. </a:t>
-            </a:r>
-          </a:p>
-          <a:p>
-            <a:pPr algn="l" rtl="0"/>
-            <a:r>
-              <a:rPr lang="en-GB" sz="2000" dirty="0" smtClean="0"/>
-              <a:t>Server backend, desktop client, website controller logic, API backend, and analytics. </a:t>
-            </a:r>
-          </a:p>
-          <a:p>
-            <a:pPr algn="l" rtl="0"/>
-            <a:r>
-              <a:rPr lang="en-GB" sz="2000" dirty="0" smtClean="0"/>
-              <a:t>Run on a single code base using Python: Windows, Mac, Linux using tools like </a:t>
-            </a:r>
-            <a:r>
-              <a:rPr lang="en-GB" sz="2000" dirty="0" err="1" smtClean="0"/>
-              <a:t>PyObjs</a:t>
-            </a:r>
-            <a:r>
-              <a:rPr lang="en-GB" sz="2000" dirty="0" smtClean="0"/>
-              <a:t>, </a:t>
-            </a:r>
-            <a:r>
-              <a:rPr lang="en-GB" sz="2000" dirty="0" err="1" smtClean="0"/>
-              <a:t>WxPython</a:t>
-            </a:r>
-            <a:r>
-              <a:rPr lang="en-GB" sz="2000" dirty="0" smtClean="0"/>
-              <a:t>, types, py2exe, py2app, PyWin32.</a:t>
-            </a:r>
-          </a:p>
-          <a:p>
-            <a:pPr algn="l" rtl="0"/>
-            <a:r>
-              <a:rPr lang="en-US" sz="2000" dirty="0" smtClean="0"/>
-              <a:t>Python helped iterate fast through all the different error cases they experienced on the wide variety of platforms they support.</a:t>
-            </a:r>
-          </a:p>
-          <a:p>
-            <a:pPr algn="l" rtl="0"/>
-            <a:r>
-              <a:rPr lang="en-US" sz="2000" dirty="0" smtClean="0"/>
-              <a:t>Use C for inner loops - optimizing CPU is easy</a:t>
-            </a:r>
-          </a:p>
-          <a:p>
-            <a:pPr algn="l" rtl="0"/>
-            <a:r>
-              <a:rPr lang="en-US" sz="2000" dirty="0" smtClean="0"/>
-              <a:t>Custom memory allocator - optimizing memory is hard</a:t>
-            </a:r>
-          </a:p>
-          <a:p>
-            <a:pPr marL="0" indent="0" algn="l" rtl="0">
+            <a:endParaRPr lang="en-GB" dirty="0"/>
+          </a:p>
+          <a:p>
+            <a:pPr marL="0" indent="0" rtl="0">
               <a:buNone/>
             </a:pPr>
-            <a:endParaRPr lang="en-US" sz="2000" dirty="0"/>
-          </a:p>
-          <a:p>
-            <a:pPr marL="0" indent="0" algn="l" rtl="0">
-              <a:buNone/>
-            </a:pPr>
-            <a:r>
-              <a:rPr lang="en-GB" sz="2000" dirty="0" smtClean="0"/>
-              <a:t>See more at </a:t>
-            </a:r>
-            <a:r>
-              <a:rPr lang="en-GB" sz="2000" dirty="0" err="1" smtClean="0">
+            <a:r>
+              <a:rPr lang="en-GB" i="1" dirty="0" smtClean="0"/>
+              <a:t>Michael Muller, </a:t>
+            </a:r>
+            <a:r>
+              <a:rPr lang="en-US" dirty="0" smtClean="0">
                 <a:hlinkClick r:id="rId2"/>
               </a:rPr>
-              <a:t>highscalability</a:t>
-            </a:r>
-            <a:endParaRPr lang="he-IL" sz="2000" dirty="0"/>
+              <a:t>https://www.python.org/about/success/philips/</a:t>
+            </a:r>
+            <a:endParaRPr lang="en-US" dirty="0" smtClean="0"/>
+          </a:p>
+          <a:p>
+            <a:pPr algn="l" rtl="0"/>
+            <a:endParaRPr lang="en-US" dirty="0" smtClean="0"/>
+          </a:p>
+          <a:p>
+            <a:pPr algn="l" rtl="0"/>
+            <a:endParaRPr lang="en-US" dirty="0" smtClean="0"/>
+          </a:p>
+          <a:p>
+            <a:pPr algn="l" rtl="0"/>
+            <a:endParaRPr lang="he-IL" dirty="0"/>
           </a:p>
         </p:txBody>
       </p:sp>
     </p:spTree>
     <p:extLst>
       <p:ext uri="{BB962C8B-B14F-4D97-AF65-F5344CB8AC3E}">
-        <p14:creationId xmlns:p14="http://schemas.microsoft.com/office/powerpoint/2010/main" val="3452425953"/>
+        <p14:creationId xmlns:p14="http://schemas.microsoft.com/office/powerpoint/2010/main" val="189008920"/>
       </p:ext>
     </p:extLst>
   </p:cSld>
@@ -4943,7 +5121,11 @@
             <a:pPr rtl="0"/>
             <a:r>
               <a:rPr lang="en-US" dirty="0" smtClean="0"/>
-              <a:t>What is Python</a:t>
+              <a:t>What is </a:t>
+            </a:r>
+            <a:r>
+              <a:rPr lang="en-US" dirty="0" smtClean="0"/>
+              <a:t>Python?</a:t>
             </a:r>
             <a:endParaRPr lang="he-IL" dirty="0"/>
           </a:p>
@@ -4966,14 +5148,23 @@
           </a:bodyPr>
           <a:lstStyle/>
           <a:p>
-            <a:pPr algn="l" rtl="0"/>
-            <a:r>
-              <a:rPr lang="en-US" dirty="0"/>
-              <a:t>W</a:t>
-            </a:r>
-            <a:r>
-              <a:rPr lang="en-US" dirty="0" smtClean="0"/>
-              <a:t>idely used </a:t>
+            <a:pPr marL="0" indent="0" algn="l" rtl="0">
+              <a:buNone/>
+            </a:pPr>
+            <a:r>
+              <a:rPr lang="en-US" dirty="0" smtClean="0"/>
+              <a:t>Python is a </a:t>
+            </a:r>
+          </a:p>
+          <a:p>
+            <a:pPr algn="l" rtl="0"/>
+            <a:r>
+              <a:rPr lang="en-US" dirty="0" smtClean="0"/>
+              <a:t>Widely </a:t>
+            </a:r>
+            <a:r>
+              <a:rPr lang="en-US" dirty="0" smtClean="0"/>
+              <a:t>used </a:t>
             </a:r>
           </a:p>
           <a:p>
@@ -5014,7 +5205,11 @@
             </a:pPr>
             <a:r>
               <a:rPr lang="en-US" dirty="0" smtClean="0"/>
-              <a:t>programming language</a:t>
+              <a:t>Programming </a:t>
+            </a:r>
+            <a:r>
+              <a:rPr lang="en-US" dirty="0" smtClean="0"/>
+              <a:t>language</a:t>
             </a:r>
           </a:p>
         </p:txBody>
@@ -5060,6 +5255,13 @@
   <p:clrMapOvr>
     <a:masterClrMapping/>
   </p:clrMapOvr>
+  <p:timing>
+    <p:tnLst>
+      <p:par>
+        <p:cTn id="1" dur="indefinite" restart="never" nodeType="tmRoot"/>
+      </p:par>
+    </p:tnLst>
+  </p:timing>
 </p:sld>
 </file>
 
@@ -5087,20 +5289,18 @@
             <a:spLocks noGrp="1"/>
           </p:cNvSpPr>
           <p:nvPr>
-            <p:ph type="title"/>
-          </p:nvPr>
-        </p:nvSpPr>
-        <p:spPr/>
-        <p:txBody>
-          <a:bodyPr>
-            <a:normAutofit/>
-          </a:bodyPr>
+            <p:ph type="ctrTitle"/>
+          </p:nvPr>
+        </p:nvSpPr>
+        <p:spPr/>
+        <p:txBody>
+          <a:bodyPr/>
           <a:lstStyle/>
           <a:p>
             <a:pPr rtl="0"/>
             <a:r>
               <a:rPr lang="en-US" dirty="0" smtClean="0"/>
-              <a:t>Success story: Philips</a:t>
+              <a:t>Python is portable</a:t>
             </a:r>
             <a:endParaRPr lang="he-IL" dirty="0"/>
           </a:p>
@@ -5108,180 +5308,64 @@
       </p:sp>
       <p:sp>
         <p:nvSpPr>
-          <p:cNvPr id="3" name="Content Placeholder 2"/>
-          <p:cNvSpPr>
-            <a:spLocks noGrp="1"/>
-          </p:cNvSpPr>
-          <p:nvPr>
-            <p:ph idx="1"/>
-          </p:nvPr>
+          <p:cNvPr id="3" name="Subtitle 2"/>
+          <p:cNvSpPr>
+            <a:spLocks noGrp="1"/>
+          </p:cNvSpPr>
+          <p:nvPr>
+            <p:ph type="subTitle" idx="1"/>
+          </p:nvPr>
+        </p:nvSpPr>
+        <p:spPr/>
+        <p:txBody>
+          <a:bodyPr/>
+          <a:lstStyle/>
+          <a:p>
+            <a:pPr rtl="0"/>
+            <a:r>
+              <a:rPr lang="en-US" dirty="0" smtClean="0"/>
+              <a:t>More or less same code runs on Windows, Linux, </a:t>
+            </a:r>
+            <a:r>
+              <a:rPr lang="en-US" dirty="0" smtClean="0"/>
+              <a:t>OSX, and </a:t>
+            </a:r>
+            <a:r>
+              <a:rPr lang="en-US" dirty="0" smtClean="0"/>
+              <a:t>any platform with a Python interpreter</a:t>
+            </a:r>
+            <a:endParaRPr lang="he-IL" dirty="0"/>
+          </a:p>
+        </p:txBody>
+      </p:sp>
+      <p:sp>
+        <p:nvSpPr>
+          <p:cNvPr id="4" name="Rectangle 3"/>
+          <p:cNvSpPr/>
+          <p:nvPr/>
         </p:nvSpPr>
         <p:spPr>
           <a:xfrm>
-            <a:off x="457200" y="1600200"/>
-            <a:ext cx="8229600" cy="5141168"/>
+            <a:off x="6012160" y="6237312"/>
+            <a:ext cx="2882776" cy="369332"/>
           </a:xfrm>
+          <a:prstGeom prst="rect">
+            <a:avLst/>
+          </a:prstGeom>
         </p:spPr>
         <p:txBody>
-          <a:bodyPr>
-            <a:normAutofit fontScale="55000" lnSpcReduction="20000"/>
+          <a:bodyPr wrap="none">
+            <a:spAutoFit/>
           </a:bodyPr>
           <a:lstStyle/>
           <a:p>
             <a:pPr algn="l" rtl="0"/>
             <a:r>
-              <a:rPr lang="en-US" dirty="0"/>
-              <a:t>S</a:t>
-            </a:r>
-            <a:r>
-              <a:rPr lang="en-US" dirty="0" smtClean="0"/>
-              <a:t>emiconductor manufacturing facility in Fishkill, NY</a:t>
-            </a:r>
-          </a:p>
-          <a:p>
-            <a:pPr algn="l" rtl="0"/>
-            <a:r>
-              <a:rPr lang="en-US" dirty="0" smtClean="0"/>
-              <a:t>In 1997 they started redesigning the system architecture</a:t>
-            </a:r>
-          </a:p>
-          <a:p>
-            <a:pPr algn="l" rtl="0"/>
-            <a:r>
-              <a:rPr lang="en-US" dirty="0" smtClean="0"/>
-              <a:t>Python was suggested</a:t>
-            </a:r>
-          </a:p>
-          <a:p>
-            <a:pPr algn="l" rtl="0"/>
-            <a:r>
-              <a:rPr lang="en-US" dirty="0" smtClean="0"/>
-              <a:t>Concern if a scripting language is suitable for the bulk of the code</a:t>
-            </a:r>
-          </a:p>
-          <a:p>
-            <a:pPr algn="l" rtl="0"/>
-            <a:r>
-              <a:rPr lang="en-US" dirty="0" smtClean="0"/>
-              <a:t>Some favored significant portions of code in C++</a:t>
-            </a:r>
-          </a:p>
-          <a:p>
-            <a:pPr algn="l" rtl="0"/>
-            <a:r>
-              <a:rPr lang="en-US" dirty="0" smtClean="0"/>
-              <a:t>Everybody seemed to have a preference that </a:t>
-            </a:r>
-            <a:r>
-              <a:rPr lang="en-US" i="1" dirty="0" smtClean="0"/>
-              <a:t>wasn't</a:t>
-            </a:r>
-            <a:r>
-              <a:rPr lang="en-US" dirty="0" smtClean="0"/>
-              <a:t> Python</a:t>
-            </a:r>
-          </a:p>
-          <a:p>
-            <a:pPr algn="l" rtl="0"/>
-            <a:r>
-              <a:rPr lang="en-US" dirty="0" smtClean="0"/>
-              <a:t>After much discussion, Python prevailed </a:t>
-            </a:r>
-          </a:p>
-          <a:p>
-            <a:pPr algn="l" rtl="0"/>
-            <a:r>
-              <a:rPr lang="en-US" dirty="0" smtClean="0"/>
-              <a:t>The project was a </a:t>
-            </a:r>
-            <a:r>
-              <a:rPr lang="en-US" i="1" dirty="0" smtClean="0"/>
-              <a:t>huge success</a:t>
-            </a:r>
-          </a:p>
-          <a:p>
-            <a:pPr algn="l" rtl="0"/>
-            <a:r>
-              <a:rPr lang="en-US" dirty="0" smtClean="0"/>
-              <a:t>Rebuilt 8 years of software development effort in less &lt;2 years with a smaller team</a:t>
-            </a:r>
-          </a:p>
-          <a:p>
-            <a:pPr algn="l" rtl="0"/>
-            <a:r>
-              <a:rPr lang="en-US" dirty="0" smtClean="0"/>
-              <a:t>Success attributed largely to Python - it is very easy to develop code quickly:</a:t>
-            </a:r>
-          </a:p>
-          <a:p>
-            <a:pPr marL="514350" indent="-514350" algn="l" rtl="0">
-              <a:buFont typeface="+mj-lt"/>
-              <a:buAutoNum type="arabicPeriod"/>
-            </a:pPr>
-            <a:r>
-              <a:rPr lang="en-US" dirty="0" smtClean="0"/>
-              <a:t>Python requires less supporting code – less boilerplate</a:t>
-            </a:r>
-          </a:p>
-          <a:p>
-            <a:pPr marL="514350" indent="-514350" algn="l" rtl="0">
-              <a:buFont typeface="+mj-lt"/>
-              <a:buAutoNum type="arabicPeriod"/>
-            </a:pPr>
-            <a:r>
-              <a:rPr lang="en-US" dirty="0" smtClean="0"/>
-              <a:t>Python speeds the development cycle – no compilation</a:t>
-            </a:r>
-          </a:p>
-          <a:p>
-            <a:pPr marL="514350" indent="-514350" algn="l" rtl="0">
-              <a:buFont typeface="+mj-lt"/>
-              <a:buAutoNum type="arabicPeriod"/>
-            </a:pPr>
-            <a:r>
-              <a:rPr lang="en-GB" dirty="0" smtClean="0"/>
-              <a:t>Python facilitates debugging – even without using debugger</a:t>
-            </a:r>
-          </a:p>
-          <a:p>
-            <a:pPr algn="l" rtl="0"/>
-            <a:r>
-              <a:rPr lang="en-GB" dirty="0" smtClean="0"/>
-              <a:t>Moving the system from OS/2 to Linux requires almost no effort</a:t>
-            </a:r>
-          </a:p>
-          <a:p>
-            <a:pPr marL="0" indent="0" algn="l" rtl="0">
-              <a:buNone/>
-            </a:pPr>
-            <a:endParaRPr lang="en-GB" dirty="0"/>
-          </a:p>
-          <a:p>
-            <a:pPr marL="0" indent="0" rtl="0">
-              <a:buNone/>
-            </a:pPr>
-            <a:r>
-              <a:rPr lang="en-GB" i="1" dirty="0" smtClean="0"/>
-              <a:t>Michael Muller, </a:t>
-            </a:r>
-            <a:r>
-              <a:rPr lang="en-US" dirty="0" smtClean="0">
+              <a:rPr lang="en-GB" dirty="0" smtClean="0">
                 <a:hlinkClick r:id="rId2"/>
               </a:rPr>
-              <a:t>https://www.python.org/about/success/philips/</a:t>
-            </a:r>
-            <a:endParaRPr lang="en-US" dirty="0" smtClean="0"/>
-          </a:p>
-          <a:p>
-            <a:pPr algn="l" rtl="0"/>
-            <a:endParaRPr lang="en-US" dirty="0" smtClean="0"/>
-          </a:p>
-          <a:p>
-            <a:pPr algn="l" rtl="0"/>
-            <a:endParaRPr lang="en-US" dirty="0" smtClean="0"/>
-          </a:p>
-          <a:p>
-            <a:pPr algn="l" rtl="0"/>
+              <a:t>Python for "other" platforms</a:t>
+            </a:r>
             <a:endParaRPr lang="he-IL" dirty="0"/>
           </a:p>
         </p:txBody>
@@ -5289,7 +5373,7 @@
     </p:spTree>
     <p:extLst>
       <p:ext uri="{BB962C8B-B14F-4D97-AF65-F5344CB8AC3E}">
-        <p14:creationId xmlns:p14="http://schemas.microsoft.com/office/powerpoint/2010/main" val="189008920"/>
+        <p14:creationId xmlns:p14="http://schemas.microsoft.com/office/powerpoint/2010/main" val="2355002203"/>
       </p:ext>
     </p:extLst>
   </p:cSld>
@@ -5331,63 +5415,10 @@
           <a:bodyPr/>
           <a:lstStyle/>
           <a:p>
-            <a:r>
-              <a:rPr lang="en-US" dirty="0" smtClean="0"/>
-              <a:t>Python is portable</a:t>
-            </a:r>
-            <a:endParaRPr lang="he-IL" dirty="0"/>
-          </a:p>
-        </p:txBody>
-      </p:sp>
-      <p:sp>
-        <p:nvSpPr>
-          <p:cNvPr id="3" name="Subtitle 2"/>
-          <p:cNvSpPr>
-            <a:spLocks noGrp="1"/>
-          </p:cNvSpPr>
-          <p:nvPr>
-            <p:ph type="subTitle" idx="1"/>
-          </p:nvPr>
-        </p:nvSpPr>
-        <p:spPr/>
-        <p:txBody>
-          <a:bodyPr/>
-          <a:lstStyle/>
-          <a:p>
-            <a:r>
-              <a:rPr lang="en-US" dirty="0" smtClean="0"/>
-              <a:t>More or less same code runs on Windows, Linux, OSX and any platform with a Python interpreter</a:t>
-            </a:r>
-            <a:endParaRPr lang="he-IL" dirty="0"/>
-          </a:p>
-        </p:txBody>
-      </p:sp>
-      <p:sp>
-        <p:nvSpPr>
-          <p:cNvPr id="4" name="Rectangle 3"/>
-          <p:cNvSpPr/>
-          <p:nvPr/>
-        </p:nvSpPr>
-        <p:spPr>
-          <a:xfrm>
-            <a:off x="6012160" y="6237312"/>
-            <a:ext cx="2882776" cy="369332"/>
-          </a:xfrm>
-          <a:prstGeom prst="rect">
-            <a:avLst/>
-          </a:prstGeom>
-        </p:spPr>
-        <p:txBody>
-          <a:bodyPr wrap="none">
-            <a:spAutoFit/>
-          </a:bodyPr>
-          <a:lstStyle/>
-          <a:p>
-            <a:r>
-              <a:rPr lang="en-GB" dirty="0" smtClean="0">
-                <a:hlinkClick r:id="rId2"/>
-              </a:rPr>
-              <a:t>Python for "other" platforms</a:t>
+            <a:pPr rtl="0"/>
+            <a:r>
+              <a:rPr lang="en-GB" dirty="0" smtClean="0"/>
+              <a:t>Python syntax is beautiful</a:t>
             </a:r>
             <a:endParaRPr lang="he-IL" dirty="0"/>
           </a:p>
@@ -5396,7 +5427,7 @@
     </p:spTree>
     <p:extLst>
       <p:ext uri="{BB962C8B-B14F-4D97-AF65-F5344CB8AC3E}">
-        <p14:creationId xmlns:p14="http://schemas.microsoft.com/office/powerpoint/2010/main" val="2355002203"/>
+        <p14:creationId xmlns:p14="http://schemas.microsoft.com/office/powerpoint/2010/main" val="2298564234"/>
       </p:ext>
     </p:extLst>
   </p:cSld>
@@ -5430,7 +5461,7 @@
             <a:spLocks noGrp="1"/>
           </p:cNvSpPr>
           <p:nvPr>
-            <p:ph type="ctrTitle"/>
+            <p:ph type="title"/>
           </p:nvPr>
         </p:nvSpPr>
         <p:spPr/>
@@ -5442,6 +5473,111 @@
             <a:r>
               <a:rPr lang="en-GB" dirty="0" smtClean="0"/>
               <a:t>Python syntax is beautiful</a:t>
+            </a:r>
+            <a:endParaRPr lang="he-IL" dirty="0"/>
+          </a:p>
+        </p:txBody>
+      </p:sp>
+      <p:sp>
+        <p:nvSpPr>
+          <p:cNvPr id="3" name="Content Placeholder 2"/>
+          <p:cNvSpPr>
+            <a:spLocks noGrp="1"/>
+          </p:cNvSpPr>
+          <p:nvPr>
+            <p:ph idx="1"/>
+          </p:nvPr>
+        </p:nvSpPr>
+        <p:spPr/>
+        <p:txBody>
+          <a:bodyPr>
+            <a:normAutofit fontScale="92500" lnSpcReduction="10000"/>
+          </a:bodyPr>
+          <a:lstStyle/>
+          <a:p>
+            <a:pPr marL="0" indent="0" algn="l" rtl="0">
+              <a:buNone/>
+            </a:pPr>
+            <a:r>
+              <a:rPr lang="en-US" dirty="0" smtClean="0"/>
+              <a:t>Once you get over the use of </a:t>
+            </a:r>
+            <a:r>
+              <a:rPr lang="en-US" b="1" dirty="0" smtClean="0"/>
+              <a:t>meaningful whitespace</a:t>
+            </a:r>
+            <a:r>
+              <a:rPr lang="en-US" dirty="0" smtClean="0"/>
+              <a:t>, you realize how much it makes sense. </a:t>
+            </a:r>
+          </a:p>
+          <a:p>
+            <a:pPr marL="0" indent="0" algn="l" rtl="0">
+              <a:buNone/>
+            </a:pPr>
+            <a:r>
+              <a:rPr lang="en-US" dirty="0" smtClean="0"/>
+              <a:t>Famous entrepreneur and investor </a:t>
+            </a:r>
+            <a:r>
+              <a:rPr lang="en-US" b="1" dirty="0" smtClean="0"/>
+              <a:t>Paul </a:t>
+            </a:r>
+            <a:r>
+              <a:rPr lang="en-US" b="1" dirty="0" smtClean="0"/>
+              <a:t>Graham</a:t>
+            </a:r>
+            <a:r>
+              <a:rPr lang="en-US" dirty="0" smtClean="0"/>
+              <a:t>:</a:t>
+            </a:r>
+            <a:endParaRPr lang="en-US" dirty="0" smtClean="0"/>
+          </a:p>
+          <a:p>
+            <a:pPr marL="0" indent="0" algn="l" rtl="0">
+              <a:buNone/>
+            </a:pPr>
+            <a:endParaRPr lang="en-US" dirty="0"/>
+          </a:p>
+          <a:p>
+            <a:pPr marL="0" indent="0" algn="l" rtl="0">
+              <a:buNone/>
+            </a:pPr>
+            <a:r>
+              <a:rPr lang="en-US" i="1" dirty="0" smtClean="0"/>
+              <a:t>…when you program, you spend more time reading code than writing it. You push blobs of source code around the way a sculptor does blobs of clay. So a language that makes source code ugly is maddening to an exacting programmer, as clay full of lumps would be to a sculptor.</a:t>
+            </a:r>
+            <a:endParaRPr lang="he-IL" i="1" dirty="0"/>
+          </a:p>
+        </p:txBody>
+      </p:sp>
+      <p:sp>
+        <p:nvSpPr>
+          <p:cNvPr id="4" name="Rectangle 3"/>
+          <p:cNvSpPr/>
+          <p:nvPr/>
+        </p:nvSpPr>
+        <p:spPr>
+          <a:xfrm>
+            <a:off x="5508104" y="6309320"/>
+            <a:ext cx="3493200" cy="369332"/>
+          </a:xfrm>
+          <a:prstGeom prst="rect">
+            <a:avLst/>
+          </a:prstGeom>
+        </p:spPr>
+        <p:txBody>
+          <a:bodyPr wrap="none">
+            <a:spAutoFit/>
+          </a:bodyPr>
+          <a:lstStyle/>
+          <a:p>
+            <a:pPr algn="l" rtl="0"/>
+            <a:r>
+              <a:rPr lang="en-GB" dirty="0" smtClean="0">
+                <a:hlinkClick r:id="rId2"/>
+              </a:rPr>
+              <a:t>http://paulgraham.com/pypar.html</a:t>
             </a:r>
             <a:endParaRPr lang="he-IL" dirty="0"/>
           </a:p>
@@ -5450,7 +5586,7 @@
     </p:spTree>
     <p:extLst>
       <p:ext uri="{BB962C8B-B14F-4D97-AF65-F5344CB8AC3E}">
-        <p14:creationId xmlns:p14="http://schemas.microsoft.com/office/powerpoint/2010/main" val="2298564234"/>
+        <p14:creationId xmlns:p14="http://schemas.microsoft.com/office/powerpoint/2010/main" val="2275727480"/>
       </p:ext>
     </p:extLst>
   </p:cSld>
@@ -5479,12 +5615,12 @@
       </p:grpSpPr>
       <p:sp>
         <p:nvSpPr>
-          <p:cNvPr id="2" name="Title 1"/>
-          <p:cNvSpPr>
-            <a:spLocks noGrp="1"/>
-          </p:cNvSpPr>
-          <p:nvPr>
-            <p:ph type="title"/>
+          <p:cNvPr id="4" name="Title 3"/>
+          <p:cNvSpPr>
+            <a:spLocks noGrp="1"/>
+          </p:cNvSpPr>
+          <p:nvPr>
+            <p:ph type="ctrTitle"/>
           </p:nvPr>
         </p:nvSpPr>
         <p:spPr/>
@@ -5494,125 +5630,12 @@
           <a:p>
             <a:pPr rtl="0"/>
             <a:r>
-              <a:rPr lang="en-GB" dirty="0" smtClean="0"/>
-              <a:t>Python syntax is beautiful</a:t>
-            </a:r>
-            <a:endParaRPr lang="he-IL" dirty="0"/>
-          </a:p>
-        </p:txBody>
-      </p:sp>
-      <p:sp>
-        <p:nvSpPr>
-          <p:cNvPr id="3" name="Content Placeholder 2"/>
-          <p:cNvSpPr>
-            <a:spLocks noGrp="1"/>
-          </p:cNvSpPr>
-          <p:nvPr>
-            <p:ph idx="1"/>
-          </p:nvPr>
-        </p:nvSpPr>
-        <p:spPr/>
-        <p:txBody>
-          <a:bodyPr>
-            <a:normAutofit fontScale="85000" lnSpcReduction="20000"/>
-          </a:bodyPr>
-          <a:lstStyle/>
-          <a:p>
-            <a:pPr marL="0" indent="0" algn="l" rtl="0">
-              <a:buNone/>
-            </a:pPr>
-            <a:r>
-              <a:rPr lang="en-US" dirty="0" smtClean="0"/>
-              <a:t>Once you get over the use of </a:t>
-            </a:r>
-            <a:r>
-              <a:rPr lang="en-US" b="1" dirty="0" smtClean="0"/>
-              <a:t>meaningful whitespace</a:t>
-            </a:r>
-            <a:r>
-              <a:rPr lang="en-US" dirty="0" smtClean="0"/>
-              <a:t>, you realize how much it makes sense. </a:t>
-            </a:r>
-          </a:p>
-          <a:p>
-            <a:pPr marL="0" indent="0" algn="l" rtl="0">
-              <a:buNone/>
-            </a:pPr>
-            <a:r>
-              <a:rPr lang="en-US" dirty="0" smtClean="0"/>
-              <a:t>Famous entrepreneur and investor </a:t>
-            </a:r>
-            <a:r>
-              <a:rPr lang="en-US" b="1" dirty="0" smtClean="0"/>
-              <a:t>Paul Graham </a:t>
-            </a:r>
-            <a:r>
-              <a:rPr lang="en-US" dirty="0" smtClean="0"/>
-              <a:t>mentions a friend who uses Python because “</a:t>
-            </a:r>
-            <a:r>
-              <a:rPr lang="en-US" b="1" dirty="0" smtClean="0"/>
-              <a:t>he likes the way source code looks.</a:t>
-            </a:r>
-            <a:r>
-              <a:rPr lang="en-US" dirty="0" smtClean="0"/>
-              <a:t>” </a:t>
-            </a:r>
-          </a:p>
-          <a:p>
-            <a:pPr marL="0" indent="0" algn="l" rtl="0">
-              <a:buNone/>
-            </a:pPr>
-            <a:r>
-              <a:rPr lang="en-US" dirty="0" smtClean="0"/>
-              <a:t>Graham explains further:</a:t>
-            </a:r>
-          </a:p>
-          <a:p>
-            <a:pPr marL="0" indent="0" algn="l" rtl="0">
-              <a:buNone/>
-            </a:pPr>
-            <a:endParaRPr lang="en-US" dirty="0"/>
-          </a:p>
-          <a:p>
-            <a:pPr marL="0" indent="0" algn="l" rtl="0">
-              <a:buNone/>
-            </a:pPr>
-            <a:r>
-              <a:rPr lang="en-US" i="1" dirty="0" smtClean="0"/>
-              <a:t>…when you program, you spend more time reading code than writing it. You push blobs of source code around the way a sculptor does blobs of clay. So a language that makes source code ugly is maddening to an exacting programmer, as clay full of lumps would be to a sculptor.</a:t>
-            </a:r>
-            <a:endParaRPr lang="he-IL" i="1" dirty="0"/>
-          </a:p>
-        </p:txBody>
-      </p:sp>
-      <p:sp>
-        <p:nvSpPr>
-          <p:cNvPr id="4" name="Rectangle 3"/>
-          <p:cNvSpPr/>
-          <p:nvPr/>
-        </p:nvSpPr>
-        <p:spPr>
-          <a:xfrm>
-            <a:off x="5508104" y="6309320"/>
-            <a:ext cx="3493200" cy="369332"/>
-          </a:xfrm>
-          <a:prstGeom prst="rect">
-            <a:avLst/>
-          </a:prstGeom>
-        </p:spPr>
-        <p:txBody>
-          <a:bodyPr wrap="none">
-            <a:spAutoFit/>
-          </a:bodyPr>
-          <a:lstStyle/>
-          <a:p>
-            <a:pPr algn="l" rtl="0"/>
-            <a:r>
-              <a:rPr lang="en-GB" dirty="0" smtClean="0">
-                <a:hlinkClick r:id="rId2"/>
-              </a:rPr>
-              <a:t>http://paulgraham.com/pypar.html</a:t>
+              <a:rPr lang="en-US" dirty="0" smtClean="0"/>
+              <a:t>Python is inherently </a:t>
+            </a:r>
+            <a:r>
+              <a:rPr lang="en-US" dirty="0" smtClean="0"/>
+              <a:t>object-oriented</a:t>
             </a:r>
             <a:endParaRPr lang="he-IL" dirty="0"/>
           </a:p>
@@ -5621,7 +5644,7 @@
     </p:spTree>
     <p:extLst>
       <p:ext uri="{BB962C8B-B14F-4D97-AF65-F5344CB8AC3E}">
-        <p14:creationId xmlns:p14="http://schemas.microsoft.com/office/powerpoint/2010/main" val="2275727480"/>
+        <p14:creationId xmlns:p14="http://schemas.microsoft.com/office/powerpoint/2010/main" val="2878752917"/>
       </p:ext>
     </p:extLst>
   </p:cSld>
@@ -5650,12 +5673,12 @@
       </p:grpSpPr>
       <p:sp>
         <p:nvSpPr>
-          <p:cNvPr id="4" name="Title 3"/>
-          <p:cNvSpPr>
-            <a:spLocks noGrp="1"/>
-          </p:cNvSpPr>
-          <p:nvPr>
-            <p:ph type="ctrTitle"/>
+          <p:cNvPr id="2" name="Title 1"/>
+          <p:cNvSpPr>
+            <a:spLocks noGrp="1"/>
+          </p:cNvSpPr>
+          <p:nvPr>
+            <p:ph type="title"/>
           </p:nvPr>
         </p:nvSpPr>
         <p:spPr/>
@@ -5666,7 +5689,47 @@
             <a:pPr rtl="0"/>
             <a:r>
               <a:rPr lang="en-US" dirty="0" smtClean="0"/>
-              <a:t>Python is inherently object oriented</a:t>
+              <a:t>Almost everything is an object</a:t>
+            </a:r>
+            <a:endParaRPr lang="he-IL" dirty="0"/>
+          </a:p>
+        </p:txBody>
+      </p:sp>
+      <p:sp>
+        <p:nvSpPr>
+          <p:cNvPr id="3" name="Content Placeholder 2"/>
+          <p:cNvSpPr>
+            <a:spLocks noGrp="1"/>
+          </p:cNvSpPr>
+          <p:nvPr>
+            <p:ph idx="1"/>
+          </p:nvPr>
+        </p:nvSpPr>
+        <p:spPr/>
+        <p:txBody>
+          <a:bodyPr/>
+          <a:lstStyle/>
+          <a:p>
+            <a:pPr algn="l" rtl="0"/>
+            <a:r>
+              <a:rPr lang="en-US" dirty="0" smtClean="0"/>
+              <a:t>strings, lists, dictionaries, tuples, functions, classes, and </a:t>
+            </a:r>
+            <a:r>
+              <a:rPr lang="en-US" dirty="0" smtClean="0"/>
+              <a:t>more</a:t>
+            </a:r>
+            <a:endParaRPr lang="en-US" dirty="0" smtClean="0"/>
+          </a:p>
+          <a:p>
+            <a:pPr algn="l" rtl="0"/>
+            <a:r>
+              <a:rPr lang="en-US" dirty="0" smtClean="0"/>
+              <a:t>The implied usefulness is that these things each have their own members and methods that encapsulate its functionality and </a:t>
+            </a:r>
+            <a:r>
+              <a:rPr lang="en-US" dirty="0" smtClean="0"/>
+              <a:t>information</a:t>
             </a:r>
             <a:endParaRPr lang="he-IL" dirty="0"/>
           </a:p>
@@ -5675,7 +5738,7 @@
     </p:spTree>
     <p:extLst>
       <p:ext uri="{BB962C8B-B14F-4D97-AF65-F5344CB8AC3E}">
-        <p14:creationId xmlns:p14="http://schemas.microsoft.com/office/powerpoint/2010/main" val="2878752917"/>
+        <p14:creationId xmlns:p14="http://schemas.microsoft.com/office/powerpoint/2010/main" val="2399426550"/>
       </p:ext>
     </p:extLst>
   </p:cSld>
@@ -5704,12 +5767,12 @@
       </p:grpSpPr>
       <p:sp>
         <p:nvSpPr>
-          <p:cNvPr id="2" name="Title 1"/>
-          <p:cNvSpPr>
-            <a:spLocks noGrp="1"/>
-          </p:cNvSpPr>
-          <p:nvPr>
-            <p:ph type="title"/>
+          <p:cNvPr id="4" name="Title 3"/>
+          <p:cNvSpPr>
+            <a:spLocks noGrp="1"/>
+          </p:cNvSpPr>
+          <p:nvPr>
+            <p:ph type="ctrTitle"/>
           </p:nvPr>
         </p:nvSpPr>
         <p:spPr/>
@@ -5717,10 +5780,9 @@
           <a:bodyPr/>
           <a:lstStyle/>
           <a:p>
-            <a:pPr rtl="0"/>
-            <a:r>
-              <a:rPr lang="en-US" dirty="0" smtClean="0"/>
-              <a:t>Almost everything is an object</a:t>
+            <a:r>
+              <a:rPr lang="en-US" dirty="0" smtClean="0"/>
+              <a:t>Python is high level, easy to learn, and fast to develop</a:t>
             </a:r>
             <a:endParaRPr lang="he-IL" dirty="0"/>
           </a:p>
@@ -5728,12 +5790,12 @@
       </p:sp>
       <p:sp>
         <p:nvSpPr>
-          <p:cNvPr id="3" name="Content Placeholder 2"/>
-          <p:cNvSpPr>
-            <a:spLocks noGrp="1"/>
-          </p:cNvSpPr>
-          <p:nvPr>
-            <p:ph idx="1"/>
+          <p:cNvPr id="5" name="Subtitle 4"/>
+          <p:cNvSpPr>
+            <a:spLocks noGrp="1"/>
+          </p:cNvSpPr>
+          <p:nvPr>
+            <p:ph type="subTitle" idx="1"/>
           </p:nvPr>
         </p:nvSpPr>
         <p:spPr/>
@@ -5741,17 +5803,9 @@
           <a:bodyPr/>
           <a:lstStyle/>
           <a:p>
-            <a:pPr algn="l" rtl="0"/>
-            <a:r>
-              <a:rPr lang="en-US" dirty="0" smtClean="0"/>
-              <a:t>strings, lists, dictionaries, tuples, functions, classes, and more. </a:t>
-            </a:r>
-          </a:p>
-          <a:p>
-            <a:pPr algn="l" rtl="0"/>
-            <a:r>
-              <a:rPr lang="en-US" dirty="0" smtClean="0"/>
-              <a:t>The implied usefulness is that these things each have their own members and methods that encapsulate its functionality and information.</a:t>
+            <a:r>
+              <a:rPr lang="en-US" dirty="0" smtClean="0"/>
+              <a:t>So is MATLAB</a:t>
             </a:r>
             <a:endParaRPr lang="he-IL" dirty="0"/>
           </a:p>
@@ -5760,7 +5814,7 @@
     </p:spTree>
     <p:extLst>
       <p:ext uri="{BB962C8B-B14F-4D97-AF65-F5344CB8AC3E}">
-        <p14:creationId xmlns:p14="http://schemas.microsoft.com/office/powerpoint/2010/main" val="2399426550"/>
+        <p14:creationId xmlns:p14="http://schemas.microsoft.com/office/powerpoint/2010/main" val="3184984879"/>
       </p:ext>
     </p:extLst>
   </p:cSld>
@@ -5802,9 +5856,10 @@
           <a:bodyPr/>
           <a:lstStyle/>
           <a:p>
-            <a:r>
-              <a:rPr lang="en-US" dirty="0" smtClean="0"/>
-              <a:t>Python is high level, easy to learn, and fast to develop</a:t>
+            <a:pPr rtl="0"/>
+            <a:r>
+              <a:rPr lang="en-US" dirty="0" smtClean="0"/>
+              <a:t>Python has many cool features</a:t>
             </a:r>
             <a:endParaRPr lang="he-IL" dirty="0"/>
           </a:p>
@@ -5825,9 +5880,18 @@
           <a:bodyPr/>
           <a:lstStyle/>
           <a:p>
-            <a:r>
-              <a:rPr lang="en-US" dirty="0" smtClean="0"/>
-              <a:t>So is MATLAB</a:t>
+            <a:pPr rtl="0"/>
+            <a:r>
+              <a:rPr lang="en-GB" dirty="0" smtClean="0">
+                <a:hlinkClick r:id="rId2"/>
+              </a:rPr>
+              <a:t>http://</a:t>
+            </a:r>
+            <a:r>
+              <a:rPr lang="en-GB" dirty="0" smtClean="0">
+                <a:hlinkClick r:id="rId2"/>
+              </a:rPr>
+              <a:t>stackoverflow.com/questions/101268/hidden-features-of-python</a:t>
             </a:r>
             <a:endParaRPr lang="he-IL" dirty="0"/>
           </a:p>
@@ -5836,7 +5900,7 @@
     </p:spTree>
     <p:extLst>
       <p:ext uri="{BB962C8B-B14F-4D97-AF65-F5344CB8AC3E}">
-        <p14:creationId xmlns:p14="http://schemas.microsoft.com/office/powerpoint/2010/main" val="3184984879"/>
+        <p14:creationId xmlns:p14="http://schemas.microsoft.com/office/powerpoint/2010/main" val="3633474150"/>
       </p:ext>
     </p:extLst>
   </p:cSld>
@@ -5865,82 +5929,6 @@
       </p:grpSpPr>
       <p:sp>
         <p:nvSpPr>
-          <p:cNvPr id="4" name="Title 3"/>
-          <p:cNvSpPr>
-            <a:spLocks noGrp="1"/>
-          </p:cNvSpPr>
-          <p:nvPr>
-            <p:ph type="ctrTitle"/>
-          </p:nvPr>
-        </p:nvSpPr>
-        <p:spPr/>
-        <p:txBody>
-          <a:bodyPr/>
-          <a:lstStyle/>
-          <a:p>
-            <a:r>
-              <a:rPr lang="en-US" dirty="0" smtClean="0"/>
-              <a:t>Python has many cool features</a:t>
-            </a:r>
-            <a:endParaRPr lang="he-IL" dirty="0"/>
-          </a:p>
-        </p:txBody>
-      </p:sp>
-      <p:sp>
-        <p:nvSpPr>
-          <p:cNvPr id="5" name="Subtitle 4"/>
-          <p:cNvSpPr>
-            <a:spLocks noGrp="1"/>
-          </p:cNvSpPr>
-          <p:nvPr>
-            <p:ph type="subTitle" idx="1"/>
-          </p:nvPr>
-        </p:nvSpPr>
-        <p:spPr/>
-        <p:txBody>
-          <a:bodyPr/>
-          <a:lstStyle/>
-          <a:p>
-            <a:r>
-              <a:rPr lang="en-GB" dirty="0" smtClean="0"/>
-              <a:t>http://stackoverflow.com/questions/101268/hidden-features-of-python</a:t>
-            </a:r>
-            <a:endParaRPr lang="he-IL" dirty="0"/>
-          </a:p>
-        </p:txBody>
-      </p:sp>
-    </p:spTree>
-    <p:extLst>
-      <p:ext uri="{BB962C8B-B14F-4D97-AF65-F5344CB8AC3E}">
-        <p14:creationId xmlns:p14="http://schemas.microsoft.com/office/powerpoint/2010/main" val="3633474150"/>
-      </p:ext>
-    </p:extLst>
-  </p:cSld>
-  <p:clrMapOvr>
-    <a:masterClrMapping/>
-  </p:clrMapOvr>
-</p:sld>
-</file>
-
-<file path=ppt/slides/slide28.xml><?xml version="1.0" encoding="utf-8"?>
-<p:sld xmlns:a="http://schemas.openxmlformats.org/drawingml/2006/main" xmlns:r="http://schemas.openxmlformats.org/officeDocument/2006/relationships" xmlns:p="http://schemas.openxmlformats.org/presentationml/2006/main">
-  <p:cSld>
-    <p:spTree>
-      <p:nvGrpSpPr>
-        <p:cNvPr id="1" name=""/>
-        <p:cNvGrpSpPr/>
-        <p:nvPr/>
-      </p:nvGrpSpPr>
-      <p:grpSpPr>
-        <a:xfrm>
-          <a:off x="0" y="0"/>
-          <a:ext cx="0" cy="0"/>
-          <a:chOff x="0" y="0"/>
-          <a:chExt cx="0" cy="0"/>
-        </a:xfrm>
-      </p:grpSpPr>
-      <p:sp>
-        <p:nvSpPr>
           <p:cNvPr id="4" name="Rectangle 3"/>
           <p:cNvSpPr/>
           <p:nvPr/>
@@ -5960,9 +5948,18 @@
           </a:bodyPr>
           <a:lstStyle/>
           <a:p>
-            <a:r>
-              <a:rPr lang="en-GB" dirty="0" smtClean="0"/>
-              <a:t>https://xkcd.com/353/</a:t>
+            <a:pPr algn="l" rtl="0"/>
+            <a:r>
+              <a:rPr lang="en-GB" dirty="0" smtClean="0">
+                <a:hlinkClick r:id="rId2"/>
+              </a:rPr>
+              <a:t>https://xkcd.com/353</a:t>
+            </a:r>
+            <a:r>
+              <a:rPr lang="en-GB" dirty="0" smtClean="0">
+                <a:hlinkClick r:id="rId2"/>
+              </a:rPr>
+              <a:t>/</a:t>
             </a:r>
             <a:endParaRPr lang="he-IL" dirty="0"/>
           </a:p>
@@ -5977,7 +5974,7 @@
           <p:nvPr/>
         </p:nvPicPr>
         <p:blipFill>
-          <a:blip r:embed="rId2">
+          <a:blip r:embed="rId3">
             <a:extLst>
               <a:ext uri="{28A0092B-C50C-407E-A947-70E740481C1C}">
                 <a14:useLocalDpi xmlns:a14="http://schemas.microsoft.com/office/drawing/2010/main" val="0"/>
@@ -6045,6 +6042,165 @@
 </p:sld>
 </file>
 
+<file path=ppt/slides/slide28.xml><?xml version="1.0" encoding="utf-8"?>
+<p:sld xmlns:a="http://schemas.openxmlformats.org/drawingml/2006/main" xmlns:r="http://schemas.openxmlformats.org/officeDocument/2006/relationships" xmlns:p="http://schemas.openxmlformats.org/presentationml/2006/main">
+  <p:cSld>
+    <p:spTree>
+      <p:nvGrpSpPr>
+        <p:cNvPr id="1" name=""/>
+        <p:cNvGrpSpPr/>
+        <p:nvPr/>
+      </p:nvGrpSpPr>
+      <p:grpSpPr>
+        <a:xfrm>
+          <a:off x="0" y="0"/>
+          <a:ext cx="0" cy="0"/>
+          <a:chOff x="0" y="0"/>
+          <a:chExt cx="0" cy="0"/>
+        </a:xfrm>
+      </p:grpSpPr>
+      <p:sp>
+        <p:nvSpPr>
+          <p:cNvPr id="2" name="Title 1"/>
+          <p:cNvSpPr>
+            <a:spLocks noGrp="1"/>
+          </p:cNvSpPr>
+          <p:nvPr>
+            <p:ph type="ctrTitle"/>
+          </p:nvPr>
+        </p:nvSpPr>
+        <p:spPr/>
+        <p:txBody>
+          <a:bodyPr/>
+          <a:lstStyle/>
+          <a:p>
+            <a:pPr rtl="0"/>
+            <a:r>
+              <a:rPr lang="en-GB" dirty="0" smtClean="0"/>
+              <a:t>Python is fast enough</a:t>
+            </a:r>
+            <a:endParaRPr lang="he-IL" dirty="0"/>
+          </a:p>
+        </p:txBody>
+      </p:sp>
+      <p:sp>
+        <p:nvSpPr>
+          <p:cNvPr id="3" name="Subtitle 2"/>
+          <p:cNvSpPr>
+            <a:spLocks noGrp="1"/>
+          </p:cNvSpPr>
+          <p:nvPr>
+            <p:ph type="subTitle" idx="1"/>
+          </p:nvPr>
+        </p:nvSpPr>
+        <p:spPr/>
+        <p:txBody>
+          <a:bodyPr>
+            <a:normAutofit/>
+          </a:bodyPr>
+          <a:lstStyle/>
+          <a:p>
+            <a:pPr rtl="0"/>
+            <a:r>
+              <a:rPr lang="en-US" dirty="0" smtClean="0"/>
+              <a:t>Written in C </a:t>
+            </a:r>
+            <a:r>
+              <a:rPr lang="en-US" dirty="0" smtClean="0"/>
+              <a:t>(and </a:t>
+            </a:r>
+            <a:r>
+              <a:rPr lang="en-US" dirty="0" smtClean="0"/>
+              <a:t>some Fortran</a:t>
+            </a:r>
+            <a:r>
+              <a:rPr lang="en-US" dirty="0" smtClean="0"/>
+              <a:t>)</a:t>
+            </a:r>
+            <a:endParaRPr lang="he-IL" dirty="0" smtClean="0"/>
+          </a:p>
+          <a:p>
+            <a:pPr rtl="0"/>
+            <a:r>
+              <a:rPr lang="en-US" dirty="0" smtClean="0"/>
+              <a:t>Easy to wrap more C</a:t>
+            </a:r>
+          </a:p>
+          <a:p>
+            <a:pPr rtl="0"/>
+            <a:r>
+              <a:rPr lang="en-US" dirty="0" smtClean="0"/>
+              <a:t>Easy </a:t>
+            </a:r>
+            <a:r>
+              <a:rPr lang="en-US" dirty="0" smtClean="0"/>
+              <a:t>to parallelize</a:t>
+            </a:r>
+            <a:endParaRPr lang="he-IL" dirty="0"/>
+          </a:p>
+        </p:txBody>
+      </p:sp>
+      <p:sp>
+        <p:nvSpPr>
+          <p:cNvPr id="4" name="Rectangle 3"/>
+          <p:cNvSpPr/>
+          <p:nvPr/>
+        </p:nvSpPr>
+        <p:spPr>
+          <a:xfrm>
+            <a:off x="4536504" y="6444044"/>
+            <a:ext cx="4572000" cy="369332"/>
+          </a:xfrm>
+          <a:prstGeom prst="rect">
+            <a:avLst/>
+          </a:prstGeom>
+        </p:spPr>
+        <p:txBody>
+          <a:bodyPr>
+            <a:spAutoFit/>
+          </a:bodyPr>
+          <a:lstStyle/>
+          <a:p>
+            <a:pPr rtl="0"/>
+            <a:r>
+              <a:rPr lang="en-GB" dirty="0" smtClean="0">
+                <a:hlinkClick r:id="rId2"/>
+              </a:rPr>
+              <a:t>Benchmark Game</a:t>
+            </a:r>
+            <a:r>
+              <a:rPr lang="en-GB" dirty="0" smtClean="0"/>
+              <a:t> | </a:t>
+            </a:r>
+            <a:r>
+              <a:rPr lang="en-GB" dirty="0" err="1" smtClean="0">
+                <a:hlinkClick r:id="rId3"/>
+              </a:rPr>
+              <a:t>NumFocus</a:t>
+            </a:r>
+            <a:r>
+              <a:rPr lang="en-GB" dirty="0" smtClean="0">
+                <a:hlinkClick r:id="rId3"/>
+              </a:rPr>
+              <a:t> Benchmarks</a:t>
+            </a:r>
+            <a:endParaRPr lang="he-IL" dirty="0"/>
+          </a:p>
+        </p:txBody>
+      </p:sp>
+    </p:spTree>
+    <p:extLst>
+      <p:ext uri="{BB962C8B-B14F-4D97-AF65-F5344CB8AC3E}">
+        <p14:creationId xmlns:p14="http://schemas.microsoft.com/office/powerpoint/2010/main" val="2834748534"/>
+      </p:ext>
+    </p:extLst>
+  </p:cSld>
+  <p:clrMapOvr>
+    <a:masterClrMapping/>
+  </p:clrMapOvr>
+</p:sld>
+</file>
+
 <file path=ppt/slides/slide29.xml><?xml version="1.0" encoding="utf-8"?>
 <p:sld xmlns:a="http://schemas.openxmlformats.org/drawingml/2006/main" xmlns:r="http://schemas.openxmlformats.org/officeDocument/2006/relationships" xmlns:p="http://schemas.openxmlformats.org/presentationml/2006/main">
   <p:cSld>
@@ -6064,7 +6220,7 @@
       </p:grpSpPr>
       <p:sp>
         <p:nvSpPr>
-          <p:cNvPr id="2" name="Title 1"/>
+          <p:cNvPr id="4" name="Title 3"/>
           <p:cNvSpPr>
             <a:spLocks noGrp="1"/>
           </p:cNvSpPr>
@@ -6077,99 +6233,9 @@
           <a:bodyPr/>
           <a:lstStyle/>
           <a:p>
-            <a:pPr rtl="0"/>
-            <a:r>
-              <a:rPr lang="en-GB" dirty="0" smtClean="0"/>
-              <a:t>Python is fast enough</a:t>
-            </a:r>
-            <a:endParaRPr lang="he-IL" dirty="0"/>
-          </a:p>
-        </p:txBody>
-      </p:sp>
-      <p:sp>
-        <p:nvSpPr>
-          <p:cNvPr id="3" name="Subtitle 2"/>
-          <p:cNvSpPr>
-            <a:spLocks noGrp="1"/>
-          </p:cNvSpPr>
-          <p:nvPr>
-            <p:ph type="subTitle" idx="1"/>
-          </p:nvPr>
-        </p:nvSpPr>
-        <p:spPr/>
-        <p:txBody>
-          <a:bodyPr>
-            <a:normAutofit/>
-          </a:bodyPr>
-          <a:lstStyle/>
-          <a:p>
-            <a:pPr rtl="0"/>
-            <a:r>
-              <a:rPr lang="en-US" dirty="0" smtClean="0"/>
-              <a:t>Written in C (&amp; some Fortran),</a:t>
-            </a:r>
-            <a:endParaRPr lang="he-IL" dirty="0" smtClean="0"/>
-          </a:p>
-          <a:p>
-            <a:pPr rtl="0"/>
-            <a:r>
-              <a:rPr lang="en-US" dirty="0" smtClean="0"/>
-              <a:t>Easy to wrap more C</a:t>
-            </a:r>
-          </a:p>
-          <a:p>
-            <a:pPr rtl="0"/>
-            <a:r>
-              <a:rPr lang="en-US" dirty="0" smtClean="0"/>
-              <a:t>Easily to parallelize</a:t>
-            </a:r>
-            <a:endParaRPr lang="he-IL" dirty="0"/>
-          </a:p>
-        </p:txBody>
-      </p:sp>
-      <p:sp>
-        <p:nvSpPr>
-          <p:cNvPr id="4" name="Rectangle 3"/>
-          <p:cNvSpPr/>
-          <p:nvPr/>
-        </p:nvSpPr>
-        <p:spPr>
-          <a:xfrm>
-            <a:off x="4536504" y="6444044"/>
-            <a:ext cx="4572000" cy="369332"/>
-          </a:xfrm>
-          <a:prstGeom prst="rect">
-            <a:avLst/>
-          </a:prstGeom>
-        </p:spPr>
-        <p:txBody>
-          <a:bodyPr>
-            <a:spAutoFit/>
-          </a:bodyPr>
-          <a:lstStyle/>
-          <a:p>
-            <a:pPr rtl="0"/>
-            <a:r>
-              <a:rPr lang="en-GB" dirty="0" smtClean="0">
-                <a:hlinkClick r:id="rId2"/>
-              </a:rPr>
-              <a:t>Benchmark Game</a:t>
-            </a:r>
-            <a:r>
-              <a:rPr lang="en-GB" dirty="0" smtClean="0"/>
-              <a:t> | </a:t>
-            </a:r>
-            <a:r>
-              <a:rPr lang="en-GB" dirty="0" err="1" smtClean="0">
-                <a:hlinkClick r:id="rId3"/>
-              </a:rPr>
-              <a:t>NumFocus</a:t>
-            </a:r>
-            <a:r>
-              <a:rPr lang="en-GB" dirty="0" smtClean="0">
-                <a:hlinkClick r:id="rId3"/>
-              </a:rPr>
-              <a:t> Benchmarks</a:t>
+            <a:r>
+              <a:rPr lang="en-US" dirty="0" smtClean="0"/>
+              <a:t>Python is popular and has a great community</a:t>
             </a:r>
             <a:endParaRPr lang="he-IL" dirty="0"/>
           </a:p>
@@ -6178,7 +6244,7 @@
     </p:spTree>
     <p:extLst>
       <p:ext uri="{BB962C8B-B14F-4D97-AF65-F5344CB8AC3E}">
-        <p14:creationId xmlns:p14="http://schemas.microsoft.com/office/powerpoint/2010/main" val="2834748534"/>
+        <p14:creationId xmlns:p14="http://schemas.microsoft.com/office/powerpoint/2010/main" val="1780325085"/>
       </p:ext>
     </p:extLst>
   </p:cSld>
@@ -6217,15 +6283,24 @@
         </p:nvSpPr>
         <p:spPr/>
         <p:txBody>
-          <a:bodyPr/>
+          <a:bodyPr>
+            <a:normAutofit fontScale="90000"/>
+          </a:bodyPr>
           <a:lstStyle/>
           <a:p>
             <a:pPr rtl="0"/>
             <a:r>
-              <a:rPr lang="en-US" dirty="0" smtClean="0"/>
-              <a:t>What is Python</a:t>
-            </a:r>
-            <a:endParaRPr lang="he-IL" dirty="0"/>
+              <a:rPr lang="en-US" dirty="0"/>
+              <a:t>Design </a:t>
+            </a:r>
+            <a:r>
+              <a:rPr lang="en-US" dirty="0" smtClean="0"/>
+              <a:t>emphasizes </a:t>
+            </a:r>
+            <a:r>
+              <a:rPr lang="en-US" dirty="0"/>
+              <a:t>code readability</a:t>
+            </a:r>
           </a:p>
         </p:txBody>
       </p:sp>
@@ -6242,29 +6317,158 @@
         <p:spPr/>
         <p:txBody>
           <a:bodyPr>
-            <a:normAutofit/>
+            <a:normAutofit fontScale="92500" lnSpcReduction="10000"/>
           </a:bodyPr>
           <a:lstStyle/>
           <a:p>
             <a:pPr algn="l" rtl="0"/>
             <a:r>
               <a:rPr lang="en-US" dirty="0" smtClean="0"/>
-              <a:t>Design philosophy emphasizes code readability</a:t>
-            </a:r>
-          </a:p>
-          <a:p>
-            <a:pPr algn="l" rtl="0"/>
-            <a:r>
-              <a:rPr lang="en-US" dirty="0" smtClean="0"/>
-              <a:t>Syntax allows to express concepts in few lines (compared to C++ or Java)</a:t>
-            </a:r>
-          </a:p>
-          <a:p>
-            <a:pPr algn="l" rtl="0"/>
-            <a:r>
-              <a:rPr lang="en-US" dirty="0" smtClean="0"/>
-              <a:t>Provides constructs clear programs, both a small and large scale</a:t>
-            </a:r>
+              <a:t>Uncluttered </a:t>
+            </a:r>
+            <a:r>
+              <a:rPr lang="en-US" b="1" dirty="0"/>
+              <a:t>visual layout </a:t>
+            </a:r>
+            <a:r>
+              <a:rPr lang="en-US" b="1" dirty="0" smtClean="0"/>
+              <a:t> </a:t>
+            </a:r>
+            <a:r>
+              <a:rPr lang="en-US" dirty="0" smtClean="0"/>
+              <a:t>(whitespaces…)</a:t>
+            </a:r>
+          </a:p>
+          <a:p>
+            <a:pPr algn="l" rtl="0"/>
+            <a:r>
+              <a:rPr lang="en-US" b="1" dirty="0" smtClean="0"/>
+              <a:t>English </a:t>
+            </a:r>
+            <a:r>
+              <a:rPr lang="en-US" b="1" dirty="0"/>
+              <a:t>keywords</a:t>
+            </a:r>
+            <a:r>
+              <a:rPr lang="en-US" dirty="0"/>
+              <a:t> </a:t>
+            </a:r>
+            <a:r>
+              <a:rPr lang="en-US" dirty="0" smtClean="0"/>
+              <a:t>used where </a:t>
+            </a:r>
+            <a:r>
+              <a:rPr lang="en-US" dirty="0"/>
+              <a:t>other languages use </a:t>
+            </a:r>
+            <a:r>
+              <a:rPr lang="en-US" dirty="0" smtClean="0"/>
+              <a:t>punctuation</a:t>
+            </a:r>
+            <a:r>
+              <a:rPr lang="en-US" dirty="0"/>
+              <a:t> </a:t>
+            </a:r>
+            <a:r>
+              <a:rPr lang="en-US" dirty="0" smtClean="0"/>
+              <a:t>(and, or, not…) </a:t>
+            </a:r>
+          </a:p>
+          <a:p>
+            <a:pPr algn="l" rtl="0"/>
+            <a:r>
+              <a:rPr lang="en-US" dirty="0" smtClean="0"/>
+              <a:t>Aims for </a:t>
+            </a:r>
+            <a:r>
+              <a:rPr lang="en-US" b="1" dirty="0" smtClean="0"/>
+              <a:t>simplicity </a:t>
+            </a:r>
+            <a:r>
+              <a:rPr lang="en-US" dirty="0"/>
+              <a:t>and </a:t>
+            </a:r>
+            <a:r>
+              <a:rPr lang="en-US" b="1" dirty="0"/>
+              <a:t>generality </a:t>
+            </a:r>
+            <a:endParaRPr lang="en-US" b="1" dirty="0" smtClean="0"/>
+          </a:p>
+          <a:p>
+            <a:pPr algn="l" rtl="0"/>
+            <a:r>
+              <a:rPr lang="en-US" dirty="0" smtClean="0"/>
+              <a:t>The Python mantra:</a:t>
+            </a:r>
+          </a:p>
+          <a:p>
+            <a:pPr marL="0" indent="0" algn="ctr" rtl="0">
+              <a:buNone/>
+            </a:pPr>
+            <a:r>
+              <a:rPr lang="en-US" b="1" i="1" dirty="0" smtClean="0"/>
+              <a:t>There </a:t>
+            </a:r>
+            <a:r>
+              <a:rPr lang="en-US" b="1" i="1" dirty="0"/>
+              <a:t>should be </a:t>
+            </a:r>
+            <a:r>
+              <a:rPr lang="en-US" b="1" i="1" dirty="0" smtClean="0"/>
+              <a:t>one—and </a:t>
+            </a:r>
+            <a:r>
+              <a:rPr lang="en-US" b="1" i="1" dirty="0"/>
+              <a:t>preferably only one—obvious way to do </a:t>
+            </a:r>
+            <a:r>
+              <a:rPr lang="en-US" b="1" i="1" dirty="0" smtClean="0"/>
+              <a:t>it</a:t>
+            </a:r>
+            <a:endParaRPr lang="en-US" sz="2400" b="1" dirty="0" smtClean="0"/>
+          </a:p>
+          <a:p>
+            <a:pPr algn="l" rtl="0"/>
+            <a:r>
+              <a:rPr lang="en-US" dirty="0" smtClean="0"/>
+              <a:t>As opposed </a:t>
+            </a:r>
+            <a:r>
+              <a:rPr lang="en-US" dirty="0"/>
+              <a:t>to the Perl and Ruby </a:t>
+            </a:r>
+            <a:r>
+              <a:rPr lang="en-US" dirty="0" smtClean="0"/>
+              <a:t>mantra:</a:t>
+            </a:r>
+          </a:p>
+          <a:p>
+            <a:pPr marL="0" indent="0" algn="ctr" rtl="0">
+              <a:buNone/>
+            </a:pPr>
+            <a:r>
+              <a:rPr lang="en-US" i="1" dirty="0" smtClean="0"/>
+              <a:t>There's </a:t>
+            </a:r>
+            <a:r>
+              <a:rPr lang="en-US" i="1" dirty="0"/>
+              <a:t>more than one way to do </a:t>
+            </a:r>
+            <a:r>
+              <a:rPr lang="en-US" i="1" dirty="0" smtClean="0"/>
+              <a:t>it</a:t>
+            </a:r>
+            <a:endParaRPr lang="en-US" i="1" dirty="0"/>
+          </a:p>
+          <a:p>
+            <a:pPr algn="l" rtl="0"/>
+            <a:endParaRPr lang="en-US" dirty="0"/>
+          </a:p>
+          <a:p>
+            <a:pPr marL="0" indent="0" algn="l" rtl="0">
+              <a:buNone/>
+            </a:pPr>
+            <a:endParaRPr lang="en-US" dirty="0" smtClean="0"/>
           </a:p>
         </p:txBody>
       </p:sp>
@@ -6309,6 +6513,13 @@
   <p:clrMapOvr>
     <a:masterClrMapping/>
   </p:clrMapOvr>
+  <p:timing>
+    <p:tnLst>
+      <p:par>
+        <p:cTn id="1" dur="indefinite" restart="never" nodeType="tmRoot"/>
+      </p:par>
+    </p:tnLst>
+  </p:timing>
 </p:sld>
 </file>
 
@@ -6331,59 +6542,6 @@
       </p:grpSpPr>
       <p:sp>
         <p:nvSpPr>
-          <p:cNvPr id="4" name="Title 3"/>
-          <p:cNvSpPr>
-            <a:spLocks noGrp="1"/>
-          </p:cNvSpPr>
-          <p:nvPr>
-            <p:ph type="ctrTitle"/>
-          </p:nvPr>
-        </p:nvSpPr>
-        <p:spPr/>
-        <p:txBody>
-          <a:bodyPr/>
-          <a:lstStyle/>
-          <a:p>
-            <a:r>
-              <a:rPr lang="en-US" dirty="0" smtClean="0"/>
-              <a:t>Python is popular and has a great community</a:t>
-            </a:r>
-            <a:endParaRPr lang="he-IL" dirty="0"/>
-          </a:p>
-        </p:txBody>
-      </p:sp>
-    </p:spTree>
-    <p:extLst>
-      <p:ext uri="{BB962C8B-B14F-4D97-AF65-F5344CB8AC3E}">
-        <p14:creationId xmlns:p14="http://schemas.microsoft.com/office/powerpoint/2010/main" val="1780325085"/>
-      </p:ext>
-    </p:extLst>
-  </p:cSld>
-  <p:clrMapOvr>
-    <a:masterClrMapping/>
-  </p:clrMapOvr>
-</p:sld>
-</file>
-
-<file path=ppt/slides/slide31.xml><?xml version="1.0" encoding="utf-8"?>
-<p:sld xmlns:a="http://schemas.openxmlformats.org/drawingml/2006/main" xmlns:r="http://schemas.openxmlformats.org/officeDocument/2006/relationships" xmlns:p="http://schemas.openxmlformats.org/presentationml/2006/main">
-  <p:cSld>
-    <p:spTree>
-      <p:nvGrpSpPr>
-        <p:cNvPr id="1" name=""/>
-        <p:cNvGrpSpPr/>
-        <p:nvPr/>
-      </p:nvGrpSpPr>
-      <p:grpSpPr>
-        <a:xfrm>
-          <a:off x="0" y="0"/>
-          <a:ext cx="0" cy="0"/>
-          <a:chOff x="0" y="0"/>
-          <a:chExt cx="0" cy="0"/>
-        </a:xfrm>
-      </p:grpSpPr>
-      <p:sp>
-        <p:nvSpPr>
           <p:cNvPr id="2" name="Title 1"/>
           <p:cNvSpPr>
             <a:spLocks noGrp="1"/>
@@ -6465,7 +6623,7 @@
 </p:sld>
 </file>
 
-<file path=ppt/slides/slide32.xml><?xml version="1.0" encoding="utf-8"?>
+<file path=ppt/slides/slide31.xml><?xml version="1.0" encoding="utf-8"?>
 <p:sld xmlns:a="http://schemas.openxmlformats.org/drawingml/2006/main" xmlns:r="http://schemas.openxmlformats.org/officeDocument/2006/relationships" xmlns:p="http://schemas.openxmlformats.org/presentationml/2006/main">
   <p:cSld>
     <p:spTree>
@@ -6695,7 +6853,7 @@
 </p:sld>
 </file>
 
-<file path=ppt/slides/slide33.xml><?xml version="1.0" encoding="utf-8"?>
+<file path=ppt/slides/slide32.xml><?xml version="1.0" encoding="utf-8"?>
 <p:sld xmlns:a="http://schemas.openxmlformats.org/drawingml/2006/main" xmlns:r="http://schemas.openxmlformats.org/officeDocument/2006/relationships" xmlns:p="http://schemas.openxmlformats.org/presentationml/2006/main">
   <p:cSld>
     <p:spTree>
@@ -6730,7 +6888,11 @@
             <a:pPr rtl="0"/>
             <a:r>
               <a:rPr lang="en-US" dirty="0" smtClean="0"/>
-              <a:t>Very active community</a:t>
+              <a:t>Active </a:t>
+            </a:r>
+            <a:r>
+              <a:rPr lang="en-US" dirty="0" smtClean="0"/>
+              <a:t>community</a:t>
             </a:r>
           </a:p>
         </p:txBody>
@@ -6889,7 +7051,7 @@
 </p:sld>
 </file>
 
-<file path=ppt/slides/slide34.xml><?xml version="1.0" encoding="utf-8"?>
+<file path=ppt/slides/slide33.xml><?xml version="1.0" encoding="utf-8"?>
 <p:sld xmlns:a="http://schemas.openxmlformats.org/drawingml/2006/main" xmlns:r="http://schemas.openxmlformats.org/officeDocument/2006/relationships" xmlns:p="http://schemas.openxmlformats.org/presentationml/2006/main">
   <p:cSld>
     <p:spTree>
@@ -6943,7 +7105,7 @@
 </p:sld>
 </file>
 
-<file path=ppt/slides/slide35.xml><?xml version="1.0" encoding="utf-8"?>
+<file path=ppt/slides/slide34.xml><?xml version="1.0" encoding="utf-8"?>
 <p:sld xmlns:a="http://schemas.openxmlformats.org/drawingml/2006/main" xmlns:r="http://schemas.openxmlformats.org/officeDocument/2006/relationships" xmlns:p="http://schemas.openxmlformats.org/presentationml/2006/main">
   <p:cSld>
     <p:spTree>
@@ -7040,7 +7202,27 @@
             <a:pPr algn="l" rtl="0"/>
             <a:r>
               <a:rPr lang="en-US" sz="2400" dirty="0" smtClean="0"/>
-              <a:t>During 2015, over 1500 new packages released every month or </a:t>
+              <a:t>During 2015, over </a:t>
+            </a:r>
+            <a:r>
+              <a:rPr lang="en-US" sz="2400" dirty="0" smtClean="0"/>
+              <a:t>1,500 </a:t>
+            </a:r>
+            <a:r>
+              <a:rPr lang="en-US" sz="2400" dirty="0" smtClean="0"/>
+              <a:t>new packages released </a:t>
+            </a:r>
+            <a:r>
+              <a:rPr lang="en-US" sz="2400" u="sng" dirty="0" smtClean="0"/>
+              <a:t>every month </a:t>
+            </a:r>
+            <a:r>
+              <a:rPr lang="en-US" sz="2400" dirty="0" smtClean="0"/>
+              <a:t>at</a:t>
+            </a:r>
+            <a:r>
+              <a:rPr lang="en-US" sz="2400" dirty="0" smtClean="0"/>
+              <a:t> </a:t>
             </a:r>
             <a:r>
               <a:rPr lang="en-US" sz="2400" dirty="0" err="1" smtClean="0"/>
@@ -7085,6 +7267,134 @@
     <p:extLst>
       <p:ext uri="{BB962C8B-B14F-4D97-AF65-F5344CB8AC3E}">
         <p14:creationId xmlns:p14="http://schemas.microsoft.com/office/powerpoint/2010/main" val="3644176354"/>
+      </p:ext>
+    </p:extLst>
+  </p:cSld>
+  <p:clrMapOvr>
+    <a:masterClrMapping/>
+  </p:clrMapOvr>
+</p:sld>
+</file>
+
+<file path=ppt/slides/slide35.xml><?xml version="1.0" encoding="utf-8"?>
+<p:sld xmlns:a="http://schemas.openxmlformats.org/drawingml/2006/main" xmlns:r="http://schemas.openxmlformats.org/officeDocument/2006/relationships" xmlns:p="http://schemas.openxmlformats.org/presentationml/2006/main">
+  <p:cSld>
+    <p:spTree>
+      <p:nvGrpSpPr>
+        <p:cNvPr id="1" name=""/>
+        <p:cNvGrpSpPr/>
+        <p:nvPr/>
+      </p:nvGrpSpPr>
+      <p:grpSpPr>
+        <a:xfrm>
+          <a:off x="0" y="0"/>
+          <a:ext cx="0" cy="0"/>
+          <a:chOff x="0" y="0"/>
+          <a:chExt cx="0" cy="0"/>
+        </a:xfrm>
+      </p:grpSpPr>
+      <p:sp>
+        <p:nvSpPr>
+          <p:cNvPr id="4" name="Title 3"/>
+          <p:cNvSpPr>
+            <a:spLocks noGrp="1"/>
+          </p:cNvSpPr>
+          <p:nvPr>
+            <p:ph type="ctrTitle"/>
+          </p:nvPr>
+        </p:nvSpPr>
+        <p:spPr/>
+        <p:txBody>
+          <a:bodyPr>
+            <a:normAutofit/>
+          </a:bodyPr>
+          <a:lstStyle/>
+          <a:p>
+            <a:pPr rtl="0"/>
+            <a:r>
+              <a:rPr lang="en-US" dirty="0" smtClean="0"/>
+              <a:t>Python can do nearly everything MATLAB can </a:t>
+            </a:r>
+            <a:r>
+              <a:rPr lang="en-US" dirty="0" smtClean="0"/>
+              <a:t>do</a:t>
+            </a:r>
+            <a:endParaRPr lang="he-IL" dirty="0"/>
+          </a:p>
+        </p:txBody>
+      </p:sp>
+      <p:sp>
+        <p:nvSpPr>
+          <p:cNvPr id="5" name="Subtitle 4"/>
+          <p:cNvSpPr>
+            <a:spLocks noGrp="1"/>
+          </p:cNvSpPr>
+          <p:nvPr>
+            <p:ph type="subTitle" idx="1"/>
+          </p:nvPr>
+        </p:nvSpPr>
+        <p:spPr/>
+        <p:txBody>
+          <a:bodyPr/>
+          <a:lstStyle/>
+          <a:p>
+            <a:pPr rtl="0"/>
+            <a:r>
+              <a:rPr lang="en-US" dirty="0" smtClean="0"/>
+              <a:t>With </a:t>
+            </a:r>
+            <a:r>
+              <a:rPr lang="en-US" dirty="0" smtClean="0"/>
+              <a:t>libraries like </a:t>
+            </a:r>
+            <a:r>
+              <a:rPr lang="en-US" dirty="0" err="1" smtClean="0"/>
+              <a:t>NumPy</a:t>
+            </a:r>
+            <a:r>
+              <a:rPr lang="en-US" dirty="0" smtClean="0"/>
+              <a:t>, </a:t>
+            </a:r>
+            <a:r>
+              <a:rPr lang="en-US" dirty="0" err="1" smtClean="0"/>
+              <a:t>SciPy</a:t>
+            </a:r>
+            <a:r>
+              <a:rPr lang="en-US" dirty="0" smtClean="0"/>
+              <a:t>, </a:t>
+            </a:r>
+            <a:r>
+              <a:rPr lang="en-US" dirty="0" err="1" smtClean="0"/>
+              <a:t>Matplotlib</a:t>
+            </a:r>
+            <a:r>
+              <a:rPr lang="en-US" dirty="0" smtClean="0"/>
+              <a:t>, </a:t>
+            </a:r>
+            <a:r>
+              <a:rPr lang="en-US" dirty="0" err="1" smtClean="0"/>
+              <a:t>Ipython</a:t>
+            </a:r>
+            <a:r>
+              <a:rPr lang="en-US" dirty="0" smtClean="0"/>
+              <a:t>, </a:t>
+            </a:r>
+            <a:r>
+              <a:rPr lang="en-US" dirty="0" err="1" smtClean="0"/>
+              <a:t>Scikit</a:t>
+            </a:r>
+            <a:r>
+              <a:rPr lang="en-US" dirty="0" smtClean="0"/>
+              <a:t>, and more</a:t>
+            </a:r>
+            <a:endParaRPr lang="he-IL" dirty="0"/>
+          </a:p>
+        </p:txBody>
+      </p:sp>
+    </p:spTree>
+    <p:extLst>
+      <p:ext uri="{BB962C8B-B14F-4D97-AF65-F5344CB8AC3E}">
+        <p14:creationId xmlns:p14="http://schemas.microsoft.com/office/powerpoint/2010/main" val="1802572147"/>
       </p:ext>
     </p:extLst>
   </p:cSld>
@@ -7113,114 +7423,6 @@
       </p:grpSpPr>
       <p:sp>
         <p:nvSpPr>
-          <p:cNvPr id="4" name="Title 3"/>
-          <p:cNvSpPr>
-            <a:spLocks noGrp="1"/>
-          </p:cNvSpPr>
-          <p:nvPr>
-            <p:ph type="ctrTitle"/>
-          </p:nvPr>
-        </p:nvSpPr>
-        <p:spPr/>
-        <p:txBody>
-          <a:bodyPr>
-            <a:normAutofit fontScale="90000"/>
-          </a:bodyPr>
-          <a:lstStyle/>
-          <a:p>
-            <a:pPr rtl="0"/>
-            <a:r>
-              <a:rPr lang="en-US" dirty="0" smtClean="0"/>
-              <a:t>Python can do nearly everything MATLAB can do for signal processing</a:t>
-            </a:r>
-            <a:endParaRPr lang="he-IL" dirty="0"/>
-          </a:p>
-        </p:txBody>
-      </p:sp>
-      <p:sp>
-        <p:nvSpPr>
-          <p:cNvPr id="5" name="Subtitle 4"/>
-          <p:cNvSpPr>
-            <a:spLocks noGrp="1"/>
-          </p:cNvSpPr>
-          <p:nvPr>
-            <p:ph type="subTitle" idx="1"/>
-          </p:nvPr>
-        </p:nvSpPr>
-        <p:spPr/>
-        <p:txBody>
-          <a:bodyPr/>
-          <a:lstStyle/>
-          <a:p>
-            <a:pPr rtl="0"/>
-            <a:r>
-              <a:rPr lang="en-US" dirty="0" smtClean="0"/>
-              <a:t>With libraries: </a:t>
-            </a:r>
-            <a:r>
-              <a:rPr lang="en-US" dirty="0" err="1" smtClean="0"/>
-              <a:t>NumPy</a:t>
-            </a:r>
-            <a:r>
-              <a:rPr lang="en-US" dirty="0" smtClean="0"/>
-              <a:t>, </a:t>
-            </a:r>
-            <a:r>
-              <a:rPr lang="en-US" dirty="0" err="1" smtClean="0"/>
-              <a:t>SciPy</a:t>
-            </a:r>
-            <a:r>
-              <a:rPr lang="en-US" dirty="0" smtClean="0"/>
-              <a:t>, </a:t>
-            </a:r>
-            <a:r>
-              <a:rPr lang="en-US" dirty="0" err="1" smtClean="0"/>
-              <a:t>Matplotlib</a:t>
-            </a:r>
-            <a:r>
-              <a:rPr lang="en-US" dirty="0" smtClean="0"/>
-              <a:t>, </a:t>
-            </a:r>
-            <a:r>
-              <a:rPr lang="en-US" dirty="0" err="1" smtClean="0"/>
-              <a:t>IPython</a:t>
-            </a:r>
-            <a:endParaRPr lang="he-IL" dirty="0"/>
-          </a:p>
-        </p:txBody>
-      </p:sp>
-    </p:spTree>
-    <p:extLst>
-      <p:ext uri="{BB962C8B-B14F-4D97-AF65-F5344CB8AC3E}">
-        <p14:creationId xmlns:p14="http://schemas.microsoft.com/office/powerpoint/2010/main" val="1802572147"/>
-      </p:ext>
-    </p:extLst>
-  </p:cSld>
-  <p:clrMapOvr>
-    <a:masterClrMapping/>
-  </p:clrMapOvr>
-</p:sld>
-</file>
-
-<file path=ppt/slides/slide37.xml><?xml version="1.0" encoding="utf-8"?>
-<p:sld xmlns:a="http://schemas.openxmlformats.org/drawingml/2006/main" xmlns:r="http://schemas.openxmlformats.org/officeDocument/2006/relationships" xmlns:p="http://schemas.openxmlformats.org/presentationml/2006/main">
-  <p:cSld>
-    <p:spTree>
-      <p:nvGrpSpPr>
-        <p:cNvPr id="1" name=""/>
-        <p:cNvGrpSpPr/>
-        <p:nvPr/>
-      </p:nvGrpSpPr>
-      <p:grpSpPr>
-        <a:xfrm>
-          <a:off x="0" y="0"/>
-          <a:ext cx="0" cy="0"/>
-          <a:chOff x="0" y="0"/>
-          <a:chExt cx="0" cy="0"/>
-        </a:xfrm>
-      </p:grpSpPr>
-      <p:sp>
-        <p:nvSpPr>
           <p:cNvPr id="2" name="Title 1"/>
           <p:cNvSpPr>
             <a:spLocks noGrp="1"/>
@@ -7256,7 +7458,7 @@
 </p:sld>
 </file>
 
-<file path=ppt/slides/slide38.xml><?xml version="1.0" encoding="utf-8"?>
+<file path=ppt/slides/slide37.xml><?xml version="1.0" encoding="utf-8"?>
 <p:sld xmlns:a="http://schemas.openxmlformats.org/drawingml/2006/main" xmlns:r="http://schemas.openxmlformats.org/officeDocument/2006/relationships" xmlns:p="http://schemas.openxmlformats.org/presentationml/2006/main">
   <p:cSld>
     <p:spTree>
@@ -7372,7 +7574,7 @@
 </p:sld>
 </file>
 
-<file path=ppt/slides/slide39.xml><?xml version="1.0" encoding="utf-8"?>
+<file path=ppt/slides/slide38.xml><?xml version="1.0" encoding="utf-8"?>
 <p:sld xmlns:a="http://schemas.openxmlformats.org/drawingml/2006/main" xmlns:r="http://schemas.openxmlformats.org/officeDocument/2006/relationships" xmlns:p="http://schemas.openxmlformats.org/presentationml/2006/main">
   <p:cSld>
     <p:spTree>
@@ -7565,6 +7767,121 @@
 </p:sld>
 </file>
 
+<file path=ppt/slides/slide39.xml><?xml version="1.0" encoding="utf-8"?>
+<p:sld xmlns:a="http://schemas.openxmlformats.org/drawingml/2006/main" xmlns:r="http://schemas.openxmlformats.org/officeDocument/2006/relationships" xmlns:p="http://schemas.openxmlformats.org/presentationml/2006/main">
+  <p:cSld>
+    <p:spTree>
+      <p:nvGrpSpPr>
+        <p:cNvPr id="1" name=""/>
+        <p:cNvGrpSpPr/>
+        <p:nvPr/>
+      </p:nvGrpSpPr>
+      <p:grpSpPr>
+        <a:xfrm>
+          <a:off x="0" y="0"/>
+          <a:ext cx="0" cy="0"/>
+          <a:chOff x="0" y="0"/>
+          <a:chExt cx="0" cy="0"/>
+        </a:xfrm>
+      </p:grpSpPr>
+      <p:sp>
+        <p:nvSpPr>
+          <p:cNvPr id="2" name="Title 1"/>
+          <p:cNvSpPr>
+            <a:spLocks noGrp="1"/>
+          </p:cNvSpPr>
+          <p:nvPr>
+            <p:ph type="title"/>
+          </p:nvPr>
+        </p:nvSpPr>
+        <p:spPr/>
+        <p:txBody>
+          <a:bodyPr/>
+          <a:lstStyle/>
+          <a:p>
+            <a:pPr rtl="0"/>
+            <a:r>
+              <a:rPr lang="en-US" dirty="0" smtClean="0"/>
+              <a:t>First language at Israeli universities</a:t>
+            </a:r>
+            <a:endParaRPr lang="he-IL" dirty="0"/>
+          </a:p>
+        </p:txBody>
+      </p:sp>
+      <p:sp>
+        <p:nvSpPr>
+          <p:cNvPr id="3" name="Content Placeholder 2"/>
+          <p:cNvSpPr>
+            <a:spLocks noGrp="1"/>
+          </p:cNvSpPr>
+          <p:nvPr>
+            <p:ph idx="1"/>
+          </p:nvPr>
+        </p:nvSpPr>
+        <p:spPr/>
+        <p:txBody>
+          <a:bodyPr/>
+          <a:lstStyle/>
+          <a:p>
+            <a:pPr algn="l" rtl="0"/>
+            <a:r>
+              <a:rPr lang="en-US" b="1" dirty="0" smtClean="0"/>
+              <a:t>TAU</a:t>
+            </a:r>
+            <a:r>
+              <a:rPr lang="en-US" dirty="0" smtClean="0"/>
+              <a:t>: CS &amp; Engineering use Python</a:t>
+            </a:r>
+          </a:p>
+          <a:p>
+            <a:pPr algn="l" rtl="0"/>
+            <a:r>
+              <a:rPr lang="en-US" b="1" dirty="0" err="1" smtClean="0"/>
+              <a:t>Technion</a:t>
+            </a:r>
+            <a:r>
+              <a:rPr lang="en-US" dirty="0" smtClean="0"/>
+              <a:t>: CS use C, some courses in Python</a:t>
+            </a:r>
+          </a:p>
+          <a:p>
+            <a:pPr algn="l" rtl="0"/>
+            <a:r>
+              <a:rPr lang="en-US" b="1" dirty="0" smtClean="0"/>
+              <a:t>HUJI</a:t>
+            </a:r>
+            <a:r>
+              <a:rPr lang="en-US" dirty="0" smtClean="0"/>
+              <a:t>: CS &amp; Humanities, use Python</a:t>
+            </a:r>
+          </a:p>
+          <a:p>
+            <a:pPr algn="l" rtl="0"/>
+            <a:r>
+              <a:rPr lang="en-US" b="1" dirty="0" smtClean="0"/>
+              <a:t>BGU</a:t>
+            </a:r>
+            <a:r>
+              <a:rPr lang="en-US" dirty="0" smtClean="0"/>
+              <a:t>: CS use Java, Engineering use C</a:t>
+            </a:r>
+            <a:endParaRPr lang="he-IL" dirty="0"/>
+          </a:p>
+        </p:txBody>
+      </p:sp>
+    </p:spTree>
+    <p:extLst>
+      <p:ext uri="{BB962C8B-B14F-4D97-AF65-F5344CB8AC3E}">
+        <p14:creationId xmlns:p14="http://schemas.microsoft.com/office/powerpoint/2010/main" val="1969231355"/>
+      </p:ext>
+    </p:extLst>
+  </p:cSld>
+  <p:clrMapOvr>
+    <a:masterClrMapping/>
+  </p:clrMapOvr>
+</p:sld>
+</file>
+
 <file path=ppt/slides/slide4.xml><?xml version="1.0" encoding="utf-8"?>
 <p:sld xmlns:a="http://schemas.openxmlformats.org/drawingml/2006/main" xmlns:r="http://schemas.openxmlformats.org/officeDocument/2006/relationships" xmlns:p="http://schemas.openxmlformats.org/presentationml/2006/main">
   <p:cSld>
@@ -7597,12 +7914,20 @@
           <a:bodyPr/>
           <a:lstStyle/>
           <a:p>
-            <a:pPr rtl="0"/>
-            <a:r>
-              <a:rPr lang="en-US" dirty="0" smtClean="0"/>
-              <a:t>What is Python</a:t>
-            </a:r>
-            <a:endParaRPr lang="he-IL" dirty="0"/>
+            <a:pPr marL="0" indent="0" rtl="0"/>
+            <a:r>
+              <a:rPr lang="en-US" dirty="0" smtClean="0"/>
+              <a:t>Multiple </a:t>
+            </a:r>
+            <a:r>
+              <a:rPr lang="en-US" dirty="0"/>
+              <a:t>programming </a:t>
+            </a:r>
+            <a:r>
+              <a:rPr lang="en-US" dirty="0" smtClean="0"/>
+              <a:t>paradigms</a:t>
+            </a:r>
+            <a:endParaRPr lang="en-US" dirty="0"/>
           </a:p>
         </p:txBody>
       </p:sp>
@@ -7623,19 +7948,18 @@
           </a:bodyPr>
           <a:lstStyle/>
           <a:p>
-            <a:pPr marL="0" indent="0" algn="l" rtl="0">
-              <a:buNone/>
-            </a:pPr>
-            <a:r>
-              <a:rPr lang="en-US" dirty="0" smtClean="0"/>
-              <a:t>supports multiple programming paradigms:</a:t>
-            </a:r>
-          </a:p>
-          <a:p>
-            <a:pPr algn="l" rtl="0"/>
-            <a:r>
-              <a:rPr lang="en-US" dirty="0" smtClean="0"/>
-              <a:t>object-oriented programming </a:t>
+            <a:pPr algn="l" rtl="0"/>
+            <a:r>
+              <a:rPr lang="en-US" dirty="0"/>
+              <a:t>O</a:t>
+            </a:r>
+            <a:r>
+              <a:rPr lang="en-US" dirty="0" smtClean="0"/>
+              <a:t>bject-oriented </a:t>
+            </a:r>
+            <a:r>
+              <a:rPr lang="en-US" dirty="0" smtClean="0"/>
+              <a:t>programming </a:t>
             </a:r>
           </a:p>
           <a:p>
@@ -7648,16 +7972,43 @@
           <a:p>
             <a:pPr algn="l" rtl="0"/>
             <a:r>
-              <a:rPr lang="en-US" dirty="0" smtClean="0"/>
-              <a:t>functional programming</a:t>
-            </a:r>
-          </a:p>
-          <a:p>
-            <a:pPr algn="l" rtl="0"/>
-            <a:r>
-              <a:rPr lang="en-US" dirty="0" smtClean="0"/>
-              <a:t>procedural programming</a:t>
-            </a:r>
+              <a:rPr lang="en-US" dirty="0"/>
+              <a:t>F</a:t>
+            </a:r>
+            <a:r>
+              <a:rPr lang="en-US" dirty="0" smtClean="0"/>
+              <a:t>unctional </a:t>
+            </a:r>
+            <a:r>
+              <a:rPr lang="en-US" dirty="0" smtClean="0"/>
+              <a:t>programming</a:t>
+            </a:r>
+          </a:p>
+          <a:p>
+            <a:pPr algn="l" rtl="0"/>
+            <a:r>
+              <a:rPr lang="en-US" dirty="0"/>
+              <a:t>P</a:t>
+            </a:r>
+            <a:r>
+              <a:rPr lang="en-US" dirty="0" smtClean="0"/>
+              <a:t>rocedural programming</a:t>
+            </a:r>
+          </a:p>
+          <a:p>
+            <a:pPr algn="l" rtl="0"/>
+            <a:r>
+              <a:rPr lang="en-US" dirty="0" smtClean="0"/>
+              <a:t>Event driven programming</a:t>
+            </a:r>
+          </a:p>
+          <a:p>
+            <a:pPr algn="l" rtl="0"/>
+            <a:r>
+              <a:rPr lang="en-US" dirty="0" smtClean="0"/>
+              <a:t>Asynchronous programming (especially v.3.5)</a:t>
+            </a:r>
+            <a:endParaRPr lang="en-US" dirty="0" smtClean="0"/>
           </a:p>
         </p:txBody>
       </p:sp>
@@ -7702,6 +8053,13 @@
   <p:clrMapOvr>
     <a:masterClrMapping/>
   </p:clrMapOvr>
+  <p:timing>
+    <p:tnLst>
+      <p:par>
+        <p:cTn id="1" dur="indefinite" restart="never" nodeType="tmRoot"/>
+      </p:par>
+    </p:tnLst>
+  </p:timing>
 </p:sld>
 </file>
 
@@ -7740,121 +8098,6 @@
             <a:pPr rtl="0"/>
             <a:r>
               <a:rPr lang="en-US" dirty="0" smtClean="0"/>
-              <a:t>First language at Israeli universities</a:t>
-            </a:r>
-            <a:endParaRPr lang="he-IL" dirty="0"/>
-          </a:p>
-        </p:txBody>
-      </p:sp>
-      <p:sp>
-        <p:nvSpPr>
-          <p:cNvPr id="3" name="Content Placeholder 2"/>
-          <p:cNvSpPr>
-            <a:spLocks noGrp="1"/>
-          </p:cNvSpPr>
-          <p:nvPr>
-            <p:ph idx="1"/>
-          </p:nvPr>
-        </p:nvSpPr>
-        <p:spPr/>
-        <p:txBody>
-          <a:bodyPr/>
-          <a:lstStyle/>
-          <a:p>
-            <a:pPr algn="l" rtl="0"/>
-            <a:r>
-              <a:rPr lang="en-US" b="1" dirty="0" smtClean="0"/>
-              <a:t>TAU</a:t>
-            </a:r>
-            <a:r>
-              <a:rPr lang="en-US" dirty="0" smtClean="0"/>
-              <a:t>: CS &amp; Engineering use Python</a:t>
-            </a:r>
-          </a:p>
-          <a:p>
-            <a:pPr algn="l" rtl="0"/>
-            <a:r>
-              <a:rPr lang="en-US" b="1" dirty="0" err="1" smtClean="0"/>
-              <a:t>Technion</a:t>
-            </a:r>
-            <a:r>
-              <a:rPr lang="en-US" dirty="0" smtClean="0"/>
-              <a:t>: CS use C, some courses in Python</a:t>
-            </a:r>
-          </a:p>
-          <a:p>
-            <a:pPr algn="l" rtl="0"/>
-            <a:r>
-              <a:rPr lang="en-US" b="1" dirty="0" smtClean="0"/>
-              <a:t>HUJI</a:t>
-            </a:r>
-            <a:r>
-              <a:rPr lang="en-US" dirty="0" smtClean="0"/>
-              <a:t>: CS &amp; Humanities, use Python</a:t>
-            </a:r>
-          </a:p>
-          <a:p>
-            <a:pPr algn="l" rtl="0"/>
-            <a:r>
-              <a:rPr lang="en-US" b="1" dirty="0" smtClean="0"/>
-              <a:t>BGU</a:t>
-            </a:r>
-            <a:r>
-              <a:rPr lang="en-US" dirty="0" smtClean="0"/>
-              <a:t>: CS use Java, Engineering use C</a:t>
-            </a:r>
-            <a:endParaRPr lang="he-IL" dirty="0"/>
-          </a:p>
-        </p:txBody>
-      </p:sp>
-    </p:spTree>
-    <p:extLst>
-      <p:ext uri="{BB962C8B-B14F-4D97-AF65-F5344CB8AC3E}">
-        <p14:creationId xmlns:p14="http://schemas.microsoft.com/office/powerpoint/2010/main" val="1969231355"/>
-      </p:ext>
-    </p:extLst>
-  </p:cSld>
-  <p:clrMapOvr>
-    <a:masterClrMapping/>
-  </p:clrMapOvr>
-</p:sld>
-</file>
-
-<file path=ppt/slides/slide41.xml><?xml version="1.0" encoding="utf-8"?>
-<p:sld xmlns:a="http://schemas.openxmlformats.org/drawingml/2006/main" xmlns:r="http://schemas.openxmlformats.org/officeDocument/2006/relationships" xmlns:p="http://schemas.openxmlformats.org/presentationml/2006/main">
-  <p:cSld>
-    <p:spTree>
-      <p:nvGrpSpPr>
-        <p:cNvPr id="1" name=""/>
-        <p:cNvGrpSpPr/>
-        <p:nvPr/>
-      </p:nvGrpSpPr>
-      <p:grpSpPr>
-        <a:xfrm>
-          <a:off x="0" y="0"/>
-          <a:ext cx="0" cy="0"/>
-          <a:chOff x="0" y="0"/>
-          <a:chExt cx="0" cy="0"/>
-        </a:xfrm>
-      </p:grpSpPr>
-      <p:sp>
-        <p:nvSpPr>
-          <p:cNvPr id="2" name="Title 1"/>
-          <p:cNvSpPr>
-            <a:spLocks noGrp="1"/>
-          </p:cNvSpPr>
-          <p:nvPr>
-            <p:ph type="title"/>
-          </p:nvPr>
-        </p:nvSpPr>
-        <p:spPr/>
-        <p:txBody>
-          <a:bodyPr/>
-          <a:lstStyle/>
-          <a:p>
-            <a:pPr rtl="0"/>
-            <a:r>
-              <a:rPr lang="en-US" dirty="0" smtClean="0"/>
               <a:t>But why </a:t>
             </a:r>
             <a:r>
@@ -7896,16 +8139,29 @@
             </a:pPr>
             <a:r>
               <a:rPr lang="en-GB" dirty="0" smtClean="0"/>
-              <a:t>Guido was reading some Monty Python's Flying Circus sketches and thought </a:t>
+              <a:t>Guido was reading some </a:t>
             </a:r>
             <a:r>
               <a:rPr lang="en-GB" i="1" dirty="0" smtClean="0"/>
+              <a:t>Monty Python's Flying Circus </a:t>
+            </a:r>
+            <a:r>
+              <a:rPr lang="en-GB" dirty="0" smtClean="0"/>
+              <a:t>sketches and thought </a:t>
+            </a:r>
+            <a:r>
+              <a:rPr lang="en-GB" b="1" dirty="0" smtClean="0"/>
               <a:t>Python</a:t>
             </a:r>
             <a:r>
               <a:rPr lang="en-GB" dirty="0" smtClean="0"/>
-              <a:t> would be a cool name.</a:t>
-            </a:r>
+              <a:t> would be a cool </a:t>
+            </a:r>
+            <a:r>
+              <a:rPr lang="en-GB" dirty="0" smtClean="0"/>
+              <a:t>name</a:t>
+            </a:r>
+            <a:endParaRPr lang="en-GB" dirty="0" smtClean="0"/>
           </a:p>
           <a:p>
             <a:pPr marL="0" indent="0" algn="l" rtl="0">
@@ -7999,6 +8255,147 @@
 </p:sld>
 </file>
 
+<file path=ppt/slides/slide41.xml><?xml version="1.0" encoding="utf-8"?>
+<p:sld xmlns:a="http://schemas.openxmlformats.org/drawingml/2006/main" xmlns:r="http://schemas.openxmlformats.org/officeDocument/2006/relationships" xmlns:p="http://schemas.openxmlformats.org/presentationml/2006/main">
+  <p:cSld>
+    <p:spTree>
+      <p:nvGrpSpPr>
+        <p:cNvPr id="1" name=""/>
+        <p:cNvGrpSpPr/>
+        <p:nvPr/>
+      </p:nvGrpSpPr>
+      <p:grpSpPr>
+        <a:xfrm>
+          <a:off x="0" y="0"/>
+          <a:ext cx="0" cy="0"/>
+          <a:chOff x="0" y="0"/>
+          <a:chExt cx="0" cy="0"/>
+        </a:xfrm>
+      </p:grpSpPr>
+      <p:sp>
+        <p:nvSpPr>
+          <p:cNvPr id="2" name="Title 1"/>
+          <p:cNvSpPr>
+            <a:spLocks noGrp="1"/>
+          </p:cNvSpPr>
+          <p:nvPr>
+            <p:ph type="title"/>
+          </p:nvPr>
+        </p:nvSpPr>
+        <p:spPr/>
+        <p:txBody>
+          <a:bodyPr/>
+          <a:lstStyle/>
+          <a:p>
+            <a:pPr rtl="0"/>
+            <a:r>
+              <a:rPr lang="en-US" dirty="0" smtClean="0"/>
+              <a:t>What is </a:t>
+            </a:r>
+            <a:r>
+              <a:rPr lang="en-US" dirty="0" smtClean="0"/>
+              <a:t>Python?</a:t>
+            </a:r>
+            <a:endParaRPr lang="he-IL" dirty="0"/>
+          </a:p>
+        </p:txBody>
+      </p:sp>
+      <p:sp>
+        <p:nvSpPr>
+          <p:cNvPr id="3" name="Content Placeholder 2"/>
+          <p:cNvSpPr>
+            <a:spLocks noGrp="1"/>
+          </p:cNvSpPr>
+          <p:nvPr>
+            <p:ph idx="1"/>
+          </p:nvPr>
+        </p:nvSpPr>
+        <p:spPr/>
+        <p:txBody>
+          <a:bodyPr>
+            <a:normAutofit lnSpcReduction="10000"/>
+          </a:bodyPr>
+          <a:lstStyle/>
+          <a:p>
+            <a:pPr marL="0" indent="0" algn="l" rtl="0">
+              <a:buNone/>
+            </a:pPr>
+            <a:r>
+              <a:rPr lang="en-US" dirty="0" smtClean="0"/>
+              <a:t>Python is </a:t>
+            </a:r>
+          </a:p>
+          <a:p>
+            <a:pPr lvl="1" algn="l" rtl="0"/>
+            <a:r>
+              <a:rPr lang="en-US" dirty="0" smtClean="0"/>
+              <a:t>powerful... and fast</a:t>
+            </a:r>
+          </a:p>
+          <a:p>
+            <a:pPr lvl="1" algn="l" rtl="0"/>
+            <a:r>
+              <a:rPr lang="en-US" dirty="0" smtClean="0"/>
+              <a:t>plays well with others</a:t>
+            </a:r>
+          </a:p>
+          <a:p>
+            <a:pPr lvl="1" algn="l" rtl="0"/>
+            <a:r>
+              <a:rPr lang="en-US" dirty="0" smtClean="0"/>
+              <a:t>runs everywhere</a:t>
+            </a:r>
+          </a:p>
+          <a:p>
+            <a:pPr lvl="1" algn="l" rtl="0"/>
+            <a:r>
+              <a:rPr lang="en-US" dirty="0" smtClean="0"/>
+              <a:t>is friendly &amp; easy to learn</a:t>
+            </a:r>
+          </a:p>
+          <a:p>
+            <a:pPr lvl="1" algn="l" rtl="0"/>
+            <a:r>
+              <a:rPr lang="en-US" dirty="0" smtClean="0"/>
+              <a:t>is Open </a:t>
+            </a:r>
+          </a:p>
+          <a:p>
+            <a:pPr marL="0" indent="0" algn="l" rtl="0">
+              <a:buNone/>
+            </a:pPr>
+            <a:r>
+              <a:rPr lang="en-US" dirty="0" smtClean="0"/>
+              <a:t>These are some of the reasons people who use Python would rather not use anything else</a:t>
+            </a:r>
+          </a:p>
+          <a:p>
+            <a:pPr marL="0" indent="0" rtl="0">
+              <a:buNone/>
+            </a:pPr>
+            <a:r>
+              <a:rPr lang="en-US" dirty="0" smtClean="0">
+                <a:hlinkClick r:id="rId2"/>
+              </a:rPr>
+              <a:t>https://www.python.org/about/</a:t>
+            </a:r>
+            <a:endParaRPr lang="he-IL" dirty="0"/>
+          </a:p>
+        </p:txBody>
+      </p:sp>
+    </p:spTree>
+    <p:extLst>
+      <p:ext uri="{BB962C8B-B14F-4D97-AF65-F5344CB8AC3E}">
+        <p14:creationId xmlns:p14="http://schemas.microsoft.com/office/powerpoint/2010/main" val="783241072"/>
+      </p:ext>
+    </p:extLst>
+  </p:cSld>
+  <p:clrMapOvr>
+    <a:masterClrMapping/>
+  </p:clrMapOvr>
+</p:sld>
+</file>
+
 <file path=ppt/slides/slide5.xml><?xml version="1.0" encoding="utf-8"?>
 <p:sld xmlns:a="http://schemas.openxmlformats.org/drawingml/2006/main" xmlns:r="http://schemas.openxmlformats.org/officeDocument/2006/relationships" xmlns:p="http://schemas.openxmlformats.org/presentationml/2006/main">
   <p:cSld>
@@ -8034,7 +8431,7 @@
             <a:pPr rtl="0"/>
             <a:r>
               <a:rPr lang="en-US" dirty="0" smtClean="0"/>
-              <a:t>What is Python</a:t>
+              <a:t>Language features</a:t>
             </a:r>
             <a:endParaRPr lang="he-IL" dirty="0"/>
           </a:p>
@@ -8060,15 +8457,36 @@
             <a:pPr algn="l" rtl="0"/>
             <a:r>
               <a:rPr lang="en-US" dirty="0" smtClean="0"/>
-              <a:t>Dynamic type system </a:t>
-            </a:r>
-          </a:p>
-          <a:p>
-            <a:pPr algn="l" rtl="0"/>
-            <a:r>
-              <a:rPr lang="en-US" dirty="0" smtClean="0"/>
-              <a:t>Automatic memory management </a:t>
-            </a:r>
+              <a:t>Interpreted language</a:t>
+            </a:r>
+          </a:p>
+          <a:p>
+            <a:pPr algn="l" rtl="0"/>
+            <a:r>
+              <a:rPr lang="en-US" dirty="0" smtClean="0"/>
+              <a:t>Dynamic </a:t>
+            </a:r>
+            <a:r>
+              <a:rPr lang="en-US" dirty="0" smtClean="0"/>
+              <a:t>type system </a:t>
+            </a:r>
+            <a:r>
+              <a:rPr lang="en-US" dirty="0" smtClean="0"/>
+              <a:t>(duck-typing)</a:t>
+            </a:r>
+            <a:endParaRPr lang="en-US" dirty="0" smtClean="0"/>
+          </a:p>
+          <a:p>
+            <a:pPr algn="l" rtl="0"/>
+            <a:r>
+              <a:rPr lang="en-US" dirty="0" smtClean="0"/>
+              <a:t>Automatic memory </a:t>
+            </a:r>
+            <a:r>
+              <a:rPr lang="en-US" dirty="0" smtClean="0"/>
+              <a:t>management (GC) </a:t>
+            </a:r>
+            <a:endParaRPr lang="en-US" dirty="0" smtClean="0"/>
           </a:p>
           <a:p>
             <a:pPr algn="l" rtl="0"/>
@@ -8158,9 +8576,9 @@
             <a:pPr rtl="0"/>
             <a:r>
               <a:rPr lang="en-US" dirty="0" smtClean="0"/>
-              <a:t>What is Python</a:t>
-            </a:r>
-            <a:endParaRPr lang="he-IL" dirty="0"/>
+              <a:t>Multi-platform</a:t>
+            </a:r>
+            <a:endParaRPr lang="en-US" dirty="0"/>
           </a:p>
         </p:txBody>
       </p:sp>
@@ -8282,7 +8700,7 @@
             <a:pPr rtl="0"/>
             <a:r>
               <a:rPr lang="en-US" dirty="0" smtClean="0"/>
-              <a:t>What is Python</a:t>
+              <a:t>Python culture</a:t>
             </a:r>
             <a:endParaRPr lang="he-IL" dirty="0"/>
           </a:p>
@@ -8298,7 +8716,12 @@
             <p:ph idx="1"/>
           </p:nvPr>
         </p:nvSpPr>
-        <p:spPr/>
+        <p:spPr>
+          <a:xfrm>
+            <a:off x="457200" y="1600200"/>
+            <a:ext cx="8229600" cy="4893786"/>
+          </a:xfrm>
+        </p:spPr>
         <p:txBody>
           <a:bodyPr>
             <a:normAutofit fontScale="85000" lnSpcReduction="10000"/>
@@ -8307,42 +8730,69 @@
           <a:p>
             <a:pPr algn="l" rtl="0"/>
             <a:r>
-              <a:rPr lang="en-US" i="1" dirty="0" err="1" smtClean="0"/>
+              <a:rPr lang="en-US" dirty="0" smtClean="0"/>
+              <a:t>Free </a:t>
+            </a:r>
+            <a:r>
+              <a:rPr lang="en-US" dirty="0" smtClean="0"/>
+              <a:t>and open-source </a:t>
+            </a:r>
+            <a:r>
+              <a:rPr lang="en-US" dirty="0" smtClean="0"/>
+              <a:t>software</a:t>
+            </a:r>
+            <a:endParaRPr lang="en-US" dirty="0" smtClean="0"/>
+          </a:p>
+          <a:p>
+            <a:pPr algn="l" rtl="0"/>
+            <a:r>
+              <a:rPr lang="en-US" dirty="0" smtClean="0"/>
+              <a:t>Community-based development model</a:t>
+            </a:r>
+          </a:p>
+          <a:p>
+            <a:pPr algn="l" rtl="0"/>
+            <a:r>
+              <a:rPr lang="en-US" dirty="0" smtClean="0"/>
+              <a:t>Managed by the non-profit </a:t>
+            </a:r>
+            <a:r>
+              <a:rPr lang="en-US" i="1" dirty="0" smtClean="0"/>
+              <a:t>Python Software </a:t>
+            </a:r>
+            <a:r>
+              <a:rPr lang="en-US" i="1" dirty="0" smtClean="0"/>
+              <a:t>Foundation</a:t>
+            </a:r>
+            <a:r>
+              <a:rPr lang="en-US" i="1" dirty="0"/>
+              <a:t> </a:t>
+            </a:r>
+            <a:r>
+              <a:rPr lang="en-US" dirty="0" smtClean="0"/>
+              <a:t>(PSF)</a:t>
+            </a:r>
+            <a:endParaRPr lang="en-US" dirty="0" smtClean="0"/>
+          </a:p>
+          <a:p>
+            <a:pPr algn="l" rtl="0"/>
+            <a:r>
+              <a:rPr lang="en-US" i="1" dirty="0" err="1"/>
               <a:t>CPython</a:t>
             </a:r>
             <a:r>
-              <a:rPr lang="en-US" i="1" dirty="0" smtClean="0"/>
+              <a:rPr lang="en-US" i="1" dirty="0"/>
               <a:t> </a:t>
             </a:r>
             <a:r>
-              <a:rPr lang="en-US" dirty="0" smtClean="0"/>
-              <a:t>is the reference implementation of Python</a:t>
-            </a:r>
-          </a:p>
-          <a:p>
-            <a:pPr algn="l" rtl="0"/>
-            <a:r>
-              <a:rPr lang="en-US" dirty="0" smtClean="0"/>
-              <a:t>Free and open-source software </a:t>
-            </a:r>
-          </a:p>
-          <a:p>
-            <a:pPr algn="l" rtl="0"/>
-            <a:r>
-              <a:rPr lang="en-US" dirty="0" smtClean="0"/>
-              <a:t>Community-based development model</a:t>
-            </a:r>
-          </a:p>
-          <a:p>
-            <a:pPr algn="l" rtl="0"/>
-            <a:r>
-              <a:rPr lang="en-US" dirty="0" smtClean="0"/>
-              <a:t>Managed by the non-profit </a:t>
-            </a:r>
-            <a:r>
-              <a:rPr lang="en-US" i="1" dirty="0" smtClean="0"/>
-              <a:t>Python Software Foundation.</a:t>
-            </a:r>
+              <a:rPr lang="en-US" dirty="0"/>
+              <a:t>is the reference implementation of </a:t>
+            </a:r>
+            <a:r>
+              <a:rPr lang="en-US" dirty="0" smtClean="0"/>
+              <a:t>Python</a:t>
+            </a:r>
+            <a:endParaRPr lang="en-US" i="1" dirty="0" smtClean="0"/>
           </a:p>
           <a:p>
             <a:pPr algn="l" rtl="0"/>
@@ -8396,8 +8846,20 @@
             </a:r>
             <a:r>
               <a:rPr lang="en-US" dirty="0" smtClean="0"/>
-              <a:t> for microcontrollers and embedded systems</a:t>
-            </a:r>
+              <a:t> for microcontrollers and embedded </a:t>
+            </a:r>
+            <a:r>
+              <a:rPr lang="en-US" dirty="0" smtClean="0"/>
+              <a:t>systems</a:t>
+            </a:r>
+          </a:p>
+          <a:p>
+            <a:pPr lvl="1" algn="l" rtl="0"/>
+            <a:r>
+              <a:rPr lang="en-US" dirty="0" smtClean="0"/>
+              <a:t>…</a:t>
+            </a:r>
+            <a:endParaRPr lang="en-US" dirty="0" smtClean="0"/>
           </a:p>
           <a:p>
             <a:pPr lvl="1" algn="l" rtl="0"/>
@@ -8484,7 +8946,15 @@
             <a:pPr rtl="0"/>
             <a:r>
               <a:rPr lang="en-US" dirty="0" smtClean="0"/>
-              <a:t>What is Python</a:t>
+              <a:t>History </a:t>
+            </a:r>
+            <a:r>
+              <a:rPr lang="en-US" dirty="0" smtClean="0"/>
+              <a:t>of </a:t>
+            </a:r>
+            <a:r>
+              <a:rPr lang="en-US" dirty="0" smtClean="0"/>
+              <a:t>Python</a:t>
             </a:r>
             <a:endParaRPr lang="he-IL" dirty="0"/>
           </a:p>
@@ -8503,80 +8973,133 @@
         <p:spPr/>
         <p:txBody>
           <a:bodyPr>
-            <a:normAutofit lnSpcReduction="10000"/>
+            <a:normAutofit fontScale="85000" lnSpcReduction="20000"/>
           </a:bodyPr>
           <a:lstStyle/>
           <a:p>
-            <a:pPr marL="0" indent="0" algn="l" rtl="0">
-              <a:buNone/>
-            </a:pPr>
-            <a:r>
-              <a:rPr lang="en-US" dirty="0" smtClean="0"/>
-              <a:t>Python is </a:t>
+            <a:pPr algn="l" rtl="0"/>
+            <a:r>
+              <a:rPr lang="en-US" dirty="0" smtClean="0"/>
+              <a:t>Developed in 1989-91 </a:t>
+            </a:r>
+            <a:r>
+              <a:rPr lang="en-US" dirty="0" smtClean="0"/>
+              <a:t>by </a:t>
+            </a:r>
+            <a:r>
+              <a:rPr lang="en-GB" b="1" dirty="0" smtClean="0"/>
+              <a:t>Guido van Rossum </a:t>
+            </a:r>
+            <a:r>
+              <a:rPr lang="en-GB" dirty="0" smtClean="0"/>
+              <a:t>in the Netherlands</a:t>
+            </a:r>
+          </a:p>
+          <a:p>
+            <a:pPr algn="l" rtl="0"/>
+            <a:r>
+              <a:rPr lang="en-US" dirty="0" smtClean="0"/>
+              <a:t>Python 2.0 released </a:t>
+            </a:r>
+            <a:r>
+              <a:rPr lang="en-US" dirty="0" smtClean="0"/>
+              <a:t>Oct 2000</a:t>
+            </a:r>
+            <a:endParaRPr lang="en-US" dirty="0" smtClean="0"/>
+          </a:p>
+          <a:p>
+            <a:pPr algn="l" rtl="0"/>
+            <a:r>
+              <a:rPr lang="en-US" dirty="0" smtClean="0"/>
+              <a:t>Many major new features:</a:t>
             </a:r>
           </a:p>
           <a:p>
             <a:pPr lvl="1" algn="l" rtl="0"/>
             <a:r>
               <a:rPr lang="en-US" dirty="0" smtClean="0"/>
-              <a:t>powerful... and fast</a:t>
+              <a:t>cycle-detecting garbage collector </a:t>
             </a:r>
           </a:p>
           <a:p>
             <a:pPr lvl="1" algn="l" rtl="0"/>
             <a:r>
               <a:rPr lang="en-US" dirty="0" smtClean="0"/>
-              <a:t>plays well with others</a:t>
-            </a:r>
+              <a:t>support for </a:t>
+            </a:r>
+            <a:r>
+              <a:rPr lang="en-US" dirty="0" smtClean="0"/>
+              <a:t>Unicode</a:t>
+            </a:r>
+            <a:endParaRPr lang="en-US" dirty="0" smtClean="0"/>
           </a:p>
           <a:p>
             <a:pPr lvl="1" algn="l" rtl="0"/>
             <a:r>
               <a:rPr lang="en-US" dirty="0" smtClean="0"/>
-              <a:t>runs everywhere</a:t>
-            </a:r>
+              <a:t>shift to transparent and community-backed development </a:t>
+            </a:r>
+          </a:p>
+          <a:p>
+            <a:pPr algn="l" rtl="0"/>
+            <a:r>
+              <a:rPr lang="en-US" dirty="0" smtClean="0"/>
+              <a:t>Python 3.0 released </a:t>
+            </a:r>
+            <a:r>
+              <a:rPr lang="en-US" dirty="0" smtClean="0"/>
+              <a:t>Dec 2008</a:t>
+            </a:r>
+            <a:endParaRPr lang="en-US" dirty="0" smtClean="0"/>
           </a:p>
           <a:p>
             <a:pPr lvl="1" algn="l" rtl="0"/>
             <a:r>
               <a:rPr lang="en-US" dirty="0" smtClean="0"/>
-              <a:t>is friendly &amp; easy to learn</a:t>
+              <a:t>major backwards-incompatible release</a:t>
             </a:r>
           </a:p>
           <a:p>
             <a:pPr lvl="1" algn="l" rtl="0"/>
             <a:r>
               <a:rPr lang="en-US" dirty="0" smtClean="0"/>
-              <a:t>is Open </a:t>
-            </a:r>
-          </a:p>
-          <a:p>
-            <a:pPr marL="0" indent="0" algn="l" rtl="0">
-              <a:buNone/>
-            </a:pPr>
-            <a:r>
-              <a:rPr lang="en-US" dirty="0" smtClean="0"/>
-              <a:t>These are some of the reasons people who use Python would rather not use anything else</a:t>
-            </a:r>
-          </a:p>
-          <a:p>
-            <a:pPr marL="0" indent="0" rtl="0">
-              <a:buNone/>
-            </a:pPr>
-            <a:r>
-              <a:rPr lang="en-US" dirty="0" smtClean="0">
-                <a:hlinkClick r:id="rId2"/>
-              </a:rPr>
-              <a:t>https://www.python.org/about/</a:t>
-            </a:r>
-            <a:endParaRPr lang="he-IL" dirty="0"/>
+              <a:t>many of major features backported to Python 2.6 and 2.7</a:t>
+            </a:r>
+          </a:p>
+          <a:p>
+            <a:pPr algn="l" rtl="0"/>
+            <a:r>
+              <a:rPr lang="en-US" dirty="0" smtClean="0"/>
+              <a:t>Python 3.5 released </a:t>
+            </a:r>
+            <a:r>
+              <a:rPr lang="en-US" dirty="0" smtClean="0"/>
+              <a:t>Sep 2015</a:t>
+            </a:r>
+            <a:endParaRPr lang="en-GB" dirty="0" smtClean="0"/>
+          </a:p>
+          <a:p>
+            <a:pPr algn="l" rtl="0"/>
+            <a:endParaRPr lang="en-GB" b="1" dirty="0"/>
+          </a:p>
+          <a:p>
+            <a:pPr algn="l" rtl="0"/>
+            <a:endParaRPr lang="en-GB" b="1" dirty="0" smtClean="0"/>
+          </a:p>
+          <a:p>
+            <a:pPr algn="l" rtl="0"/>
+            <a:endParaRPr lang="en-GB" b="1" dirty="0"/>
+          </a:p>
+          <a:p>
+            <a:pPr algn="l" rtl="0"/>
+            <a:endParaRPr lang="en-GB" b="1" dirty="0" smtClean="0"/>
           </a:p>
         </p:txBody>
       </p:sp>
     </p:spTree>
     <p:extLst>
       <p:ext uri="{BB962C8B-B14F-4D97-AF65-F5344CB8AC3E}">
-        <p14:creationId xmlns:p14="http://schemas.microsoft.com/office/powerpoint/2010/main" val="1882981287"/>
+        <p14:creationId xmlns:p14="http://schemas.microsoft.com/office/powerpoint/2010/main" val="3138522739"/>
       </p:ext>
     </p:extLst>
   </p:cSld>
@@ -8621,7 +9144,7 @@
             <a:pPr rtl="0"/>
             <a:r>
               <a:rPr lang="en-US" dirty="0" smtClean="0"/>
-              <a:t>History or Python</a:t>
+              <a:t>Version history</a:t>
             </a:r>
             <a:endParaRPr lang="he-IL" dirty="0"/>
           </a:p>
@@ -8634,124 +9157,216 @@
             <a:spLocks noGrp="1"/>
           </p:cNvSpPr>
           <p:nvPr>
-            <p:ph idx="1"/>
+            <p:ph sz="half" idx="1"/>
           </p:nvPr>
         </p:nvSpPr>
         <p:spPr/>
         <p:txBody>
           <a:bodyPr>
-            <a:normAutofit fontScale="85000" lnSpcReduction="20000"/>
+            <a:noAutofit/>
           </a:bodyPr>
           <a:lstStyle/>
           <a:p>
-            <a:pPr algn="l" rtl="0"/>
-            <a:r>
-              <a:rPr lang="en-US" dirty="0" smtClean="0"/>
-              <a:t>Development started late 1989 by </a:t>
-            </a:r>
-            <a:r>
-              <a:rPr lang="en-GB" b="1" dirty="0" smtClean="0"/>
-              <a:t>Guido van Rossum </a:t>
-            </a:r>
-            <a:r>
-              <a:rPr lang="en-GB" dirty="0" smtClean="0"/>
-              <a:t>in the Netherlands</a:t>
-            </a:r>
-          </a:p>
-          <a:p>
-            <a:pPr algn="l" rtl="0"/>
-            <a:r>
-              <a:rPr lang="en-US" dirty="0" smtClean="0"/>
-              <a:t>Python 2.0 released 10/2000</a:t>
-            </a:r>
-          </a:p>
-          <a:p>
-            <a:pPr algn="l" rtl="0"/>
-            <a:r>
-              <a:rPr lang="en-US" dirty="0" smtClean="0"/>
-              <a:t>Many major new features:</a:t>
-            </a:r>
-          </a:p>
-          <a:p>
-            <a:pPr lvl="1" algn="l" rtl="0"/>
-            <a:r>
-              <a:rPr lang="en-US" dirty="0" smtClean="0"/>
-              <a:t>cycle-detecting garbage collector </a:t>
-            </a:r>
-          </a:p>
-          <a:p>
-            <a:pPr lvl="1" algn="l" rtl="0"/>
-            <a:r>
-              <a:rPr lang="en-US" dirty="0" smtClean="0"/>
-              <a:t>support for Unicode</a:t>
-            </a:r>
-          </a:p>
-          <a:p>
-            <a:pPr lvl="1" algn="l" rtl="0"/>
-            <a:r>
-              <a:rPr lang="en-US" dirty="0" smtClean="0"/>
-              <a:t>shift to transparent and community-backed development </a:t>
-            </a:r>
-          </a:p>
-          <a:p>
-            <a:pPr algn="l" rtl="0"/>
-            <a:r>
-              <a:rPr lang="en-US" dirty="0" smtClean="0"/>
-              <a:t>Python 3.0 released 12/2008</a:t>
-            </a:r>
-          </a:p>
-          <a:p>
-            <a:pPr lvl="1" algn="l" rtl="0"/>
-            <a:r>
-              <a:rPr lang="en-US" dirty="0" smtClean="0"/>
-              <a:t>major </a:t>
-            </a:r>
-            <a:r>
-              <a:rPr lang="en-US" i="1" dirty="0" smtClean="0"/>
-              <a:t>backwards-incompatible </a:t>
-            </a:r>
-            <a:r>
-              <a:rPr lang="en-US" dirty="0" smtClean="0"/>
-              <a:t>release</a:t>
-            </a:r>
-          </a:p>
-          <a:p>
-            <a:pPr lvl="1" algn="l" rtl="0"/>
-            <a:r>
-              <a:rPr lang="en-US" dirty="0" smtClean="0"/>
-              <a:t>many of major features backported to Python 2.6 and 2.7</a:t>
-            </a:r>
-          </a:p>
-          <a:p>
-            <a:pPr algn="l" rtl="0"/>
-            <a:r>
-              <a:rPr lang="en-US" dirty="0" smtClean="0"/>
-              <a:t>Python 3.5 released 9/2015</a:t>
-            </a:r>
-            <a:endParaRPr lang="en-GB" dirty="0" smtClean="0"/>
-          </a:p>
-          <a:p>
-            <a:pPr algn="l" rtl="0"/>
-            <a:endParaRPr lang="en-GB" b="1" dirty="0"/>
-          </a:p>
-          <a:p>
-            <a:pPr algn="l" rtl="0"/>
-            <a:endParaRPr lang="en-GB" b="1" dirty="0" smtClean="0"/>
-          </a:p>
-          <a:p>
-            <a:pPr algn="l" rtl="0"/>
-            <a:endParaRPr lang="en-GB" b="1" dirty="0"/>
-          </a:p>
-          <a:p>
-            <a:pPr algn="l" rtl="0"/>
-            <a:endParaRPr lang="en-GB" b="1" dirty="0" smtClean="0"/>
+            <a:pPr marL="0" indent="0" algn="l" rtl="0">
+              <a:buNone/>
+            </a:pPr>
+            <a:r>
+              <a:rPr lang="en-GB" sz="2000" dirty="0" smtClean="0"/>
+              <a:t>    Python 1.0 - January 1994</a:t>
+            </a:r>
+          </a:p>
+          <a:p>
+            <a:pPr marL="0" indent="0" algn="l" rtl="0">
+              <a:buNone/>
+            </a:pPr>
+            <a:r>
+              <a:rPr lang="en-GB" sz="2000" dirty="0" smtClean="0"/>
+              <a:t>        Python 1.5 - December 31, 1997</a:t>
+            </a:r>
+          </a:p>
+          <a:p>
+            <a:pPr marL="0" indent="0" algn="l" rtl="0">
+              <a:buNone/>
+            </a:pPr>
+            <a:r>
+              <a:rPr lang="en-GB" sz="2000" dirty="0" smtClean="0"/>
+              <a:t>        Python 1.6 - September 5, 2000</a:t>
+            </a:r>
+          </a:p>
+          <a:p>
+            <a:pPr marL="0" indent="0" algn="l" rtl="0">
+              <a:buNone/>
+            </a:pPr>
+            <a:r>
+              <a:rPr lang="en-GB" sz="2000" dirty="0" smtClean="0"/>
+              <a:t>    Python 2.0 - October 16, 2000</a:t>
+            </a:r>
+          </a:p>
+          <a:p>
+            <a:pPr marL="0" indent="0" algn="l" rtl="0">
+              <a:buNone/>
+            </a:pPr>
+            <a:r>
+              <a:rPr lang="en-GB" sz="2000" dirty="0" smtClean="0"/>
+              <a:t>        Python 2.1 - April 17, 2001</a:t>
+            </a:r>
+          </a:p>
+          <a:p>
+            <a:pPr marL="0" indent="0" algn="l" rtl="0">
+              <a:buNone/>
+            </a:pPr>
+            <a:r>
+              <a:rPr lang="en-GB" sz="2000" dirty="0" smtClean="0"/>
+              <a:t>        Python 2.2 - December 21, 2001</a:t>
+            </a:r>
+          </a:p>
+          <a:p>
+            <a:pPr marL="0" indent="0" algn="l" rtl="0">
+              <a:buNone/>
+            </a:pPr>
+            <a:r>
+              <a:rPr lang="en-GB" sz="2000" dirty="0" smtClean="0"/>
+              <a:t>        Python 2.3 - July 29, 2003</a:t>
+            </a:r>
+          </a:p>
+          <a:p>
+            <a:pPr marL="0" indent="0" algn="l" rtl="0">
+              <a:buNone/>
+            </a:pPr>
+            <a:r>
+              <a:rPr lang="en-GB" sz="2000" dirty="0" smtClean="0"/>
+              <a:t>        Python 2.4 - November 30, 2004</a:t>
+            </a:r>
+          </a:p>
+          <a:p>
+            <a:pPr marL="0" indent="0" algn="l" rtl="0">
+              <a:buNone/>
+            </a:pPr>
+            <a:r>
+              <a:rPr lang="en-GB" sz="2000" dirty="0" smtClean="0"/>
+              <a:t>        Python 2.5 - September 19, 2006</a:t>
+            </a:r>
+          </a:p>
+          <a:p>
+            <a:pPr marL="0" indent="0" algn="l" rtl="0">
+              <a:buNone/>
+            </a:pPr>
+            <a:r>
+              <a:rPr lang="en-GB" sz="2000" dirty="0" smtClean="0"/>
+              <a:t>        Python 2.6 - October 1, 2008</a:t>
+            </a:r>
+          </a:p>
+          <a:p>
+            <a:pPr marL="0" indent="0" algn="l" rtl="0">
+              <a:buNone/>
+            </a:pPr>
+            <a:r>
+              <a:rPr lang="en-GB" sz="2000" dirty="0" smtClean="0"/>
+              <a:t>        </a:t>
+            </a:r>
+            <a:r>
+              <a:rPr lang="en-GB" sz="2000" u="sng" dirty="0" smtClean="0"/>
+              <a:t>Python 2.7 - July 3, 2010</a:t>
+            </a:r>
+          </a:p>
+          <a:p>
+            <a:pPr marL="0" indent="0" algn="l" rtl="0">
+              <a:buNone/>
+            </a:pPr>
+            <a:r>
+              <a:rPr lang="en-GB" sz="2000" dirty="0" smtClean="0"/>
+              <a:t>    </a:t>
+            </a:r>
+            <a:endParaRPr lang="en-GB" sz="2000" b="1" dirty="0" smtClean="0"/>
+          </a:p>
+        </p:txBody>
+      </p:sp>
+      <p:sp>
+        <p:nvSpPr>
+          <p:cNvPr id="4" name="Content Placeholder 3"/>
+          <p:cNvSpPr>
+            <a:spLocks noGrp="1"/>
+          </p:cNvSpPr>
+          <p:nvPr>
+            <p:ph sz="half" idx="2"/>
+          </p:nvPr>
+        </p:nvSpPr>
+        <p:spPr/>
+        <p:txBody>
+          <a:bodyPr>
+            <a:normAutofit/>
+          </a:bodyPr>
+          <a:lstStyle/>
+          <a:p>
+            <a:pPr marL="0" indent="0" algn="l" rtl="0">
+              <a:buNone/>
+            </a:pPr>
+            <a:r>
+              <a:rPr lang="en-GB" sz="2000" dirty="0" smtClean="0"/>
+              <a:t>Python 3.0 - December 3, 2008</a:t>
+            </a:r>
+          </a:p>
+          <a:p>
+            <a:pPr marL="0" indent="0" algn="l" rtl="0">
+              <a:buNone/>
+            </a:pPr>
+            <a:r>
+              <a:rPr lang="en-GB" sz="2000" dirty="0" smtClean="0"/>
+              <a:t>        Python 3.1 - June 27, 2009</a:t>
+            </a:r>
+          </a:p>
+          <a:p>
+            <a:pPr marL="0" indent="0" algn="l" rtl="0">
+              <a:buNone/>
+            </a:pPr>
+            <a:r>
+              <a:rPr lang="en-GB" sz="2000" dirty="0" smtClean="0"/>
+              <a:t>        Python 3.2 - February 20, 2011</a:t>
+            </a:r>
+          </a:p>
+          <a:p>
+            <a:pPr marL="0" indent="0" algn="l" rtl="0">
+              <a:buNone/>
+            </a:pPr>
+            <a:r>
+              <a:rPr lang="en-GB" sz="2000" dirty="0" smtClean="0"/>
+              <a:t>        Python 3.3 - September 29, 2012</a:t>
+            </a:r>
+          </a:p>
+          <a:p>
+            <a:pPr marL="0" indent="0" algn="l" rtl="0">
+              <a:buNone/>
+            </a:pPr>
+            <a:r>
+              <a:rPr lang="en-GB" sz="2000" dirty="0" smtClean="0"/>
+              <a:t>        Python 3.4 - March 16, 2014</a:t>
+            </a:r>
+          </a:p>
+          <a:p>
+            <a:pPr marL="0" indent="0" algn="l" rtl="0">
+              <a:buNone/>
+            </a:pPr>
+            <a:r>
+              <a:rPr lang="en-GB" sz="2000" dirty="0" smtClean="0"/>
+              <a:t>        </a:t>
+            </a:r>
+            <a:r>
+              <a:rPr lang="en-GB" sz="2000" u="sng" dirty="0" smtClean="0"/>
+              <a:t>Python 3.5 - September 13, 2015</a:t>
+            </a:r>
+          </a:p>
+          <a:p>
+            <a:pPr marL="0" indent="0" algn="l" rtl="0">
+              <a:buNone/>
+            </a:pPr>
+            <a:endParaRPr lang="he-IL" sz="2000" dirty="0"/>
           </a:p>
         </p:txBody>
       </p:sp>
     </p:spTree>
     <p:extLst>
       <p:ext uri="{BB962C8B-B14F-4D97-AF65-F5344CB8AC3E}">
-        <p14:creationId xmlns:p14="http://schemas.microsoft.com/office/powerpoint/2010/main" val="3138522739"/>
+        <p14:creationId xmlns:p14="http://schemas.microsoft.com/office/powerpoint/2010/main" val="3924827314"/>
       </p:ext>
     </p:extLst>
   </p:cSld>

--- a/docs/Introduction to Python.pptx
+++ b/docs/Introduction to Python.pptx
@@ -8,44 +8,45 @@
     <p:sldId id="256" r:id="rId2"/>
     <p:sldId id="287" r:id="rId3"/>
     <p:sldId id="292" r:id="rId4"/>
-    <p:sldId id="289" r:id="rId5"/>
-    <p:sldId id="293" r:id="rId6"/>
-    <p:sldId id="290" r:id="rId7"/>
-    <p:sldId id="291" r:id="rId8"/>
-    <p:sldId id="294" r:id="rId9"/>
-    <p:sldId id="296" r:id="rId10"/>
-    <p:sldId id="295" r:id="rId11"/>
-    <p:sldId id="258" r:id="rId12"/>
-    <p:sldId id="263" r:id="rId13"/>
-    <p:sldId id="262" r:id="rId14"/>
-    <p:sldId id="261" r:id="rId15"/>
-    <p:sldId id="264" r:id="rId16"/>
-    <p:sldId id="259" r:id="rId17"/>
-    <p:sldId id="265" r:id="rId18"/>
-    <p:sldId id="279" r:id="rId19"/>
-    <p:sldId id="298" r:id="rId20"/>
-    <p:sldId id="286" r:id="rId21"/>
-    <p:sldId id="260" r:id="rId22"/>
-    <p:sldId id="266" r:id="rId23"/>
-    <p:sldId id="267" r:id="rId24"/>
-    <p:sldId id="268" r:id="rId25"/>
-    <p:sldId id="269" r:id="rId26"/>
-    <p:sldId id="270" r:id="rId27"/>
-    <p:sldId id="271" r:id="rId28"/>
-    <p:sldId id="272" r:id="rId29"/>
-    <p:sldId id="273" r:id="rId30"/>
-    <p:sldId id="274" r:id="rId31"/>
-    <p:sldId id="275" r:id="rId32"/>
-    <p:sldId id="276" r:id="rId33"/>
-    <p:sldId id="277" r:id="rId34"/>
-    <p:sldId id="278" r:id="rId35"/>
-    <p:sldId id="280" r:id="rId36"/>
-    <p:sldId id="281" r:id="rId37"/>
-    <p:sldId id="284" r:id="rId38"/>
-    <p:sldId id="283" r:id="rId39"/>
-    <p:sldId id="285" r:id="rId40"/>
-    <p:sldId id="297" r:id="rId41"/>
-    <p:sldId id="299" r:id="rId42"/>
+    <p:sldId id="300" r:id="rId5"/>
+    <p:sldId id="289" r:id="rId6"/>
+    <p:sldId id="293" r:id="rId7"/>
+    <p:sldId id="290" r:id="rId8"/>
+    <p:sldId id="291" r:id="rId9"/>
+    <p:sldId id="294" r:id="rId10"/>
+    <p:sldId id="296" r:id="rId11"/>
+    <p:sldId id="295" r:id="rId12"/>
+    <p:sldId id="258" r:id="rId13"/>
+    <p:sldId id="263" r:id="rId14"/>
+    <p:sldId id="262" r:id="rId15"/>
+    <p:sldId id="261" r:id="rId16"/>
+    <p:sldId id="264" r:id="rId17"/>
+    <p:sldId id="259" r:id="rId18"/>
+    <p:sldId id="265" r:id="rId19"/>
+    <p:sldId id="279" r:id="rId20"/>
+    <p:sldId id="298" r:id="rId21"/>
+    <p:sldId id="286" r:id="rId22"/>
+    <p:sldId id="260" r:id="rId23"/>
+    <p:sldId id="266" r:id="rId24"/>
+    <p:sldId id="267" r:id="rId25"/>
+    <p:sldId id="268" r:id="rId26"/>
+    <p:sldId id="269" r:id="rId27"/>
+    <p:sldId id="270" r:id="rId28"/>
+    <p:sldId id="271" r:id="rId29"/>
+    <p:sldId id="272" r:id="rId30"/>
+    <p:sldId id="273" r:id="rId31"/>
+    <p:sldId id="274" r:id="rId32"/>
+    <p:sldId id="275" r:id="rId33"/>
+    <p:sldId id="276" r:id="rId34"/>
+    <p:sldId id="277" r:id="rId35"/>
+    <p:sldId id="278" r:id="rId36"/>
+    <p:sldId id="280" r:id="rId37"/>
+    <p:sldId id="281" r:id="rId38"/>
+    <p:sldId id="284" r:id="rId39"/>
+    <p:sldId id="283" r:id="rId40"/>
+    <p:sldId id="285" r:id="rId41"/>
+    <p:sldId id="297" r:id="rId42"/>
+    <p:sldId id="299" r:id="rId43"/>
   </p:sldIdLst>
   <p:sldSz cx="9144000" cy="6858000" type="screen4x3"/>
   <p:notesSz cx="6858000" cy="9144000"/>
@@ -3269,19 +3270,7 @@
                 </a:solidFill>
                 <a:latin typeface="Arial Black" panose="020B0A04020102020204" pitchFamily="34" charset="0"/>
               </a:rPr>
-              <a:t>Feb </a:t>
-            </a:r>
-            <a:r>
-              <a:rPr lang="en-US" dirty="0" smtClean="0">
-                <a:solidFill>
-                  <a:schemeClr val="tx1">
-                    <a:lumMod val="75000"/>
-                    <a:lumOff val="25000"/>
-                  </a:schemeClr>
-                </a:solidFill>
-                <a:latin typeface="Arial Black" panose="020B0A04020102020204" pitchFamily="34" charset="0"/>
-              </a:rPr>
-              <a:t>2016</a:t>
+              <a:t>Feb 2016</a:t>
             </a:r>
           </a:p>
           <a:p>
@@ -3458,6 +3447,273 @@
           <a:p>
             <a:pPr rtl="0"/>
             <a:r>
+              <a:rPr lang="en-US" dirty="0" smtClean="0"/>
+              <a:t>Version history</a:t>
+            </a:r>
+            <a:endParaRPr lang="he-IL" dirty="0"/>
+          </a:p>
+        </p:txBody>
+      </p:sp>
+      <p:sp>
+        <p:nvSpPr>
+          <p:cNvPr id="3" name="Content Placeholder 2"/>
+          <p:cNvSpPr>
+            <a:spLocks noGrp="1"/>
+          </p:cNvSpPr>
+          <p:nvPr>
+            <p:ph sz="half" idx="1"/>
+          </p:nvPr>
+        </p:nvSpPr>
+        <p:spPr/>
+        <p:txBody>
+          <a:bodyPr>
+            <a:noAutofit/>
+          </a:bodyPr>
+          <a:lstStyle/>
+          <a:p>
+            <a:pPr marL="0" indent="0" algn="l" rtl="0">
+              <a:buNone/>
+            </a:pPr>
+            <a:r>
+              <a:rPr lang="en-GB" sz="2000" dirty="0" smtClean="0"/>
+              <a:t>    Python 1.0 - January 1994</a:t>
+            </a:r>
+          </a:p>
+          <a:p>
+            <a:pPr marL="0" indent="0" algn="l" rtl="0">
+              <a:buNone/>
+            </a:pPr>
+            <a:r>
+              <a:rPr lang="en-GB" sz="2000" dirty="0" smtClean="0"/>
+              <a:t>        Python 1.5 - December 31, 1997</a:t>
+            </a:r>
+          </a:p>
+          <a:p>
+            <a:pPr marL="0" indent="0" algn="l" rtl="0">
+              <a:buNone/>
+            </a:pPr>
+            <a:r>
+              <a:rPr lang="en-GB" sz="2000" dirty="0" smtClean="0"/>
+              <a:t>        Python 1.6 - September 5, 2000</a:t>
+            </a:r>
+          </a:p>
+          <a:p>
+            <a:pPr marL="0" indent="0" algn="l" rtl="0">
+              <a:buNone/>
+            </a:pPr>
+            <a:r>
+              <a:rPr lang="en-GB" sz="2000" dirty="0" smtClean="0"/>
+              <a:t>    Python 2.0 - October 16, 2000</a:t>
+            </a:r>
+          </a:p>
+          <a:p>
+            <a:pPr marL="0" indent="0" algn="l" rtl="0">
+              <a:buNone/>
+            </a:pPr>
+            <a:r>
+              <a:rPr lang="en-GB" sz="2000" dirty="0" smtClean="0"/>
+              <a:t>        Python 2.1 - April 17, 2001</a:t>
+            </a:r>
+          </a:p>
+          <a:p>
+            <a:pPr marL="0" indent="0" algn="l" rtl="0">
+              <a:buNone/>
+            </a:pPr>
+            <a:r>
+              <a:rPr lang="en-GB" sz="2000" dirty="0" smtClean="0"/>
+              <a:t>        Python 2.2 - December 21, 2001</a:t>
+            </a:r>
+          </a:p>
+          <a:p>
+            <a:pPr marL="0" indent="0" algn="l" rtl="0">
+              <a:buNone/>
+            </a:pPr>
+            <a:r>
+              <a:rPr lang="en-GB" sz="2000" dirty="0" smtClean="0"/>
+              <a:t>        Python 2.3 - July 29, 2003</a:t>
+            </a:r>
+          </a:p>
+          <a:p>
+            <a:pPr marL="0" indent="0" algn="l" rtl="0">
+              <a:buNone/>
+            </a:pPr>
+            <a:r>
+              <a:rPr lang="en-GB" sz="2000" dirty="0" smtClean="0"/>
+              <a:t>        Python 2.4 - November 30, 2004</a:t>
+            </a:r>
+          </a:p>
+          <a:p>
+            <a:pPr marL="0" indent="0" algn="l" rtl="0">
+              <a:buNone/>
+            </a:pPr>
+            <a:r>
+              <a:rPr lang="en-GB" sz="2000" dirty="0" smtClean="0"/>
+              <a:t>        Python 2.5 - September 19, 2006</a:t>
+            </a:r>
+          </a:p>
+          <a:p>
+            <a:pPr marL="0" indent="0" algn="l" rtl="0">
+              <a:buNone/>
+            </a:pPr>
+            <a:r>
+              <a:rPr lang="en-GB" sz="2000" dirty="0" smtClean="0"/>
+              <a:t>        Python 2.6 - October 1, 2008</a:t>
+            </a:r>
+          </a:p>
+          <a:p>
+            <a:pPr marL="0" indent="0" algn="l" rtl="0">
+              <a:buNone/>
+            </a:pPr>
+            <a:r>
+              <a:rPr lang="en-GB" sz="2000" dirty="0" smtClean="0"/>
+              <a:t>        </a:t>
+            </a:r>
+            <a:r>
+              <a:rPr lang="en-GB" sz="2000" u="sng" dirty="0" smtClean="0"/>
+              <a:t>Python 2.7 - July 3, 2010</a:t>
+            </a:r>
+          </a:p>
+          <a:p>
+            <a:pPr marL="0" indent="0" algn="l" rtl="0">
+              <a:buNone/>
+            </a:pPr>
+            <a:r>
+              <a:rPr lang="en-GB" sz="2000" dirty="0" smtClean="0"/>
+              <a:t>    </a:t>
+            </a:r>
+            <a:endParaRPr lang="en-GB" sz="2000" b="1" dirty="0" smtClean="0"/>
+          </a:p>
+        </p:txBody>
+      </p:sp>
+      <p:sp>
+        <p:nvSpPr>
+          <p:cNvPr id="4" name="Content Placeholder 3"/>
+          <p:cNvSpPr>
+            <a:spLocks noGrp="1"/>
+          </p:cNvSpPr>
+          <p:nvPr>
+            <p:ph sz="half" idx="2"/>
+          </p:nvPr>
+        </p:nvSpPr>
+        <p:spPr/>
+        <p:txBody>
+          <a:bodyPr>
+            <a:normAutofit/>
+          </a:bodyPr>
+          <a:lstStyle/>
+          <a:p>
+            <a:pPr marL="0" indent="0" algn="l" rtl="0">
+              <a:buNone/>
+            </a:pPr>
+            <a:r>
+              <a:rPr lang="en-GB" sz="2000" dirty="0" smtClean="0"/>
+              <a:t>Python 3.0 - December 3, 2008</a:t>
+            </a:r>
+          </a:p>
+          <a:p>
+            <a:pPr marL="0" indent="0" algn="l" rtl="0">
+              <a:buNone/>
+            </a:pPr>
+            <a:r>
+              <a:rPr lang="en-GB" sz="2000" dirty="0" smtClean="0"/>
+              <a:t>        Python 3.1 - June 27, 2009</a:t>
+            </a:r>
+          </a:p>
+          <a:p>
+            <a:pPr marL="0" indent="0" algn="l" rtl="0">
+              <a:buNone/>
+            </a:pPr>
+            <a:r>
+              <a:rPr lang="en-GB" sz="2000" dirty="0" smtClean="0"/>
+              <a:t>        Python 3.2 - February 20, 2011</a:t>
+            </a:r>
+          </a:p>
+          <a:p>
+            <a:pPr marL="0" indent="0" algn="l" rtl="0">
+              <a:buNone/>
+            </a:pPr>
+            <a:r>
+              <a:rPr lang="en-GB" sz="2000" dirty="0" smtClean="0"/>
+              <a:t>        Python 3.3 - September 29, 2012</a:t>
+            </a:r>
+          </a:p>
+          <a:p>
+            <a:pPr marL="0" indent="0" algn="l" rtl="0">
+              <a:buNone/>
+            </a:pPr>
+            <a:r>
+              <a:rPr lang="en-GB" sz="2000" dirty="0" smtClean="0"/>
+              <a:t>        Python 3.4 - March 16, 2014</a:t>
+            </a:r>
+          </a:p>
+          <a:p>
+            <a:pPr marL="0" indent="0" algn="l" rtl="0">
+              <a:buNone/>
+            </a:pPr>
+            <a:r>
+              <a:rPr lang="en-GB" sz="2000" dirty="0" smtClean="0"/>
+              <a:t>        </a:t>
+            </a:r>
+            <a:r>
+              <a:rPr lang="en-GB" sz="2000" u="sng" dirty="0" smtClean="0"/>
+              <a:t>Python 3.5 - September 13, 2015</a:t>
+            </a:r>
+          </a:p>
+          <a:p>
+            <a:pPr marL="0" indent="0" algn="l" rtl="0">
+              <a:buNone/>
+            </a:pPr>
+            <a:endParaRPr lang="he-IL" sz="2000" dirty="0"/>
+          </a:p>
+        </p:txBody>
+      </p:sp>
+    </p:spTree>
+    <p:extLst>
+      <p:ext uri="{BB962C8B-B14F-4D97-AF65-F5344CB8AC3E}">
+        <p14:creationId xmlns:p14="http://schemas.microsoft.com/office/powerpoint/2010/main" val="3924827314"/>
+      </p:ext>
+    </p:extLst>
+  </p:cSld>
+  <p:clrMapOvr>
+    <a:masterClrMapping/>
+  </p:clrMapOvr>
+</p:sld>
+</file>
+
+<file path=ppt/slides/slide11.xml><?xml version="1.0" encoding="utf-8"?>
+<p:sld xmlns:a="http://schemas.openxmlformats.org/drawingml/2006/main" xmlns:r="http://schemas.openxmlformats.org/officeDocument/2006/relationships" xmlns:p="http://schemas.openxmlformats.org/presentationml/2006/main">
+  <p:cSld>
+    <p:spTree>
+      <p:nvGrpSpPr>
+        <p:cNvPr id="1" name=""/>
+        <p:cNvGrpSpPr/>
+        <p:nvPr/>
+      </p:nvGrpSpPr>
+      <p:grpSpPr>
+        <a:xfrm>
+          <a:off x="0" y="0"/>
+          <a:ext cx="0" cy="0"/>
+          <a:chOff x="0" y="0"/>
+          <a:chExt cx="0" cy="0"/>
+        </a:xfrm>
+      </p:grpSpPr>
+      <p:sp>
+        <p:nvSpPr>
+          <p:cNvPr id="2" name="Title 1"/>
+          <p:cNvSpPr>
+            <a:spLocks noGrp="1"/>
+          </p:cNvSpPr>
+          <p:nvPr>
+            <p:ph type="title"/>
+          </p:nvPr>
+        </p:nvSpPr>
+        <p:spPr/>
+        <p:txBody>
+          <a:bodyPr/>
+          <a:lstStyle/>
+          <a:p>
+            <a:pPr rtl="0"/>
+            <a:r>
               <a:rPr lang="en-GB" dirty="0" smtClean="0"/>
               <a:t>Guido van Rossum</a:t>
             </a:r>
@@ -3510,13 +3766,8 @@
             </a:r>
             <a:r>
               <a:rPr lang="en-US" dirty="0" smtClean="0"/>
-              <a:t>the direction of </a:t>
-            </a:r>
-            <a:r>
-              <a:rPr lang="en-US" dirty="0" smtClean="0"/>
-              <a:t>Python development </a:t>
-            </a:r>
-            <a:endParaRPr lang="en-US" dirty="0" smtClean="0"/>
+              <a:t>the direction of Python development </a:t>
+            </a:r>
           </a:p>
           <a:p>
             <a:pPr algn="l" rtl="0"/>
@@ -3537,13 +3788,8 @@
             <a:pPr algn="l" rtl="0"/>
             <a:r>
               <a:rPr lang="en-US" dirty="0" smtClean="0"/>
-              <a:t>Employed by Google </a:t>
-            </a:r>
-            <a:r>
-              <a:rPr lang="en-US" dirty="0" smtClean="0"/>
-              <a:t>2005-2012</a:t>
-            </a:r>
-            <a:endParaRPr lang="en-US" dirty="0" smtClean="0"/>
+              <a:t>Employed by Google 2005-2012</a:t>
+            </a:r>
           </a:p>
           <a:p>
             <a:pPr algn="l" rtl="0"/>
@@ -3563,13 +3809,8 @@
             <a:pPr algn="l" rtl="0"/>
             <a:r>
               <a:rPr lang="en-US" dirty="0" smtClean="0"/>
-              <a:t>Spends half his time developing Python</a:t>
-            </a:r>
-            <a:r>
-              <a:rPr lang="en-US" dirty="0" smtClean="0"/>
-              <a:t>…</a:t>
-            </a:r>
-            <a:endParaRPr lang="en-US" dirty="0" smtClean="0"/>
+              <a:t>Spends half his time developing Python…</a:t>
+            </a:r>
           </a:p>
           <a:p>
             <a:pPr marL="0" indent="0" rtl="0">
@@ -3699,120 +3940,6 @@
 </p:sld>
 </file>
 
-<file path=ppt/slides/slide11.xml><?xml version="1.0" encoding="utf-8"?>
-<p:sld xmlns:a="http://schemas.openxmlformats.org/drawingml/2006/main" xmlns:r="http://schemas.openxmlformats.org/officeDocument/2006/relationships" xmlns:p="http://schemas.openxmlformats.org/presentationml/2006/main">
-  <p:cSld>
-    <p:spTree>
-      <p:nvGrpSpPr>
-        <p:cNvPr id="1" name=""/>
-        <p:cNvGrpSpPr/>
-        <p:nvPr/>
-      </p:nvGrpSpPr>
-      <p:grpSpPr>
-        <a:xfrm>
-          <a:off x="0" y="0"/>
-          <a:ext cx="0" cy="0"/>
-          <a:chOff x="0" y="0"/>
-          <a:chExt cx="0" cy="0"/>
-        </a:xfrm>
-      </p:grpSpPr>
-      <p:sp>
-        <p:nvSpPr>
-          <p:cNvPr id="2" name="Title 1"/>
-          <p:cNvSpPr>
-            <a:spLocks noGrp="1"/>
-          </p:cNvSpPr>
-          <p:nvPr>
-            <p:ph type="ctrTitle"/>
-          </p:nvPr>
-        </p:nvSpPr>
-        <p:spPr/>
-        <p:txBody>
-          <a:bodyPr/>
-          <a:lstStyle/>
-          <a:p>
-            <a:pPr rtl="0"/>
-            <a:r>
-              <a:rPr lang="en-US" dirty="0" smtClean="0"/>
-              <a:t>Why Python?</a:t>
-            </a:r>
-            <a:endParaRPr lang="he-IL" dirty="0"/>
-          </a:p>
-        </p:txBody>
-      </p:sp>
-      <p:sp>
-        <p:nvSpPr>
-          <p:cNvPr id="4" name="Rectangle 3"/>
-          <p:cNvSpPr/>
-          <p:nvPr/>
-        </p:nvSpPr>
-        <p:spPr>
-          <a:xfrm>
-            <a:off x="4288769" y="6039817"/>
-            <a:ext cx="4574137" cy="646331"/>
-          </a:xfrm>
-          <a:prstGeom prst="rect">
-            <a:avLst/>
-          </a:prstGeom>
-        </p:spPr>
-        <p:txBody>
-          <a:bodyPr wrap="none">
-            <a:spAutoFit/>
-          </a:bodyPr>
-          <a:lstStyle/>
-          <a:p>
-            <a:pPr algn="l" rtl="0"/>
-            <a:r>
-              <a:rPr lang="en-US" dirty="0" smtClean="0">
-                <a:hlinkClick r:id="rId2"/>
-              </a:rPr>
-              <a:t>I used </a:t>
-            </a:r>
-            <a:r>
-              <a:rPr lang="en-US" dirty="0" err="1" smtClean="0">
-                <a:hlinkClick r:id="rId2"/>
-              </a:rPr>
-              <a:t>Matlab</a:t>
-            </a:r>
-            <a:r>
-              <a:rPr lang="en-US" dirty="0" smtClean="0">
-                <a:hlinkClick r:id="rId2"/>
-              </a:rPr>
-              <a:t>. Now I use Python. by Steve </a:t>
-            </a:r>
-            <a:r>
-              <a:rPr lang="en-US" dirty="0" err="1" smtClean="0">
-                <a:hlinkClick r:id="rId2"/>
-              </a:rPr>
-              <a:t>Tjoa</a:t>
-            </a:r>
-            <a:endParaRPr lang="en-US" dirty="0" smtClean="0"/>
-          </a:p>
-          <a:p>
-            <a:pPr algn="l" rtl="0"/>
-            <a:r>
-              <a:rPr lang="en-US" dirty="0" smtClean="0">
-                <a:hlinkClick r:id="rId3"/>
-              </a:rPr>
-              <a:t>Why use Python for scientific computing?</a:t>
-            </a:r>
-            <a:endParaRPr lang="he-IL" dirty="0"/>
-          </a:p>
-        </p:txBody>
-      </p:sp>
-    </p:spTree>
-    <p:extLst>
-      <p:ext uri="{BB962C8B-B14F-4D97-AF65-F5344CB8AC3E}">
-        <p14:creationId xmlns:p14="http://schemas.microsoft.com/office/powerpoint/2010/main" val="1858612101"/>
-      </p:ext>
-    </p:extLst>
-  </p:cSld>
-  <p:clrMapOvr>
-    <a:masterClrMapping/>
-  </p:clrMapOvr>
-</p:sld>
-</file>
-
 <file path=ppt/slides/slide12.xml><?xml version="1.0" encoding="utf-8"?>
 <p:sld xmlns:a="http://schemas.openxmlformats.org/drawingml/2006/main" xmlns:r="http://schemas.openxmlformats.org/officeDocument/2006/relationships" xmlns:p="http://schemas.openxmlformats.org/presentationml/2006/main">
   <p:cSld>
@@ -3848,7 +3975,67 @@
             <a:pPr rtl="0"/>
             <a:r>
               <a:rPr lang="en-US" dirty="0" smtClean="0"/>
-              <a:t>Python is Free</a:t>
+              <a:t>Why Python?</a:t>
+            </a:r>
+            <a:endParaRPr lang="he-IL" dirty="0"/>
+          </a:p>
+        </p:txBody>
+      </p:sp>
+      <p:sp>
+        <p:nvSpPr>
+          <p:cNvPr id="4" name="Rectangle 3"/>
+          <p:cNvSpPr/>
+          <p:nvPr/>
+        </p:nvSpPr>
+        <p:spPr>
+          <a:xfrm>
+            <a:off x="4288769" y="6039817"/>
+            <a:ext cx="4574137" cy="646331"/>
+          </a:xfrm>
+          <a:prstGeom prst="rect">
+            <a:avLst/>
+          </a:prstGeom>
+        </p:spPr>
+        <p:txBody>
+          <a:bodyPr wrap="none">
+            <a:spAutoFit/>
+          </a:bodyPr>
+          <a:lstStyle/>
+          <a:p>
+            <a:pPr algn="l" rtl="0"/>
+            <a:r>
+              <a:rPr lang="en-US" dirty="0" smtClean="0">
+                <a:hlinkClick r:id="rId2"/>
+              </a:rPr>
+              <a:t>I used </a:t>
+            </a:r>
+            <a:r>
+              <a:rPr lang="en-US" dirty="0" err="1" smtClean="0">
+                <a:hlinkClick r:id="rId2"/>
+              </a:rPr>
+              <a:t>Matlab</a:t>
+            </a:r>
+            <a:r>
+              <a:rPr lang="en-US" dirty="0" smtClean="0">
+                <a:hlinkClick r:id="rId2"/>
+              </a:rPr>
+              <a:t>. Now I use Python. by Steve </a:t>
+            </a:r>
+            <a:r>
+              <a:rPr lang="en-US" dirty="0" err="1" smtClean="0">
+                <a:hlinkClick r:id="rId2"/>
+              </a:rPr>
+              <a:t>Tjoa</a:t>
+            </a:r>
+            <a:endParaRPr lang="en-US" dirty="0" smtClean="0"/>
+          </a:p>
+          <a:p>
+            <a:pPr algn="l" rtl="0"/>
+            <a:r>
+              <a:rPr lang="en-US" dirty="0" smtClean="0">
+                <a:hlinkClick r:id="rId3"/>
+              </a:rPr>
+              <a:t>Why use Python for scientific computing?</a:t>
             </a:r>
             <a:endParaRPr lang="he-IL" dirty="0"/>
           </a:p>
@@ -3857,7 +4044,7 @@
     </p:spTree>
     <p:extLst>
       <p:ext uri="{BB962C8B-B14F-4D97-AF65-F5344CB8AC3E}">
-        <p14:creationId xmlns:p14="http://schemas.microsoft.com/office/powerpoint/2010/main" val="4028440798"/>
+        <p14:creationId xmlns:p14="http://schemas.microsoft.com/office/powerpoint/2010/main" val="1858612101"/>
       </p:ext>
     </p:extLst>
   </p:cSld>
@@ -3891,7 +4078,7 @@
             <a:spLocks noGrp="1"/>
           </p:cNvSpPr>
           <p:nvPr>
-            <p:ph type="title"/>
+            <p:ph type="ctrTitle"/>
           </p:nvPr>
         </p:nvSpPr>
         <p:spPr/>
@@ -3901,121 +4088,8 @@
           <a:p>
             <a:pPr rtl="0"/>
             <a:r>
-              <a:rPr lang="en-US" b="1" dirty="0" smtClean="0"/>
-              <a:t>Gratis</a:t>
-            </a:r>
-            <a:r>
-              <a:rPr lang="en-US" dirty="0" smtClean="0"/>
-              <a:t>: Free as in Beer</a:t>
-            </a:r>
-            <a:endParaRPr lang="he-IL" dirty="0"/>
-          </a:p>
-        </p:txBody>
-      </p:sp>
-      <p:sp>
-        <p:nvSpPr>
-          <p:cNvPr id="3" name="Content Placeholder 2"/>
-          <p:cNvSpPr>
-            <a:spLocks noGrp="1"/>
-          </p:cNvSpPr>
-          <p:nvPr>
-            <p:ph idx="1"/>
-          </p:nvPr>
-        </p:nvSpPr>
-        <p:spPr/>
-        <p:txBody>
-          <a:bodyPr>
-            <a:normAutofit/>
-          </a:bodyPr>
-          <a:lstStyle/>
-          <a:p>
-            <a:pPr algn="l" rtl="0"/>
-            <a:r>
-              <a:rPr lang="en-GB" dirty="0" smtClean="0"/>
-              <a:t>Python is totally </a:t>
-            </a:r>
-            <a:r>
-              <a:rPr lang="en-GB" b="1" dirty="0" smtClean="0"/>
-              <a:t>free</a:t>
-            </a:r>
-          </a:p>
-          <a:p>
-            <a:pPr algn="l" rtl="0"/>
-            <a:r>
-              <a:rPr lang="en-GB" dirty="0" smtClean="0"/>
-              <a:t>MATLAB is </a:t>
-            </a:r>
-            <a:r>
-              <a:rPr lang="en-GB" b="1" dirty="0" smtClean="0"/>
-              <a:t>expensive </a:t>
-            </a:r>
-          </a:p>
-          <a:p>
-            <a:pPr lvl="1" algn="l" rtl="0"/>
-            <a:r>
-              <a:rPr lang="en-GB" dirty="0" smtClean="0"/>
-              <a:t>Individuals: $</a:t>
-            </a:r>
-            <a:r>
-              <a:rPr lang="en-GB" dirty="0" smtClean="0"/>
-              <a:t>2,605 </a:t>
-            </a:r>
-            <a:endParaRPr lang="he-IL" dirty="0" smtClean="0"/>
-          </a:p>
-          <a:p>
-            <a:pPr lvl="1" algn="l" rtl="0"/>
-            <a:r>
-              <a:rPr lang="en-US" dirty="0" smtClean="0"/>
-              <a:t>Academia: $625</a:t>
-            </a:r>
-          </a:p>
-          <a:p>
-            <a:pPr lvl="1" algn="l" rtl="0"/>
-            <a:r>
-              <a:rPr lang="en-US" dirty="0" smtClean="0"/>
-              <a:t>Personal: $135</a:t>
-            </a:r>
-          </a:p>
-          <a:p>
-            <a:pPr lvl="1" algn="l" rtl="0"/>
-            <a:r>
-              <a:rPr lang="en-US" dirty="0" smtClean="0"/>
-              <a:t>Student: $45-89</a:t>
-            </a:r>
-            <a:endParaRPr lang="en-GB" dirty="0"/>
-          </a:p>
-          <a:p>
-            <a:pPr marL="0" indent="0" algn="l" rtl="0">
-              <a:buNone/>
-            </a:pPr>
-            <a:endParaRPr lang="en-GB" dirty="0"/>
-          </a:p>
-        </p:txBody>
-      </p:sp>
-      <p:sp>
-        <p:nvSpPr>
-          <p:cNvPr id="4" name="Rectangle 3"/>
-          <p:cNvSpPr/>
-          <p:nvPr/>
-        </p:nvSpPr>
-        <p:spPr>
-          <a:xfrm>
-            <a:off x="1679797" y="6309320"/>
-            <a:ext cx="7016216" cy="369332"/>
-          </a:xfrm>
-          <a:prstGeom prst="rect">
-            <a:avLst/>
-          </a:prstGeom>
-        </p:spPr>
-        <p:txBody>
-          <a:bodyPr wrap="none">
-            <a:spAutoFit/>
-          </a:bodyPr>
-          <a:lstStyle/>
-          <a:p>
-            <a:r>
-              <a:rPr lang="en-GB" dirty="0" smtClean="0"/>
-              <a:t>http://www.mathworks.com/pricing-licensing/index.html?prodCode=ML</a:t>
+              <a:rPr lang="en-US" dirty="0" smtClean="0"/>
+              <a:t>Python is Free</a:t>
             </a:r>
             <a:endParaRPr lang="he-IL" dirty="0"/>
           </a:p>
@@ -4024,7 +4098,7 @@
     </p:spTree>
     <p:extLst>
       <p:ext uri="{BB962C8B-B14F-4D97-AF65-F5344CB8AC3E}">
-        <p14:creationId xmlns:p14="http://schemas.microsoft.com/office/powerpoint/2010/main" val="2733564774"/>
+        <p14:creationId xmlns:p14="http://schemas.microsoft.com/office/powerpoint/2010/main" val="4028440798"/>
       </p:ext>
     </p:extLst>
   </p:cSld>
@@ -4068,12 +4142,12 @@
           <a:p>
             <a:pPr rtl="0"/>
             <a:r>
-              <a:rPr lang="en-US" b="1" dirty="0" err="1" smtClean="0"/>
-              <a:t>Libre</a:t>
-            </a:r>
-            <a:r>
-              <a:rPr lang="en-US" dirty="0" smtClean="0"/>
-              <a:t>: Free as in Speech</a:t>
+              <a:rPr lang="en-US" b="1" dirty="0" smtClean="0"/>
+              <a:t>Gratis</a:t>
+            </a:r>
+            <a:r>
+              <a:rPr lang="en-US" dirty="0" smtClean="0"/>
+              <a:t>: Free as in Beer</a:t>
             </a:r>
             <a:endParaRPr lang="he-IL" dirty="0"/>
           </a:p>
@@ -4092,187 +4166,102 @@
         <p:spPr/>
         <p:txBody>
           <a:bodyPr>
-            <a:normAutofit lnSpcReduction="10000"/>
+            <a:normAutofit/>
           </a:bodyPr>
           <a:lstStyle/>
           <a:p>
             <a:pPr algn="l" rtl="0"/>
             <a:r>
               <a:rPr lang="en-GB" dirty="0" smtClean="0"/>
-              <a:t>MATLAB source code is </a:t>
+              <a:t>Python is totally </a:t>
             </a:r>
             <a:r>
               <a:rPr lang="en-GB" b="1" dirty="0" smtClean="0"/>
-              <a:t>closed</a:t>
-            </a:r>
+              <a:t>free</a:t>
+            </a:r>
+          </a:p>
+          <a:p>
+            <a:pPr algn="l" rtl="0"/>
             <a:r>
               <a:rPr lang="en-GB" dirty="0" smtClean="0"/>
-              <a:t> and </a:t>
-            </a:r>
+              <a:t>MATLAB is </a:t>
+            </a:r>
+            <a:r>
+              <a:rPr lang="en-GB" b="1" dirty="0" smtClean="0"/>
+              <a:t>expensive </a:t>
+            </a:r>
+          </a:p>
+          <a:p>
+            <a:pPr lvl="1" algn="l" rtl="0"/>
             <a:r>
               <a:rPr lang="en-GB" dirty="0" smtClean="0"/>
-              <a:t>proprietary</a:t>
-            </a:r>
-            <a:endParaRPr lang="en-GB" dirty="0" smtClean="0"/>
+              <a:t>Individuals: $2,605 </a:t>
+            </a:r>
+            <a:endParaRPr lang="he-IL" dirty="0" smtClean="0"/>
           </a:p>
           <a:p>
             <a:pPr lvl="1" algn="l" rtl="0"/>
             <a:r>
               <a:rPr lang="en-US" dirty="0" smtClean="0"/>
-              <a:t>You </a:t>
-            </a:r>
-            <a:r>
-              <a:rPr lang="en-US" dirty="0" smtClean="0"/>
-              <a:t>cannot </a:t>
-            </a:r>
-            <a:r>
-              <a:rPr lang="en-US" b="1" dirty="0" smtClean="0"/>
-              <a:t>see </a:t>
-            </a:r>
-            <a:r>
-              <a:rPr lang="en-US" dirty="0" smtClean="0"/>
-              <a:t>the code</a:t>
+              <a:t>Academia: $625</a:t>
             </a:r>
           </a:p>
           <a:p>
             <a:pPr lvl="1" algn="l" rtl="0"/>
             <a:r>
               <a:rPr lang="en-US" dirty="0" smtClean="0"/>
-              <a:t>You </a:t>
-            </a:r>
-            <a:r>
-              <a:rPr lang="en-US" dirty="0" smtClean="0"/>
-              <a:t>cannot </a:t>
-            </a:r>
-            <a:r>
-              <a:rPr lang="en-US" b="1" dirty="0" smtClean="0"/>
-              <a:t>change </a:t>
-            </a:r>
-            <a:r>
-              <a:rPr lang="en-US" dirty="0" smtClean="0"/>
-              <a:t>the code</a:t>
+              <a:t>Personal: $135</a:t>
             </a:r>
           </a:p>
           <a:p>
             <a:pPr lvl="1" algn="l" rtl="0"/>
             <a:r>
               <a:rPr lang="en-US" dirty="0" smtClean="0"/>
-              <a:t>You can participate in the discussion as a </a:t>
-            </a:r>
-            <a:r>
-              <a:rPr lang="en-US" b="1" dirty="0" smtClean="0"/>
-              <a:t>client</a:t>
-            </a:r>
-          </a:p>
-          <a:p>
-            <a:pPr algn="l" rtl="0"/>
+              <a:t>Student: $45-89</a:t>
+            </a:r>
+            <a:endParaRPr lang="en-GB" dirty="0"/>
+          </a:p>
+          <a:p>
+            <a:pPr marL="0" indent="0" algn="l" rtl="0">
+              <a:buNone/>
+            </a:pPr>
+            <a:endParaRPr lang="en-GB" dirty="0"/>
+          </a:p>
+        </p:txBody>
+      </p:sp>
+      <p:sp>
+        <p:nvSpPr>
+          <p:cNvPr id="4" name="Rectangle 3"/>
+          <p:cNvSpPr/>
+          <p:nvPr/>
+        </p:nvSpPr>
+        <p:spPr>
+          <a:xfrm>
+            <a:off x="1679797" y="6309320"/>
+            <a:ext cx="7016216" cy="369332"/>
+          </a:xfrm>
+          <a:prstGeom prst="rect">
+            <a:avLst/>
+          </a:prstGeom>
+        </p:spPr>
+        <p:txBody>
+          <a:bodyPr wrap="none">
+            <a:spAutoFit/>
+          </a:bodyPr>
+          <a:lstStyle/>
+          <a:p>
             <a:r>
               <a:rPr lang="en-GB" dirty="0" smtClean="0"/>
-              <a:t>Python source code is </a:t>
-            </a:r>
-            <a:r>
-              <a:rPr lang="en-GB" b="1" dirty="0" smtClean="0"/>
-              <a:t>open</a:t>
-            </a:r>
-            <a:endParaRPr lang="en-GB" b="1" dirty="0" smtClean="0"/>
-          </a:p>
-          <a:p>
-            <a:pPr lvl="1" algn="l" rtl="0"/>
-            <a:r>
-              <a:rPr lang="en-GB" dirty="0" smtClean="0"/>
-              <a:t>You can </a:t>
-            </a:r>
-            <a:r>
-              <a:rPr lang="en-GB" b="1" dirty="0" smtClean="0"/>
-              <a:t>see</a:t>
-            </a:r>
-            <a:r>
-              <a:rPr lang="en-GB" dirty="0" smtClean="0"/>
-              <a:t>, you can </a:t>
-            </a:r>
-            <a:r>
-              <a:rPr lang="en-GB" b="1" dirty="0" smtClean="0"/>
-              <a:t>change,</a:t>
-            </a:r>
-            <a:r>
-              <a:rPr lang="en-GB" dirty="0" smtClean="0"/>
-              <a:t> you can </a:t>
-            </a:r>
-            <a:r>
-              <a:rPr lang="en-GB" b="1" dirty="0" smtClean="0"/>
-              <a:t>contribute</a:t>
-            </a:r>
-            <a:r>
-              <a:rPr lang="en-GB" dirty="0" smtClean="0"/>
-              <a:t> </a:t>
-            </a:r>
-            <a:r>
-              <a:rPr lang="en-GB" dirty="0" smtClean="0"/>
-              <a:t>code and documentation (</a:t>
-            </a:r>
-            <a:r>
-              <a:rPr lang="en-GB" dirty="0" smtClean="0">
-                <a:hlinkClick r:id="rId2"/>
-              </a:rPr>
-              <a:t>python</a:t>
-            </a:r>
-            <a:r>
-              <a:rPr lang="en-GB" dirty="0" smtClean="0"/>
-              <a:t>, </a:t>
-            </a:r>
-            <a:r>
-              <a:rPr lang="en-GB" dirty="0" err="1" smtClean="0">
-                <a:hlinkClick r:id="rId3"/>
-              </a:rPr>
-              <a:t>numpy</a:t>
-            </a:r>
-            <a:r>
-              <a:rPr lang="en-GB" dirty="0" smtClean="0"/>
-              <a:t>)</a:t>
-            </a:r>
-          </a:p>
-          <a:p>
-            <a:pPr lvl="1" algn="l" rtl="0"/>
-            <a:r>
-              <a:rPr lang="en-GB" dirty="0" smtClean="0"/>
-              <a:t>You can participate in the discussion as a </a:t>
-            </a:r>
-            <a:r>
-              <a:rPr lang="en-GB" b="1" dirty="0" smtClean="0"/>
-              <a:t>peer</a:t>
-            </a:r>
-            <a:r>
-              <a:rPr lang="en-GB" dirty="0" smtClean="0"/>
-              <a:t> (</a:t>
-            </a:r>
-            <a:r>
-              <a:rPr lang="en-GB" dirty="0" smtClean="0">
-                <a:hlinkClick r:id="rId4"/>
-              </a:rPr>
-              <a:t>python</a:t>
-            </a:r>
-            <a:r>
-              <a:rPr lang="en-GB" dirty="0" smtClean="0"/>
-              <a:t> </a:t>
-            </a:r>
-            <a:r>
-              <a:rPr lang="en-GB" dirty="0" err="1" smtClean="0">
-                <a:hlinkClick r:id="rId5"/>
-              </a:rPr>
-              <a:t>numpy</a:t>
-            </a:r>
-            <a:r>
-              <a:rPr lang="en-GB" dirty="0" smtClean="0"/>
-              <a:t>)</a:t>
-            </a:r>
-            <a:endParaRPr lang="en-GB" b="1" dirty="0" smtClean="0"/>
+              <a:t>http://www.mathworks.com/pricing-licensing/index.html?prodCode=ML</a:t>
+            </a:r>
+            <a:endParaRPr lang="he-IL" dirty="0"/>
           </a:p>
         </p:txBody>
       </p:sp>
     </p:spTree>
     <p:extLst>
       <p:ext uri="{BB962C8B-B14F-4D97-AF65-F5344CB8AC3E}">
-        <p14:creationId xmlns:p14="http://schemas.microsoft.com/office/powerpoint/2010/main" val="1549319660"/>
+        <p14:creationId xmlns:p14="http://schemas.microsoft.com/office/powerpoint/2010/main" val="2733564774"/>
       </p:ext>
     </p:extLst>
   </p:cSld>
@@ -4306,28 +4295,203 @@
             <a:spLocks noGrp="1"/>
           </p:cNvSpPr>
           <p:nvPr>
-            <p:ph type="ctrTitle"/>
+            <p:ph type="title"/>
+          </p:nvPr>
+        </p:nvSpPr>
+        <p:spPr/>
+        <p:txBody>
+          <a:bodyPr/>
+          <a:lstStyle/>
+          <a:p>
+            <a:pPr rtl="0"/>
+            <a:r>
+              <a:rPr lang="en-US" b="1" dirty="0" err="1" smtClean="0"/>
+              <a:t>Libre</a:t>
+            </a:r>
+            <a:r>
+              <a:rPr lang="en-US" dirty="0" smtClean="0"/>
+              <a:t>: Free as in Speech</a:t>
+            </a:r>
+            <a:endParaRPr lang="he-IL" dirty="0"/>
+          </a:p>
+        </p:txBody>
+      </p:sp>
+      <p:sp>
+        <p:nvSpPr>
+          <p:cNvPr id="3" name="Content Placeholder 2"/>
+          <p:cNvSpPr>
+            <a:spLocks noGrp="1"/>
+          </p:cNvSpPr>
+          <p:nvPr>
+            <p:ph idx="1"/>
           </p:nvPr>
         </p:nvSpPr>
         <p:spPr/>
         <p:txBody>
           <a:bodyPr>
-            <a:normAutofit/>
+            <a:normAutofit lnSpcReduction="10000"/>
           </a:bodyPr>
           <a:lstStyle/>
           <a:p>
-            <a:r>
-              <a:rPr lang="en-US" dirty="0" smtClean="0"/>
-              <a:t>Python is a general-purpose language</a:t>
-            </a:r>
-            <a:endParaRPr lang="he-IL" dirty="0"/>
+            <a:pPr algn="l" rtl="0"/>
+            <a:r>
+              <a:rPr lang="en-GB" dirty="0" smtClean="0"/>
+              <a:t>MATLAB source code is </a:t>
+            </a:r>
+            <a:r>
+              <a:rPr lang="en-GB" b="1" dirty="0" smtClean="0"/>
+              <a:t>closed</a:t>
+            </a:r>
+            <a:r>
+              <a:rPr lang="en-GB" dirty="0" smtClean="0"/>
+              <a:t> and proprietary</a:t>
+            </a:r>
+          </a:p>
+          <a:p>
+            <a:pPr lvl="1" algn="l" rtl="0"/>
+            <a:r>
+              <a:rPr lang="en-US" dirty="0" smtClean="0"/>
+              <a:t>You cannot </a:t>
+            </a:r>
+            <a:r>
+              <a:rPr lang="en-US" b="1" dirty="0" smtClean="0"/>
+              <a:t>see </a:t>
+            </a:r>
+            <a:r>
+              <a:rPr lang="en-US" dirty="0" smtClean="0"/>
+              <a:t>the code</a:t>
+            </a:r>
+          </a:p>
+          <a:p>
+            <a:pPr lvl="1" algn="l" rtl="0"/>
+            <a:r>
+              <a:rPr lang="en-US" dirty="0" smtClean="0"/>
+              <a:t>You cannot </a:t>
+            </a:r>
+            <a:r>
+              <a:rPr lang="en-US" b="1" dirty="0" smtClean="0"/>
+              <a:t>change </a:t>
+            </a:r>
+            <a:r>
+              <a:rPr lang="en-US" dirty="0" smtClean="0"/>
+              <a:t>the code</a:t>
+            </a:r>
+          </a:p>
+          <a:p>
+            <a:pPr lvl="1" algn="l" rtl="0"/>
+            <a:r>
+              <a:rPr lang="en-US" dirty="0" smtClean="0"/>
+              <a:t>You can participate in the discussion as a </a:t>
+            </a:r>
+            <a:r>
+              <a:rPr lang="en-US" b="1" dirty="0" smtClean="0"/>
+              <a:t>client</a:t>
+            </a:r>
+          </a:p>
+          <a:p>
+            <a:pPr algn="l" rtl="0"/>
+            <a:r>
+              <a:rPr lang="en-GB" dirty="0" smtClean="0"/>
+              <a:t>Python source code is </a:t>
+            </a:r>
+            <a:r>
+              <a:rPr lang="en-GB" b="1" dirty="0" smtClean="0"/>
+              <a:t>open</a:t>
+            </a:r>
+          </a:p>
+          <a:p>
+            <a:pPr lvl="1" algn="l" rtl="0"/>
+            <a:r>
+              <a:rPr lang="en-GB" dirty="0" smtClean="0"/>
+              <a:t>You can </a:t>
+            </a:r>
+            <a:r>
+              <a:rPr lang="en-GB" b="1" dirty="0" smtClean="0"/>
+              <a:t>see</a:t>
+            </a:r>
+            <a:r>
+              <a:rPr lang="en-GB" dirty="0" smtClean="0"/>
+              <a:t>, you can </a:t>
+            </a:r>
+            <a:r>
+              <a:rPr lang="en-GB" b="1" dirty="0" smtClean="0"/>
+              <a:t>change,</a:t>
+            </a:r>
+            <a:r>
+              <a:rPr lang="en-GB" dirty="0" smtClean="0"/>
+              <a:t> you can </a:t>
+            </a:r>
+            <a:r>
+              <a:rPr lang="en-GB" b="1" dirty="0" smtClean="0"/>
+              <a:t>contribute</a:t>
+            </a:r>
+            <a:r>
+              <a:rPr lang="en-GB" dirty="0" smtClean="0"/>
+              <a:t> code and documentation (</a:t>
+            </a:r>
+            <a:r>
+              <a:rPr lang="en-GB" dirty="0" smtClean="0">
+                <a:hlinkClick r:id="rId2"/>
+              </a:rPr>
+              <a:t>python</a:t>
+            </a:r>
+            <a:r>
+              <a:rPr lang="en-GB" dirty="0" smtClean="0"/>
+              <a:t>, </a:t>
+            </a:r>
+            <a:r>
+              <a:rPr lang="en-GB" dirty="0" err="1" smtClean="0">
+                <a:hlinkClick r:id="rId3"/>
+              </a:rPr>
+              <a:t>numpy</a:t>
+            </a:r>
+            <a:r>
+              <a:rPr lang="en-GB" dirty="0" smtClean="0"/>
+              <a:t>)</a:t>
+            </a:r>
+          </a:p>
+          <a:p>
+            <a:pPr lvl="1" algn="l" rtl="0"/>
+            <a:r>
+              <a:rPr lang="en-GB" dirty="0" smtClean="0"/>
+              <a:t>You can participate in the discussion as a </a:t>
+            </a:r>
+            <a:r>
+              <a:rPr lang="en-GB" b="1" dirty="0" smtClean="0"/>
+              <a:t>peer</a:t>
+            </a:r>
+            <a:r>
+              <a:rPr lang="en-GB" dirty="0" smtClean="0"/>
+              <a:t> (</a:t>
+            </a:r>
+            <a:r>
+              <a:rPr lang="en-GB" dirty="0" smtClean="0">
+                <a:hlinkClick r:id="rId4"/>
+              </a:rPr>
+              <a:t>python</a:t>
+            </a:r>
+            <a:r>
+              <a:rPr lang="en-GB" dirty="0" smtClean="0"/>
+              <a:t> </a:t>
+            </a:r>
+            <a:r>
+              <a:rPr lang="en-GB" dirty="0" err="1" smtClean="0">
+                <a:hlinkClick r:id="rId5"/>
+              </a:rPr>
+              <a:t>numpy</a:t>
+            </a:r>
+            <a:r>
+              <a:rPr lang="en-GB" dirty="0" smtClean="0"/>
+              <a:t>)</a:t>
+            </a:r>
+            <a:endParaRPr lang="en-GB" b="1" dirty="0" smtClean="0"/>
           </a:p>
         </p:txBody>
       </p:sp>
     </p:spTree>
     <p:extLst>
       <p:ext uri="{BB962C8B-B14F-4D97-AF65-F5344CB8AC3E}">
-        <p14:creationId xmlns:p14="http://schemas.microsoft.com/office/powerpoint/2010/main" val="3467007499"/>
+        <p14:creationId xmlns:p14="http://schemas.microsoft.com/office/powerpoint/2010/main" val="1549319660"/>
       </p:ext>
     </p:extLst>
   </p:cSld>
@@ -4361,31 +4525,7 @@
             <a:spLocks noGrp="1"/>
           </p:cNvSpPr>
           <p:nvPr>
-            <p:ph type="title"/>
-          </p:nvPr>
-        </p:nvSpPr>
-        <p:spPr/>
-        <p:txBody>
-          <a:bodyPr/>
-          <a:lstStyle/>
-          <a:p>
-            <a:pPr rtl="0"/>
-            <a:r>
-              <a:rPr lang="en-GB" dirty="0" smtClean="0"/>
-              <a:t>Python is used for</a:t>
-            </a:r>
-            <a:endParaRPr lang="en-GB" b="1" dirty="0" smtClean="0"/>
-          </a:p>
-        </p:txBody>
-      </p:sp>
-      <p:sp>
-        <p:nvSpPr>
-          <p:cNvPr id="3" name="Content Placeholder 2"/>
-          <p:cNvSpPr>
-            <a:spLocks noGrp="1"/>
-          </p:cNvSpPr>
-          <p:nvPr>
-            <p:ph idx="1"/>
+            <p:ph type="ctrTitle"/>
           </p:nvPr>
         </p:nvSpPr>
         <p:spPr/>
@@ -4395,53 +4535,18 @@
           </a:bodyPr>
           <a:lstStyle/>
           <a:p>
-            <a:pPr algn="l" rtl="0"/>
-            <a:r>
-              <a:rPr lang="en-US" dirty="0" smtClean="0"/>
-              <a:t>scientific computing</a:t>
-            </a:r>
-          </a:p>
-          <a:p>
-            <a:pPr algn="l" rtl="0"/>
-            <a:r>
-              <a:rPr lang="en-US" dirty="0" smtClean="0"/>
-              <a:t>enterprise software</a:t>
-            </a:r>
-          </a:p>
-          <a:p>
-            <a:pPr algn="l" rtl="0"/>
-            <a:r>
-              <a:rPr lang="en-US" dirty="0" smtClean="0"/>
-              <a:t>web design</a:t>
-            </a:r>
-          </a:p>
-          <a:p>
-            <a:pPr algn="l" rtl="0"/>
-            <a:r>
-              <a:rPr lang="en-US" dirty="0" smtClean="0"/>
-              <a:t>back end</a:t>
-            </a:r>
-          </a:p>
-          <a:p>
-            <a:pPr algn="l" rtl="0"/>
-            <a:r>
-              <a:rPr lang="en-US" dirty="0" smtClean="0"/>
-              <a:t>front end</a:t>
-            </a:r>
-          </a:p>
-          <a:p>
-            <a:pPr algn="l" rtl="0"/>
-            <a:r>
-              <a:rPr lang="en-US" dirty="0" smtClean="0"/>
-              <a:t>everything in between</a:t>
-            </a:r>
+            <a:r>
+              <a:rPr lang="en-US" dirty="0" smtClean="0"/>
+              <a:t>Python is a general-purpose language</a:t>
+            </a:r>
+            <a:endParaRPr lang="he-IL" dirty="0"/>
           </a:p>
         </p:txBody>
       </p:sp>
     </p:spTree>
     <p:extLst>
       <p:ext uri="{BB962C8B-B14F-4D97-AF65-F5344CB8AC3E}">
-        <p14:creationId xmlns:p14="http://schemas.microsoft.com/office/powerpoint/2010/main" val="2298564234"/>
+        <p14:creationId xmlns:p14="http://schemas.microsoft.com/office/powerpoint/2010/main" val="3467007499"/>
       </p:ext>
     </p:extLst>
   </p:cSld>
@@ -4485,10 +4590,10 @@
           <a:p>
             <a:pPr rtl="0"/>
             <a:r>
-              <a:rPr lang="en-US" dirty="0" smtClean="0"/>
-              <a:t>Python is used at</a:t>
-            </a:r>
-            <a:endParaRPr lang="he-IL" dirty="0"/>
+              <a:rPr lang="en-GB" dirty="0" smtClean="0"/>
+              <a:t>Python is used for</a:t>
+            </a:r>
+            <a:endParaRPr lang="en-GB" b="1" dirty="0" smtClean="0"/>
           </a:p>
         </p:txBody>
       </p:sp>
@@ -4502,162 +4607,60 @@
             <p:ph idx="1"/>
           </p:nvPr>
         </p:nvSpPr>
-        <p:spPr>
-          <a:xfrm>
-            <a:off x="457200" y="1600200"/>
-            <a:ext cx="8229600" cy="5501208"/>
-          </a:xfrm>
-        </p:spPr>
+        <p:spPr/>
         <p:txBody>
           <a:bodyPr>
-            <a:normAutofit fontScale="55000" lnSpcReduction="20000"/>
+            <a:normAutofit/>
           </a:bodyPr>
           <a:lstStyle/>
           <a:p>
-            <a:pPr marL="0" indent="0" algn="l" rtl="0">
-              <a:buNone/>
-            </a:pPr>
-            <a:r>
-              <a:rPr lang="en-US" sz="6400" dirty="0" smtClean="0"/>
-              <a:t>Google, </a:t>
-            </a:r>
-            <a:r>
-              <a:rPr lang="en-US" sz="6400" dirty="0" smtClean="0"/>
-              <a:t>Rackspace</a:t>
-            </a:r>
-            <a:r>
-              <a:rPr lang="en-US" sz="6400" dirty="0" smtClean="0"/>
-              <a:t>, Microsoft, Intel, Walt Disney, </a:t>
-            </a:r>
-            <a:r>
-              <a:rPr lang="en-US" sz="6400" dirty="0" err="1" smtClean="0"/>
-              <a:t>MailChimp</a:t>
-            </a:r>
-            <a:r>
-              <a:rPr lang="en-US" sz="6400" dirty="0" smtClean="0"/>
-              <a:t>, </a:t>
-            </a:r>
-            <a:r>
-              <a:rPr lang="en-US" sz="6400" dirty="0" err="1" smtClean="0"/>
-              <a:t>twilio</a:t>
-            </a:r>
-            <a:r>
-              <a:rPr lang="en-US" sz="6400" dirty="0" smtClean="0"/>
-              <a:t>, Bank of America, Facebook, Instagram, HP, </a:t>
-            </a:r>
-            <a:r>
-              <a:rPr lang="en-US" sz="6400" dirty="0" err="1" smtClean="0"/>
-              <a:t>Linkedin</a:t>
-            </a:r>
-            <a:r>
-              <a:rPr lang="en-US" sz="6400" dirty="0" smtClean="0"/>
-              <a:t>, Elastic, Mozilla, YouTube, ILM, Thawte, CERN, Yahoo!, NASA, </a:t>
-            </a:r>
-            <a:r>
-              <a:rPr lang="en-US" sz="6400" dirty="0" err="1" smtClean="0"/>
-              <a:t>Trac</a:t>
-            </a:r>
-            <a:r>
-              <a:rPr lang="en-US" sz="6400" dirty="0" smtClean="0"/>
-              <a:t>, Civilization IV, </a:t>
-            </a:r>
-            <a:r>
-              <a:rPr lang="en-US" sz="6400" dirty="0" err="1" smtClean="0"/>
-              <a:t>reddit</a:t>
-            </a:r>
-            <a:r>
-              <a:rPr lang="en-US" sz="6400" dirty="0" smtClean="0"/>
-              <a:t>, </a:t>
-            </a:r>
-            <a:r>
-              <a:rPr lang="en-US" sz="6400" dirty="0" err="1" smtClean="0"/>
-              <a:t>LucasFilms</a:t>
-            </a:r>
-            <a:r>
-              <a:rPr lang="en-US" sz="6400" dirty="0" smtClean="0"/>
-              <a:t>, D-Link, Phillips, AstraZeneca, </a:t>
-            </a:r>
-          </a:p>
-          <a:p>
-            <a:pPr marL="0" indent="0" algn="l" rtl="0">
-              <a:buNone/>
-            </a:pPr>
-            <a:endParaRPr lang="en-US" dirty="0"/>
-          </a:p>
-          <a:p>
-            <a:pPr marL="0" indent="0" algn="l" rtl="0">
-              <a:buNone/>
-            </a:pPr>
-            <a:endParaRPr lang="en-GB" dirty="0" smtClean="0">
-              <a:hlinkClick r:id="rId2"/>
-            </a:endParaRPr>
-          </a:p>
-          <a:p>
-            <a:pPr marL="0" indent="0" algn="l" rtl="0">
-              <a:buNone/>
-            </a:pPr>
-            <a:r>
-              <a:rPr lang="en-GB" dirty="0" smtClean="0">
-                <a:hlinkClick r:id="rId2"/>
-              </a:rPr>
-              <a:t>https://us.pycon.org/2016/sponsors/</a:t>
-            </a:r>
-            <a:endParaRPr lang="en-GB" dirty="0" smtClean="0"/>
-          </a:p>
-          <a:p>
-            <a:pPr marL="0" indent="0" algn="l" rtl="0">
-              <a:buNone/>
-            </a:pPr>
-            <a:r>
-              <a:rPr lang="en-GB" dirty="0" smtClean="0">
-                <a:hlinkClick r:id="rId3"/>
-              </a:rPr>
-              <a:t>https://www.python.org/about/quotes/</a:t>
-            </a:r>
-            <a:endParaRPr lang="en-GB" dirty="0" smtClean="0"/>
-          </a:p>
-          <a:p>
-            <a:pPr marL="0" indent="0" algn="l" rtl="0">
-              <a:buNone/>
-            </a:pPr>
-            <a:r>
-              <a:rPr lang="en-GB" dirty="0" smtClean="0">
-                <a:hlinkClick r:id="rId4"/>
-              </a:rPr>
-              <a:t>https://en.wikipedia.org/wiki/Python_%28programming_language%29#Use</a:t>
-            </a:r>
-            <a:endParaRPr lang="en-GB" dirty="0" smtClean="0"/>
-          </a:p>
-          <a:p>
-            <a:pPr marL="0" indent="0" algn="l" rtl="0">
-              <a:buNone/>
-            </a:pPr>
-            <a:r>
-              <a:rPr lang="en-US" dirty="0" smtClean="0">
-                <a:hlinkClick r:id="rId5"/>
-              </a:rPr>
-              <a:t>https://en.wikipedia.org/wiki/List_of_Python_software</a:t>
-            </a:r>
-            <a:endParaRPr lang="en-US" dirty="0" smtClean="0"/>
-          </a:p>
-          <a:p>
-            <a:pPr marL="0" indent="0" algn="l" rtl="0">
-              <a:buNone/>
-            </a:pPr>
-            <a:r>
-              <a:rPr lang="en-US" dirty="0" smtClean="0">
-                <a:hlinkClick r:id="rId6"/>
-              </a:rPr>
-              <a:t>https://www.python.org/about/success/</a:t>
-            </a:r>
-            <a:endParaRPr lang="en-US" dirty="0" smtClean="0"/>
+            <a:pPr algn="l" rtl="0"/>
+            <a:r>
+              <a:rPr lang="en-US" dirty="0" smtClean="0"/>
+              <a:t>scientific computing</a:t>
+            </a:r>
+          </a:p>
+          <a:p>
+            <a:pPr algn="l" rtl="0"/>
+            <a:r>
+              <a:rPr lang="en-US" dirty="0" smtClean="0"/>
+              <a:t>enterprise software</a:t>
+            </a:r>
+          </a:p>
+          <a:p>
+            <a:pPr algn="l" rtl="0"/>
+            <a:r>
+              <a:rPr lang="en-US" dirty="0" smtClean="0"/>
+              <a:t>web design</a:t>
+            </a:r>
+          </a:p>
+          <a:p>
+            <a:pPr algn="l" rtl="0"/>
+            <a:r>
+              <a:rPr lang="en-US" dirty="0" smtClean="0"/>
+              <a:t>back end</a:t>
+            </a:r>
+          </a:p>
+          <a:p>
+            <a:pPr algn="l" rtl="0"/>
+            <a:r>
+              <a:rPr lang="en-US" dirty="0" smtClean="0"/>
+              <a:t>front end</a:t>
+            </a:r>
+          </a:p>
+          <a:p>
+            <a:pPr algn="l" rtl="0"/>
+            <a:r>
+              <a:rPr lang="en-US" dirty="0" smtClean="0"/>
+              <a:t>everything in between</a:t>
+            </a:r>
           </a:p>
         </p:txBody>
       </p:sp>
     </p:spTree>
     <p:extLst>
       <p:ext uri="{BB962C8B-B14F-4D97-AF65-F5344CB8AC3E}">
-        <p14:creationId xmlns:p14="http://schemas.microsoft.com/office/powerpoint/2010/main" val="3018733472"/>
+        <p14:creationId xmlns:p14="http://schemas.microsoft.com/office/powerpoint/2010/main" val="2298564234"/>
       </p:ext>
     </p:extLst>
   </p:cSld>
@@ -4696,139 +4699,176 @@
         </p:nvSpPr>
         <p:spPr/>
         <p:txBody>
+          <a:bodyPr/>
+          <a:lstStyle/>
+          <a:p>
+            <a:pPr rtl="0"/>
+            <a:r>
+              <a:rPr lang="en-US" dirty="0" smtClean="0"/>
+              <a:t>Python is used at</a:t>
+            </a:r>
+            <a:endParaRPr lang="he-IL" dirty="0"/>
+          </a:p>
+        </p:txBody>
+      </p:sp>
+      <p:sp>
+        <p:nvSpPr>
+          <p:cNvPr id="3" name="Content Placeholder 2"/>
+          <p:cNvSpPr>
+            <a:spLocks noGrp="1"/>
+          </p:cNvSpPr>
+          <p:nvPr>
+            <p:ph idx="1"/>
+          </p:nvPr>
+        </p:nvSpPr>
+        <p:spPr>
+          <a:xfrm>
+            <a:off x="457200" y="1600200"/>
+            <a:ext cx="8229600" cy="5501208"/>
+          </a:xfrm>
+        </p:spPr>
+        <p:txBody>
           <a:bodyPr>
-            <a:normAutofit fontScale="90000"/>
+            <a:normAutofit fontScale="55000" lnSpcReduction="20000"/>
           </a:bodyPr>
           <a:lstStyle/>
           <a:p>
-            <a:pPr rtl="0"/>
-            <a:r>
-              <a:rPr lang="en-US" dirty="0" smtClean="0"/>
-              <a:t>How Dropbox Did It and How Python Helped</a:t>
-            </a:r>
-            <a:endParaRPr lang="he-IL" dirty="0"/>
-          </a:p>
-        </p:txBody>
-      </p:sp>
-      <p:sp>
-        <p:nvSpPr>
-          <p:cNvPr id="3" name="Content Placeholder 2"/>
-          <p:cNvSpPr>
-            <a:spLocks noGrp="1"/>
-          </p:cNvSpPr>
-          <p:nvPr>
-            <p:ph idx="1"/>
-          </p:nvPr>
-        </p:nvSpPr>
-        <p:spPr/>
-        <p:txBody>
-          <a:bodyPr>
-            <a:noAutofit/>
-          </a:bodyPr>
-          <a:lstStyle/>
-          <a:p>
             <a:pPr marL="0" indent="0" algn="l" rtl="0">
               <a:buNone/>
             </a:pPr>
             <a:r>
-              <a:rPr lang="en-US" sz="2000" dirty="0" smtClean="0"/>
-              <a:t>Rian Hunter, a Dropbox Engineer presented at </a:t>
-            </a:r>
-            <a:r>
-              <a:rPr lang="en-US" sz="2000" dirty="0" err="1" smtClean="0"/>
-              <a:t>PyCon</a:t>
-            </a:r>
-            <a:r>
-              <a:rPr lang="en-US" sz="2000" dirty="0" smtClean="0"/>
-              <a:t> 2011:</a:t>
-            </a:r>
-          </a:p>
-          <a:p>
-            <a:pPr algn="l" rtl="0"/>
-            <a:r>
-              <a:rPr lang="en-GB" sz="2000" dirty="0" smtClean="0"/>
-              <a:t>99.9 % of code in Python. </a:t>
-            </a:r>
-          </a:p>
-          <a:p>
-            <a:pPr algn="l" rtl="0"/>
-            <a:r>
-              <a:rPr lang="en-GB" sz="2000" dirty="0" smtClean="0"/>
-              <a:t>Server backend, desktop client, website controller logic, API backend, and analytics. </a:t>
-            </a:r>
-          </a:p>
-          <a:p>
-            <a:pPr algn="l" rtl="0"/>
-            <a:r>
-              <a:rPr lang="en-GB" sz="2000" dirty="0" smtClean="0"/>
-              <a:t>Run on a single code base using Python: Windows, Mac, Linux using tools like </a:t>
-            </a:r>
-            <a:r>
-              <a:rPr lang="en-GB" sz="2000" dirty="0" err="1" smtClean="0"/>
-              <a:t>PyObjs</a:t>
-            </a:r>
-            <a:r>
-              <a:rPr lang="en-GB" sz="2000" dirty="0" smtClean="0"/>
+              <a:rPr lang="en-US" sz="6400" dirty="0" smtClean="0"/>
+              <a:t>Google, Rackspace, Microsoft, Intel, Walt Disney, </a:t>
+            </a:r>
+            <a:r>
+              <a:rPr lang="en-US" sz="6400" dirty="0" err="1" smtClean="0"/>
+              <a:t>MailChimp</a:t>
+            </a:r>
+            <a:r>
+              <a:rPr lang="en-US" sz="6400" dirty="0" smtClean="0"/>
               <a:t>, </a:t>
             </a:r>
             <a:r>
-              <a:rPr lang="en-GB" sz="2000" dirty="0" err="1" smtClean="0"/>
-              <a:t>WxPython</a:t>
-            </a:r>
-            <a:r>
-              <a:rPr lang="en-GB" sz="2000" dirty="0" smtClean="0"/>
-              <a:t>, types, py2exe, py2app, PyWin32.</a:t>
-            </a:r>
-          </a:p>
-          <a:p>
-            <a:pPr algn="l" rtl="0"/>
-            <a:r>
-              <a:rPr lang="en-US" sz="2000" dirty="0" smtClean="0"/>
-              <a:t>Python helped iterate fast through all the different error cases they experienced on the wide variety of platforms they support.</a:t>
-            </a:r>
-          </a:p>
-          <a:p>
-            <a:pPr algn="l" rtl="0"/>
-            <a:r>
-              <a:rPr lang="en-US" sz="2000" dirty="0" smtClean="0"/>
-              <a:t>Use C for inner loops - optimizing CPU is easy</a:t>
-            </a:r>
-          </a:p>
-          <a:p>
-            <a:pPr algn="l" rtl="0"/>
-            <a:r>
-              <a:rPr lang="en-US" sz="2000" dirty="0" smtClean="0"/>
-              <a:t>Custom memory allocator - optimizing memory is hard</a:t>
+              <a:rPr lang="en-US" sz="6400" dirty="0" err="1" smtClean="0"/>
+              <a:t>twilio</a:t>
+            </a:r>
+            <a:r>
+              <a:rPr lang="en-US" sz="6400" dirty="0" smtClean="0"/>
+              <a:t>, Bank of America, Facebook, Instagram, HP, </a:t>
+            </a:r>
+            <a:r>
+              <a:rPr lang="en-US" sz="6400" dirty="0" err="1" smtClean="0"/>
+              <a:t>Linkedin</a:t>
+            </a:r>
+            <a:r>
+              <a:rPr lang="en-US" sz="6400" dirty="0" smtClean="0"/>
+              <a:t>, Elastic, Mozilla, YouTube, ILM, Thawte, CERN, Yahoo!, NASA, </a:t>
+            </a:r>
+            <a:r>
+              <a:rPr lang="en-US" sz="6400" dirty="0" err="1" smtClean="0"/>
+              <a:t>Trac</a:t>
+            </a:r>
+            <a:r>
+              <a:rPr lang="en-US" sz="6400" dirty="0" smtClean="0"/>
+              <a:t>, Civilization IV, </a:t>
+            </a:r>
+            <a:r>
+              <a:rPr lang="en-US" sz="6400" dirty="0" err="1" smtClean="0"/>
+              <a:t>reddit</a:t>
+            </a:r>
+            <a:r>
+              <a:rPr lang="en-US" sz="6400" dirty="0" smtClean="0"/>
+              <a:t>, </a:t>
+            </a:r>
+            <a:r>
+              <a:rPr lang="en-US" sz="6400" dirty="0" err="1" smtClean="0"/>
+              <a:t>LucasFilms</a:t>
+            </a:r>
+            <a:r>
+              <a:rPr lang="en-US" sz="6400" dirty="0" smtClean="0"/>
+              <a:t>, D-Link, Phillips, AstraZeneca, </a:t>
             </a:r>
           </a:p>
           <a:p>
             <a:pPr marL="0" indent="0" algn="l" rtl="0">
               <a:buNone/>
             </a:pPr>
-            <a:endParaRPr lang="en-US" sz="2000" dirty="0"/>
+            <a:endParaRPr lang="en-US" dirty="0"/>
           </a:p>
           <a:p>
             <a:pPr marL="0" indent="0" algn="l" rtl="0">
               <a:buNone/>
             </a:pPr>
-            <a:r>
-              <a:rPr lang="en-GB" sz="2000" dirty="0" smtClean="0"/>
-              <a:t>See more at </a:t>
-            </a:r>
-            <a:r>
-              <a:rPr lang="en-GB" sz="2000" dirty="0" err="1" smtClean="0">
+            <a:endParaRPr lang="en-GB" dirty="0" smtClean="0">
+              <a:hlinkClick r:id="rId2"/>
+            </a:endParaRPr>
+          </a:p>
+          <a:p>
+            <a:pPr marL="0" indent="0" algn="l" rtl="0">
+              <a:buNone/>
+            </a:pPr>
+            <a:r>
+              <a:rPr lang="en-GB" dirty="0" smtClean="0">
                 <a:hlinkClick r:id="rId2"/>
               </a:rPr>
-              <a:t>highscalability</a:t>
-            </a:r>
-            <a:endParaRPr lang="he-IL" sz="2000" dirty="0"/>
+              <a:t>https://us.pycon.org/2016/sponsors/</a:t>
+            </a:r>
+            <a:endParaRPr lang="en-GB" dirty="0" smtClean="0"/>
+          </a:p>
+          <a:p>
+            <a:pPr marL="0" indent="0" algn="l" rtl="0">
+              <a:buNone/>
+            </a:pPr>
+            <a:r>
+              <a:rPr lang="en-GB" dirty="0" smtClean="0">
+                <a:hlinkClick r:id="rId3"/>
+              </a:rPr>
+              <a:t>https://www.python.org/about/quotes/</a:t>
+            </a:r>
+            <a:endParaRPr lang="en-GB" dirty="0" smtClean="0"/>
+          </a:p>
+          <a:p>
+            <a:pPr marL="0" indent="0" algn="l" rtl="0">
+              <a:buNone/>
+            </a:pPr>
+            <a:r>
+              <a:rPr lang="en-GB" dirty="0" smtClean="0">
+                <a:hlinkClick r:id="rId4"/>
+              </a:rPr>
+              <a:t>https://en.wikipedia.org/wiki/Python_%28programming_language%29#Use</a:t>
+            </a:r>
+            <a:endParaRPr lang="en-GB" dirty="0" smtClean="0"/>
+          </a:p>
+          <a:p>
+            <a:pPr marL="0" indent="0" algn="l" rtl="0">
+              <a:buNone/>
+            </a:pPr>
+            <a:r>
+              <a:rPr lang="en-US" dirty="0" smtClean="0">
+                <a:hlinkClick r:id="rId5"/>
+              </a:rPr>
+              <a:t>https://en.wikipedia.org/wiki/List_of_Python_software</a:t>
+            </a:r>
+            <a:endParaRPr lang="en-US" dirty="0" smtClean="0"/>
+          </a:p>
+          <a:p>
+            <a:pPr marL="0" indent="0" algn="l" rtl="0">
+              <a:buNone/>
+            </a:pPr>
+            <a:r>
+              <a:rPr lang="en-US" dirty="0" smtClean="0">
+                <a:hlinkClick r:id="rId6"/>
+              </a:rPr>
+              <a:t>https://www.python.org/about/success/</a:t>
+            </a:r>
+            <a:endParaRPr lang="en-US" dirty="0" smtClean="0"/>
           </a:p>
         </p:txBody>
       </p:sp>
     </p:spTree>
     <p:extLst>
       <p:ext uri="{BB962C8B-B14F-4D97-AF65-F5344CB8AC3E}">
-        <p14:creationId xmlns:p14="http://schemas.microsoft.com/office/powerpoint/2010/main" val="3452425953"/>
+        <p14:creationId xmlns:p14="http://schemas.microsoft.com/office/powerpoint/2010/main" val="3018733472"/>
       </p:ext>
     </p:extLst>
   </p:cSld>
@@ -4868,14 +4908,14 @@
         <p:spPr/>
         <p:txBody>
           <a:bodyPr>
-            <a:normAutofit/>
+            <a:normAutofit fontScale="90000"/>
           </a:bodyPr>
           <a:lstStyle/>
           <a:p>
             <a:pPr rtl="0"/>
             <a:r>
               <a:rPr lang="en-US" dirty="0" smtClean="0"/>
-              <a:t>Success story: Philips</a:t>
+              <a:t>How Dropbox Did It and How Python Helped</a:t>
             </a:r>
             <a:endParaRPr lang="he-IL" dirty="0"/>
           </a:p>
@@ -4891,192 +4931,115 @@
             <p:ph idx="1"/>
           </p:nvPr>
         </p:nvSpPr>
-        <p:spPr>
-          <a:xfrm>
-            <a:off x="457200" y="1600200"/>
-            <a:ext cx="8229600" cy="5141168"/>
-          </a:xfrm>
-        </p:spPr>
+        <p:spPr/>
         <p:txBody>
           <a:bodyPr>
-            <a:normAutofit fontScale="55000" lnSpcReduction="20000"/>
+            <a:noAutofit/>
           </a:bodyPr>
           <a:lstStyle/>
           <a:p>
-            <a:pPr algn="l" rtl="0"/>
-            <a:r>
-              <a:rPr lang="en-US" dirty="0"/>
-              <a:t>S</a:t>
-            </a:r>
-            <a:r>
-              <a:rPr lang="en-US" dirty="0" smtClean="0"/>
-              <a:t>emiconductor manufacturing facility in Fishkill, NY</a:t>
-            </a:r>
-          </a:p>
-          <a:p>
-            <a:pPr algn="l" rtl="0"/>
-            <a:r>
-              <a:rPr lang="en-US" dirty="0" smtClean="0"/>
-              <a:t>In 1997 they started redesigning the system architecture</a:t>
-            </a:r>
-          </a:p>
-          <a:p>
-            <a:pPr algn="l" rtl="0"/>
-            <a:r>
-              <a:rPr lang="en-US" dirty="0" smtClean="0"/>
-              <a:t>Python was suggested</a:t>
-            </a:r>
-          </a:p>
-          <a:p>
-            <a:pPr algn="l" rtl="0"/>
-            <a:r>
-              <a:rPr lang="en-US" dirty="0" smtClean="0"/>
-              <a:t>Concern if a scripting language is suitable for the bulk of the code</a:t>
-            </a:r>
-          </a:p>
-          <a:p>
-            <a:pPr algn="l" rtl="0"/>
-            <a:r>
-              <a:rPr lang="en-US" dirty="0" smtClean="0"/>
-              <a:t>Some favored significant portions of code in C++</a:t>
-            </a:r>
-          </a:p>
-          <a:p>
-            <a:pPr algn="l" rtl="0"/>
-            <a:r>
-              <a:rPr lang="en-US" dirty="0" smtClean="0"/>
-              <a:t>Everybody seemed to have a preference that </a:t>
-            </a:r>
-            <a:r>
-              <a:rPr lang="en-US" i="1" dirty="0" smtClean="0"/>
-              <a:t>wasn't</a:t>
-            </a:r>
-            <a:r>
-              <a:rPr lang="en-US" dirty="0" smtClean="0"/>
-              <a:t> Python</a:t>
-            </a:r>
-          </a:p>
-          <a:p>
-            <a:pPr algn="l" rtl="0"/>
-            <a:r>
-              <a:rPr lang="en-US" dirty="0" smtClean="0"/>
-              <a:t>After much discussion, Python prevailed </a:t>
-            </a:r>
-          </a:p>
-          <a:p>
-            <a:pPr algn="l" rtl="0"/>
-            <a:r>
-              <a:rPr lang="en-US" dirty="0" smtClean="0"/>
-              <a:t>The project was a </a:t>
-            </a:r>
-            <a:r>
-              <a:rPr lang="en-US" i="1" dirty="0" smtClean="0"/>
-              <a:t>huge success</a:t>
-            </a:r>
-          </a:p>
-          <a:p>
-            <a:pPr algn="l" rtl="0"/>
-            <a:r>
-              <a:rPr lang="en-US" dirty="0" smtClean="0"/>
-              <a:t>Rebuilt 8 years of software development effort in less &lt;2 years with a smaller team</a:t>
-            </a:r>
-          </a:p>
-          <a:p>
-            <a:pPr algn="l" rtl="0"/>
-            <a:r>
-              <a:rPr lang="en-US" dirty="0" smtClean="0"/>
-              <a:t>Success attributed largely to Python - it is very easy to develop code quickly:</a:t>
-            </a:r>
-          </a:p>
-          <a:p>
-            <a:pPr marL="514350" indent="-514350" algn="l" rtl="0">
-              <a:buFont typeface="+mj-lt"/>
-              <a:buAutoNum type="arabicPeriod"/>
+            <a:pPr marL="0" indent="0" algn="l" rtl="0">
+              <a:buNone/>
             </a:pPr>
             <a:r>
-              <a:rPr lang="en-US" dirty="0" smtClean="0"/>
-              <a:t>Python requires less supporting code – less boilerplate</a:t>
-            </a:r>
-          </a:p>
-          <a:p>
-            <a:pPr marL="514350" indent="-514350" algn="l" rtl="0">
-              <a:buFont typeface="+mj-lt"/>
-              <a:buAutoNum type="arabicPeriod"/>
+              <a:rPr lang="en-US" sz="2000" dirty="0" smtClean="0"/>
+              <a:t>Rian Hunter, a Dropbox Engineer presented at </a:t>
+            </a:r>
+            <a:r>
+              <a:rPr lang="en-US" sz="2000" dirty="0" err="1" smtClean="0"/>
+              <a:t>PyCon</a:t>
+            </a:r>
+            <a:r>
+              <a:rPr lang="en-US" sz="2000" dirty="0" smtClean="0"/>
+              <a:t> 2011:</a:t>
+            </a:r>
+          </a:p>
+          <a:p>
+            <a:pPr algn="l" rtl="0"/>
+            <a:r>
+              <a:rPr lang="en-GB" sz="2000" dirty="0" smtClean="0"/>
+              <a:t>99.9 % of code in Python. </a:t>
+            </a:r>
+          </a:p>
+          <a:p>
+            <a:pPr algn="l" rtl="0"/>
+            <a:r>
+              <a:rPr lang="en-GB" sz="2000" dirty="0" smtClean="0"/>
+              <a:t>Server backend, desktop client, website controller logic, API backend, and analytics. </a:t>
+            </a:r>
+          </a:p>
+          <a:p>
+            <a:pPr algn="l" rtl="0"/>
+            <a:r>
+              <a:rPr lang="en-GB" sz="2000" dirty="0" smtClean="0"/>
+              <a:t>Run on a single code base using Python: Windows, Mac, Linux using tools like </a:t>
+            </a:r>
+            <a:r>
+              <a:rPr lang="en-GB" sz="2000" dirty="0" err="1" smtClean="0"/>
+              <a:t>PyObjs</a:t>
+            </a:r>
+            <a:r>
+              <a:rPr lang="en-GB" sz="2000" dirty="0" smtClean="0"/>
+              <a:t>, </a:t>
+            </a:r>
+            <a:r>
+              <a:rPr lang="en-GB" sz="2000" dirty="0" err="1" smtClean="0"/>
+              <a:t>WxPython</a:t>
+            </a:r>
+            <a:r>
+              <a:rPr lang="en-GB" sz="2000" dirty="0" smtClean="0"/>
+              <a:t>, types, py2exe, py2app, PyWin32.</a:t>
+            </a:r>
+          </a:p>
+          <a:p>
+            <a:pPr algn="l" rtl="0"/>
+            <a:r>
+              <a:rPr lang="en-US" sz="2000" dirty="0" smtClean="0"/>
+              <a:t>Python helped iterate fast through all the different error cases they experienced on the wide variety of platforms they support.</a:t>
+            </a:r>
+          </a:p>
+          <a:p>
+            <a:pPr algn="l" rtl="0"/>
+            <a:r>
+              <a:rPr lang="en-US" sz="2000" dirty="0" smtClean="0"/>
+              <a:t>Use C for inner loops - optimizing CPU is easy</a:t>
+            </a:r>
+          </a:p>
+          <a:p>
+            <a:pPr algn="l" rtl="0"/>
+            <a:r>
+              <a:rPr lang="en-US" sz="2000" dirty="0" smtClean="0"/>
+              <a:t>Custom memory allocator - optimizing memory is hard</a:t>
+            </a:r>
+          </a:p>
+          <a:p>
+            <a:pPr marL="0" indent="0" algn="l" rtl="0">
+              <a:buNone/>
             </a:pPr>
-            <a:r>
-              <a:rPr lang="en-US" dirty="0" smtClean="0"/>
-              <a:t>Python speeds the development cycle – no compilation</a:t>
-            </a:r>
-          </a:p>
-          <a:p>
-            <a:pPr marL="514350" indent="-514350" algn="l" rtl="0">
-              <a:buFont typeface="+mj-lt"/>
-              <a:buAutoNum type="arabicPeriod"/>
+            <a:endParaRPr lang="en-US" sz="2000" dirty="0"/>
+          </a:p>
+          <a:p>
+            <a:pPr marL="0" indent="0" algn="l" rtl="0">
+              <a:buNone/>
             </a:pPr>
             <a:r>
-              <a:rPr lang="en-GB" dirty="0" smtClean="0"/>
-              <a:t>Python facilitates debugging – even without using debugger</a:t>
-            </a:r>
-          </a:p>
-          <a:p>
-            <a:pPr algn="l" rtl="0"/>
-            <a:r>
-              <a:rPr lang="en-GB" dirty="0" smtClean="0"/>
-              <a:t>Later on, moving </a:t>
-            </a:r>
-            <a:r>
-              <a:rPr lang="en-GB" dirty="0" smtClean="0"/>
-              <a:t>the system from OS/2 to Linux </a:t>
-            </a:r>
-            <a:r>
-              <a:rPr lang="en-GB" dirty="0" smtClean="0"/>
-              <a:t>required </a:t>
-            </a:r>
-            <a:r>
-              <a:rPr lang="en-GB" dirty="0" smtClean="0"/>
-              <a:t>almost no effort</a:t>
-            </a:r>
-          </a:p>
-          <a:p>
-            <a:pPr marL="0" indent="0" algn="l" rtl="0">
-              <a:buNone/>
-            </a:pPr>
-            <a:endParaRPr lang="en-GB" dirty="0"/>
-          </a:p>
-          <a:p>
-            <a:pPr marL="0" indent="0" rtl="0">
-              <a:buNone/>
-            </a:pPr>
-            <a:r>
-              <a:rPr lang="en-GB" i="1" dirty="0" smtClean="0"/>
-              <a:t>Michael Muller, </a:t>
-            </a:r>
-            <a:r>
-              <a:rPr lang="en-US" dirty="0" smtClean="0">
+              <a:rPr lang="en-GB" sz="2000" dirty="0" smtClean="0"/>
+              <a:t>See more at </a:t>
+            </a:r>
+            <a:r>
+              <a:rPr lang="en-GB" sz="2000" dirty="0" err="1" smtClean="0">
                 <a:hlinkClick r:id="rId2"/>
               </a:rPr>
-              <a:t>https://www.python.org/about/success/philips/</a:t>
-            </a:r>
-            <a:endParaRPr lang="en-US" dirty="0" smtClean="0"/>
-          </a:p>
-          <a:p>
-            <a:pPr algn="l" rtl="0"/>
-            <a:endParaRPr lang="en-US" dirty="0" smtClean="0"/>
-          </a:p>
-          <a:p>
-            <a:pPr algn="l" rtl="0"/>
-            <a:endParaRPr lang="en-US" dirty="0" smtClean="0"/>
-          </a:p>
-          <a:p>
-            <a:pPr algn="l" rtl="0"/>
-            <a:endParaRPr lang="he-IL" dirty="0"/>
+              <a:t>highscalability</a:t>
+            </a:r>
+            <a:endParaRPr lang="he-IL" sz="2000" dirty="0"/>
           </a:p>
         </p:txBody>
       </p:sp>
     </p:spTree>
     <p:extLst>
       <p:ext uri="{BB962C8B-B14F-4D97-AF65-F5344CB8AC3E}">
-        <p14:creationId xmlns:p14="http://schemas.microsoft.com/office/powerpoint/2010/main" val="189008920"/>
+        <p14:creationId xmlns:p14="http://schemas.microsoft.com/office/powerpoint/2010/main" val="3452425953"/>
       </p:ext>
     </p:extLst>
   </p:cSld>
@@ -5121,11 +5084,7 @@
             <a:pPr rtl="0"/>
             <a:r>
               <a:rPr lang="en-US" dirty="0" smtClean="0"/>
-              <a:t>What is </a:t>
-            </a:r>
-            <a:r>
-              <a:rPr lang="en-US" dirty="0" smtClean="0"/>
-              <a:t>Python?</a:t>
+              <a:t>What is Python?</a:t>
             </a:r>
             <a:endParaRPr lang="he-IL" dirty="0"/>
           </a:p>
@@ -5160,11 +5119,7 @@
             <a:pPr algn="l" rtl="0"/>
             <a:r>
               <a:rPr lang="en-US" dirty="0" smtClean="0"/>
-              <a:t>Widely </a:t>
-            </a:r>
-            <a:r>
-              <a:rPr lang="en-US" dirty="0" smtClean="0"/>
-              <a:t>used </a:t>
+              <a:t>Widely used </a:t>
             </a:r>
           </a:p>
           <a:p>
@@ -5205,11 +5160,7 @@
             </a:pPr>
             <a:r>
               <a:rPr lang="en-US" dirty="0" smtClean="0"/>
-              <a:t>Programming </a:t>
-            </a:r>
-            <a:r>
-              <a:rPr lang="en-US" dirty="0" smtClean="0"/>
-              <a:t>language</a:t>
+              <a:t>Programming language</a:t>
             </a:r>
           </a:p>
         </p:txBody>
@@ -5289,18 +5240,20 @@
             <a:spLocks noGrp="1"/>
           </p:cNvSpPr>
           <p:nvPr>
-            <p:ph type="ctrTitle"/>
-          </p:nvPr>
-        </p:nvSpPr>
-        <p:spPr/>
-        <p:txBody>
-          <a:bodyPr/>
+            <p:ph type="title"/>
+          </p:nvPr>
+        </p:nvSpPr>
+        <p:spPr/>
+        <p:txBody>
+          <a:bodyPr>
+            <a:normAutofit/>
+          </a:bodyPr>
           <a:lstStyle/>
           <a:p>
             <a:pPr rtl="0"/>
             <a:r>
               <a:rPr lang="en-US" dirty="0" smtClean="0"/>
-              <a:t>Python is portable</a:t>
+              <a:t>Success story: Philips</a:t>
             </a:r>
             <a:endParaRPr lang="he-IL" dirty="0"/>
           </a:p>
@@ -5308,64 +5261,180 @@
       </p:sp>
       <p:sp>
         <p:nvSpPr>
-          <p:cNvPr id="3" name="Subtitle 2"/>
-          <p:cNvSpPr>
-            <a:spLocks noGrp="1"/>
-          </p:cNvSpPr>
-          <p:nvPr>
-            <p:ph type="subTitle" idx="1"/>
-          </p:nvPr>
-        </p:nvSpPr>
-        <p:spPr/>
-        <p:txBody>
-          <a:bodyPr/>
-          <a:lstStyle/>
-          <a:p>
-            <a:pPr rtl="0"/>
-            <a:r>
-              <a:rPr lang="en-US" dirty="0" smtClean="0"/>
-              <a:t>More or less same code runs on Windows, Linux, </a:t>
-            </a:r>
-            <a:r>
-              <a:rPr lang="en-US" dirty="0" smtClean="0"/>
-              <a:t>OSX, and </a:t>
-            </a:r>
-            <a:r>
-              <a:rPr lang="en-US" dirty="0" smtClean="0"/>
-              <a:t>any platform with a Python interpreter</a:t>
-            </a:r>
-            <a:endParaRPr lang="he-IL" dirty="0"/>
-          </a:p>
-        </p:txBody>
-      </p:sp>
-      <p:sp>
-        <p:nvSpPr>
-          <p:cNvPr id="4" name="Rectangle 3"/>
-          <p:cNvSpPr/>
-          <p:nvPr/>
+          <p:cNvPr id="3" name="Content Placeholder 2"/>
+          <p:cNvSpPr>
+            <a:spLocks noGrp="1"/>
+          </p:cNvSpPr>
+          <p:nvPr>
+            <p:ph idx="1"/>
+          </p:nvPr>
         </p:nvSpPr>
         <p:spPr>
           <a:xfrm>
-            <a:off x="6012160" y="6237312"/>
-            <a:ext cx="2882776" cy="369332"/>
+            <a:off x="457200" y="1600200"/>
+            <a:ext cx="8229600" cy="5141168"/>
           </a:xfrm>
-          <a:prstGeom prst="rect">
-            <a:avLst/>
-          </a:prstGeom>
         </p:spPr>
         <p:txBody>
-          <a:bodyPr wrap="none">
-            <a:spAutoFit/>
+          <a:bodyPr>
+            <a:normAutofit fontScale="55000" lnSpcReduction="20000"/>
           </a:bodyPr>
           <a:lstStyle/>
           <a:p>
             <a:pPr algn="l" rtl="0"/>
             <a:r>
-              <a:rPr lang="en-GB" dirty="0" smtClean="0">
+              <a:rPr lang="en-US" dirty="0"/>
+              <a:t>S</a:t>
+            </a:r>
+            <a:r>
+              <a:rPr lang="en-US" dirty="0" smtClean="0"/>
+              <a:t>emiconductor manufacturing facility in Fishkill, NY</a:t>
+            </a:r>
+          </a:p>
+          <a:p>
+            <a:pPr algn="l" rtl="0"/>
+            <a:r>
+              <a:rPr lang="en-US" dirty="0" smtClean="0"/>
+              <a:t>In 1997 they started redesigning the system architecture</a:t>
+            </a:r>
+          </a:p>
+          <a:p>
+            <a:pPr algn="l" rtl="0"/>
+            <a:r>
+              <a:rPr lang="en-US" dirty="0" smtClean="0"/>
+              <a:t>Python was suggested</a:t>
+            </a:r>
+          </a:p>
+          <a:p>
+            <a:pPr algn="l" rtl="0"/>
+            <a:r>
+              <a:rPr lang="en-US" dirty="0" smtClean="0"/>
+              <a:t>Concern if a scripting language is suitable for the bulk of the code</a:t>
+            </a:r>
+          </a:p>
+          <a:p>
+            <a:pPr algn="l" rtl="0"/>
+            <a:r>
+              <a:rPr lang="en-US" dirty="0" smtClean="0"/>
+              <a:t>Some favored significant portions of code in C++</a:t>
+            </a:r>
+          </a:p>
+          <a:p>
+            <a:pPr algn="l" rtl="0"/>
+            <a:r>
+              <a:rPr lang="en-US" dirty="0" smtClean="0"/>
+              <a:t>Everybody seemed to have a preference that </a:t>
+            </a:r>
+            <a:r>
+              <a:rPr lang="en-US" i="1" dirty="0" smtClean="0"/>
+              <a:t>wasn't</a:t>
+            </a:r>
+            <a:r>
+              <a:rPr lang="en-US" dirty="0" smtClean="0"/>
+              <a:t> Python</a:t>
+            </a:r>
+          </a:p>
+          <a:p>
+            <a:pPr algn="l" rtl="0"/>
+            <a:r>
+              <a:rPr lang="en-US" dirty="0" smtClean="0"/>
+              <a:t>After much discussion, Python prevailed </a:t>
+            </a:r>
+          </a:p>
+          <a:p>
+            <a:pPr algn="l" rtl="0"/>
+            <a:r>
+              <a:rPr lang="en-US" dirty="0" smtClean="0"/>
+              <a:t>The project was a </a:t>
+            </a:r>
+            <a:r>
+              <a:rPr lang="en-US" i="1" dirty="0" smtClean="0"/>
+              <a:t>huge success</a:t>
+            </a:r>
+          </a:p>
+          <a:p>
+            <a:pPr algn="l" rtl="0"/>
+            <a:r>
+              <a:rPr lang="en-US" dirty="0" smtClean="0"/>
+              <a:t>Rebuilt 8 years of software development effort in less &lt;2 years with a smaller team</a:t>
+            </a:r>
+          </a:p>
+          <a:p>
+            <a:pPr algn="l" rtl="0"/>
+            <a:r>
+              <a:rPr lang="en-US" dirty="0" smtClean="0"/>
+              <a:t>Success attributed largely to Python - it is very easy to develop code quickly:</a:t>
+            </a:r>
+          </a:p>
+          <a:p>
+            <a:pPr marL="514350" indent="-514350" algn="l" rtl="0">
+              <a:buFont typeface="+mj-lt"/>
+              <a:buAutoNum type="arabicPeriod"/>
+            </a:pPr>
+            <a:r>
+              <a:rPr lang="en-US" dirty="0" smtClean="0"/>
+              <a:t>Python requires less supporting code – less boilerplate</a:t>
+            </a:r>
+          </a:p>
+          <a:p>
+            <a:pPr marL="514350" indent="-514350" algn="l" rtl="0">
+              <a:buFont typeface="+mj-lt"/>
+              <a:buAutoNum type="arabicPeriod"/>
+            </a:pPr>
+            <a:r>
+              <a:rPr lang="en-US" dirty="0" smtClean="0"/>
+              <a:t>Python speeds the development cycle – no compilation</a:t>
+            </a:r>
+          </a:p>
+          <a:p>
+            <a:pPr marL="514350" indent="-514350" algn="l" rtl="0">
+              <a:buFont typeface="+mj-lt"/>
+              <a:buAutoNum type="arabicPeriod"/>
+            </a:pPr>
+            <a:r>
+              <a:rPr lang="en-GB" dirty="0" smtClean="0"/>
+              <a:t>Python facilitates debugging – even without using debugger</a:t>
+            </a:r>
+          </a:p>
+          <a:p>
+            <a:pPr algn="l" rtl="0"/>
+            <a:r>
+              <a:rPr lang="en-GB" dirty="0" smtClean="0"/>
+              <a:t>Later on, moving the system from OS/2 to Linux required almost no effort</a:t>
+            </a:r>
+          </a:p>
+          <a:p>
+            <a:pPr marL="0" indent="0" algn="l" rtl="0">
+              <a:buNone/>
+            </a:pPr>
+            <a:endParaRPr lang="en-GB" dirty="0"/>
+          </a:p>
+          <a:p>
+            <a:pPr marL="0" indent="0" rtl="0">
+              <a:buNone/>
+            </a:pPr>
+            <a:r>
+              <a:rPr lang="en-GB" i="1" dirty="0" smtClean="0"/>
+              <a:t>Michael Muller, </a:t>
+            </a:r>
+            <a:r>
+              <a:rPr lang="en-US" dirty="0" smtClean="0">
                 <a:hlinkClick r:id="rId2"/>
               </a:rPr>
-              <a:t>Python for "other" platforms</a:t>
-            </a:r>
+              <a:t>https://www.python.org/about/success/philips/</a:t>
+            </a:r>
+            <a:endParaRPr lang="en-US" dirty="0" smtClean="0"/>
+          </a:p>
+          <a:p>
+            <a:pPr algn="l" rtl="0"/>
+            <a:endParaRPr lang="en-US" dirty="0" smtClean="0"/>
+          </a:p>
+          <a:p>
+            <a:pPr algn="l" rtl="0"/>
+            <a:endParaRPr lang="en-US" dirty="0" smtClean="0"/>
+          </a:p>
+          <a:p>
+            <a:pPr algn="l" rtl="0"/>
             <a:endParaRPr lang="he-IL" dirty="0"/>
           </a:p>
         </p:txBody>
@@ -5373,7 +5442,7 @@
     </p:spTree>
     <p:extLst>
       <p:ext uri="{BB962C8B-B14F-4D97-AF65-F5344CB8AC3E}">
-        <p14:creationId xmlns:p14="http://schemas.microsoft.com/office/powerpoint/2010/main" val="2355002203"/>
+        <p14:creationId xmlns:p14="http://schemas.microsoft.com/office/powerpoint/2010/main" val="189008920"/>
       </p:ext>
     </p:extLst>
   </p:cSld>
@@ -5417,8 +5486,64 @@
           <a:p>
             <a:pPr rtl="0"/>
             <a:r>
-              <a:rPr lang="en-GB" dirty="0" smtClean="0"/>
-              <a:t>Python syntax is beautiful</a:t>
+              <a:rPr lang="en-US" dirty="0" smtClean="0"/>
+              <a:t>Python is portable</a:t>
+            </a:r>
+            <a:endParaRPr lang="he-IL" dirty="0"/>
+          </a:p>
+        </p:txBody>
+      </p:sp>
+      <p:sp>
+        <p:nvSpPr>
+          <p:cNvPr id="3" name="Subtitle 2"/>
+          <p:cNvSpPr>
+            <a:spLocks noGrp="1"/>
+          </p:cNvSpPr>
+          <p:nvPr>
+            <p:ph type="subTitle" idx="1"/>
+          </p:nvPr>
+        </p:nvSpPr>
+        <p:spPr/>
+        <p:txBody>
+          <a:bodyPr/>
+          <a:lstStyle/>
+          <a:p>
+            <a:pPr rtl="0"/>
+            <a:r>
+              <a:rPr lang="en-US" dirty="0" smtClean="0"/>
+              <a:t>More or less same code runs on Windows, Linux, OSX, and any platform with a Python interpreter</a:t>
+            </a:r>
+            <a:endParaRPr lang="he-IL" dirty="0"/>
+          </a:p>
+        </p:txBody>
+      </p:sp>
+      <p:sp>
+        <p:nvSpPr>
+          <p:cNvPr id="4" name="Rectangle 3"/>
+          <p:cNvSpPr/>
+          <p:nvPr/>
+        </p:nvSpPr>
+        <p:spPr>
+          <a:xfrm>
+            <a:off x="6012160" y="6237312"/>
+            <a:ext cx="2882776" cy="369332"/>
+          </a:xfrm>
+          <a:prstGeom prst="rect">
+            <a:avLst/>
+          </a:prstGeom>
+        </p:spPr>
+        <p:txBody>
+          <a:bodyPr wrap="none">
+            <a:spAutoFit/>
+          </a:bodyPr>
+          <a:lstStyle/>
+          <a:p>
+            <a:pPr algn="l" rtl="0"/>
+            <a:r>
+              <a:rPr lang="en-GB" dirty="0" smtClean="0">
+                <a:hlinkClick r:id="rId2"/>
+              </a:rPr>
+              <a:t>Python for "other" platforms</a:t>
             </a:r>
             <a:endParaRPr lang="he-IL" dirty="0"/>
           </a:p>
@@ -5427,7 +5552,7 @@
     </p:spTree>
     <p:extLst>
       <p:ext uri="{BB962C8B-B14F-4D97-AF65-F5344CB8AC3E}">
-        <p14:creationId xmlns:p14="http://schemas.microsoft.com/office/powerpoint/2010/main" val="2298564234"/>
+        <p14:creationId xmlns:p14="http://schemas.microsoft.com/office/powerpoint/2010/main" val="2355002203"/>
       </p:ext>
     </p:extLst>
   </p:cSld>
@@ -5461,7 +5586,7 @@
             <a:spLocks noGrp="1"/>
           </p:cNvSpPr>
           <p:nvPr>
-            <p:ph type="title"/>
+            <p:ph type="ctrTitle"/>
           </p:nvPr>
         </p:nvSpPr>
         <p:spPr/>
@@ -5473,111 +5598,6 @@
             <a:r>
               <a:rPr lang="en-GB" dirty="0" smtClean="0"/>
               <a:t>Python syntax is beautiful</a:t>
-            </a:r>
-            <a:endParaRPr lang="he-IL" dirty="0"/>
-          </a:p>
-        </p:txBody>
-      </p:sp>
-      <p:sp>
-        <p:nvSpPr>
-          <p:cNvPr id="3" name="Content Placeholder 2"/>
-          <p:cNvSpPr>
-            <a:spLocks noGrp="1"/>
-          </p:cNvSpPr>
-          <p:nvPr>
-            <p:ph idx="1"/>
-          </p:nvPr>
-        </p:nvSpPr>
-        <p:spPr/>
-        <p:txBody>
-          <a:bodyPr>
-            <a:normAutofit fontScale="92500" lnSpcReduction="10000"/>
-          </a:bodyPr>
-          <a:lstStyle/>
-          <a:p>
-            <a:pPr marL="0" indent="0" algn="l" rtl="0">
-              <a:buNone/>
-            </a:pPr>
-            <a:r>
-              <a:rPr lang="en-US" dirty="0" smtClean="0"/>
-              <a:t>Once you get over the use of </a:t>
-            </a:r>
-            <a:r>
-              <a:rPr lang="en-US" b="1" dirty="0" smtClean="0"/>
-              <a:t>meaningful whitespace</a:t>
-            </a:r>
-            <a:r>
-              <a:rPr lang="en-US" dirty="0" smtClean="0"/>
-              <a:t>, you realize how much it makes sense. </a:t>
-            </a:r>
-          </a:p>
-          <a:p>
-            <a:pPr marL="0" indent="0" algn="l" rtl="0">
-              <a:buNone/>
-            </a:pPr>
-            <a:r>
-              <a:rPr lang="en-US" dirty="0" smtClean="0"/>
-              <a:t>Famous entrepreneur and investor </a:t>
-            </a:r>
-            <a:r>
-              <a:rPr lang="en-US" b="1" dirty="0" smtClean="0"/>
-              <a:t>Paul </a:t>
-            </a:r>
-            <a:r>
-              <a:rPr lang="en-US" b="1" dirty="0" smtClean="0"/>
-              <a:t>Graham</a:t>
-            </a:r>
-            <a:r>
-              <a:rPr lang="en-US" dirty="0" smtClean="0"/>
-              <a:t>:</a:t>
-            </a:r>
-            <a:endParaRPr lang="en-US" dirty="0" smtClean="0"/>
-          </a:p>
-          <a:p>
-            <a:pPr marL="0" indent="0" algn="l" rtl="0">
-              <a:buNone/>
-            </a:pPr>
-            <a:endParaRPr lang="en-US" dirty="0"/>
-          </a:p>
-          <a:p>
-            <a:pPr marL="0" indent="0" algn="l" rtl="0">
-              <a:buNone/>
-            </a:pPr>
-            <a:r>
-              <a:rPr lang="en-US" i="1" dirty="0" smtClean="0"/>
-              <a:t>…when you program, you spend more time reading code than writing it. You push blobs of source code around the way a sculptor does blobs of clay. So a language that makes source code ugly is maddening to an exacting programmer, as clay full of lumps would be to a sculptor.</a:t>
-            </a:r>
-            <a:endParaRPr lang="he-IL" i="1" dirty="0"/>
-          </a:p>
-        </p:txBody>
-      </p:sp>
-      <p:sp>
-        <p:nvSpPr>
-          <p:cNvPr id="4" name="Rectangle 3"/>
-          <p:cNvSpPr/>
-          <p:nvPr/>
-        </p:nvSpPr>
-        <p:spPr>
-          <a:xfrm>
-            <a:off x="5508104" y="6309320"/>
-            <a:ext cx="3493200" cy="369332"/>
-          </a:xfrm>
-          <a:prstGeom prst="rect">
-            <a:avLst/>
-          </a:prstGeom>
-        </p:spPr>
-        <p:txBody>
-          <a:bodyPr wrap="none">
-            <a:spAutoFit/>
-          </a:bodyPr>
-          <a:lstStyle/>
-          <a:p>
-            <a:pPr algn="l" rtl="0"/>
-            <a:r>
-              <a:rPr lang="en-GB" dirty="0" smtClean="0">
-                <a:hlinkClick r:id="rId2"/>
-              </a:rPr>
-              <a:t>http://paulgraham.com/pypar.html</a:t>
             </a:r>
             <a:endParaRPr lang="he-IL" dirty="0"/>
           </a:p>
@@ -5586,7 +5606,7 @@
     </p:spTree>
     <p:extLst>
       <p:ext uri="{BB962C8B-B14F-4D97-AF65-F5344CB8AC3E}">
-        <p14:creationId xmlns:p14="http://schemas.microsoft.com/office/powerpoint/2010/main" val="2275727480"/>
+        <p14:creationId xmlns:p14="http://schemas.microsoft.com/office/powerpoint/2010/main" val="2298564234"/>
       </p:ext>
     </p:extLst>
   </p:cSld>
@@ -5615,12 +5635,12 @@
       </p:grpSpPr>
       <p:sp>
         <p:nvSpPr>
-          <p:cNvPr id="4" name="Title 3"/>
-          <p:cNvSpPr>
-            <a:spLocks noGrp="1"/>
-          </p:cNvSpPr>
-          <p:nvPr>
-            <p:ph type="ctrTitle"/>
+          <p:cNvPr id="2" name="Title 1"/>
+          <p:cNvSpPr>
+            <a:spLocks noGrp="1"/>
+          </p:cNvSpPr>
+          <p:nvPr>
+            <p:ph type="title"/>
           </p:nvPr>
         </p:nvSpPr>
         <p:spPr/>
@@ -5630,12 +5650,108 @@
           <a:p>
             <a:pPr rtl="0"/>
             <a:r>
-              <a:rPr lang="en-US" dirty="0" smtClean="0"/>
-              <a:t>Python is inherently </a:t>
-            </a:r>
-            <a:r>
-              <a:rPr lang="en-US" dirty="0" smtClean="0"/>
-              <a:t>object-oriented</a:t>
+              <a:rPr lang="en-GB" dirty="0" smtClean="0"/>
+              <a:t>Python syntax is beautiful</a:t>
+            </a:r>
+            <a:endParaRPr lang="he-IL" dirty="0"/>
+          </a:p>
+        </p:txBody>
+      </p:sp>
+      <p:sp>
+        <p:nvSpPr>
+          <p:cNvPr id="3" name="Content Placeholder 2"/>
+          <p:cNvSpPr>
+            <a:spLocks noGrp="1"/>
+          </p:cNvSpPr>
+          <p:nvPr>
+            <p:ph idx="1"/>
+          </p:nvPr>
+        </p:nvSpPr>
+        <p:spPr/>
+        <p:txBody>
+          <a:bodyPr>
+            <a:normAutofit fontScale="92500" lnSpcReduction="10000"/>
+          </a:bodyPr>
+          <a:lstStyle/>
+          <a:p>
+            <a:pPr marL="0" indent="0" algn="l" rtl="0">
+              <a:buNone/>
+            </a:pPr>
+            <a:r>
+              <a:rPr lang="en-US" dirty="0" smtClean="0"/>
+              <a:t>Once you get over the use of </a:t>
+            </a:r>
+            <a:r>
+              <a:rPr lang="en-US" b="1" dirty="0" smtClean="0"/>
+              <a:t>meaningful whitespace</a:t>
+            </a:r>
+            <a:r>
+              <a:rPr lang="en-US" dirty="0" smtClean="0"/>
+              <a:t>, you realize how much it makes sense. </a:t>
+            </a:r>
+          </a:p>
+          <a:p>
+            <a:pPr marL="0" indent="0" algn="l" rtl="0">
+              <a:buNone/>
+            </a:pPr>
+            <a:r>
+              <a:rPr lang="en-US" dirty="0" smtClean="0"/>
+              <a:t>Famous entrepreneur and investor </a:t>
+            </a:r>
+            <a:r>
+              <a:rPr lang="en-US" b="1" dirty="0" smtClean="0"/>
+              <a:t>Paul Graham</a:t>
+            </a:r>
+            <a:r>
+              <a:rPr lang="en-US" dirty="0" smtClean="0"/>
+              <a:t>:</a:t>
+            </a:r>
+          </a:p>
+          <a:p>
+            <a:pPr marL="0" indent="0" algn="l" rtl="0">
+              <a:buNone/>
+            </a:pPr>
+            <a:endParaRPr lang="en-US" dirty="0"/>
+          </a:p>
+          <a:p>
+            <a:pPr marL="0" indent="0" algn="l" rtl="0">
+              <a:buNone/>
+            </a:pPr>
+            <a:r>
+              <a:rPr lang="en-US" i="1" dirty="0" smtClean="0"/>
+              <a:t>…when you program, you spend more time reading code than writing it. You push blobs of source code around the way a sculptor does blobs of clay. So a language that makes source code ugly is maddening to an exacting programmer, as clay full of lumps would be to a sculptor.</a:t>
+            </a:r>
+            <a:endParaRPr lang="he-IL" i="1" dirty="0"/>
+          </a:p>
+        </p:txBody>
+      </p:sp>
+      <p:sp>
+        <p:nvSpPr>
+          <p:cNvPr id="4" name="Rectangle 3"/>
+          <p:cNvSpPr/>
+          <p:nvPr/>
+        </p:nvSpPr>
+        <p:spPr>
+          <a:xfrm>
+            <a:off x="5508104" y="6309320"/>
+            <a:ext cx="3493200" cy="369332"/>
+          </a:xfrm>
+          <a:prstGeom prst="rect">
+            <a:avLst/>
+          </a:prstGeom>
+        </p:spPr>
+        <p:txBody>
+          <a:bodyPr wrap="none">
+            <a:spAutoFit/>
+          </a:bodyPr>
+          <a:lstStyle/>
+          <a:p>
+            <a:pPr algn="l" rtl="0"/>
+            <a:r>
+              <a:rPr lang="en-GB" dirty="0" smtClean="0">
+                <a:hlinkClick r:id="rId2"/>
+              </a:rPr>
+              <a:t>http://paulgraham.com/pypar.html</a:t>
             </a:r>
             <a:endParaRPr lang="he-IL" dirty="0"/>
           </a:p>
@@ -5644,7 +5760,7 @@
     </p:spTree>
     <p:extLst>
       <p:ext uri="{BB962C8B-B14F-4D97-AF65-F5344CB8AC3E}">
-        <p14:creationId xmlns:p14="http://schemas.microsoft.com/office/powerpoint/2010/main" val="2878752917"/>
+        <p14:creationId xmlns:p14="http://schemas.microsoft.com/office/powerpoint/2010/main" val="2275727480"/>
       </p:ext>
     </p:extLst>
   </p:cSld>
@@ -5673,12 +5789,12 @@
       </p:grpSpPr>
       <p:sp>
         <p:nvSpPr>
-          <p:cNvPr id="2" name="Title 1"/>
-          <p:cNvSpPr>
-            <a:spLocks noGrp="1"/>
-          </p:cNvSpPr>
-          <p:nvPr>
-            <p:ph type="title"/>
+          <p:cNvPr id="4" name="Title 3"/>
+          <p:cNvSpPr>
+            <a:spLocks noGrp="1"/>
+          </p:cNvSpPr>
+          <p:nvPr>
+            <p:ph type="ctrTitle"/>
           </p:nvPr>
         </p:nvSpPr>
         <p:spPr/>
@@ -5689,47 +5805,7 @@
             <a:pPr rtl="0"/>
             <a:r>
               <a:rPr lang="en-US" dirty="0" smtClean="0"/>
-              <a:t>Almost everything is an object</a:t>
-            </a:r>
-            <a:endParaRPr lang="he-IL" dirty="0"/>
-          </a:p>
-        </p:txBody>
-      </p:sp>
-      <p:sp>
-        <p:nvSpPr>
-          <p:cNvPr id="3" name="Content Placeholder 2"/>
-          <p:cNvSpPr>
-            <a:spLocks noGrp="1"/>
-          </p:cNvSpPr>
-          <p:nvPr>
-            <p:ph idx="1"/>
-          </p:nvPr>
-        </p:nvSpPr>
-        <p:spPr/>
-        <p:txBody>
-          <a:bodyPr/>
-          <a:lstStyle/>
-          <a:p>
-            <a:pPr algn="l" rtl="0"/>
-            <a:r>
-              <a:rPr lang="en-US" dirty="0" smtClean="0"/>
-              <a:t>strings, lists, dictionaries, tuples, functions, classes, and </a:t>
-            </a:r>
-            <a:r>
-              <a:rPr lang="en-US" dirty="0" smtClean="0"/>
-              <a:t>more</a:t>
-            </a:r>
-            <a:endParaRPr lang="en-US" dirty="0" smtClean="0"/>
-          </a:p>
-          <a:p>
-            <a:pPr algn="l" rtl="0"/>
-            <a:r>
-              <a:rPr lang="en-US" dirty="0" smtClean="0"/>
-              <a:t>The implied usefulness is that these things each have their own members and methods that encapsulate its functionality and </a:t>
-            </a:r>
-            <a:r>
-              <a:rPr lang="en-US" dirty="0" smtClean="0"/>
-              <a:t>information</a:t>
+              <a:t>Python is inherently object-oriented</a:t>
             </a:r>
             <a:endParaRPr lang="he-IL" dirty="0"/>
           </a:p>
@@ -5738,7 +5814,7 @@
     </p:spTree>
     <p:extLst>
       <p:ext uri="{BB962C8B-B14F-4D97-AF65-F5344CB8AC3E}">
-        <p14:creationId xmlns:p14="http://schemas.microsoft.com/office/powerpoint/2010/main" val="2399426550"/>
+        <p14:creationId xmlns:p14="http://schemas.microsoft.com/office/powerpoint/2010/main" val="2878752917"/>
       </p:ext>
     </p:extLst>
   </p:cSld>
@@ -5767,12 +5843,12 @@
       </p:grpSpPr>
       <p:sp>
         <p:nvSpPr>
-          <p:cNvPr id="4" name="Title 3"/>
-          <p:cNvSpPr>
-            <a:spLocks noGrp="1"/>
-          </p:cNvSpPr>
-          <p:nvPr>
-            <p:ph type="ctrTitle"/>
+          <p:cNvPr id="2" name="Title 1"/>
+          <p:cNvSpPr>
+            <a:spLocks noGrp="1"/>
+          </p:cNvSpPr>
+          <p:nvPr>
+            <p:ph type="title"/>
           </p:nvPr>
         </p:nvSpPr>
         <p:spPr/>
@@ -5780,9 +5856,10 @@
           <a:bodyPr/>
           <a:lstStyle/>
           <a:p>
-            <a:r>
-              <a:rPr lang="en-US" dirty="0" smtClean="0"/>
-              <a:t>Python is high level, easy to learn, and fast to develop</a:t>
+            <a:pPr rtl="0"/>
+            <a:r>
+              <a:rPr lang="en-US" dirty="0" smtClean="0"/>
+              <a:t>Almost everything is an object</a:t>
             </a:r>
             <a:endParaRPr lang="he-IL" dirty="0"/>
           </a:p>
@@ -5790,12 +5867,12 @@
       </p:sp>
       <p:sp>
         <p:nvSpPr>
-          <p:cNvPr id="5" name="Subtitle 4"/>
-          <p:cNvSpPr>
-            <a:spLocks noGrp="1"/>
-          </p:cNvSpPr>
-          <p:nvPr>
-            <p:ph type="subTitle" idx="1"/>
+          <p:cNvPr id="3" name="Content Placeholder 2"/>
+          <p:cNvSpPr>
+            <a:spLocks noGrp="1"/>
+          </p:cNvSpPr>
+          <p:nvPr>
+            <p:ph idx="1"/>
           </p:nvPr>
         </p:nvSpPr>
         <p:spPr/>
@@ -5803,9 +5880,17 @@
           <a:bodyPr/>
           <a:lstStyle/>
           <a:p>
-            <a:r>
-              <a:rPr lang="en-US" dirty="0" smtClean="0"/>
-              <a:t>So is MATLAB</a:t>
+            <a:pPr algn="l" rtl="0"/>
+            <a:r>
+              <a:rPr lang="en-US" dirty="0" smtClean="0"/>
+              <a:t>strings, lists, dictionaries, tuples, functions, classes, and more</a:t>
+            </a:r>
+          </a:p>
+          <a:p>
+            <a:pPr algn="l" rtl="0"/>
+            <a:r>
+              <a:rPr lang="en-US" dirty="0" smtClean="0"/>
+              <a:t>The implied usefulness is that these things each have their own members and methods that encapsulate its functionality and information</a:t>
             </a:r>
             <a:endParaRPr lang="he-IL" dirty="0"/>
           </a:p>
@@ -5814,7 +5899,7 @@
     </p:spTree>
     <p:extLst>
       <p:ext uri="{BB962C8B-B14F-4D97-AF65-F5344CB8AC3E}">
-        <p14:creationId xmlns:p14="http://schemas.microsoft.com/office/powerpoint/2010/main" val="3184984879"/>
+        <p14:creationId xmlns:p14="http://schemas.microsoft.com/office/powerpoint/2010/main" val="2399426550"/>
       </p:ext>
     </p:extLst>
   </p:cSld>
@@ -5856,10 +5941,9 @@
           <a:bodyPr/>
           <a:lstStyle/>
           <a:p>
-            <a:pPr rtl="0"/>
-            <a:r>
-              <a:rPr lang="en-US" dirty="0" smtClean="0"/>
-              <a:t>Python has many cool features</a:t>
+            <a:r>
+              <a:rPr lang="en-US" dirty="0" smtClean="0"/>
+              <a:t>Python is high level, easy to learn, and fast to develop</a:t>
             </a:r>
             <a:endParaRPr lang="he-IL" dirty="0"/>
           </a:p>
@@ -5880,18 +5964,9 @@
           <a:bodyPr/>
           <a:lstStyle/>
           <a:p>
-            <a:pPr rtl="0"/>
-            <a:r>
-              <a:rPr lang="en-GB" dirty="0" smtClean="0">
-                <a:hlinkClick r:id="rId2"/>
-              </a:rPr>
-              <a:t>http://</a:t>
-            </a:r>
-            <a:r>
-              <a:rPr lang="en-GB" dirty="0" smtClean="0">
-                <a:hlinkClick r:id="rId2"/>
-              </a:rPr>
-              <a:t>stackoverflow.com/questions/101268/hidden-features-of-python</a:t>
+            <a:r>
+              <a:rPr lang="en-US" dirty="0" smtClean="0"/>
+              <a:t>So is MATLAB</a:t>
             </a:r>
             <a:endParaRPr lang="he-IL" dirty="0"/>
           </a:p>
@@ -5900,7 +5975,7 @@
     </p:spTree>
     <p:extLst>
       <p:ext uri="{BB962C8B-B14F-4D97-AF65-F5344CB8AC3E}">
-        <p14:creationId xmlns:p14="http://schemas.microsoft.com/office/powerpoint/2010/main" val="3633474150"/>
+        <p14:creationId xmlns:p14="http://schemas.microsoft.com/office/powerpoint/2010/main" val="3184984879"/>
       </p:ext>
     </p:extLst>
   </p:cSld>
@@ -5929,6 +6004,86 @@
       </p:grpSpPr>
       <p:sp>
         <p:nvSpPr>
+          <p:cNvPr id="4" name="Title 3"/>
+          <p:cNvSpPr>
+            <a:spLocks noGrp="1"/>
+          </p:cNvSpPr>
+          <p:nvPr>
+            <p:ph type="ctrTitle"/>
+          </p:nvPr>
+        </p:nvSpPr>
+        <p:spPr/>
+        <p:txBody>
+          <a:bodyPr/>
+          <a:lstStyle/>
+          <a:p>
+            <a:pPr rtl="0"/>
+            <a:r>
+              <a:rPr lang="en-US" dirty="0" smtClean="0"/>
+              <a:t>Python has many cool features</a:t>
+            </a:r>
+            <a:endParaRPr lang="he-IL" dirty="0"/>
+          </a:p>
+        </p:txBody>
+      </p:sp>
+      <p:sp>
+        <p:nvSpPr>
+          <p:cNvPr id="5" name="Subtitle 4"/>
+          <p:cNvSpPr>
+            <a:spLocks noGrp="1"/>
+          </p:cNvSpPr>
+          <p:nvPr>
+            <p:ph type="subTitle" idx="1"/>
+          </p:nvPr>
+        </p:nvSpPr>
+        <p:spPr/>
+        <p:txBody>
+          <a:bodyPr/>
+          <a:lstStyle/>
+          <a:p>
+            <a:pPr rtl="0"/>
+            <a:r>
+              <a:rPr lang="en-GB" dirty="0" smtClean="0">
+                <a:hlinkClick r:id="rId2"/>
+              </a:rPr>
+              <a:t>http://stackoverflow.com/questions/101268/hidden-features-of-python</a:t>
+            </a:r>
+            <a:endParaRPr lang="he-IL" dirty="0"/>
+          </a:p>
+        </p:txBody>
+      </p:sp>
+    </p:spTree>
+    <p:extLst>
+      <p:ext uri="{BB962C8B-B14F-4D97-AF65-F5344CB8AC3E}">
+        <p14:creationId xmlns:p14="http://schemas.microsoft.com/office/powerpoint/2010/main" val="3633474150"/>
+      </p:ext>
+    </p:extLst>
+  </p:cSld>
+  <p:clrMapOvr>
+    <a:masterClrMapping/>
+  </p:clrMapOvr>
+</p:sld>
+</file>
+
+<file path=ppt/slides/slide28.xml><?xml version="1.0" encoding="utf-8"?>
+<p:sld xmlns:a="http://schemas.openxmlformats.org/drawingml/2006/main" xmlns:r="http://schemas.openxmlformats.org/officeDocument/2006/relationships" xmlns:p="http://schemas.openxmlformats.org/presentationml/2006/main">
+  <p:cSld>
+    <p:spTree>
+      <p:nvGrpSpPr>
+        <p:cNvPr id="1" name=""/>
+        <p:cNvGrpSpPr/>
+        <p:nvPr/>
+      </p:nvGrpSpPr>
+      <p:grpSpPr>
+        <a:xfrm>
+          <a:off x="0" y="0"/>
+          <a:ext cx="0" cy="0"/>
+          <a:chOff x="0" y="0"/>
+          <a:chExt cx="0" cy="0"/>
+        </a:xfrm>
+      </p:grpSpPr>
+      <p:sp>
+        <p:nvSpPr>
           <p:cNvPr id="4" name="Rectangle 3"/>
           <p:cNvSpPr/>
           <p:nvPr/>
@@ -5953,13 +6108,7 @@
               <a:rPr lang="en-GB" dirty="0" smtClean="0">
                 <a:hlinkClick r:id="rId2"/>
               </a:rPr>
-              <a:t>https://xkcd.com/353</a:t>
-            </a:r>
-            <a:r>
-              <a:rPr lang="en-GB" dirty="0" smtClean="0">
-                <a:hlinkClick r:id="rId2"/>
-              </a:rPr>
-              <a:t>/</a:t>
+              <a:t>https://xkcd.com/353/</a:t>
             </a:r>
             <a:endParaRPr lang="he-IL" dirty="0"/>
           </a:p>
@@ -6042,165 +6191,6 @@
 </p:sld>
 </file>
 
-<file path=ppt/slides/slide28.xml><?xml version="1.0" encoding="utf-8"?>
-<p:sld xmlns:a="http://schemas.openxmlformats.org/drawingml/2006/main" xmlns:r="http://schemas.openxmlformats.org/officeDocument/2006/relationships" xmlns:p="http://schemas.openxmlformats.org/presentationml/2006/main">
-  <p:cSld>
-    <p:spTree>
-      <p:nvGrpSpPr>
-        <p:cNvPr id="1" name=""/>
-        <p:cNvGrpSpPr/>
-        <p:nvPr/>
-      </p:nvGrpSpPr>
-      <p:grpSpPr>
-        <a:xfrm>
-          <a:off x="0" y="0"/>
-          <a:ext cx="0" cy="0"/>
-          <a:chOff x="0" y="0"/>
-          <a:chExt cx="0" cy="0"/>
-        </a:xfrm>
-      </p:grpSpPr>
-      <p:sp>
-        <p:nvSpPr>
-          <p:cNvPr id="2" name="Title 1"/>
-          <p:cNvSpPr>
-            <a:spLocks noGrp="1"/>
-          </p:cNvSpPr>
-          <p:nvPr>
-            <p:ph type="ctrTitle"/>
-          </p:nvPr>
-        </p:nvSpPr>
-        <p:spPr/>
-        <p:txBody>
-          <a:bodyPr/>
-          <a:lstStyle/>
-          <a:p>
-            <a:pPr rtl="0"/>
-            <a:r>
-              <a:rPr lang="en-GB" dirty="0" smtClean="0"/>
-              <a:t>Python is fast enough</a:t>
-            </a:r>
-            <a:endParaRPr lang="he-IL" dirty="0"/>
-          </a:p>
-        </p:txBody>
-      </p:sp>
-      <p:sp>
-        <p:nvSpPr>
-          <p:cNvPr id="3" name="Subtitle 2"/>
-          <p:cNvSpPr>
-            <a:spLocks noGrp="1"/>
-          </p:cNvSpPr>
-          <p:nvPr>
-            <p:ph type="subTitle" idx="1"/>
-          </p:nvPr>
-        </p:nvSpPr>
-        <p:spPr/>
-        <p:txBody>
-          <a:bodyPr>
-            <a:normAutofit/>
-          </a:bodyPr>
-          <a:lstStyle/>
-          <a:p>
-            <a:pPr rtl="0"/>
-            <a:r>
-              <a:rPr lang="en-US" dirty="0" smtClean="0"/>
-              <a:t>Written in C </a:t>
-            </a:r>
-            <a:r>
-              <a:rPr lang="en-US" dirty="0" smtClean="0"/>
-              <a:t>(and </a:t>
-            </a:r>
-            <a:r>
-              <a:rPr lang="en-US" dirty="0" smtClean="0"/>
-              <a:t>some Fortran</a:t>
-            </a:r>
-            <a:r>
-              <a:rPr lang="en-US" dirty="0" smtClean="0"/>
-              <a:t>)</a:t>
-            </a:r>
-            <a:endParaRPr lang="he-IL" dirty="0" smtClean="0"/>
-          </a:p>
-          <a:p>
-            <a:pPr rtl="0"/>
-            <a:r>
-              <a:rPr lang="en-US" dirty="0" smtClean="0"/>
-              <a:t>Easy to wrap more C</a:t>
-            </a:r>
-          </a:p>
-          <a:p>
-            <a:pPr rtl="0"/>
-            <a:r>
-              <a:rPr lang="en-US" dirty="0" smtClean="0"/>
-              <a:t>Easy </a:t>
-            </a:r>
-            <a:r>
-              <a:rPr lang="en-US" dirty="0" smtClean="0"/>
-              <a:t>to parallelize</a:t>
-            </a:r>
-            <a:endParaRPr lang="he-IL" dirty="0"/>
-          </a:p>
-        </p:txBody>
-      </p:sp>
-      <p:sp>
-        <p:nvSpPr>
-          <p:cNvPr id="4" name="Rectangle 3"/>
-          <p:cNvSpPr/>
-          <p:nvPr/>
-        </p:nvSpPr>
-        <p:spPr>
-          <a:xfrm>
-            <a:off x="4536504" y="6444044"/>
-            <a:ext cx="4572000" cy="369332"/>
-          </a:xfrm>
-          <a:prstGeom prst="rect">
-            <a:avLst/>
-          </a:prstGeom>
-        </p:spPr>
-        <p:txBody>
-          <a:bodyPr>
-            <a:spAutoFit/>
-          </a:bodyPr>
-          <a:lstStyle/>
-          <a:p>
-            <a:pPr rtl="0"/>
-            <a:r>
-              <a:rPr lang="en-GB" dirty="0" smtClean="0">
-                <a:hlinkClick r:id="rId2"/>
-              </a:rPr>
-              <a:t>Benchmark Game</a:t>
-            </a:r>
-            <a:r>
-              <a:rPr lang="en-GB" dirty="0" smtClean="0"/>
-              <a:t> | </a:t>
-            </a:r>
-            <a:r>
-              <a:rPr lang="en-GB" dirty="0" err="1" smtClean="0">
-                <a:hlinkClick r:id="rId3"/>
-              </a:rPr>
-              <a:t>NumFocus</a:t>
-            </a:r>
-            <a:r>
-              <a:rPr lang="en-GB" dirty="0" smtClean="0">
-                <a:hlinkClick r:id="rId3"/>
-              </a:rPr>
-              <a:t> Benchmarks</a:t>
-            </a:r>
-            <a:endParaRPr lang="he-IL" dirty="0"/>
-          </a:p>
-        </p:txBody>
-      </p:sp>
-    </p:spTree>
-    <p:extLst>
-      <p:ext uri="{BB962C8B-B14F-4D97-AF65-F5344CB8AC3E}">
-        <p14:creationId xmlns:p14="http://schemas.microsoft.com/office/powerpoint/2010/main" val="2834748534"/>
-      </p:ext>
-    </p:extLst>
-  </p:cSld>
-  <p:clrMapOvr>
-    <a:masterClrMapping/>
-  </p:clrMapOvr>
-</p:sld>
-</file>
-
 <file path=ppt/slides/slide29.xml><?xml version="1.0" encoding="utf-8"?>
 <p:sld xmlns:a="http://schemas.openxmlformats.org/drawingml/2006/main" xmlns:r="http://schemas.openxmlformats.org/officeDocument/2006/relationships" xmlns:p="http://schemas.openxmlformats.org/presentationml/2006/main">
   <p:cSld>
@@ -6220,7 +6210,7 @@
       </p:grpSpPr>
       <p:sp>
         <p:nvSpPr>
-          <p:cNvPr id="4" name="Title 3"/>
+          <p:cNvPr id="2" name="Title 1"/>
           <p:cNvSpPr>
             <a:spLocks noGrp="1"/>
           </p:cNvSpPr>
@@ -6233,9 +6223,99 @@
           <a:bodyPr/>
           <a:lstStyle/>
           <a:p>
-            <a:r>
-              <a:rPr lang="en-US" dirty="0" smtClean="0"/>
-              <a:t>Python is popular and has a great community</a:t>
+            <a:pPr rtl="0"/>
+            <a:r>
+              <a:rPr lang="en-GB" dirty="0" smtClean="0"/>
+              <a:t>Python is fast enough</a:t>
+            </a:r>
+            <a:endParaRPr lang="he-IL" dirty="0"/>
+          </a:p>
+        </p:txBody>
+      </p:sp>
+      <p:sp>
+        <p:nvSpPr>
+          <p:cNvPr id="3" name="Subtitle 2"/>
+          <p:cNvSpPr>
+            <a:spLocks noGrp="1"/>
+          </p:cNvSpPr>
+          <p:nvPr>
+            <p:ph type="subTitle" idx="1"/>
+          </p:nvPr>
+        </p:nvSpPr>
+        <p:spPr/>
+        <p:txBody>
+          <a:bodyPr>
+            <a:normAutofit/>
+          </a:bodyPr>
+          <a:lstStyle/>
+          <a:p>
+            <a:pPr rtl="0"/>
+            <a:r>
+              <a:rPr lang="en-US" dirty="0" smtClean="0"/>
+              <a:t>Written in C (and some Fortran)</a:t>
+            </a:r>
+            <a:endParaRPr lang="he-IL" dirty="0" smtClean="0"/>
+          </a:p>
+          <a:p>
+            <a:pPr rtl="0"/>
+            <a:r>
+              <a:rPr lang="en-US" dirty="0" smtClean="0"/>
+              <a:t>Easy to wrap more C</a:t>
+            </a:r>
+          </a:p>
+          <a:p>
+            <a:pPr rtl="0"/>
+            <a:r>
+              <a:rPr lang="en-US" dirty="0" smtClean="0"/>
+              <a:t>Easy to parallelize</a:t>
+            </a:r>
+            <a:endParaRPr lang="he-IL" dirty="0"/>
+          </a:p>
+        </p:txBody>
+      </p:sp>
+      <p:sp>
+        <p:nvSpPr>
+          <p:cNvPr id="4" name="Rectangle 3"/>
+          <p:cNvSpPr/>
+          <p:nvPr/>
+        </p:nvSpPr>
+        <p:spPr>
+          <a:xfrm>
+            <a:off x="4536504" y="6444044"/>
+            <a:ext cx="4572000" cy="369332"/>
+          </a:xfrm>
+          <a:prstGeom prst="rect">
+            <a:avLst/>
+          </a:prstGeom>
+        </p:spPr>
+        <p:txBody>
+          <a:bodyPr>
+            <a:spAutoFit/>
+          </a:bodyPr>
+          <a:lstStyle/>
+          <a:p>
+            <a:pPr rtl="0"/>
+            <a:r>
+              <a:rPr lang="en-GB" dirty="0" smtClean="0">
+                <a:hlinkClick r:id="rId2"/>
+              </a:rPr>
+              <a:t>Benchmark Game</a:t>
+            </a:r>
+            <a:r>
+              <a:rPr lang="en-GB" dirty="0" smtClean="0"/>
+              <a:t> | </a:t>
+            </a:r>
+            <a:r>
+              <a:rPr lang="en-GB" dirty="0" err="1" smtClean="0">
+                <a:hlinkClick r:id="rId3"/>
+              </a:rPr>
+              <a:t>NumFocus</a:t>
+            </a:r>
+            <a:r>
+              <a:rPr lang="en-GB" dirty="0" smtClean="0">
+                <a:hlinkClick r:id="rId3"/>
+              </a:rPr>
+              <a:t> Benchmarks</a:t>
             </a:r>
             <a:endParaRPr lang="he-IL" dirty="0"/>
           </a:p>
@@ -6244,7 +6324,7 @@
     </p:spTree>
     <p:extLst>
       <p:ext uri="{BB962C8B-B14F-4D97-AF65-F5344CB8AC3E}">
-        <p14:creationId xmlns:p14="http://schemas.microsoft.com/office/powerpoint/2010/main" val="1780325085"/>
+        <p14:creationId xmlns:p14="http://schemas.microsoft.com/office/powerpoint/2010/main" val="2834748534"/>
       </p:ext>
     </p:extLst>
   </p:cSld>
@@ -6542,6 +6622,59 @@
       </p:grpSpPr>
       <p:sp>
         <p:nvSpPr>
+          <p:cNvPr id="4" name="Title 3"/>
+          <p:cNvSpPr>
+            <a:spLocks noGrp="1"/>
+          </p:cNvSpPr>
+          <p:nvPr>
+            <p:ph type="ctrTitle"/>
+          </p:nvPr>
+        </p:nvSpPr>
+        <p:spPr/>
+        <p:txBody>
+          <a:bodyPr/>
+          <a:lstStyle/>
+          <a:p>
+            <a:r>
+              <a:rPr lang="en-US" dirty="0" smtClean="0"/>
+              <a:t>Python is popular and has a great community</a:t>
+            </a:r>
+            <a:endParaRPr lang="he-IL" dirty="0"/>
+          </a:p>
+        </p:txBody>
+      </p:sp>
+    </p:spTree>
+    <p:extLst>
+      <p:ext uri="{BB962C8B-B14F-4D97-AF65-F5344CB8AC3E}">
+        <p14:creationId xmlns:p14="http://schemas.microsoft.com/office/powerpoint/2010/main" val="1780325085"/>
+      </p:ext>
+    </p:extLst>
+  </p:cSld>
+  <p:clrMapOvr>
+    <a:masterClrMapping/>
+  </p:clrMapOvr>
+</p:sld>
+</file>
+
+<file path=ppt/slides/slide31.xml><?xml version="1.0" encoding="utf-8"?>
+<p:sld xmlns:a="http://schemas.openxmlformats.org/drawingml/2006/main" xmlns:r="http://schemas.openxmlformats.org/officeDocument/2006/relationships" xmlns:p="http://schemas.openxmlformats.org/presentationml/2006/main">
+  <p:cSld>
+    <p:spTree>
+      <p:nvGrpSpPr>
+        <p:cNvPr id="1" name=""/>
+        <p:cNvGrpSpPr/>
+        <p:nvPr/>
+      </p:nvGrpSpPr>
+      <p:grpSpPr>
+        <a:xfrm>
+          <a:off x="0" y="0"/>
+          <a:ext cx="0" cy="0"/>
+          <a:chOff x="0" y="0"/>
+          <a:chExt cx="0" cy="0"/>
+        </a:xfrm>
+      </p:grpSpPr>
+      <p:sp>
+        <p:nvSpPr>
           <p:cNvPr id="2" name="Title 1"/>
           <p:cNvSpPr>
             <a:spLocks noGrp="1"/>
@@ -6623,7 +6756,7 @@
 </p:sld>
 </file>
 
-<file path=ppt/slides/slide31.xml><?xml version="1.0" encoding="utf-8"?>
+<file path=ppt/slides/slide32.xml><?xml version="1.0" encoding="utf-8"?>
 <p:sld xmlns:a="http://schemas.openxmlformats.org/drawingml/2006/main" xmlns:r="http://schemas.openxmlformats.org/officeDocument/2006/relationships" xmlns:p="http://schemas.openxmlformats.org/presentationml/2006/main">
   <p:cSld>
     <p:spTree>
@@ -6853,7 +6986,7 @@
 </p:sld>
 </file>
 
-<file path=ppt/slides/slide32.xml><?xml version="1.0" encoding="utf-8"?>
+<file path=ppt/slides/slide33.xml><?xml version="1.0" encoding="utf-8"?>
 <p:sld xmlns:a="http://schemas.openxmlformats.org/drawingml/2006/main" xmlns:r="http://schemas.openxmlformats.org/officeDocument/2006/relationships" xmlns:p="http://schemas.openxmlformats.org/presentationml/2006/main">
   <p:cSld>
     <p:spTree>
@@ -6888,11 +7021,7 @@
             <a:pPr rtl="0"/>
             <a:r>
               <a:rPr lang="en-US" dirty="0" smtClean="0"/>
-              <a:t>Active </a:t>
-            </a:r>
-            <a:r>
-              <a:rPr lang="en-US" dirty="0" smtClean="0"/>
-              <a:t>community</a:t>
+              <a:t>Active community</a:t>
             </a:r>
           </a:p>
         </p:txBody>
@@ -7051,7 +7180,7 @@
 </p:sld>
 </file>
 
-<file path=ppt/slides/slide33.xml><?xml version="1.0" encoding="utf-8"?>
+<file path=ppt/slides/slide34.xml><?xml version="1.0" encoding="utf-8"?>
 <p:sld xmlns:a="http://schemas.openxmlformats.org/drawingml/2006/main" xmlns:r="http://schemas.openxmlformats.org/officeDocument/2006/relationships" xmlns:p="http://schemas.openxmlformats.org/presentationml/2006/main">
   <p:cSld>
     <p:spTree>
@@ -7105,7 +7234,7 @@
 </p:sld>
 </file>
 
-<file path=ppt/slides/slide34.xml><?xml version="1.0" encoding="utf-8"?>
+<file path=ppt/slides/slide35.xml><?xml version="1.0" encoding="utf-8"?>
 <p:sld xmlns:a="http://schemas.openxmlformats.org/drawingml/2006/main" xmlns:r="http://schemas.openxmlformats.org/officeDocument/2006/relationships" xmlns:p="http://schemas.openxmlformats.org/presentationml/2006/main">
   <p:cSld>
     <p:spTree>
@@ -7202,15 +7331,7 @@
             <a:pPr algn="l" rtl="0"/>
             <a:r>
               <a:rPr lang="en-US" sz="2400" dirty="0" smtClean="0"/>
-              <a:t>During 2015, over </a:t>
-            </a:r>
-            <a:r>
-              <a:rPr lang="en-US" sz="2400" dirty="0" smtClean="0"/>
-              <a:t>1,500 </a:t>
-            </a:r>
-            <a:r>
-              <a:rPr lang="en-US" sz="2400" dirty="0" smtClean="0"/>
-              <a:t>new packages released </a:t>
+              <a:t>During 2015, over 1,500 new packages released </a:t>
             </a:r>
             <a:r>
               <a:rPr lang="en-US" sz="2400" u="sng" dirty="0" smtClean="0"/>
@@ -7218,11 +7339,7 @@
             </a:r>
             <a:r>
               <a:rPr lang="en-US" sz="2400" dirty="0" smtClean="0"/>
-              <a:t>at</a:t>
-            </a:r>
-            <a:r>
-              <a:rPr lang="en-US" sz="2400" dirty="0" smtClean="0"/>
-              <a:t> </a:t>
+              <a:t>at </a:t>
             </a:r>
             <a:r>
               <a:rPr lang="en-US" sz="2400" dirty="0" err="1" smtClean="0"/>
@@ -7267,134 +7384,6 @@
     <p:extLst>
       <p:ext uri="{BB962C8B-B14F-4D97-AF65-F5344CB8AC3E}">
         <p14:creationId xmlns:p14="http://schemas.microsoft.com/office/powerpoint/2010/main" val="3644176354"/>
-      </p:ext>
-    </p:extLst>
-  </p:cSld>
-  <p:clrMapOvr>
-    <a:masterClrMapping/>
-  </p:clrMapOvr>
-</p:sld>
-</file>
-
-<file path=ppt/slides/slide35.xml><?xml version="1.0" encoding="utf-8"?>
-<p:sld xmlns:a="http://schemas.openxmlformats.org/drawingml/2006/main" xmlns:r="http://schemas.openxmlformats.org/officeDocument/2006/relationships" xmlns:p="http://schemas.openxmlformats.org/presentationml/2006/main">
-  <p:cSld>
-    <p:spTree>
-      <p:nvGrpSpPr>
-        <p:cNvPr id="1" name=""/>
-        <p:cNvGrpSpPr/>
-        <p:nvPr/>
-      </p:nvGrpSpPr>
-      <p:grpSpPr>
-        <a:xfrm>
-          <a:off x="0" y="0"/>
-          <a:ext cx="0" cy="0"/>
-          <a:chOff x="0" y="0"/>
-          <a:chExt cx="0" cy="0"/>
-        </a:xfrm>
-      </p:grpSpPr>
-      <p:sp>
-        <p:nvSpPr>
-          <p:cNvPr id="4" name="Title 3"/>
-          <p:cNvSpPr>
-            <a:spLocks noGrp="1"/>
-          </p:cNvSpPr>
-          <p:nvPr>
-            <p:ph type="ctrTitle"/>
-          </p:nvPr>
-        </p:nvSpPr>
-        <p:spPr/>
-        <p:txBody>
-          <a:bodyPr>
-            <a:normAutofit/>
-          </a:bodyPr>
-          <a:lstStyle/>
-          <a:p>
-            <a:pPr rtl="0"/>
-            <a:r>
-              <a:rPr lang="en-US" dirty="0" smtClean="0"/>
-              <a:t>Python can do nearly everything MATLAB can </a:t>
-            </a:r>
-            <a:r>
-              <a:rPr lang="en-US" dirty="0" smtClean="0"/>
-              <a:t>do</a:t>
-            </a:r>
-            <a:endParaRPr lang="he-IL" dirty="0"/>
-          </a:p>
-        </p:txBody>
-      </p:sp>
-      <p:sp>
-        <p:nvSpPr>
-          <p:cNvPr id="5" name="Subtitle 4"/>
-          <p:cNvSpPr>
-            <a:spLocks noGrp="1"/>
-          </p:cNvSpPr>
-          <p:nvPr>
-            <p:ph type="subTitle" idx="1"/>
-          </p:nvPr>
-        </p:nvSpPr>
-        <p:spPr/>
-        <p:txBody>
-          <a:bodyPr/>
-          <a:lstStyle/>
-          <a:p>
-            <a:pPr rtl="0"/>
-            <a:r>
-              <a:rPr lang="en-US" dirty="0" smtClean="0"/>
-              <a:t>With </a:t>
-            </a:r>
-            <a:r>
-              <a:rPr lang="en-US" dirty="0" smtClean="0"/>
-              <a:t>libraries like </a:t>
-            </a:r>
-            <a:r>
-              <a:rPr lang="en-US" dirty="0" err="1" smtClean="0"/>
-              <a:t>NumPy</a:t>
-            </a:r>
-            <a:r>
-              <a:rPr lang="en-US" dirty="0" smtClean="0"/>
-              <a:t>, </a:t>
-            </a:r>
-            <a:r>
-              <a:rPr lang="en-US" dirty="0" err="1" smtClean="0"/>
-              <a:t>SciPy</a:t>
-            </a:r>
-            <a:r>
-              <a:rPr lang="en-US" dirty="0" smtClean="0"/>
-              <a:t>, </a:t>
-            </a:r>
-            <a:r>
-              <a:rPr lang="en-US" dirty="0" err="1" smtClean="0"/>
-              <a:t>Matplotlib</a:t>
-            </a:r>
-            <a:r>
-              <a:rPr lang="en-US" dirty="0" smtClean="0"/>
-              <a:t>, </a:t>
-            </a:r>
-            <a:r>
-              <a:rPr lang="en-US" dirty="0" err="1" smtClean="0"/>
-              <a:t>Ipython</a:t>
-            </a:r>
-            <a:r>
-              <a:rPr lang="en-US" dirty="0" smtClean="0"/>
-              <a:t>, </a:t>
-            </a:r>
-            <a:r>
-              <a:rPr lang="en-US" dirty="0" err="1" smtClean="0"/>
-              <a:t>Scikit</a:t>
-            </a:r>
-            <a:r>
-              <a:rPr lang="en-US" dirty="0" smtClean="0"/>
-              <a:t>, and more</a:t>
-            </a:r>
-            <a:endParaRPr lang="he-IL" dirty="0"/>
-          </a:p>
-        </p:txBody>
-      </p:sp>
-    </p:spTree>
-    <p:extLst>
-      <p:ext uri="{BB962C8B-B14F-4D97-AF65-F5344CB8AC3E}">
-        <p14:creationId xmlns:p14="http://schemas.microsoft.com/office/powerpoint/2010/main" val="1802572147"/>
       </p:ext>
     </p:extLst>
   </p:cSld>
@@ -7423,6 +7412,126 @@
       </p:grpSpPr>
       <p:sp>
         <p:nvSpPr>
+          <p:cNvPr id="4" name="Title 3"/>
+          <p:cNvSpPr>
+            <a:spLocks noGrp="1"/>
+          </p:cNvSpPr>
+          <p:nvPr>
+            <p:ph type="ctrTitle"/>
+          </p:nvPr>
+        </p:nvSpPr>
+        <p:spPr/>
+        <p:txBody>
+          <a:bodyPr>
+            <a:normAutofit/>
+          </a:bodyPr>
+          <a:lstStyle/>
+          <a:p>
+            <a:pPr rtl="0"/>
+            <a:r>
+              <a:rPr lang="en-US" dirty="0" smtClean="0"/>
+              <a:t>Python can do nearly everything MATLAB can do</a:t>
+            </a:r>
+            <a:endParaRPr lang="he-IL" dirty="0"/>
+          </a:p>
+        </p:txBody>
+      </p:sp>
+      <p:sp>
+        <p:nvSpPr>
+          <p:cNvPr id="5" name="Subtitle 4"/>
+          <p:cNvSpPr>
+            <a:spLocks noGrp="1"/>
+          </p:cNvSpPr>
+          <p:nvPr>
+            <p:ph type="subTitle" idx="1"/>
+          </p:nvPr>
+        </p:nvSpPr>
+        <p:spPr/>
+        <p:txBody>
+          <a:bodyPr/>
+          <a:lstStyle/>
+          <a:p>
+            <a:pPr rtl="0"/>
+            <a:r>
+              <a:rPr lang="en-US" dirty="0" smtClean="0"/>
+              <a:t>With libraries like </a:t>
+            </a:r>
+            <a:r>
+              <a:rPr lang="en-US" dirty="0" err="1" smtClean="0"/>
+              <a:t>NumPy</a:t>
+            </a:r>
+            <a:r>
+              <a:rPr lang="en-US" dirty="0" smtClean="0"/>
+              <a:t>, </a:t>
+            </a:r>
+            <a:r>
+              <a:rPr lang="en-US" dirty="0" err="1" smtClean="0"/>
+              <a:t>SciPy</a:t>
+            </a:r>
+            <a:r>
+              <a:rPr lang="en-US" dirty="0" smtClean="0"/>
+              <a:t>, </a:t>
+            </a:r>
+            <a:r>
+              <a:rPr lang="en-US" dirty="0" err="1" smtClean="0"/>
+              <a:t>Matplotlib</a:t>
+            </a:r>
+            <a:r>
+              <a:rPr lang="en-US" dirty="0" smtClean="0"/>
+              <a:t>, </a:t>
+            </a:r>
+            <a:r>
+              <a:rPr lang="en-US" dirty="0" err="1" smtClean="0"/>
+              <a:t>Ipython</a:t>
+            </a:r>
+            <a:r>
+              <a:rPr lang="en-US" dirty="0" smtClean="0"/>
+              <a:t>, </a:t>
+            </a:r>
+            <a:r>
+              <a:rPr lang="en-US" dirty="0" err="1" smtClean="0"/>
+              <a:t>Scikit</a:t>
+            </a:r>
+            <a:r>
+              <a:rPr lang="en-US" dirty="0" smtClean="0"/>
+              <a:t>, and more</a:t>
+            </a:r>
+            <a:endParaRPr lang="he-IL" dirty="0"/>
+          </a:p>
+        </p:txBody>
+      </p:sp>
+    </p:spTree>
+    <p:extLst>
+      <p:ext uri="{BB962C8B-B14F-4D97-AF65-F5344CB8AC3E}">
+        <p14:creationId xmlns:p14="http://schemas.microsoft.com/office/powerpoint/2010/main" val="1802572147"/>
+      </p:ext>
+    </p:extLst>
+  </p:cSld>
+  <p:clrMapOvr>
+    <a:masterClrMapping/>
+  </p:clrMapOvr>
+</p:sld>
+</file>
+
+<file path=ppt/slides/slide37.xml><?xml version="1.0" encoding="utf-8"?>
+<p:sld xmlns:a="http://schemas.openxmlformats.org/drawingml/2006/main" xmlns:r="http://schemas.openxmlformats.org/officeDocument/2006/relationships" xmlns:p="http://schemas.openxmlformats.org/presentationml/2006/main">
+  <p:cSld>
+    <p:spTree>
+      <p:nvGrpSpPr>
+        <p:cNvPr id="1" name=""/>
+        <p:cNvGrpSpPr/>
+        <p:nvPr/>
+      </p:nvGrpSpPr>
+      <p:grpSpPr>
+        <a:xfrm>
+          <a:off x="0" y="0"/>
+          <a:ext cx="0" cy="0"/>
+          <a:chOff x="0" y="0"/>
+          <a:chExt cx="0" cy="0"/>
+        </a:xfrm>
+      </p:grpSpPr>
+      <p:sp>
+        <p:nvSpPr>
           <p:cNvPr id="2" name="Title 1"/>
           <p:cNvSpPr>
             <a:spLocks noGrp="1"/>
@@ -7458,7 +7567,7 @@
 </p:sld>
 </file>
 
-<file path=ppt/slides/slide37.xml><?xml version="1.0" encoding="utf-8"?>
+<file path=ppt/slides/slide38.xml><?xml version="1.0" encoding="utf-8"?>
 <p:sld xmlns:a="http://schemas.openxmlformats.org/drawingml/2006/main" xmlns:r="http://schemas.openxmlformats.org/officeDocument/2006/relationships" xmlns:p="http://schemas.openxmlformats.org/presentationml/2006/main">
   <p:cSld>
     <p:spTree>
@@ -7574,7 +7683,7 @@
 </p:sld>
 </file>
 
-<file path=ppt/slides/slide38.xml><?xml version="1.0" encoding="utf-8"?>
+<file path=ppt/slides/slide39.xml><?xml version="1.0" encoding="utf-8"?>
 <p:sld xmlns:a="http://schemas.openxmlformats.org/drawingml/2006/main" xmlns:r="http://schemas.openxmlformats.org/officeDocument/2006/relationships" xmlns:p="http://schemas.openxmlformats.org/presentationml/2006/main">
   <p:cSld>
     <p:spTree>
@@ -7767,121 +7876,6 @@
 </p:sld>
 </file>
 
-<file path=ppt/slides/slide39.xml><?xml version="1.0" encoding="utf-8"?>
-<p:sld xmlns:a="http://schemas.openxmlformats.org/drawingml/2006/main" xmlns:r="http://schemas.openxmlformats.org/officeDocument/2006/relationships" xmlns:p="http://schemas.openxmlformats.org/presentationml/2006/main">
-  <p:cSld>
-    <p:spTree>
-      <p:nvGrpSpPr>
-        <p:cNvPr id="1" name=""/>
-        <p:cNvGrpSpPr/>
-        <p:nvPr/>
-      </p:nvGrpSpPr>
-      <p:grpSpPr>
-        <a:xfrm>
-          <a:off x="0" y="0"/>
-          <a:ext cx="0" cy="0"/>
-          <a:chOff x="0" y="0"/>
-          <a:chExt cx="0" cy="0"/>
-        </a:xfrm>
-      </p:grpSpPr>
-      <p:sp>
-        <p:nvSpPr>
-          <p:cNvPr id="2" name="Title 1"/>
-          <p:cNvSpPr>
-            <a:spLocks noGrp="1"/>
-          </p:cNvSpPr>
-          <p:nvPr>
-            <p:ph type="title"/>
-          </p:nvPr>
-        </p:nvSpPr>
-        <p:spPr/>
-        <p:txBody>
-          <a:bodyPr/>
-          <a:lstStyle/>
-          <a:p>
-            <a:pPr rtl="0"/>
-            <a:r>
-              <a:rPr lang="en-US" dirty="0" smtClean="0"/>
-              <a:t>First language at Israeli universities</a:t>
-            </a:r>
-            <a:endParaRPr lang="he-IL" dirty="0"/>
-          </a:p>
-        </p:txBody>
-      </p:sp>
-      <p:sp>
-        <p:nvSpPr>
-          <p:cNvPr id="3" name="Content Placeholder 2"/>
-          <p:cNvSpPr>
-            <a:spLocks noGrp="1"/>
-          </p:cNvSpPr>
-          <p:nvPr>
-            <p:ph idx="1"/>
-          </p:nvPr>
-        </p:nvSpPr>
-        <p:spPr/>
-        <p:txBody>
-          <a:bodyPr/>
-          <a:lstStyle/>
-          <a:p>
-            <a:pPr algn="l" rtl="0"/>
-            <a:r>
-              <a:rPr lang="en-US" b="1" dirty="0" smtClean="0"/>
-              <a:t>TAU</a:t>
-            </a:r>
-            <a:r>
-              <a:rPr lang="en-US" dirty="0" smtClean="0"/>
-              <a:t>: CS &amp; Engineering use Python</a:t>
-            </a:r>
-          </a:p>
-          <a:p>
-            <a:pPr algn="l" rtl="0"/>
-            <a:r>
-              <a:rPr lang="en-US" b="1" dirty="0" err="1" smtClean="0"/>
-              <a:t>Technion</a:t>
-            </a:r>
-            <a:r>
-              <a:rPr lang="en-US" dirty="0" smtClean="0"/>
-              <a:t>: CS use C, some courses in Python</a:t>
-            </a:r>
-          </a:p>
-          <a:p>
-            <a:pPr algn="l" rtl="0"/>
-            <a:r>
-              <a:rPr lang="en-US" b="1" dirty="0" smtClean="0"/>
-              <a:t>HUJI</a:t>
-            </a:r>
-            <a:r>
-              <a:rPr lang="en-US" dirty="0" smtClean="0"/>
-              <a:t>: CS &amp; Humanities, use Python</a:t>
-            </a:r>
-          </a:p>
-          <a:p>
-            <a:pPr algn="l" rtl="0"/>
-            <a:r>
-              <a:rPr lang="en-US" b="1" dirty="0" smtClean="0"/>
-              <a:t>BGU</a:t>
-            </a:r>
-            <a:r>
-              <a:rPr lang="en-US" dirty="0" smtClean="0"/>
-              <a:t>: CS use Java, Engineering use C</a:t>
-            </a:r>
-            <a:endParaRPr lang="he-IL" dirty="0"/>
-          </a:p>
-        </p:txBody>
-      </p:sp>
-    </p:spTree>
-    <p:extLst>
-      <p:ext uri="{BB962C8B-B14F-4D97-AF65-F5344CB8AC3E}">
-        <p14:creationId xmlns:p14="http://schemas.microsoft.com/office/powerpoint/2010/main" val="1969231355"/>
-      </p:ext>
-    </p:extLst>
-  </p:cSld>
-  <p:clrMapOvr>
-    <a:masterClrMapping/>
-  </p:clrMapOvr>
-</p:sld>
-</file>
-
 <file path=ppt/slides/slide4.xml><?xml version="1.0" encoding="utf-8"?>
 <p:sld xmlns:a="http://schemas.openxmlformats.org/drawingml/2006/main" xmlns:r="http://schemas.openxmlformats.org/officeDocument/2006/relationships" xmlns:p="http://schemas.openxmlformats.org/presentationml/2006/main">
   <p:cSld>
@@ -7901,7 +7895,7 @@
       </p:grpSpPr>
       <p:sp>
         <p:nvSpPr>
-          <p:cNvPr id="2" name="Title 1"/>
+          <p:cNvPr id="4" name="Title 3"/>
           <p:cNvSpPr>
             <a:spLocks noGrp="1"/>
           </p:cNvSpPr>
@@ -7914,130 +7908,351 @@
           <a:bodyPr/>
           <a:lstStyle/>
           <a:p>
-            <a:pPr marL="0" indent="0" rtl="0"/>
-            <a:r>
-              <a:rPr lang="en-US" dirty="0" smtClean="0"/>
-              <a:t>Multiple </a:t>
+            <a:pPr rtl="0"/>
+            <a:r>
+              <a:rPr lang="en-US" dirty="0" smtClean="0"/>
+              <a:t>Example</a:t>
+            </a:r>
+            <a:endParaRPr lang="he-IL" dirty="0"/>
+          </a:p>
+        </p:txBody>
+      </p:sp>
+      <p:sp>
+        <p:nvSpPr>
+          <p:cNvPr id="5" name="Text Placeholder 4"/>
+          <p:cNvSpPr>
+            <a:spLocks noGrp="1"/>
+          </p:cNvSpPr>
+          <p:nvPr>
+            <p:ph type="body" idx="1"/>
+          </p:nvPr>
+        </p:nvSpPr>
+        <p:spPr/>
+        <p:txBody>
+          <a:bodyPr/>
+          <a:lstStyle/>
+          <a:p>
+            <a:pPr algn="l" rtl="0"/>
+            <a:r>
+              <a:rPr lang="en-US" dirty="0" smtClean="0"/>
+              <a:t>C</a:t>
+            </a:r>
+            <a:endParaRPr lang="he-IL" dirty="0"/>
+          </a:p>
+        </p:txBody>
+      </p:sp>
+      <p:sp>
+        <p:nvSpPr>
+          <p:cNvPr id="6" name="Content Placeholder 5"/>
+          <p:cNvSpPr>
+            <a:spLocks noGrp="1"/>
+          </p:cNvSpPr>
+          <p:nvPr>
+            <p:ph sz="half" idx="2"/>
+          </p:nvPr>
+        </p:nvSpPr>
+        <p:spPr/>
+        <p:txBody>
+          <a:bodyPr>
+            <a:normAutofit fontScale="92500" lnSpcReduction="10000"/>
+          </a:bodyPr>
+          <a:lstStyle/>
+          <a:p>
+            <a:pPr marL="0" indent="0" algn="l" rtl="0">
+              <a:buNone/>
+            </a:pPr>
+            <a:r>
+              <a:rPr lang="en-GB" dirty="0"/>
+              <a:t>void </a:t>
+            </a:r>
+            <a:r>
+              <a:rPr lang="en-GB" dirty="0" smtClean="0"/>
+              <a:t>foo(</a:t>
+            </a:r>
+            <a:r>
+              <a:rPr lang="en-GB" dirty="0" err="1" smtClean="0"/>
+              <a:t>int</a:t>
+            </a:r>
+            <a:r>
+              <a:rPr lang="en-GB" dirty="0" smtClean="0"/>
+              <a:t> </a:t>
+            </a:r>
+            <a:r>
+              <a:rPr lang="en-GB" dirty="0"/>
+              <a:t>x) </a:t>
+            </a:r>
+            <a:endParaRPr lang="en-GB" dirty="0" smtClean="0"/>
+          </a:p>
+          <a:p>
+            <a:pPr marL="0" indent="0" algn="l" rtl="0">
+              <a:buNone/>
+            </a:pPr>
+            <a:r>
+              <a:rPr lang="en-GB" dirty="0" smtClean="0"/>
+              <a:t>{ </a:t>
+            </a:r>
+          </a:p>
+          <a:p>
+            <a:pPr marL="0" indent="0" algn="l" rtl="0">
+              <a:buNone/>
+            </a:pPr>
+            <a:r>
+              <a:rPr lang="en-GB" dirty="0" smtClean="0"/>
+              <a:t>    if (-1 &lt; x &amp;&amp; x &lt; 1) </a:t>
+            </a:r>
+            <a:r>
+              <a:rPr lang="en-GB" dirty="0"/>
+              <a:t>{ </a:t>
+            </a:r>
+            <a:endParaRPr lang="en-GB" dirty="0" smtClean="0"/>
+          </a:p>
+          <a:p>
+            <a:pPr marL="0" indent="0" algn="l" rtl="0">
+              <a:buNone/>
+            </a:pPr>
+            <a:r>
+              <a:rPr lang="en-GB" dirty="0"/>
+              <a:t> </a:t>
+            </a:r>
+            <a:r>
+              <a:rPr lang="en-GB" dirty="0" smtClean="0"/>
+              <a:t>         bar</a:t>
+            </a:r>
+            <a:r>
+              <a:rPr lang="en-GB" dirty="0"/>
+              <a:t>(); </a:t>
+            </a:r>
+            <a:endParaRPr lang="en-GB" dirty="0" smtClean="0"/>
+          </a:p>
+          <a:p>
+            <a:pPr marL="0" indent="0" algn="l" rtl="0">
+              <a:buNone/>
+            </a:pPr>
+            <a:r>
+              <a:rPr lang="en-GB" dirty="0"/>
+              <a:t> </a:t>
+            </a:r>
+            <a:r>
+              <a:rPr lang="en-GB" dirty="0" smtClean="0"/>
+              <a:t>         </a:t>
+            </a:r>
+            <a:r>
+              <a:rPr lang="en-GB" dirty="0" err="1" smtClean="0"/>
+              <a:t>baz</a:t>
+            </a:r>
+            <a:r>
+              <a:rPr lang="en-GB" dirty="0"/>
+              <a:t>(); </a:t>
+            </a:r>
+            <a:endParaRPr lang="en-GB" dirty="0" smtClean="0"/>
+          </a:p>
+          <a:p>
+            <a:pPr marL="0" indent="0" algn="l" rtl="0">
+              <a:buNone/>
+            </a:pPr>
+            <a:r>
+              <a:rPr lang="en-GB" dirty="0" smtClean="0"/>
+              <a:t>     } </a:t>
+            </a:r>
+            <a:r>
+              <a:rPr lang="en-GB" dirty="0"/>
+              <a:t>else { </a:t>
+            </a:r>
+            <a:endParaRPr lang="en-GB" dirty="0" smtClean="0"/>
+          </a:p>
+          <a:p>
+            <a:pPr marL="0" indent="0" algn="l" rtl="0">
+              <a:buNone/>
+            </a:pPr>
+            <a:r>
+              <a:rPr lang="en-GB" dirty="0"/>
+              <a:t> </a:t>
+            </a:r>
+            <a:r>
+              <a:rPr lang="en-GB" dirty="0" smtClean="0"/>
+              <a:t>         </a:t>
+            </a:r>
+            <a:r>
+              <a:rPr lang="en-GB" dirty="0" err="1" smtClean="0"/>
+              <a:t>qux</a:t>
+            </a:r>
+            <a:r>
+              <a:rPr lang="en-GB" dirty="0" smtClean="0"/>
+              <a:t>(x</a:t>
+            </a:r>
+            <a:r>
+              <a:rPr lang="en-GB" dirty="0"/>
+              <a:t>); </a:t>
+            </a:r>
+            <a:endParaRPr lang="en-GB" dirty="0" smtClean="0"/>
+          </a:p>
+          <a:p>
+            <a:pPr marL="0" indent="0" algn="l" rtl="0">
+              <a:buNone/>
+            </a:pPr>
+            <a:r>
+              <a:rPr lang="en-GB" dirty="0"/>
+              <a:t> </a:t>
+            </a:r>
+            <a:r>
+              <a:rPr lang="en-GB" dirty="0" smtClean="0"/>
+              <a:t>         foo(x </a:t>
+            </a:r>
+            <a:r>
+              <a:rPr lang="en-GB" dirty="0"/>
+              <a:t>- 1); </a:t>
+            </a:r>
+            <a:endParaRPr lang="en-GB" dirty="0" smtClean="0"/>
+          </a:p>
+          <a:p>
+            <a:pPr marL="0" indent="0" algn="l" rtl="0">
+              <a:buNone/>
+            </a:pPr>
+            <a:r>
+              <a:rPr lang="en-GB" dirty="0"/>
+              <a:t> </a:t>
+            </a:r>
+            <a:r>
+              <a:rPr lang="en-GB" dirty="0" smtClean="0"/>
+              <a:t>    } </a:t>
+            </a:r>
+          </a:p>
+          <a:p>
+            <a:pPr marL="0" indent="0" algn="l" rtl="0">
+              <a:buNone/>
+            </a:pPr>
+            <a:r>
+              <a:rPr lang="en-GB" dirty="0" smtClean="0"/>
+              <a:t>}</a:t>
+            </a:r>
+            <a:endParaRPr lang="he-IL" dirty="0"/>
+          </a:p>
+        </p:txBody>
+      </p:sp>
+      <p:sp>
+        <p:nvSpPr>
+          <p:cNvPr id="7" name="Text Placeholder 6"/>
+          <p:cNvSpPr>
+            <a:spLocks noGrp="1"/>
+          </p:cNvSpPr>
+          <p:nvPr>
+            <p:ph type="body" sz="quarter" idx="3"/>
+          </p:nvPr>
+        </p:nvSpPr>
+        <p:spPr/>
+        <p:txBody>
+          <a:bodyPr/>
+          <a:lstStyle/>
+          <a:p>
+            <a:pPr algn="l" rtl="0"/>
+            <a:r>
+              <a:rPr lang="en-US" dirty="0" smtClean="0"/>
+              <a:t>Python</a:t>
+            </a:r>
+            <a:endParaRPr lang="he-IL" dirty="0"/>
+          </a:p>
+        </p:txBody>
+      </p:sp>
+      <p:sp>
+        <p:nvSpPr>
+          <p:cNvPr id="8" name="Content Placeholder 7"/>
+          <p:cNvSpPr>
+            <a:spLocks noGrp="1"/>
+          </p:cNvSpPr>
+          <p:nvPr>
+            <p:ph sz="quarter" idx="4"/>
+          </p:nvPr>
+        </p:nvSpPr>
+        <p:spPr/>
+        <p:txBody>
+          <a:bodyPr/>
+          <a:lstStyle/>
+          <a:p>
+            <a:pPr marL="0" indent="0" algn="l" rtl="0">
+              <a:buNone/>
+            </a:pPr>
+            <a:r>
+              <a:rPr lang="en-US" dirty="0" err="1"/>
+              <a:t>def</a:t>
             </a:r>
             <a:r>
               <a:rPr lang="en-US" dirty="0"/>
-              <a:t>programming </a:t>
-            </a:r>
-            <a:r>
-              <a:rPr lang="en-US" dirty="0" smtClean="0"/>
-              <a:t>paradigms</a:t>
+              <a:t> foo(x):</a:t>
+            </a:r>
+          </a:p>
+          <a:p>
+            <a:pPr marL="0" indent="0" algn="l" rtl="0">
+              <a:buNone/>
+            </a:pPr>
+            <a:r>
+              <a:rPr lang="en-US" dirty="0"/>
+              <a:t>    if </a:t>
+            </a:r>
+            <a:r>
+              <a:rPr lang="en-US" dirty="0" smtClean="0"/>
+              <a:t>-1 &lt; x &lt; 1:</a:t>
             </a:r>
             <a:endParaRPr lang="en-US" dirty="0"/>
           </a:p>
-        </p:txBody>
-      </p:sp>
-      <p:sp>
-        <p:nvSpPr>
-          <p:cNvPr id="3" name="Content Placeholder 2"/>
-          <p:cNvSpPr>
-            <a:spLocks noGrp="1"/>
-          </p:cNvSpPr>
-          <p:nvPr>
-            <p:ph idx="1"/>
-          </p:nvPr>
-        </p:nvSpPr>
-        <p:spPr/>
-        <p:txBody>
-          <a:bodyPr>
-            <a:normAutofit/>
-          </a:bodyPr>
-          <a:lstStyle/>
-          <a:p>
-            <a:pPr algn="l" rtl="0"/>
+          <a:p>
+            <a:pPr marL="0" indent="0" algn="l" rtl="0">
+              <a:buNone/>
+            </a:pPr>
             <a:r>
               <a:rPr lang="en-US" dirty="0"/>
-              <a:t>O</a:t>
-            </a:r>
-            <a:r>
-              <a:rPr lang="en-US" dirty="0" smtClean="0"/>
-              <a:t>bject-oriented </a:t>
-            </a:r>
-            <a:r>
-              <a:rPr lang="en-US" dirty="0" smtClean="0"/>
-              <a:t>programming </a:t>
-            </a:r>
-          </a:p>
-          <a:p>
-            <a:pPr algn="l" rtl="0"/>
-            <a:r>
-              <a:rPr lang="en-US" dirty="0" smtClean="0"/>
-              <a:t>Imperative programming </a:t>
-            </a:r>
-          </a:p>
-          <a:p>
-            <a:pPr algn="l" rtl="0"/>
+              <a:t>        bar()</a:t>
+            </a:r>
+          </a:p>
+          <a:p>
+            <a:pPr marL="0" indent="0" algn="l" rtl="0">
+              <a:buNone/>
+            </a:pPr>
             <a:r>
               <a:rPr lang="en-US" dirty="0"/>
-              <a:t>F</a:t>
-            </a:r>
-            <a:r>
-              <a:rPr lang="en-US" dirty="0" smtClean="0"/>
-              <a:t>unctional </a:t>
-            </a:r>
-            <a:r>
-              <a:rPr lang="en-US" dirty="0" smtClean="0"/>
-              <a:t>programming</a:t>
-            </a:r>
-          </a:p>
-          <a:p>
-            <a:pPr algn="l" rtl="0"/>
+              <a:t>        </a:t>
+            </a:r>
+            <a:r>
+              <a:rPr lang="en-US" dirty="0" err="1"/>
+              <a:t>baz</a:t>
+            </a:r>
             <a:r>
               <a:rPr lang="en-US" dirty="0"/>
-              <a:t>P</a:t>
-            </a:r>
-            <a:r>
-              <a:rPr lang="en-US" dirty="0" smtClean="0"/>
-              <a:t>rocedural programming</a:t>
-            </a:r>
-          </a:p>
-          <a:p>
-            <a:pPr algn="l" rtl="0"/>
-            <a:r>
-              <a:rPr lang="en-US" dirty="0" smtClean="0"/>
-              <a:t>Event driven programming</a:t>
-            </a:r>
-          </a:p>
-          <a:p>
-            <a:pPr algn="l" rtl="0"/>
-            <a:r>
-              <a:rPr lang="en-US" dirty="0" smtClean="0"/>
-              <a:t>Asynchronous programming (especially v.3.5)</a:t>
-            </a:r>
-            <a:endParaRPr lang="en-US" dirty="0" smtClean="0"/>
-          </a:p>
-        </p:txBody>
-      </p:sp>
-      <p:sp>
-        <p:nvSpPr>
-          <p:cNvPr id="4" name="Rectangle 3"/>
-          <p:cNvSpPr/>
-          <p:nvPr/>
-        </p:nvSpPr>
-        <p:spPr>
-          <a:xfrm>
-            <a:off x="1043608" y="6309320"/>
-            <a:ext cx="7974632" cy="369332"/>
-          </a:xfrm>
-          <a:prstGeom prst="rect">
-            <a:avLst/>
-          </a:prstGeom>
-        </p:spPr>
-        <p:txBody>
-          <a:bodyPr wrap="square">
-            <a:spAutoFit/>
-          </a:bodyPr>
-          <a:lstStyle/>
-          <a:p>
-            <a:r>
-              <a:rPr lang="en-GB" dirty="0" smtClean="0">
-                <a:hlinkClick r:id="rId2"/>
-              </a:rPr>
-              <a:t>Wikipedia</a:t>
+              <a:t>()</a:t>
+            </a:r>
+          </a:p>
+          <a:p>
+            <a:pPr marL="0" indent="0" algn="l" rtl="0">
+              <a:buNone/>
+            </a:pPr>
+            <a:r>
+              <a:rPr lang="en-US" dirty="0"/>
+              <a:t>    else:</a:t>
+            </a:r>
+          </a:p>
+          <a:p>
+            <a:pPr marL="0" indent="0" algn="l" rtl="0">
+              <a:buNone/>
+            </a:pPr>
+            <a:r>
+              <a:rPr lang="en-US" dirty="0"/>
+              <a:t>        </a:t>
+            </a:r>
+            <a:r>
+              <a:rPr lang="en-US" dirty="0" err="1"/>
+              <a:t>qux</a:t>
+            </a:r>
+            <a:r>
+              <a:rPr lang="en-US" dirty="0"/>
+              <a:t>(x)</a:t>
+            </a:r>
+          </a:p>
+          <a:p>
+            <a:pPr marL="0" indent="0" algn="l" rtl="0">
+              <a:buNone/>
+            </a:pPr>
+            <a:r>
+              <a:rPr lang="en-US" dirty="0"/>
+              <a:t>        foo(x - 1)</a:t>
             </a:r>
             <a:endParaRPr lang="he-IL" dirty="0"/>
           </a:p>
@@ -8046,20 +8261,13 @@
     </p:spTree>
     <p:extLst>
       <p:ext uri="{BB962C8B-B14F-4D97-AF65-F5344CB8AC3E}">
-        <p14:creationId xmlns:p14="http://schemas.microsoft.com/office/powerpoint/2010/main" val="1602977380"/>
+        <p14:creationId xmlns:p14="http://schemas.microsoft.com/office/powerpoint/2010/main" val="2846433581"/>
       </p:ext>
     </p:extLst>
   </p:cSld>
   <p:clrMapOvr>
     <a:masterClrMapping/>
   </p:clrMapOvr>
-  <p:timing>
-    <p:tnLst>
-      <p:par>
-        <p:cTn id="1" dur="indefinite" restart="never" nodeType="tmRoot"/>
-      </p:par>
-    </p:tnLst>
-  </p:timing>
 </p:sld>
 </file>
 
@@ -8098,6 +8306,121 @@
             <a:pPr rtl="0"/>
             <a:r>
               <a:rPr lang="en-US" dirty="0" smtClean="0"/>
+              <a:t>First language at Israeli universities</a:t>
+            </a:r>
+            <a:endParaRPr lang="he-IL" dirty="0"/>
+          </a:p>
+        </p:txBody>
+      </p:sp>
+      <p:sp>
+        <p:nvSpPr>
+          <p:cNvPr id="3" name="Content Placeholder 2"/>
+          <p:cNvSpPr>
+            <a:spLocks noGrp="1"/>
+          </p:cNvSpPr>
+          <p:nvPr>
+            <p:ph idx="1"/>
+          </p:nvPr>
+        </p:nvSpPr>
+        <p:spPr/>
+        <p:txBody>
+          <a:bodyPr/>
+          <a:lstStyle/>
+          <a:p>
+            <a:pPr algn="l" rtl="0"/>
+            <a:r>
+              <a:rPr lang="en-US" b="1" dirty="0" smtClean="0"/>
+              <a:t>TAU</a:t>
+            </a:r>
+            <a:r>
+              <a:rPr lang="en-US" dirty="0" smtClean="0"/>
+              <a:t>: CS &amp; Engineering use Python</a:t>
+            </a:r>
+          </a:p>
+          <a:p>
+            <a:pPr algn="l" rtl="0"/>
+            <a:r>
+              <a:rPr lang="en-US" b="1" dirty="0" err="1" smtClean="0"/>
+              <a:t>Technion</a:t>
+            </a:r>
+            <a:r>
+              <a:rPr lang="en-US" dirty="0" smtClean="0"/>
+              <a:t>: CS use C, some courses in Python</a:t>
+            </a:r>
+          </a:p>
+          <a:p>
+            <a:pPr algn="l" rtl="0"/>
+            <a:r>
+              <a:rPr lang="en-US" b="1" dirty="0" smtClean="0"/>
+              <a:t>HUJI</a:t>
+            </a:r>
+            <a:r>
+              <a:rPr lang="en-US" dirty="0" smtClean="0"/>
+              <a:t>: CS &amp; Humanities, use Python</a:t>
+            </a:r>
+          </a:p>
+          <a:p>
+            <a:pPr algn="l" rtl="0"/>
+            <a:r>
+              <a:rPr lang="en-US" b="1" dirty="0" smtClean="0"/>
+              <a:t>BGU</a:t>
+            </a:r>
+            <a:r>
+              <a:rPr lang="en-US" dirty="0" smtClean="0"/>
+              <a:t>: CS use Java, Engineering use C</a:t>
+            </a:r>
+            <a:endParaRPr lang="he-IL" dirty="0"/>
+          </a:p>
+        </p:txBody>
+      </p:sp>
+    </p:spTree>
+    <p:extLst>
+      <p:ext uri="{BB962C8B-B14F-4D97-AF65-F5344CB8AC3E}">
+        <p14:creationId xmlns:p14="http://schemas.microsoft.com/office/powerpoint/2010/main" val="1969231355"/>
+      </p:ext>
+    </p:extLst>
+  </p:cSld>
+  <p:clrMapOvr>
+    <a:masterClrMapping/>
+  </p:clrMapOvr>
+</p:sld>
+</file>
+
+<file path=ppt/slides/slide41.xml><?xml version="1.0" encoding="utf-8"?>
+<p:sld xmlns:a="http://schemas.openxmlformats.org/drawingml/2006/main" xmlns:r="http://schemas.openxmlformats.org/officeDocument/2006/relationships" xmlns:p="http://schemas.openxmlformats.org/presentationml/2006/main">
+  <p:cSld>
+    <p:spTree>
+      <p:nvGrpSpPr>
+        <p:cNvPr id="1" name=""/>
+        <p:cNvGrpSpPr/>
+        <p:nvPr/>
+      </p:nvGrpSpPr>
+      <p:grpSpPr>
+        <a:xfrm>
+          <a:off x="0" y="0"/>
+          <a:ext cx="0" cy="0"/>
+          <a:chOff x="0" y="0"/>
+          <a:chExt cx="0" cy="0"/>
+        </a:xfrm>
+      </p:grpSpPr>
+      <p:sp>
+        <p:nvSpPr>
+          <p:cNvPr id="2" name="Title 1"/>
+          <p:cNvSpPr>
+            <a:spLocks noGrp="1"/>
+          </p:cNvSpPr>
+          <p:nvPr>
+            <p:ph type="title"/>
+          </p:nvPr>
+        </p:nvSpPr>
+        <p:spPr/>
+        <p:txBody>
+          <a:bodyPr/>
+          <a:lstStyle/>
+          <a:p>
+            <a:pPr rtl="0"/>
+            <a:r>
+              <a:rPr lang="en-US" dirty="0" smtClean="0"/>
               <a:t>But why </a:t>
             </a:r>
             <a:r>
@@ -8155,13 +8478,8 @@
             </a:r>
             <a:r>
               <a:rPr lang="en-GB" dirty="0" smtClean="0"/>
-              <a:t> would be a cool </a:t>
-            </a:r>
-            <a:r>
-              <a:rPr lang="en-GB" dirty="0" smtClean="0"/>
-              <a:t>name</a:t>
-            </a:r>
-            <a:endParaRPr lang="en-GB" dirty="0" smtClean="0"/>
+              <a:t> would be a cool name</a:t>
+            </a:r>
           </a:p>
           <a:p>
             <a:pPr marL="0" indent="0" algn="l" rtl="0">
@@ -8255,7 +8573,7 @@
 </p:sld>
 </file>
 
-<file path=ppt/slides/slide41.xml><?xml version="1.0" encoding="utf-8"?>
+<file path=ppt/slides/slide42.xml><?xml version="1.0" encoding="utf-8"?>
 <p:sld xmlns:a="http://schemas.openxmlformats.org/drawingml/2006/main" xmlns:r="http://schemas.openxmlformats.org/officeDocument/2006/relationships" xmlns:p="http://schemas.openxmlformats.org/presentationml/2006/main">
   <p:cSld>
     <p:spTree>
@@ -8290,11 +8608,7 @@
             <a:pPr rtl="0"/>
             <a:r>
               <a:rPr lang="en-US" dirty="0" smtClean="0"/>
-              <a:t>What is </a:t>
-            </a:r>
-            <a:r>
-              <a:rPr lang="en-US" dirty="0" smtClean="0"/>
-              <a:t>Python?</a:t>
+              <a:t>What is Python?</a:t>
             </a:r>
             <a:endParaRPr lang="he-IL" dirty="0"/>
           </a:p>
@@ -8428,12 +8742,20 @@
           <a:bodyPr/>
           <a:lstStyle/>
           <a:p>
-            <a:pPr rtl="0"/>
-            <a:r>
-              <a:rPr lang="en-US" dirty="0" smtClean="0"/>
-              <a:t>Language features</a:t>
-            </a:r>
-            <a:endParaRPr lang="he-IL" dirty="0"/>
+            <a:pPr marL="0" indent="0" rtl="0"/>
+            <a:r>
+              <a:rPr lang="en-US" dirty="0" smtClean="0"/>
+              <a:t>Multiple </a:t>
+            </a:r>
+            <a:r>
+              <a:rPr lang="en-US" dirty="0"/>
+              <a:t>programming </a:t>
+            </a:r>
+            <a:r>
+              <a:rPr lang="en-US" dirty="0" smtClean="0"/>
+              <a:t>paradigms</a:t>
+            </a:r>
+            <a:endParaRPr lang="en-US" dirty="0"/>
           </a:p>
         </p:txBody>
       </p:sp>
@@ -8456,43 +8778,55 @@
           <a:p>
             <a:pPr algn="l" rtl="0"/>
             <a:r>
-              <a:rPr lang="en-US" dirty="0" smtClean="0"/>
-              <a:t>Interpreted language</a:t>
-            </a:r>
-          </a:p>
-          <a:p>
-            <a:pPr algn="l" rtl="0"/>
-            <a:r>
-              <a:rPr lang="en-US" dirty="0" smtClean="0"/>
-              <a:t>Dynamic </a:t>
-            </a:r>
-            <a:r>
-              <a:rPr lang="en-US" dirty="0" smtClean="0"/>
-              <a:t>type system </a:t>
-            </a:r>
-            <a:r>
-              <a:rPr lang="en-US" dirty="0" smtClean="0"/>
-              <a:t>(duck-typing)</a:t>
-            </a:r>
-            <a:endParaRPr lang="en-US" dirty="0" smtClean="0"/>
-          </a:p>
-          <a:p>
-            <a:pPr algn="l" rtl="0"/>
-            <a:r>
-              <a:rPr lang="en-US" dirty="0" smtClean="0"/>
-              <a:t>Automatic memory </a:t>
-            </a:r>
-            <a:r>
-              <a:rPr lang="en-US" dirty="0" smtClean="0"/>
-              <a:t>management (GC) </a:t>
-            </a:r>
-            <a:endParaRPr lang="en-US" dirty="0" smtClean="0"/>
-          </a:p>
-          <a:p>
-            <a:pPr algn="l" rtl="0"/>
-            <a:r>
-              <a:rPr lang="en-US" dirty="0" smtClean="0"/>
-              <a:t>Large and comprehensive standard library</a:t>
+              <a:rPr lang="en-US" dirty="0"/>
+              <a:t>O</a:t>
+            </a:r>
+            <a:r>
+              <a:rPr lang="en-US" dirty="0" smtClean="0"/>
+              <a:t>bject-oriented programming </a:t>
+            </a:r>
+          </a:p>
+          <a:p>
+            <a:pPr algn="l" rtl="0"/>
+            <a:r>
+              <a:rPr lang="en-US" dirty="0" smtClean="0"/>
+              <a:t>Imperative programming </a:t>
+            </a:r>
+          </a:p>
+          <a:p>
+            <a:pPr algn="l" rtl="0"/>
+            <a:r>
+              <a:rPr lang="en-US" dirty="0"/>
+              <a:t>F</a:t>
+            </a:r>
+            <a:r>
+              <a:rPr lang="en-US" dirty="0" smtClean="0"/>
+              <a:t>unctional programming</a:t>
+            </a:r>
+          </a:p>
+          <a:p>
+            <a:pPr algn="l" rtl="0"/>
+            <a:r>
+              <a:rPr lang="en-US" dirty="0"/>
+              <a:t>P</a:t>
+            </a:r>
+            <a:r>
+              <a:rPr lang="en-US" dirty="0" smtClean="0"/>
+              <a:t>rocedural programming</a:t>
+            </a:r>
+          </a:p>
+          <a:p>
+            <a:pPr algn="l" rtl="0"/>
+            <a:r>
+              <a:rPr lang="en-US" dirty="0" smtClean="0"/>
+              <a:t>Event driven programming</a:t>
+            </a:r>
+          </a:p>
+          <a:p>
+            <a:pPr algn="l" rtl="0"/>
+            <a:r>
+              <a:rPr lang="en-US" dirty="0" smtClean="0"/>
+              <a:t>Asynchronous programming (especially v.3.5)</a:t>
             </a:r>
           </a:p>
         </p:txBody>
@@ -8531,13 +8865,20 @@
     </p:spTree>
     <p:extLst>
       <p:ext uri="{BB962C8B-B14F-4D97-AF65-F5344CB8AC3E}">
-        <p14:creationId xmlns:p14="http://schemas.microsoft.com/office/powerpoint/2010/main" val="1192061760"/>
+        <p14:creationId xmlns:p14="http://schemas.microsoft.com/office/powerpoint/2010/main" val="1602977380"/>
       </p:ext>
     </p:extLst>
   </p:cSld>
   <p:clrMapOvr>
     <a:masterClrMapping/>
   </p:clrMapOvr>
+  <p:timing>
+    <p:tnLst>
+      <p:par>
+        <p:cTn id="1" dur="indefinite" restart="never" nodeType="tmRoot"/>
+      </p:par>
+    </p:tnLst>
+  </p:timing>
 </p:sld>
 </file>
 
@@ -8576,9 +8917,9 @@
             <a:pPr rtl="0"/>
             <a:r>
               <a:rPr lang="en-US" dirty="0" smtClean="0"/>
-              <a:t>Multi-platform</a:t>
-            </a:r>
-            <a:endParaRPr lang="en-US" dirty="0"/>
+              <a:t>Language features</a:t>
+            </a:r>
+            <a:endParaRPr lang="he-IL" dirty="0"/>
           </a:p>
         </p:txBody>
       </p:sp>
@@ -8602,21 +8943,28 @@
             <a:pPr algn="l" rtl="0"/>
             <a:r>
               <a:rPr lang="en-US" dirty="0" smtClean="0"/>
-              <a:t>Interpreters available for many operating systems</a:t>
-            </a:r>
-          </a:p>
-          <a:p>
-            <a:pPr algn="l" rtl="0"/>
-            <a:r>
-              <a:rPr lang="en-US" dirty="0" smtClean="0"/>
-              <a:t>Code can be executed on a wide variety of systems</a:t>
-            </a:r>
-          </a:p>
-          <a:p>
-            <a:pPr algn="l" rtl="0"/>
-            <a:r>
-              <a:rPr lang="en-US" dirty="0" smtClean="0"/>
-              <a:t>Code can be packaged into stand-alone executable programs</a:t>
+              <a:t>Interpreted language</a:t>
+            </a:r>
+          </a:p>
+          <a:p>
+            <a:pPr algn="l" rtl="0"/>
+            <a:r>
+              <a:rPr lang="en-US" dirty="0" smtClean="0"/>
+              <a:t>Dynamic type system (duck-typing)</a:t>
+            </a:r>
+          </a:p>
+          <a:p>
+            <a:pPr algn="l" rtl="0"/>
+            <a:r>
+              <a:rPr lang="en-US" dirty="0" smtClean="0"/>
+              <a:t>Automatic memory management (GC) </a:t>
+            </a:r>
+          </a:p>
+          <a:p>
+            <a:pPr algn="l" rtl="0"/>
+            <a:r>
+              <a:rPr lang="en-US" dirty="0" smtClean="0"/>
+              <a:t>Large and comprehensive standard library</a:t>
             </a:r>
           </a:p>
         </p:txBody>
@@ -8655,7 +9003,7 @@
     </p:spTree>
     <p:extLst>
       <p:ext uri="{BB962C8B-B14F-4D97-AF65-F5344CB8AC3E}">
-        <p14:creationId xmlns:p14="http://schemas.microsoft.com/office/powerpoint/2010/main" val="1602977380"/>
+        <p14:creationId xmlns:p14="http://schemas.microsoft.com/office/powerpoint/2010/main" val="1192061760"/>
       </p:ext>
     </p:extLst>
   </p:cSld>
@@ -8700,9 +9048,9 @@
             <a:pPr rtl="0"/>
             <a:r>
               <a:rPr lang="en-US" dirty="0" smtClean="0"/>
-              <a:t>Python culture</a:t>
-            </a:r>
-            <a:endParaRPr lang="he-IL" dirty="0"/>
+              <a:t>Multi-platform</a:t>
+            </a:r>
+            <a:endParaRPr lang="en-US" dirty="0"/>
           </a:p>
         </p:txBody>
       </p:sp>
@@ -8716,154 +9064,32 @@
             <p:ph idx="1"/>
           </p:nvPr>
         </p:nvSpPr>
-        <p:spPr>
-          <a:xfrm>
-            <a:off x="457200" y="1600200"/>
-            <a:ext cx="8229600" cy="4893786"/>
-          </a:xfrm>
-        </p:spPr>
+        <p:spPr/>
         <p:txBody>
           <a:bodyPr>
-            <a:normAutofit fontScale="85000" lnSpcReduction="10000"/>
+            <a:normAutofit/>
           </a:bodyPr>
           <a:lstStyle/>
           <a:p>
             <a:pPr algn="l" rtl="0"/>
             <a:r>
               <a:rPr lang="en-US" dirty="0" smtClean="0"/>
-              <a:t>Free </a:t>
-            </a:r>
-            <a:r>
-              <a:rPr lang="en-US" dirty="0" smtClean="0"/>
-              <a:t>and open-source </a:t>
-            </a:r>
-            <a:r>
-              <a:rPr lang="en-US" dirty="0" smtClean="0"/>
-              <a:t>software</a:t>
-            </a:r>
-            <a:endParaRPr lang="en-US" dirty="0" smtClean="0"/>
-          </a:p>
-          <a:p>
-            <a:pPr algn="l" rtl="0"/>
-            <a:r>
-              <a:rPr lang="en-US" dirty="0" smtClean="0"/>
-              <a:t>Community-based development model</a:t>
-            </a:r>
-          </a:p>
-          <a:p>
-            <a:pPr algn="l" rtl="0"/>
-            <a:r>
-              <a:rPr lang="en-US" dirty="0" smtClean="0"/>
-              <a:t>Managed by the non-profit </a:t>
-            </a:r>
-            <a:r>
-              <a:rPr lang="en-US" i="1" dirty="0" smtClean="0"/>
-              <a:t>Python Software </a:t>
-            </a:r>
-            <a:r>
-              <a:rPr lang="en-US" i="1" dirty="0" smtClean="0"/>
-              <a:t>Foundation</a:t>
-            </a:r>
-            <a:r>
-              <a:rPr lang="en-US" i="1" dirty="0"/>
-              <a:t> </a:t>
-            </a:r>
-            <a:r>
-              <a:rPr lang="en-US" dirty="0" smtClean="0"/>
-              <a:t>(PSF)</a:t>
-            </a:r>
-            <a:endParaRPr lang="en-US" dirty="0" smtClean="0"/>
-          </a:p>
-          <a:p>
-            <a:pPr algn="l" rtl="0"/>
-            <a:r>
-              <a:rPr lang="en-US" i="1" dirty="0" err="1"/>
-              <a:t>CPython</a:t>
-            </a:r>
-            <a:r>
-              <a:rPr lang="en-US" i="1" dirty="0"/>
-              <a:t> </a:t>
-            </a:r>
-            <a:r>
-              <a:rPr lang="en-US" dirty="0"/>
-              <a:t>is the reference implementation of </a:t>
-            </a:r>
-            <a:r>
-              <a:rPr lang="en-US" dirty="0" smtClean="0"/>
-              <a:t>Python</a:t>
-            </a:r>
-            <a:endParaRPr lang="en-US" i="1" dirty="0" smtClean="0"/>
-          </a:p>
-          <a:p>
-            <a:pPr algn="l" rtl="0"/>
-            <a:r>
-              <a:rPr lang="en-US" dirty="0" smtClean="0"/>
-              <a:t>Other implementations:</a:t>
-            </a:r>
-          </a:p>
-          <a:p>
-            <a:pPr lvl="1" algn="l" rtl="0"/>
-            <a:r>
-              <a:rPr lang="en-US" dirty="0" err="1" smtClean="0"/>
-              <a:t>IronPython</a:t>
-            </a:r>
-            <a:r>
-              <a:rPr lang="en-US" dirty="0" smtClean="0"/>
-              <a:t> for .NET framework, written in C#</a:t>
-            </a:r>
-          </a:p>
-          <a:p>
-            <a:pPr lvl="1" algn="l" rtl="0"/>
-            <a:r>
-              <a:rPr lang="en-US" dirty="0" err="1" smtClean="0"/>
-              <a:t>Jython</a:t>
-            </a:r>
-            <a:r>
-              <a:rPr lang="en-US" dirty="0"/>
-              <a:t> </a:t>
-            </a:r>
-            <a:r>
-              <a:rPr lang="en-US" dirty="0" smtClean="0"/>
-              <a:t>for Java framework</a:t>
-            </a:r>
-          </a:p>
-          <a:p>
-            <a:pPr lvl="1" algn="l" rtl="0"/>
-            <a:r>
-              <a:rPr lang="en-US" dirty="0" err="1" smtClean="0"/>
-              <a:t>PyPy</a:t>
-            </a:r>
-            <a:r>
-              <a:rPr lang="en-US" dirty="0" smtClean="0"/>
-              <a:t> interpreter and JIT compiler, written in Python</a:t>
-            </a:r>
-          </a:p>
-          <a:p>
-            <a:pPr lvl="1" algn="l" rtl="0"/>
-            <a:r>
-              <a:rPr lang="en-US" dirty="0" err="1" smtClean="0"/>
-              <a:t>MicroPython</a:t>
-            </a:r>
-            <a:r>
-              <a:rPr lang="en-US" dirty="0" smtClean="0"/>
-              <a:t> for microcontrollers and embedded </a:t>
-            </a:r>
-            <a:r>
-              <a:rPr lang="en-US" dirty="0" smtClean="0"/>
-              <a:t>systems</a:t>
-            </a:r>
-          </a:p>
-          <a:p>
-            <a:pPr lvl="1" algn="l" rtl="0"/>
-            <a:r>
-              <a:rPr lang="en-US" dirty="0" smtClean="0"/>
-              <a:t>…</a:t>
-            </a:r>
-            <a:endParaRPr lang="en-US" dirty="0" smtClean="0"/>
-          </a:p>
-          <a:p>
-            <a:pPr lvl="1" algn="l" rtl="0"/>
-            <a:endParaRPr lang="he-IL" dirty="0"/>
+              <a:t>Interpreters available for many operating systems</a:t>
+            </a:r>
+          </a:p>
+          <a:p>
+            <a:pPr algn="l" rtl="0"/>
+            <a:r>
+              <a:rPr lang="en-US" dirty="0" smtClean="0"/>
+              <a:t>Code can be executed on a wide variety of systems</a:t>
+            </a:r>
+          </a:p>
+          <a:p>
+            <a:pPr algn="l" rtl="0"/>
+            <a:r>
+              <a:rPr lang="en-US" dirty="0" smtClean="0"/>
+              <a:t>Code can be packaged into stand-alone executable programs</a:t>
+            </a:r>
           </a:p>
         </p:txBody>
       </p:sp>
@@ -8946,160 +9172,189 @@
             <a:pPr rtl="0"/>
             <a:r>
               <a:rPr lang="en-US" dirty="0" smtClean="0"/>
-              <a:t>History </a:t>
-            </a:r>
-            <a:r>
-              <a:rPr lang="en-US" dirty="0" smtClean="0"/>
-              <a:t>of </a:t>
+              <a:t>Python culture</a:t>
+            </a:r>
+            <a:endParaRPr lang="he-IL" dirty="0"/>
+          </a:p>
+        </p:txBody>
+      </p:sp>
+      <p:sp>
+        <p:nvSpPr>
+          <p:cNvPr id="3" name="Content Placeholder 2"/>
+          <p:cNvSpPr>
+            <a:spLocks noGrp="1"/>
+          </p:cNvSpPr>
+          <p:nvPr>
+            <p:ph idx="1"/>
+          </p:nvPr>
+        </p:nvSpPr>
+        <p:spPr>
+          <a:xfrm>
+            <a:off x="457200" y="1600200"/>
+            <a:ext cx="8229600" cy="4893786"/>
+          </a:xfrm>
+        </p:spPr>
+        <p:txBody>
+          <a:bodyPr>
+            <a:normAutofit fontScale="85000" lnSpcReduction="10000"/>
+          </a:bodyPr>
+          <a:lstStyle/>
+          <a:p>
+            <a:pPr algn="l" rtl="0"/>
+            <a:r>
+              <a:rPr lang="en-US" dirty="0" smtClean="0"/>
+              <a:t>Free and open-source software</a:t>
+            </a:r>
+          </a:p>
+          <a:p>
+            <a:pPr algn="l" rtl="0"/>
+            <a:r>
+              <a:rPr lang="en-US" dirty="0" smtClean="0"/>
+              <a:t>Community-based development model</a:t>
+            </a:r>
+          </a:p>
+          <a:p>
+            <a:pPr algn="l" rtl="0"/>
+            <a:r>
+              <a:rPr lang="en-US" dirty="0" smtClean="0"/>
+              <a:t>Managed by the non-profit </a:t>
+            </a:r>
+            <a:r>
+              <a:rPr lang="en-US" i="1" dirty="0" smtClean="0"/>
+              <a:t>Python Software Foundation</a:t>
+            </a:r>
+            <a:r>
+              <a:rPr lang="en-US" i="1" dirty="0"/>
+              <a:t> </a:t>
+            </a:r>
+            <a:r>
+              <a:rPr lang="en-US" dirty="0" smtClean="0"/>
+              <a:t>(PSF)</a:t>
+            </a:r>
+          </a:p>
+          <a:p>
+            <a:pPr algn="l" rtl="0"/>
+            <a:r>
+              <a:rPr lang="en-US" i="1" dirty="0" err="1"/>
+              <a:t>CPython</a:t>
+            </a:r>
+            <a:r>
+              <a:rPr lang="en-US" i="1" dirty="0"/>
+              <a:t> </a:t>
+            </a:r>
+            <a:r>
+              <a:rPr lang="en-US" dirty="0"/>
+              <a:t>is the reference implementation of </a:t>
             </a:r>
             <a:r>
               <a:rPr lang="en-US" dirty="0" smtClean="0"/>
               <a:t>Python</a:t>
             </a:r>
+            <a:endParaRPr lang="en-US" i="1" dirty="0" smtClean="0"/>
+          </a:p>
+          <a:p>
+            <a:pPr algn="l" rtl="0"/>
+            <a:r>
+              <a:rPr lang="en-US" dirty="0" smtClean="0"/>
+              <a:t>Other implementations:</a:t>
+            </a:r>
+          </a:p>
+          <a:p>
+            <a:pPr lvl="1" algn="l" rtl="0"/>
+            <a:r>
+              <a:rPr lang="en-US" dirty="0" err="1" smtClean="0"/>
+              <a:t>IronPython</a:t>
+            </a:r>
+            <a:r>
+              <a:rPr lang="en-US" dirty="0" smtClean="0"/>
+              <a:t> for .NET framework, written in C#</a:t>
+            </a:r>
+          </a:p>
+          <a:p>
+            <a:pPr lvl="1" algn="l" rtl="0"/>
+            <a:r>
+              <a:rPr lang="en-US" dirty="0" err="1" smtClean="0"/>
+              <a:t>Jython</a:t>
+            </a:r>
+            <a:r>
+              <a:rPr lang="en-US" dirty="0"/>
+              <a:t> </a:t>
+            </a:r>
+            <a:r>
+              <a:rPr lang="en-US" dirty="0" smtClean="0"/>
+              <a:t>for Java framework</a:t>
+            </a:r>
+          </a:p>
+          <a:p>
+            <a:pPr lvl="1" algn="l" rtl="0"/>
+            <a:r>
+              <a:rPr lang="en-US" dirty="0" err="1" smtClean="0"/>
+              <a:t>PyPy</a:t>
+            </a:r>
+            <a:r>
+              <a:rPr lang="en-US" dirty="0" smtClean="0"/>
+              <a:t> interpreter and JIT compiler, written in Python</a:t>
+            </a:r>
+          </a:p>
+          <a:p>
+            <a:pPr lvl="1" algn="l" rtl="0"/>
+            <a:r>
+              <a:rPr lang="en-US" dirty="0" err="1" smtClean="0"/>
+              <a:t>MicroPython</a:t>
+            </a:r>
+            <a:r>
+              <a:rPr lang="en-US" dirty="0" smtClean="0"/>
+              <a:t> for microcontrollers and embedded systems</a:t>
+            </a:r>
+          </a:p>
+          <a:p>
+            <a:pPr lvl="1" algn="l" rtl="0"/>
+            <a:r>
+              <a:rPr lang="en-US" dirty="0" smtClean="0"/>
+              <a:t>…</a:t>
+            </a:r>
+          </a:p>
+          <a:p>
+            <a:pPr lvl="1" algn="l" rtl="0"/>
             <a:endParaRPr lang="he-IL" dirty="0"/>
           </a:p>
         </p:txBody>
       </p:sp>
       <p:sp>
         <p:nvSpPr>
-          <p:cNvPr id="3" name="Content Placeholder 2"/>
-          <p:cNvSpPr>
-            <a:spLocks noGrp="1"/>
-          </p:cNvSpPr>
-          <p:nvPr>
-            <p:ph idx="1"/>
-          </p:nvPr>
-        </p:nvSpPr>
-        <p:spPr/>
-        <p:txBody>
-          <a:bodyPr>
-            <a:normAutofit fontScale="85000" lnSpcReduction="20000"/>
+          <p:cNvPr id="4" name="Rectangle 3"/>
+          <p:cNvSpPr/>
+          <p:nvPr/>
+        </p:nvSpPr>
+        <p:spPr>
+          <a:xfrm>
+            <a:off x="1043608" y="6309320"/>
+            <a:ext cx="7974632" cy="369332"/>
+          </a:xfrm>
+          <a:prstGeom prst="rect">
+            <a:avLst/>
+          </a:prstGeom>
+        </p:spPr>
+        <p:txBody>
+          <a:bodyPr wrap="square">
+            <a:spAutoFit/>
           </a:bodyPr>
           <a:lstStyle/>
           <a:p>
-            <a:pPr algn="l" rtl="0"/>
-            <a:r>
-              <a:rPr lang="en-US" dirty="0" smtClean="0"/>
-              <a:t>Developed in 1989-91 </a:t>
-            </a:r>
-            <a:r>
-              <a:rPr lang="en-US" dirty="0" smtClean="0"/>
-              <a:t>by </a:t>
-            </a:r>
-            <a:r>
-              <a:rPr lang="en-GB" b="1" dirty="0" smtClean="0"/>
-              <a:t>Guido van Rossum </a:t>
-            </a:r>
-            <a:r>
-              <a:rPr lang="en-GB" dirty="0" smtClean="0"/>
-              <a:t>in the Netherlands</a:t>
-            </a:r>
-          </a:p>
-          <a:p>
-            <a:pPr algn="l" rtl="0"/>
-            <a:r>
-              <a:rPr lang="en-US" dirty="0" smtClean="0"/>
-              <a:t>Python 2.0 released </a:t>
-            </a:r>
-            <a:r>
-              <a:rPr lang="en-US" dirty="0" smtClean="0"/>
-              <a:t>Oct 2000</a:t>
-            </a:r>
-            <a:endParaRPr lang="en-US" dirty="0" smtClean="0"/>
-          </a:p>
-          <a:p>
-            <a:pPr algn="l" rtl="0"/>
-            <a:r>
-              <a:rPr lang="en-US" dirty="0" smtClean="0"/>
-              <a:t>Many major new features:</a:t>
-            </a:r>
-          </a:p>
-          <a:p>
-            <a:pPr lvl="1" algn="l" rtl="0"/>
-            <a:r>
-              <a:rPr lang="en-US" dirty="0" smtClean="0"/>
-              <a:t>cycle-detecting garbage collector </a:t>
-            </a:r>
-          </a:p>
-          <a:p>
-            <a:pPr lvl="1" algn="l" rtl="0"/>
-            <a:r>
-              <a:rPr lang="en-US" dirty="0" smtClean="0"/>
-              <a:t>support for </a:t>
-            </a:r>
-            <a:r>
-              <a:rPr lang="en-US" dirty="0" smtClean="0"/>
-              <a:t>Unicode</a:t>
-            </a:r>
-            <a:endParaRPr lang="en-US" dirty="0" smtClean="0"/>
-          </a:p>
-          <a:p>
-            <a:pPr lvl="1" algn="l" rtl="0"/>
-            <a:r>
-              <a:rPr lang="en-US" dirty="0" smtClean="0"/>
-              <a:t>shift to transparent and community-backed development </a:t>
-            </a:r>
-          </a:p>
-          <a:p>
-            <a:pPr algn="l" rtl="0"/>
-            <a:r>
-              <a:rPr lang="en-US" dirty="0" smtClean="0"/>
-              <a:t>Python 3.0 released </a:t>
-            </a:r>
-            <a:r>
-              <a:rPr lang="en-US" dirty="0" smtClean="0"/>
-              <a:t>Dec 2008</a:t>
-            </a:r>
-            <a:endParaRPr lang="en-US" dirty="0" smtClean="0"/>
-          </a:p>
-          <a:p>
-            <a:pPr lvl="1" algn="l" rtl="0"/>
-            <a:r>
-              <a:rPr lang="en-US" dirty="0" smtClean="0"/>
-              <a:t>major backwards-incompatible release</a:t>
-            </a:r>
-          </a:p>
-          <a:p>
-            <a:pPr lvl="1" algn="l" rtl="0"/>
-            <a:r>
-              <a:rPr lang="en-US" dirty="0" smtClean="0"/>
-              <a:t>many of major features backported to Python 2.6 and 2.7</a:t>
-            </a:r>
-          </a:p>
-          <a:p>
-            <a:pPr algn="l" rtl="0"/>
-            <a:r>
-              <a:rPr lang="en-US" dirty="0" smtClean="0"/>
-              <a:t>Python 3.5 released </a:t>
-            </a:r>
-            <a:r>
-              <a:rPr lang="en-US" dirty="0" smtClean="0"/>
-              <a:t>Sep 2015</a:t>
-            </a:r>
-            <a:endParaRPr lang="en-GB" dirty="0" smtClean="0"/>
-          </a:p>
-          <a:p>
-            <a:pPr algn="l" rtl="0"/>
-            <a:endParaRPr lang="en-GB" b="1" dirty="0"/>
-          </a:p>
-          <a:p>
-            <a:pPr algn="l" rtl="0"/>
-            <a:endParaRPr lang="en-GB" b="1" dirty="0" smtClean="0"/>
-          </a:p>
-          <a:p>
-            <a:pPr algn="l" rtl="0"/>
-            <a:endParaRPr lang="en-GB" b="1" dirty="0"/>
-          </a:p>
-          <a:p>
-            <a:pPr algn="l" rtl="0"/>
-            <a:endParaRPr lang="en-GB" b="1" dirty="0" smtClean="0"/>
+            <a:r>
+              <a:rPr lang="en-GB" dirty="0" smtClean="0">
+                <a:hlinkClick r:id="rId2"/>
+              </a:rPr>
+              <a:t>Wikipedia</a:t>
+            </a:r>
+            <a:endParaRPr lang="he-IL" dirty="0"/>
           </a:p>
         </p:txBody>
       </p:sp>
     </p:spTree>
     <p:extLst>
       <p:ext uri="{BB962C8B-B14F-4D97-AF65-F5344CB8AC3E}">
-        <p14:creationId xmlns:p14="http://schemas.microsoft.com/office/powerpoint/2010/main" val="3138522739"/>
+        <p14:creationId xmlns:p14="http://schemas.microsoft.com/office/powerpoint/2010/main" val="1602977380"/>
       </p:ext>
     </p:extLst>
   </p:cSld>
@@ -9144,7 +9399,7 @@
             <a:pPr rtl="0"/>
             <a:r>
               <a:rPr lang="en-US" dirty="0" smtClean="0"/>
-              <a:t>Version history</a:t>
+              <a:t>History of Python</a:t>
             </a:r>
             <a:endParaRPr lang="he-IL" dirty="0"/>
           </a:p>
@@ -9157,216 +9412,116 @@
             <a:spLocks noGrp="1"/>
           </p:cNvSpPr>
           <p:nvPr>
-            <p:ph sz="half" idx="1"/>
+            <p:ph idx="1"/>
           </p:nvPr>
         </p:nvSpPr>
         <p:spPr/>
         <p:txBody>
           <a:bodyPr>
-            <a:noAutofit/>
+            <a:normAutofit fontScale="85000" lnSpcReduction="20000"/>
           </a:bodyPr>
           <a:lstStyle/>
           <a:p>
-            <a:pPr marL="0" indent="0" algn="l" rtl="0">
-              <a:buNone/>
-            </a:pPr>
-            <a:r>
-              <a:rPr lang="en-GB" sz="2000" dirty="0" smtClean="0"/>
-              <a:t>    Python 1.0 - January 1994</a:t>
-            </a:r>
-          </a:p>
-          <a:p>
-            <a:pPr marL="0" indent="0" algn="l" rtl="0">
-              <a:buNone/>
-            </a:pPr>
-            <a:r>
-              <a:rPr lang="en-GB" sz="2000" dirty="0" smtClean="0"/>
-              <a:t>        Python 1.5 - December 31, 1997</a:t>
-            </a:r>
-          </a:p>
-          <a:p>
-            <a:pPr marL="0" indent="0" algn="l" rtl="0">
-              <a:buNone/>
-            </a:pPr>
-            <a:r>
-              <a:rPr lang="en-GB" sz="2000" dirty="0" smtClean="0"/>
-              <a:t>        Python 1.6 - September 5, 2000</a:t>
-            </a:r>
-          </a:p>
-          <a:p>
-            <a:pPr marL="0" indent="0" algn="l" rtl="0">
-              <a:buNone/>
-            </a:pPr>
-            <a:r>
-              <a:rPr lang="en-GB" sz="2000" dirty="0" smtClean="0"/>
-              <a:t>    Python 2.0 - October 16, 2000</a:t>
-            </a:r>
-          </a:p>
-          <a:p>
-            <a:pPr marL="0" indent="0" algn="l" rtl="0">
-              <a:buNone/>
-            </a:pPr>
-            <a:r>
-              <a:rPr lang="en-GB" sz="2000" dirty="0" smtClean="0"/>
-              <a:t>        Python 2.1 - April 17, 2001</a:t>
-            </a:r>
-          </a:p>
-          <a:p>
-            <a:pPr marL="0" indent="0" algn="l" rtl="0">
-              <a:buNone/>
-            </a:pPr>
-            <a:r>
-              <a:rPr lang="en-GB" sz="2000" dirty="0" smtClean="0"/>
-              <a:t>        Python 2.2 - December 21, 2001</a:t>
-            </a:r>
-          </a:p>
-          <a:p>
-            <a:pPr marL="0" indent="0" algn="l" rtl="0">
-              <a:buNone/>
-            </a:pPr>
-            <a:r>
-              <a:rPr lang="en-GB" sz="2000" dirty="0" smtClean="0"/>
-              <a:t>        Python 2.3 - July 29, 2003</a:t>
-            </a:r>
-          </a:p>
-          <a:p>
-            <a:pPr marL="0" indent="0" algn="l" rtl="0">
-              <a:buNone/>
-            </a:pPr>
-            <a:r>
-              <a:rPr lang="en-GB" sz="2000" dirty="0" smtClean="0"/>
-              <a:t>        Python 2.4 - November 30, 2004</a:t>
-            </a:r>
-          </a:p>
-          <a:p>
-            <a:pPr marL="0" indent="0" algn="l" rtl="0">
-              <a:buNone/>
-            </a:pPr>
-            <a:r>
-              <a:rPr lang="en-GB" sz="2000" dirty="0" smtClean="0"/>
-              <a:t>        Python 2.5 - September 19, 2006</a:t>
-            </a:r>
-          </a:p>
-          <a:p>
-            <a:pPr marL="0" indent="0" algn="l" rtl="0">
-              <a:buNone/>
-            </a:pPr>
-            <a:r>
-              <a:rPr lang="en-GB" sz="2000" dirty="0" smtClean="0"/>
-              <a:t>        Python 2.6 - October 1, 2008</a:t>
-            </a:r>
-          </a:p>
-          <a:p>
-            <a:pPr marL="0" indent="0" algn="l" rtl="0">
-              <a:buNone/>
-            </a:pPr>
-            <a:r>
-              <a:rPr lang="en-GB" sz="2000" dirty="0" smtClean="0"/>
-              <a:t>        </a:t>
-            </a:r>
-            <a:r>
-              <a:rPr lang="en-GB" sz="2000" u="sng" dirty="0" smtClean="0"/>
-              <a:t>Python 2.7 - July 3, 2010</a:t>
-            </a:r>
-          </a:p>
-          <a:p>
-            <a:pPr marL="0" indent="0" algn="l" rtl="0">
-              <a:buNone/>
-            </a:pPr>
-            <a:r>
-              <a:rPr lang="en-GB" sz="2000" dirty="0" smtClean="0"/>
-              <a:t>    </a:t>
-            </a:r>
-            <a:endParaRPr lang="en-GB" sz="2000" b="1" dirty="0" smtClean="0"/>
-          </a:p>
-        </p:txBody>
-      </p:sp>
-      <p:sp>
-        <p:nvSpPr>
-          <p:cNvPr id="4" name="Content Placeholder 3"/>
-          <p:cNvSpPr>
-            <a:spLocks noGrp="1"/>
-          </p:cNvSpPr>
-          <p:nvPr>
-            <p:ph sz="half" idx="2"/>
-          </p:nvPr>
-        </p:nvSpPr>
-        <p:spPr/>
-        <p:txBody>
-          <a:bodyPr>
-            <a:normAutofit/>
-          </a:bodyPr>
-          <a:lstStyle/>
-          <a:p>
-            <a:pPr marL="0" indent="0" algn="l" rtl="0">
-              <a:buNone/>
-            </a:pPr>
-            <a:r>
-              <a:rPr lang="en-GB" sz="2000" dirty="0" smtClean="0"/>
-              <a:t>Python 3.0 - December 3, 2008</a:t>
-            </a:r>
-          </a:p>
-          <a:p>
-            <a:pPr marL="0" indent="0" algn="l" rtl="0">
-              <a:buNone/>
-            </a:pPr>
-            <a:r>
-              <a:rPr lang="en-GB" sz="2000" dirty="0" smtClean="0"/>
-              <a:t>        Python 3.1 - June 27, 2009</a:t>
-            </a:r>
-          </a:p>
-          <a:p>
-            <a:pPr marL="0" indent="0" algn="l" rtl="0">
-              <a:buNone/>
-            </a:pPr>
-            <a:r>
-              <a:rPr lang="en-GB" sz="2000" dirty="0" smtClean="0"/>
-              <a:t>        Python 3.2 - February 20, 2011</a:t>
-            </a:r>
-          </a:p>
-          <a:p>
-            <a:pPr marL="0" indent="0" algn="l" rtl="0">
-              <a:buNone/>
-            </a:pPr>
-            <a:r>
-              <a:rPr lang="en-GB" sz="2000" dirty="0" smtClean="0"/>
-              <a:t>        Python 3.3 - September 29, 2012</a:t>
-            </a:r>
-          </a:p>
-          <a:p>
-            <a:pPr marL="0" indent="0" algn="l" rtl="0">
-              <a:buNone/>
-            </a:pPr>
-            <a:r>
-              <a:rPr lang="en-GB" sz="2000" dirty="0" smtClean="0"/>
-              <a:t>        Python 3.4 - March 16, 2014</a:t>
-            </a:r>
-          </a:p>
-          <a:p>
-            <a:pPr marL="0" indent="0" algn="l" rtl="0">
-              <a:buNone/>
-            </a:pPr>
-            <a:r>
-              <a:rPr lang="en-GB" sz="2000" dirty="0" smtClean="0"/>
-              <a:t>        </a:t>
-            </a:r>
-            <a:r>
-              <a:rPr lang="en-GB" sz="2000" u="sng" dirty="0" smtClean="0"/>
-              <a:t>Python 3.5 - September 13, 2015</a:t>
-            </a:r>
-          </a:p>
-          <a:p>
-            <a:pPr marL="0" indent="0" algn="l" rtl="0">
-              <a:buNone/>
-            </a:pPr>
-            <a:endParaRPr lang="he-IL" sz="2000" dirty="0"/>
+            <a:pPr algn="l" rtl="0"/>
+            <a:r>
+              <a:rPr lang="en-US" dirty="0" smtClean="0"/>
+              <a:t>Developed in 1989-91 by </a:t>
+            </a:r>
+            <a:r>
+              <a:rPr lang="en-GB" b="1" dirty="0" smtClean="0"/>
+              <a:t>Guido van Rossum </a:t>
+            </a:r>
+            <a:r>
+              <a:rPr lang="en-GB" dirty="0" smtClean="0"/>
+              <a:t>in the Netherlands</a:t>
+            </a:r>
+          </a:p>
+          <a:p>
+            <a:pPr algn="l" rtl="0"/>
+            <a:r>
+              <a:rPr lang="en-US" dirty="0" smtClean="0"/>
+              <a:t>Python 2.0 released Oct 2000</a:t>
+            </a:r>
+          </a:p>
+          <a:p>
+            <a:pPr algn="l" rtl="0"/>
+            <a:r>
+              <a:rPr lang="en-US" dirty="0" smtClean="0"/>
+              <a:t>Many major new features:</a:t>
+            </a:r>
+          </a:p>
+          <a:p>
+            <a:pPr lvl="1" algn="l" rtl="0"/>
+            <a:r>
+              <a:rPr lang="en-US" dirty="0" smtClean="0"/>
+              <a:t>cycle-detecting garbage collector </a:t>
+            </a:r>
+          </a:p>
+          <a:p>
+            <a:pPr lvl="1" algn="l" rtl="0"/>
+            <a:r>
+              <a:rPr lang="en-US" dirty="0" smtClean="0"/>
+              <a:t>support for Unicode</a:t>
+            </a:r>
+          </a:p>
+          <a:p>
+            <a:pPr lvl="1" algn="l" rtl="0"/>
+            <a:r>
+              <a:rPr lang="en-US" dirty="0" smtClean="0"/>
+              <a:t>shift to transparent and community-backed development </a:t>
+            </a:r>
+          </a:p>
+          <a:p>
+            <a:pPr algn="l" rtl="0"/>
+            <a:r>
+              <a:rPr lang="en-US" dirty="0" smtClean="0"/>
+              <a:t>Python 3.0 released Dec 2008</a:t>
+            </a:r>
+          </a:p>
+          <a:p>
+            <a:pPr lvl="1" algn="l" rtl="0"/>
+            <a:r>
+              <a:rPr lang="en-US" dirty="0" smtClean="0"/>
+              <a:t>major backwards-incompatible release</a:t>
+            </a:r>
+          </a:p>
+          <a:p>
+            <a:pPr lvl="1" algn="l" rtl="0"/>
+            <a:r>
+              <a:rPr lang="en-US" dirty="0" smtClean="0"/>
+              <a:t>many of major features backported to Python 2.6 and 2.7</a:t>
+            </a:r>
+          </a:p>
+          <a:p>
+            <a:pPr algn="l" rtl="0"/>
+            <a:r>
+              <a:rPr lang="en-US" dirty="0" smtClean="0"/>
+              <a:t>Python 3.5 released Sep 2015</a:t>
+            </a:r>
+            <a:endParaRPr lang="en-GB" dirty="0" smtClean="0"/>
+          </a:p>
+          <a:p>
+            <a:pPr algn="l" rtl="0"/>
+            <a:endParaRPr lang="en-GB" b="1" dirty="0"/>
+          </a:p>
+          <a:p>
+            <a:pPr algn="l" rtl="0"/>
+            <a:endParaRPr lang="en-GB" b="1" dirty="0" smtClean="0"/>
+          </a:p>
+          <a:p>
+            <a:pPr algn="l" rtl="0"/>
+            <a:endParaRPr lang="en-GB" b="1" dirty="0"/>
+          </a:p>
+          <a:p>
+            <a:pPr algn="l" rtl="0"/>
+            <a:endParaRPr lang="en-GB" b="1" dirty="0" smtClean="0"/>
           </a:p>
         </p:txBody>
       </p:sp>
     </p:spTree>
     <p:extLst>
       <p:ext uri="{BB962C8B-B14F-4D97-AF65-F5344CB8AC3E}">
-        <p14:creationId xmlns:p14="http://schemas.microsoft.com/office/powerpoint/2010/main" val="3924827314"/>
+        <p14:creationId xmlns:p14="http://schemas.microsoft.com/office/powerpoint/2010/main" val="3138522739"/>
       </p:ext>
     </p:extLst>
   </p:cSld>

--- a/docs/Introduction to Python.pptx
+++ b/docs/Introduction to Python.pptx
@@ -47,6 +47,7 @@
     <p:sldId id="285" r:id="rId41"/>
     <p:sldId id="297" r:id="rId42"/>
     <p:sldId id="299" r:id="rId43"/>
+    <p:sldId id="301" r:id="rId44"/>
   </p:sldIdLst>
   <p:sldSz cx="9144000" cy="6858000" type="screen4x3"/>
   <p:notesSz cx="6858000" cy="9144000"/>
@@ -329,7 +330,7 @@
           <a:p>
             <a:fld id="{749D2849-5570-4342-91BD-2F06611478A8}" type="datetimeFigureOut">
               <a:rPr lang="he-IL" smtClean="0"/>
-              <a:t>י"ח/אדר א/תשע"ו</a:t>
+              <a:t>כ"ט/אדר א/תשע"ו</a:t>
             </a:fld>
             <a:endParaRPr lang="he-IL"/>
           </a:p>
@@ -499,7 +500,7 @@
           <a:p>
             <a:fld id="{749D2849-5570-4342-91BD-2F06611478A8}" type="datetimeFigureOut">
               <a:rPr lang="he-IL" smtClean="0"/>
-              <a:t>י"ח/אדר א/תשע"ו</a:t>
+              <a:t>כ"ט/אדר א/תשע"ו</a:t>
             </a:fld>
             <a:endParaRPr lang="he-IL"/>
           </a:p>
@@ -679,7 +680,7 @@
           <a:p>
             <a:fld id="{749D2849-5570-4342-91BD-2F06611478A8}" type="datetimeFigureOut">
               <a:rPr lang="he-IL" smtClean="0"/>
-              <a:t>י"ח/אדר א/תשע"ו</a:t>
+              <a:t>כ"ט/אדר א/תשע"ו</a:t>
             </a:fld>
             <a:endParaRPr lang="he-IL"/>
           </a:p>
@@ -849,7 +850,7 @@
           <a:p>
             <a:fld id="{749D2849-5570-4342-91BD-2F06611478A8}" type="datetimeFigureOut">
               <a:rPr lang="he-IL" smtClean="0"/>
-              <a:t>י"ח/אדר א/תשע"ו</a:t>
+              <a:t>כ"ט/אדר א/תשע"ו</a:t>
             </a:fld>
             <a:endParaRPr lang="he-IL"/>
           </a:p>
@@ -1095,7 +1096,7 @@
           <a:p>
             <a:fld id="{749D2849-5570-4342-91BD-2F06611478A8}" type="datetimeFigureOut">
               <a:rPr lang="he-IL" smtClean="0"/>
-              <a:t>י"ח/אדר א/תשע"ו</a:t>
+              <a:t>כ"ט/אדר א/תשע"ו</a:t>
             </a:fld>
             <a:endParaRPr lang="he-IL"/>
           </a:p>
@@ -1383,7 +1384,7 @@
           <a:p>
             <a:fld id="{749D2849-5570-4342-91BD-2F06611478A8}" type="datetimeFigureOut">
               <a:rPr lang="he-IL" smtClean="0"/>
-              <a:t>י"ח/אדר א/תשע"ו</a:t>
+              <a:t>כ"ט/אדר א/תשע"ו</a:t>
             </a:fld>
             <a:endParaRPr lang="he-IL"/>
           </a:p>
@@ -1805,7 +1806,7 @@
           <a:p>
             <a:fld id="{749D2849-5570-4342-91BD-2F06611478A8}" type="datetimeFigureOut">
               <a:rPr lang="he-IL" smtClean="0"/>
-              <a:t>י"ח/אדר א/תשע"ו</a:t>
+              <a:t>כ"ט/אדר א/תשע"ו</a:t>
             </a:fld>
             <a:endParaRPr lang="he-IL"/>
           </a:p>
@@ -1923,7 +1924,7 @@
           <a:p>
             <a:fld id="{749D2849-5570-4342-91BD-2F06611478A8}" type="datetimeFigureOut">
               <a:rPr lang="he-IL" smtClean="0"/>
-              <a:t>י"ח/אדר א/תשע"ו</a:t>
+              <a:t>כ"ט/אדר א/תשע"ו</a:t>
             </a:fld>
             <a:endParaRPr lang="he-IL"/>
           </a:p>
@@ -2018,7 +2019,7 @@
           <a:p>
             <a:fld id="{749D2849-5570-4342-91BD-2F06611478A8}" type="datetimeFigureOut">
               <a:rPr lang="he-IL" smtClean="0"/>
-              <a:t>י"ח/אדר א/תשע"ו</a:t>
+              <a:t>כ"ט/אדר א/תשע"ו</a:t>
             </a:fld>
             <a:endParaRPr lang="he-IL"/>
           </a:p>
@@ -2295,7 +2296,7 @@
           <a:p>
             <a:fld id="{749D2849-5570-4342-91BD-2F06611478A8}" type="datetimeFigureOut">
               <a:rPr lang="he-IL" smtClean="0"/>
-              <a:t>י"ח/אדר א/תשע"ו</a:t>
+              <a:t>כ"ט/אדר א/תשע"ו</a:t>
             </a:fld>
             <a:endParaRPr lang="he-IL"/>
           </a:p>
@@ -2548,7 +2549,7 @@
           <a:p>
             <a:fld id="{749D2849-5570-4342-91BD-2F06611478A8}" type="datetimeFigureOut">
               <a:rPr lang="he-IL" smtClean="0"/>
-              <a:t>י"ח/אדר א/תשע"ו</a:t>
+              <a:t>כ"ט/אדר א/תשע"ו</a:t>
             </a:fld>
             <a:endParaRPr lang="he-IL"/>
           </a:p>
@@ -2761,7 +2762,7 @@
           <a:p>
             <a:fld id="{749D2849-5570-4342-91BD-2F06611478A8}" type="datetimeFigureOut">
               <a:rPr lang="he-IL" smtClean="0"/>
-              <a:t>י"ח/אדר א/תשע"ו</a:t>
+              <a:t>כ"ט/אדר א/תשע"ו</a:t>
             </a:fld>
             <a:endParaRPr lang="he-IL"/>
           </a:p>
@@ -3189,7 +3190,7 @@
         </p:nvSpPr>
         <p:spPr>
           <a:xfrm>
-            <a:off x="683568" y="-27384"/>
+            <a:off x="755576" y="-27384"/>
             <a:ext cx="7772400" cy="1470025"/>
           </a:xfrm>
         </p:spPr>
@@ -3261,7 +3262,7 @@
           <a:p>
             <a:pPr rtl="0"/>
             <a:r>
-              <a:rPr lang="en-US" dirty="0" smtClean="0">
+              <a:rPr lang="en-US" dirty="0">
                 <a:solidFill>
                   <a:schemeClr val="tx1">
                     <a:lumMod val="75000"/>
@@ -3270,13 +3271,13 @@
                 </a:solidFill>
                 <a:latin typeface="Arial Black" panose="020B0A04020102020204" pitchFamily="34" charset="0"/>
               </a:rPr>
-              <a:t>Feb 2016</a:t>
+              <a:t>Python Training</a:t>
             </a:r>
           </a:p>
           <a:p>
             <a:pPr rtl="0"/>
             <a:r>
-              <a:rPr lang="en-US" dirty="0" smtClean="0">
+              <a:rPr lang="en-US" dirty="0">
                 <a:solidFill>
                   <a:schemeClr val="tx1">
                     <a:lumMod val="75000"/>
@@ -3284,9 +3285,19 @@
                   </a:schemeClr>
                 </a:solidFill>
                 <a:latin typeface="Arial Black" panose="020B0A04020102020204" pitchFamily="34" charset="0"/>
+                <a:hlinkClick r:id="rId3"/>
               </a:rPr>
-              <a:t>http://python.yoavram.com</a:t>
-            </a:r>
+              <a:t>python.yoavram.com</a:t>
+            </a:r>
+            <a:endParaRPr lang="en-US" dirty="0">
+              <a:solidFill>
+                <a:schemeClr val="tx1">
+                  <a:lumMod val="75000"/>
+                  <a:lumOff val="25000"/>
+                </a:schemeClr>
+              </a:solidFill>
+              <a:latin typeface="Arial Black" panose="020B0A04020102020204" pitchFamily="34" charset="0"/>
+            </a:endParaRPr>
           </a:p>
         </p:txBody>
       </p:sp>
@@ -3299,7 +3310,7 @@
           <p:nvPr/>
         </p:nvPicPr>
         <p:blipFill>
-          <a:blip r:embed="rId3">
+          <a:blip r:embed="rId4">
             <a:extLst>
               <a:ext uri="{28A0092B-C50C-407E-A947-70E740481C1C}">
                 <a14:useLocalDpi xmlns:a14="http://schemas.microsoft.com/office/drawing/2010/main" val="0"/>
@@ -3340,7 +3351,7 @@
           <p:nvPr/>
         </p:nvPicPr>
         <p:blipFill>
-          <a:blip r:embed="rId4">
+          <a:blip r:embed="rId5">
             <a:extLst>
               <a:ext uri="{28A0092B-C50C-407E-A947-70E740481C1C}">
                 <a14:useLocalDpi xmlns:a14="http://schemas.microsoft.com/office/drawing/2010/main" val="0"/>
@@ -3393,6 +3404,37 @@
           </a:extLst>
         </p:spPr>
       </p:pic>
+      <p:sp>
+        <p:nvSpPr>
+          <p:cNvPr id="4" name="TextBox 3"/>
+          <p:cNvSpPr txBox="1"/>
+          <p:nvPr/>
+        </p:nvSpPr>
+        <p:spPr>
+          <a:xfrm>
+            <a:off x="7740352" y="620688"/>
+            <a:ext cx="1226458" cy="369332"/>
+          </a:xfrm>
+          <a:prstGeom prst="rect">
+            <a:avLst/>
+          </a:prstGeom>
+          <a:noFill/>
+        </p:spPr>
+        <p:txBody>
+          <a:bodyPr wrap="square" rtlCol="1">
+            <a:spAutoFit/>
+          </a:bodyPr>
+          <a:lstStyle/>
+          <a:p>
+            <a:pPr algn="ctr"/>
+            <a:r>
+              <a:rPr lang="en-US" dirty="0" smtClean="0"/>
+              <a:t>Feb 2016</a:t>
+            </a:r>
+            <a:endParaRPr lang="he-IL" dirty="0"/>
+          </a:p>
+        </p:txBody>
+      </p:sp>
     </p:spTree>
     <p:extLst>
       <p:ext uri="{BB962C8B-B14F-4D97-AF65-F5344CB8AC3E}">
@@ -4237,8 +4279,8 @@
         </p:nvSpPr>
         <p:spPr>
           <a:xfrm>
-            <a:off x="1679797" y="6309320"/>
-            <a:ext cx="7016216" cy="369332"/>
+            <a:off x="6999976" y="6309320"/>
+            <a:ext cx="1964512" cy="369332"/>
           </a:xfrm>
           <a:prstGeom prst="rect">
             <a:avLst/>
@@ -4250,9 +4292,18 @@
           </a:bodyPr>
           <a:lstStyle/>
           <a:p>
-            <a:r>
-              <a:rPr lang="en-GB" dirty="0" smtClean="0"/>
-              <a:t>http://www.mathworks.com/pricing-licensing/index.html?prodCode=ML</a:t>
+            <a:pPr rtl="0"/>
+            <a:r>
+              <a:rPr lang="en-GB" dirty="0" err="1" smtClean="0">
+                <a:hlinkClick r:id="rId2"/>
+              </a:rPr>
+              <a:t>MathWorks</a:t>
+            </a:r>
+            <a:r>
+              <a:rPr lang="en-GB" dirty="0" smtClean="0">
+                <a:hlinkClick r:id="rId2"/>
+              </a:rPr>
+              <a:t> Pricing</a:t>
             </a:r>
             <a:endParaRPr lang="he-IL" dirty="0"/>
           </a:p>
@@ -4472,7 +4523,7 @@
             </a:r>
             <a:r>
               <a:rPr lang="en-GB" dirty="0" smtClean="0"/>
-              <a:t> </a:t>
+              <a:t>, </a:t>
             </a:r>
             <a:r>
               <a:rPr lang="en-GB" dirty="0" err="1" smtClean="0">
@@ -4591,7 +4642,11 @@
             <a:pPr rtl="0"/>
             <a:r>
               <a:rPr lang="en-GB" dirty="0" smtClean="0"/>
-              <a:t>Python is used for</a:t>
+              <a:t>Python is used </a:t>
+            </a:r>
+            <a:r>
+              <a:rPr lang="en-GB" dirty="0" smtClean="0"/>
+              <a:t>for:</a:t>
             </a:r>
             <a:endParaRPr lang="en-GB" b="1" dirty="0" smtClean="0"/>
           </a:p>
@@ -4617,42 +4672,60 @@
             <a:pPr algn="l" rtl="0"/>
             <a:r>
               <a:rPr lang="en-US" dirty="0" smtClean="0"/>
-              <a:t>scientific computing</a:t>
+              <a:t>Scientific </a:t>
+            </a:r>
+            <a:r>
+              <a:rPr lang="en-US" dirty="0" smtClean="0"/>
+              <a:t>computing</a:t>
             </a:r>
           </a:p>
           <a:p>
             <a:pPr algn="l" rtl="0"/>
             <a:r>
               <a:rPr lang="en-US" dirty="0" smtClean="0"/>
-              <a:t>enterprise software</a:t>
+              <a:t>Enterprise </a:t>
+            </a:r>
+            <a:r>
+              <a:rPr lang="en-US" dirty="0" smtClean="0"/>
+              <a:t>software</a:t>
             </a:r>
           </a:p>
           <a:p>
             <a:pPr algn="l" rtl="0"/>
             <a:r>
               <a:rPr lang="en-US" dirty="0" smtClean="0"/>
-              <a:t>web design</a:t>
+              <a:t>Web </a:t>
+            </a:r>
+            <a:r>
+              <a:rPr lang="en-US" dirty="0" smtClean="0"/>
+              <a:t>design</a:t>
             </a:r>
           </a:p>
           <a:p>
             <a:pPr algn="l" rtl="0"/>
             <a:r>
               <a:rPr lang="en-US" dirty="0" smtClean="0"/>
-              <a:t>back end</a:t>
-            </a:r>
+              <a:t>Back-end</a:t>
+            </a:r>
+            <a:endParaRPr lang="en-US" dirty="0" smtClean="0"/>
           </a:p>
           <a:p>
             <a:pPr algn="l" rtl="0"/>
             <a:r>
               <a:rPr lang="en-US" dirty="0" smtClean="0"/>
-              <a:t>front end</a:t>
-            </a:r>
+              <a:t>Front-end</a:t>
+            </a:r>
+            <a:endParaRPr lang="en-US" dirty="0" smtClean="0"/>
           </a:p>
           <a:p>
             <a:pPr algn="l" rtl="0"/>
             <a:r>
               <a:rPr lang="en-US" dirty="0" smtClean="0"/>
-              <a:t>everything in between</a:t>
+              <a:t>Everything </a:t>
+            </a:r>
+            <a:r>
+              <a:rPr lang="en-US" dirty="0" smtClean="0"/>
+              <a:t>in between</a:t>
             </a:r>
           </a:p>
         </p:txBody>
@@ -4942,8 +5015,12 @@
               <a:buNone/>
             </a:pPr>
             <a:r>
+              <a:rPr lang="en-US" sz="2000" i="1" dirty="0" smtClean="0"/>
+              <a:t>Rian Hunter</a:t>
+            </a:r>
+            <a:r>
               <a:rPr lang="en-US" sz="2000" dirty="0" smtClean="0"/>
-              <a:t>Rian Hunter, a Dropbox Engineer presented at </a:t>
+              <a:t>, a Dropbox Engineer presented at </a:t>
             </a:r>
             <a:r>
               <a:rPr lang="en-US" sz="2000" dirty="0" err="1" smtClean="0"/>
@@ -5367,7 +5444,7 @@
             </a:r>
           </a:p>
           <a:p>
-            <a:pPr marL="514350" indent="-514350" algn="l" rtl="0">
+            <a:pPr marL="914400" lvl="1" indent="-514350" algn="l" rtl="0">
               <a:buFont typeface="+mj-lt"/>
               <a:buAutoNum type="arabicPeriod"/>
             </a:pPr>
@@ -5377,7 +5454,7 @@
             </a:r>
           </a:p>
           <a:p>
-            <a:pPr marL="514350" indent="-514350" algn="l" rtl="0">
+            <a:pPr marL="914400" lvl="1" indent="-514350" algn="l" rtl="0">
               <a:buFont typeface="+mj-lt"/>
               <a:buAutoNum type="arabicPeriod"/>
             </a:pPr>
@@ -5387,7 +5464,7 @@
             </a:r>
           </a:p>
           <a:p>
-            <a:pPr marL="514350" indent="-514350" algn="l" rtl="0">
+            <a:pPr marL="914400" lvl="1" indent="-514350" algn="l" rtl="0">
               <a:buFont typeface="+mj-lt"/>
               <a:buAutoNum type="arabicPeriod"/>
             </a:pPr>
@@ -5667,10 +5744,14 @@
             <p:ph idx="1"/>
           </p:nvPr>
         </p:nvSpPr>
-        <p:spPr/>
+        <p:spPr>
+          <a:ln>
+            <a:noFill/>
+          </a:ln>
+        </p:spPr>
         <p:txBody>
           <a:bodyPr>
-            <a:normAutofit fontScale="92500" lnSpcReduction="10000"/>
+            <a:normAutofit fontScale="77500" lnSpcReduction="20000"/>
           </a:bodyPr>
           <a:lstStyle/>
           <a:p>
@@ -5714,12 +5795,40 @@
             <a:endParaRPr lang="en-US" dirty="0"/>
           </a:p>
           <a:p>
-            <a:pPr marL="0" indent="0" algn="l" rtl="0">
+            <a:pPr marL="400050" lvl="1" indent="0" algn="l" rtl="0">
               <a:buNone/>
             </a:pPr>
             <a:r>
+              <a:rPr lang="en-US" i="1" dirty="0"/>
+              <a:t>A friend of mine who knows nearly all the widely used languages uses Python for most of his projects. He says the main reason is that </a:t>
+            </a:r>
+            <a:r>
+              <a:rPr lang="en-US" b="1" i="1" dirty="0"/>
+              <a:t>he likes the way source code looks</a:t>
+            </a:r>
+            <a:r>
+              <a:rPr lang="en-US" i="1" dirty="0"/>
+              <a:t>. That may seem a frivolous reason to choose one language over another. But it is not so frivolous as it sounds: when you program, </a:t>
+            </a:r>
+            <a:r>
+              <a:rPr lang="en-US" b="1" i="1" dirty="0"/>
+              <a:t>you spend more time reading code than writing it</a:t>
+            </a:r>
+            <a:r>
+              <a:rPr lang="en-US" i="1" dirty="0"/>
+              <a:t>. You push blobs of source code around the way a sculptor does blobs of clay. So a </a:t>
+            </a:r>
+            <a:r>
+              <a:rPr lang="en-US" b="1" i="1" dirty="0"/>
+              <a:t>language that makes source code ugly is maddening to an exacting programmer</a:t>
+            </a:r>
+            <a:r>
+              <a:rPr lang="en-US" i="1" dirty="0"/>
+              <a:t>, as clay full of lumps would be to a sculptor</a:t>
+            </a:r>
+            <a:r>
               <a:rPr lang="en-US" i="1" dirty="0" smtClean="0"/>
-              <a:t>…when you program, you spend more time reading code than writing it. You push blobs of source code around the way a sculptor does blobs of clay. So a language that makes source code ugly is maddening to an exacting programmer, as clay full of lumps would be to a sculptor.</a:t>
+              <a:t>.</a:t>
             </a:r>
             <a:endParaRPr lang="he-IL" i="1" dirty="0"/>
           </a:p>
@@ -5734,7 +5843,7 @@
         <p:spPr>
           <a:xfrm>
             <a:off x="5508104" y="6309320"/>
-            <a:ext cx="3493200" cy="369332"/>
+            <a:ext cx="3645485" cy="369332"/>
           </a:xfrm>
           <a:prstGeom prst="rect">
             <a:avLst/>
@@ -5748,10 +5857,10 @@
           <a:p>
             <a:pPr algn="l" rtl="0"/>
             <a:r>
-              <a:rPr lang="en-GB" dirty="0" smtClean="0">
-                <a:hlinkClick r:id="rId2"/>
+              <a:rPr lang="en-US" dirty="0" smtClean="0">
+                <a:hlinkClick r:id="rId2" action="ppaction://hlinkfile"/>
               </a:rPr>
-              <a:t>http://paulgraham.com/pypar.html</a:t>
+              <a:t>The Python Paradox, by Paul Graham</a:t>
             </a:r>
             <a:endParaRPr lang="he-IL" dirty="0"/>
           </a:p>
@@ -5890,9 +5999,24 @@
             <a:pPr algn="l" rtl="0"/>
             <a:r>
               <a:rPr lang="en-US" dirty="0" smtClean="0"/>
-              <a:t>The implied usefulness is that these things each have their own members and methods that encapsulate its functionality and information</a:t>
-            </a:r>
-            <a:endParaRPr lang="he-IL" dirty="0"/>
+              <a:t>The implied usefulness is that these things each have their own members and methods that encapsulate its functionality and </a:t>
+            </a:r>
+            <a:r>
+              <a:rPr lang="en-US" dirty="0" smtClean="0"/>
+              <a:t>information</a:t>
+            </a:r>
+          </a:p>
+          <a:p>
+            <a:pPr algn="l" rtl="0"/>
+            <a:r>
+              <a:rPr lang="en-US" dirty="0" smtClean="0"/>
+              <a:t>Strong </a:t>
+            </a:r>
+            <a:r>
+              <a:rPr lang="en-US" b="1" dirty="0" smtClean="0"/>
+              <a:t>polymorphism</a:t>
+            </a:r>
+            <a:endParaRPr lang="he-IL" b="1" dirty="0"/>
           </a:p>
         </p:txBody>
       </p:sp>
@@ -6043,10 +6167,10 @@
           <a:p>
             <a:pPr rtl="0"/>
             <a:r>
-              <a:rPr lang="en-GB" dirty="0" smtClean="0">
+              <a:rPr lang="en-US" dirty="0" smtClean="0">
                 <a:hlinkClick r:id="rId2"/>
               </a:rPr>
-              <a:t>http://stackoverflow.com/questions/101268/hidden-features-of-python</a:t>
+              <a:t>Stack overflow: Hidden features of Python</a:t>
             </a:r>
             <a:endParaRPr lang="he-IL" dirty="0"/>
           </a:p>
@@ -6090,8 +6214,8 @@
         </p:nvSpPr>
         <p:spPr>
           <a:xfrm>
-            <a:off x="6660232" y="6309320"/>
-            <a:ext cx="2315634" cy="369332"/>
+            <a:off x="7902160" y="6309320"/>
+            <a:ext cx="1086388" cy="369332"/>
           </a:xfrm>
           <a:prstGeom prst="rect">
             <a:avLst/>
@@ -6108,7 +6232,7 @@
               <a:rPr lang="en-GB" dirty="0" smtClean="0">
                 <a:hlinkClick r:id="rId2"/>
               </a:rPr>
-              <a:t>https://xkcd.com/353/</a:t>
+              <a:t>XKCD 353</a:t>
             </a:r>
             <a:endParaRPr lang="he-IL" dirty="0"/>
           </a:p>
@@ -6919,7 +7043,7 @@
               <a:rPr lang="en-US" sz="2400" dirty="0" smtClean="0">
                 <a:hlinkClick r:id="rId3"/>
               </a:rPr>
-              <a:t>http://stackoverflow.com/tags</a:t>
+              <a:t>stackoverflow.com/tags</a:t>
             </a:r>
             <a:r>
               <a:rPr lang="en-US" sz="2400" dirty="0" smtClean="0"/>
@@ -7314,8 +7438,8 @@
         </p:nvSpPr>
         <p:spPr>
           <a:xfrm>
-            <a:off x="539552" y="5178732"/>
-            <a:ext cx="8136904" cy="1200329"/>
+            <a:off x="323528" y="5178732"/>
+            <a:ext cx="8568952" cy="830997"/>
           </a:xfrm>
           <a:prstGeom prst="rect">
             <a:avLst/>
@@ -7331,46 +7455,57 @@
             <a:pPr algn="l" rtl="0"/>
             <a:r>
               <a:rPr lang="en-US" sz="2400" dirty="0" smtClean="0"/>
-              <a:t>During 2015, over 1,500 new packages released </a:t>
+              <a:t>During 2015, </a:t>
+            </a:r>
+            <a:r>
+              <a:rPr lang="en-US" sz="2400" dirty="0" smtClean="0"/>
+              <a:t>&gt; 1,500 </a:t>
+            </a:r>
+            <a:r>
+              <a:rPr lang="en-US" sz="2400" dirty="0" smtClean="0"/>
+              <a:t>new packages released </a:t>
             </a:r>
             <a:r>
               <a:rPr lang="en-US" sz="2400" u="sng" dirty="0" smtClean="0"/>
-              <a:t>every month </a:t>
+              <a:t>every month</a:t>
             </a:r>
             <a:r>
               <a:rPr lang="en-US" sz="2400" dirty="0" smtClean="0"/>
-              <a:t>at </a:t>
-            </a:r>
-            <a:r>
-              <a:rPr lang="en-US" sz="2400" dirty="0" err="1" smtClean="0"/>
-              <a:t>PyPI</a:t>
+              <a:t> </a:t>
             </a:r>
             <a:r>
               <a:rPr lang="en-US" sz="2400" dirty="0" smtClean="0"/>
-              <a:t> (</a:t>
-            </a:r>
-            <a:r>
-              <a:rPr lang="en-US" sz="2400" dirty="0" smtClean="0">
+              <a:t>to </a:t>
+            </a:r>
+            <a:r>
+              <a:rPr lang="en-US" sz="2400" dirty="0" err="1" smtClean="0">
                 <a:hlinkClick r:id="rId3"/>
               </a:rPr>
-              <a:t>http://pypi.python.org/</a:t>
+              <a:t>PyPI</a:t>
             </a:r>
             <a:r>
               <a:rPr lang="en-US" sz="2400" dirty="0" smtClean="0"/>
-              <a:t>). </a:t>
-            </a:r>
+              <a:t>. </a:t>
+            </a:r>
+            <a:endParaRPr lang="en-US" sz="2400" dirty="0" smtClean="0"/>
           </a:p>
           <a:p>
             <a:pPr algn="l" rtl="0"/>
             <a:r>
               <a:rPr lang="en-US" sz="2400" dirty="0" smtClean="0"/>
               <a:t>See more stats at </a:t>
+            </a:r>
+            <a:r>
+              <a:rPr lang="en-US" sz="2400" dirty="0" err="1" smtClean="0">
+                <a:hlinkClick r:id="rId4"/>
+              </a:rPr>
+              <a:t>PyGarden</a:t>
             </a:r>
             <a:r>
               <a:rPr lang="en-US" sz="2400" dirty="0" smtClean="0">
                 <a:hlinkClick r:id="rId4"/>
               </a:rPr>
-              <a:t>http://pygarden.com/stats</a:t>
+              <a:t>/stats</a:t>
             </a:r>
             <a:r>
               <a:rPr lang="en-US" sz="2400" dirty="0" smtClean="0"/>
@@ -7482,7 +7617,7 @@
             </a:r>
             <a:r>
               <a:rPr lang="en-US" dirty="0" err="1" smtClean="0"/>
-              <a:t>Ipython</a:t>
+              <a:t>IPython</a:t>
             </a:r>
             <a:r>
               <a:rPr lang="en-US" dirty="0" smtClean="0"/>
@@ -7664,7 +7799,7 @@
               <a:rPr lang="en-GB" dirty="0" smtClean="0">
                 <a:hlinkClick r:id="rId3"/>
               </a:rPr>
-              <a:t>http://www.codingdojo.com/blog/9-most-in-demand-programming-languages-of-2016</a:t>
+              <a:t>Coding Dojo</a:t>
             </a:r>
             <a:endParaRPr lang="he-IL" dirty="0"/>
           </a:p>
@@ -7700,44 +7835,6 @@
           <a:chExt cx="0" cy="0"/>
         </a:xfrm>
       </p:grpSpPr>
-      <p:sp>
-        <p:nvSpPr>
-          <p:cNvPr id="2" name="Title 1"/>
-          <p:cNvSpPr>
-            <a:spLocks noGrp="1"/>
-          </p:cNvSpPr>
-          <p:nvPr>
-            <p:ph type="title"/>
-          </p:nvPr>
-        </p:nvSpPr>
-        <p:spPr/>
-        <p:txBody>
-          <a:bodyPr/>
-          <a:lstStyle/>
-          <a:p>
-            <a:endParaRPr lang="he-IL"/>
-          </a:p>
-        </p:txBody>
-      </p:sp>
-      <p:sp>
-        <p:nvSpPr>
-          <p:cNvPr id="3" name="Content Placeholder 2"/>
-          <p:cNvSpPr>
-            <a:spLocks noGrp="1"/>
-          </p:cNvSpPr>
-          <p:nvPr>
-            <p:ph idx="1"/>
-          </p:nvPr>
-        </p:nvSpPr>
-        <p:spPr/>
-        <p:txBody>
-          <a:bodyPr/>
-          <a:lstStyle/>
-          <a:p>
-            <a:endParaRPr lang="he-IL"/>
-          </a:p>
-        </p:txBody>
-      </p:sp>
       <p:sp>
         <p:nvSpPr>
           <p:cNvPr id="4" name="AutoShape 2" descr="http://cacm.acm.org/system/assets/0001/6722/Top39-700.4.png"/>
@@ -7839,8 +7936,8 @@
         </p:nvSpPr>
         <p:spPr>
           <a:xfrm>
-            <a:off x="179512" y="6167045"/>
-            <a:ext cx="8856984" cy="646331"/>
+            <a:off x="251520" y="6381328"/>
+            <a:ext cx="8856984" cy="369332"/>
           </a:xfrm>
           <a:prstGeom prst="rect">
             <a:avLst/>
@@ -7857,7 +7954,7 @@
               <a:rPr lang="en-GB" dirty="0" smtClean="0">
                 <a:hlinkClick r:id="rId3"/>
               </a:rPr>
-              <a:t>http://cacm.acm.org/blogs/blog-cacm/176450-python-is-now-the-most-popular-introductory-teaching-language-at-top-us-universities/fulltext</a:t>
+              <a:t>Phillip Gou @ CACM</a:t>
             </a:r>
             <a:endParaRPr lang="he-IL" dirty="0"/>
           </a:p>
@@ -8691,7 +8788,7 @@
               <a:rPr lang="en-US" dirty="0" smtClean="0">
                 <a:hlinkClick r:id="rId2"/>
               </a:rPr>
-              <a:t>https://www.python.org/about/</a:t>
+              <a:t>python.org/about</a:t>
             </a:r>
             <a:endParaRPr lang="he-IL" dirty="0"/>
           </a:p>
@@ -8707,6 +8804,248 @@
   <p:clrMapOvr>
     <a:masterClrMapping/>
   </p:clrMapOvr>
+</p:sld>
+</file>
+
+<file path=ppt/slides/slide43.xml><?xml version="1.0" encoding="utf-8"?>
+<p:sld xmlns:a="http://schemas.openxmlformats.org/drawingml/2006/main" xmlns:r="http://schemas.openxmlformats.org/officeDocument/2006/relationships" xmlns:p="http://schemas.openxmlformats.org/presentationml/2006/main">
+  <p:cSld>
+    <p:spTree>
+      <p:nvGrpSpPr>
+        <p:cNvPr id="1" name=""/>
+        <p:cNvGrpSpPr/>
+        <p:nvPr/>
+      </p:nvGrpSpPr>
+      <p:grpSpPr>
+        <a:xfrm>
+          <a:off x="0" y="0"/>
+          <a:ext cx="0" cy="0"/>
+          <a:chOff x="0" y="0"/>
+          <a:chExt cx="0" cy="0"/>
+        </a:xfrm>
+      </p:grpSpPr>
+      <p:sp>
+        <p:nvSpPr>
+          <p:cNvPr id="3" name="Subtitle 2"/>
+          <p:cNvSpPr>
+            <a:spLocks noGrp="1"/>
+          </p:cNvSpPr>
+          <p:nvPr>
+            <p:ph type="subTitle" idx="1"/>
+          </p:nvPr>
+        </p:nvSpPr>
+        <p:spPr>
+          <a:xfrm>
+            <a:off x="683568" y="3692624"/>
+            <a:ext cx="7776864" cy="1752600"/>
+          </a:xfrm>
+        </p:spPr>
+        <p:txBody>
+          <a:bodyPr>
+            <a:noAutofit/>
+          </a:bodyPr>
+          <a:lstStyle/>
+          <a:p>
+            <a:pPr rtl="0"/>
+            <a:r>
+              <a:rPr lang="en-US" sz="3600" dirty="0">
+                <a:solidFill>
+                  <a:schemeClr val="tx1">
+                    <a:lumMod val="75000"/>
+                    <a:lumOff val="25000"/>
+                  </a:schemeClr>
+                </a:solidFill>
+                <a:latin typeface="Arial Black" panose="020B0A04020102020204" pitchFamily="34" charset="0"/>
+              </a:rPr>
+              <a:t>Yoav </a:t>
+            </a:r>
+            <a:r>
+              <a:rPr lang="en-US" sz="3600" dirty="0" smtClean="0">
+                <a:solidFill>
+                  <a:schemeClr val="tx1">
+                    <a:lumMod val="75000"/>
+                    <a:lumOff val="25000"/>
+                  </a:schemeClr>
+                </a:solidFill>
+                <a:latin typeface="Arial Black" panose="020B0A04020102020204" pitchFamily="34" charset="0"/>
+              </a:rPr>
+              <a:t>Ram</a:t>
+            </a:r>
+          </a:p>
+          <a:p>
+            <a:pPr rtl="0"/>
+            <a:r>
+              <a:rPr lang="en-US" sz="3600" dirty="0" smtClean="0">
+                <a:solidFill>
+                  <a:schemeClr val="tx1">
+                    <a:lumMod val="75000"/>
+                    <a:lumOff val="25000"/>
+                  </a:schemeClr>
+                </a:solidFill>
+                <a:latin typeface="Arial Black" panose="020B0A04020102020204" pitchFamily="34" charset="0"/>
+              </a:rPr>
+              <a:t>Python Training</a:t>
+            </a:r>
+          </a:p>
+          <a:p>
+            <a:pPr rtl="0"/>
+            <a:endParaRPr lang="en-US" sz="3600" dirty="0">
+              <a:solidFill>
+                <a:schemeClr val="tx1">
+                  <a:lumMod val="75000"/>
+                  <a:lumOff val="25000"/>
+                </a:schemeClr>
+              </a:solidFill>
+              <a:latin typeface="Arial Black" panose="020B0A04020102020204" pitchFamily="34" charset="0"/>
+            </a:endParaRPr>
+          </a:p>
+          <a:p>
+            <a:pPr rtl="0"/>
+            <a:r>
+              <a:rPr lang="en-US" sz="3600" dirty="0" smtClean="0">
+                <a:solidFill>
+                  <a:schemeClr val="tx1">
+                    <a:lumMod val="75000"/>
+                    <a:lumOff val="25000"/>
+                  </a:schemeClr>
+                </a:solidFill>
+                <a:latin typeface="Arial Black" panose="020B0A04020102020204" pitchFamily="34" charset="0"/>
+                <a:hlinkClick r:id="rId2"/>
+              </a:rPr>
+              <a:t>python.yoavram.com</a:t>
+            </a:r>
+            <a:endParaRPr lang="en-US" sz="3600" dirty="0" smtClean="0">
+              <a:solidFill>
+                <a:schemeClr val="tx1">
+                  <a:lumMod val="75000"/>
+                  <a:lumOff val="25000"/>
+                </a:schemeClr>
+              </a:solidFill>
+              <a:latin typeface="Arial Black" panose="020B0A04020102020204" pitchFamily="34" charset="0"/>
+            </a:endParaRPr>
+          </a:p>
+        </p:txBody>
+      </p:sp>
+      <p:pic>
+        <p:nvPicPr>
+          <p:cNvPr id="1026" name="Picture 2" descr="Creative Commons License"/>
+          <p:cNvPicPr>
+            <a:picLocks noChangeAspect="1" noChangeArrowheads="1"/>
+          </p:cNvPicPr>
+          <p:nvPr/>
+        </p:nvPicPr>
+        <p:blipFill>
+          <a:blip r:embed="rId3">
+            <a:extLst>
+              <a:ext uri="{28A0092B-C50C-407E-A947-70E740481C1C}">
+                <a14:useLocalDpi xmlns:a14="http://schemas.microsoft.com/office/drawing/2010/main" val="0"/>
+              </a:ext>
+            </a:extLst>
+          </a:blip>
+          <a:srcRect/>
+          <a:stretch>
+            <a:fillRect/>
+          </a:stretch>
+        </p:blipFill>
+        <p:spPr bwMode="auto">
+          <a:xfrm>
+            <a:off x="7740352" y="188640"/>
+            <a:ext cx="1226458" cy="432048"/>
+          </a:xfrm>
+          <a:prstGeom prst="rect">
+            <a:avLst/>
+          </a:prstGeom>
+          <a:noFill/>
+          <a:extLst>
+            <a:ext uri="{909E8E84-426E-40DD-AFC4-6F175D3DCCD1}">
+              <a14:hiddenFill xmlns:a14="http://schemas.microsoft.com/office/drawing/2010/main">
+                <a:solidFill>
+                  <a:srgbClr val="FFFFFF"/>
+                </a:solidFill>
+              </a14:hiddenFill>
+            </a:ext>
+          </a:extLst>
+        </p:spPr>
+      </p:pic>
+      <p:pic>
+        <p:nvPicPr>
+          <p:cNvPr id="1027" name="Picture 3" descr="D:\workspace\python.yoavram.com\www\img\logo.png"/>
+          <p:cNvPicPr>
+            <a:picLocks noChangeAspect="1" noChangeArrowheads="1"/>
+          </p:cNvPicPr>
+          <p:nvPr/>
+        </p:nvPicPr>
+        <p:blipFill>
+          <a:blip r:embed="rId4">
+            <a:extLst>
+              <a:ext uri="{28A0092B-C50C-407E-A947-70E740481C1C}">
+                <a14:useLocalDpi xmlns:a14="http://schemas.microsoft.com/office/drawing/2010/main" val="0"/>
+              </a:ext>
+            </a:extLst>
+          </a:blip>
+          <a:srcRect/>
+          <a:stretch>
+            <a:fillRect/>
+          </a:stretch>
+        </p:blipFill>
+        <p:spPr bwMode="auto">
+          <a:xfrm>
+            <a:off x="3628344" y="1700808"/>
+            <a:ext cx="1882848" cy="1882848"/>
+          </a:xfrm>
+          <a:prstGeom prst="ellipse">
+            <a:avLst/>
+          </a:prstGeom>
+          <a:ln w="63500" cap="rnd">
+            <a:noFill/>
+          </a:ln>
+          <a:effectLst>
+            <a:outerShdw blurRad="50800" dist="38100" dir="2700000" algn="tl" rotWithShape="0">
+              <a:prstClr val="black">
+                <a:alpha val="40000"/>
+              </a:prstClr>
+            </a:outerShdw>
+          </a:effectLst>
+          <a:scene3d>
+            <a:camera prst="orthographicFront"/>
+            <a:lightRig rig="contrasting" dir="t">
+              <a:rot lat="0" lon="0" rev="3000000"/>
+            </a:lightRig>
+          </a:scene3d>
+          <a:sp3d contourW="7620">
+            <a:bevelT w="95250" h="31750"/>
+            <a:contourClr>
+              <a:srgbClr val="333333"/>
+            </a:contourClr>
+          </a:sp3d>
+          <a:extLst>
+            <a:ext uri="{909E8E84-426E-40DD-AFC4-6F175D3DCCD1}">
+              <a14:hiddenFill xmlns:a14="http://schemas.microsoft.com/office/drawing/2010/main">
+                <a:solidFill>
+                  <a:srgbClr val="FFFFFF"/>
+                </a:solidFill>
+              </a14:hiddenFill>
+            </a:ext>
+          </a:extLst>
+        </p:spPr>
+      </p:pic>
+    </p:spTree>
+    <p:extLst>
+      <p:ext uri="{BB962C8B-B14F-4D97-AF65-F5344CB8AC3E}">
+        <p14:creationId xmlns:p14="http://schemas.microsoft.com/office/powerpoint/2010/main" val="3489182843"/>
+      </p:ext>
+    </p:extLst>
+  </p:cSld>
+  <p:clrMapOvr>
+    <a:masterClrMapping/>
+  </p:clrMapOvr>
+  <p:timing>
+    <p:tnLst>
+      <p:par>
+        <p:cTn id="1" dur="indefinite" restart="never" nodeType="tmRoot"/>
+      </p:par>
+    </p:tnLst>
+  </p:timing>
 </p:sld>
 </file>
 
@@ -8826,7 +9165,23 @@
             <a:pPr algn="l" rtl="0"/>
             <a:r>
               <a:rPr lang="en-US" dirty="0" smtClean="0"/>
-              <a:t>Asynchronous programming (especially v.3.5)</a:t>
+              <a:t>Asynchronous programming (especially </a:t>
+            </a:r>
+            <a:r>
+              <a:rPr lang="en-US" dirty="0" err="1" smtClean="0"/>
+              <a:t>Py</a:t>
+            </a:r>
+            <a:r>
+              <a:rPr lang="en-US" dirty="0" smtClean="0"/>
+              <a:t> </a:t>
+            </a:r>
+            <a:r>
+              <a:rPr lang="en-US" dirty="0" smtClean="0"/>
+              <a:t>3.5</a:t>
+            </a:r>
+            <a:r>
+              <a:rPr lang="en-US" dirty="0" smtClean="0"/>
+              <a:t>)</a:t>
             </a:r>
           </a:p>
         </p:txBody>
@@ -9073,21 +9428,21 @@
           <a:p>
             <a:pPr algn="l" rtl="0"/>
             <a:r>
-              <a:rPr lang="en-US" dirty="0" smtClean="0"/>
+              <a:rPr lang="en-US" sz="2800" dirty="0" smtClean="0"/>
               <a:t>Interpreters available for many operating systems</a:t>
             </a:r>
           </a:p>
           <a:p>
             <a:pPr algn="l" rtl="0"/>
             <a:r>
-              <a:rPr lang="en-US" dirty="0" smtClean="0"/>
+              <a:rPr lang="en-US" sz="2800" dirty="0" smtClean="0"/>
               <a:t>Code can be executed on a wide variety of systems</a:t>
             </a:r>
           </a:p>
           <a:p>
             <a:pPr algn="l" rtl="0"/>
             <a:r>
-              <a:rPr lang="en-US" dirty="0" smtClean="0"/>
+              <a:rPr lang="en-US" sz="2800" dirty="0" smtClean="0"/>
               <a:t>Code can be packaged into stand-alone executable programs</a:t>
             </a:r>
           </a:p>

--- a/docs/Introduction to Python.pptx
+++ b/docs/Introduction to Python.pptx
@@ -38,16 +38,17 @@
     <p:sldId id="274" r:id="rId32"/>
     <p:sldId id="275" r:id="rId33"/>
     <p:sldId id="276" r:id="rId34"/>
-    <p:sldId id="277" r:id="rId35"/>
-    <p:sldId id="278" r:id="rId36"/>
-    <p:sldId id="280" r:id="rId37"/>
-    <p:sldId id="281" r:id="rId38"/>
-    <p:sldId id="284" r:id="rId39"/>
-    <p:sldId id="283" r:id="rId40"/>
-    <p:sldId id="285" r:id="rId41"/>
-    <p:sldId id="297" r:id="rId42"/>
-    <p:sldId id="299" r:id="rId43"/>
-    <p:sldId id="301" r:id="rId44"/>
+    <p:sldId id="302" r:id="rId35"/>
+    <p:sldId id="277" r:id="rId36"/>
+    <p:sldId id="278" r:id="rId37"/>
+    <p:sldId id="280" r:id="rId38"/>
+    <p:sldId id="281" r:id="rId39"/>
+    <p:sldId id="284" r:id="rId40"/>
+    <p:sldId id="283" r:id="rId41"/>
+    <p:sldId id="285" r:id="rId42"/>
+    <p:sldId id="297" r:id="rId43"/>
+    <p:sldId id="299" r:id="rId44"/>
+    <p:sldId id="301" r:id="rId45"/>
   </p:sldIdLst>
   <p:sldSz cx="9144000" cy="6858000" type="screen4x3"/>
   <p:notesSz cx="6858000" cy="9144000"/>
@@ -330,7 +331,7 @@
           <a:p>
             <a:fld id="{749D2849-5570-4342-91BD-2F06611478A8}" type="datetimeFigureOut">
               <a:rPr lang="he-IL" smtClean="0"/>
-              <a:t>כ"ט/אדר א/תשע"ו</a:t>
+              <a:t>ח'/ניסן/תשע"ו</a:t>
             </a:fld>
             <a:endParaRPr lang="he-IL"/>
           </a:p>
@@ -500,7 +501,7 @@
           <a:p>
             <a:fld id="{749D2849-5570-4342-91BD-2F06611478A8}" type="datetimeFigureOut">
               <a:rPr lang="he-IL" smtClean="0"/>
-              <a:t>כ"ט/אדר א/תשע"ו</a:t>
+              <a:t>ח'/ניסן/תשע"ו</a:t>
             </a:fld>
             <a:endParaRPr lang="he-IL"/>
           </a:p>
@@ -680,7 +681,7 @@
           <a:p>
             <a:fld id="{749D2849-5570-4342-91BD-2F06611478A8}" type="datetimeFigureOut">
               <a:rPr lang="he-IL" smtClean="0"/>
-              <a:t>כ"ט/אדר א/תשע"ו</a:t>
+              <a:t>ח'/ניסן/תשע"ו</a:t>
             </a:fld>
             <a:endParaRPr lang="he-IL"/>
           </a:p>
@@ -850,7 +851,7 @@
           <a:p>
             <a:fld id="{749D2849-5570-4342-91BD-2F06611478A8}" type="datetimeFigureOut">
               <a:rPr lang="he-IL" smtClean="0"/>
-              <a:t>כ"ט/אדר א/תשע"ו</a:t>
+              <a:t>ח'/ניסן/תשע"ו</a:t>
             </a:fld>
             <a:endParaRPr lang="he-IL"/>
           </a:p>
@@ -1096,7 +1097,7 @@
           <a:p>
             <a:fld id="{749D2849-5570-4342-91BD-2F06611478A8}" type="datetimeFigureOut">
               <a:rPr lang="he-IL" smtClean="0"/>
-              <a:t>כ"ט/אדר א/תשע"ו</a:t>
+              <a:t>ח'/ניסן/תשע"ו</a:t>
             </a:fld>
             <a:endParaRPr lang="he-IL"/>
           </a:p>
@@ -1384,7 +1385,7 @@
           <a:p>
             <a:fld id="{749D2849-5570-4342-91BD-2F06611478A8}" type="datetimeFigureOut">
               <a:rPr lang="he-IL" smtClean="0"/>
-              <a:t>כ"ט/אדר א/תשע"ו</a:t>
+              <a:t>ח'/ניסן/תשע"ו</a:t>
             </a:fld>
             <a:endParaRPr lang="he-IL"/>
           </a:p>
@@ -1806,7 +1807,7 @@
           <a:p>
             <a:fld id="{749D2849-5570-4342-91BD-2F06611478A8}" type="datetimeFigureOut">
               <a:rPr lang="he-IL" smtClean="0"/>
-              <a:t>כ"ט/אדר א/תשע"ו</a:t>
+              <a:t>ח'/ניסן/תשע"ו</a:t>
             </a:fld>
             <a:endParaRPr lang="he-IL"/>
           </a:p>
@@ -1924,7 +1925,7 @@
           <a:p>
             <a:fld id="{749D2849-5570-4342-91BD-2F06611478A8}" type="datetimeFigureOut">
               <a:rPr lang="he-IL" smtClean="0"/>
-              <a:t>כ"ט/אדר א/תשע"ו</a:t>
+              <a:t>ח'/ניסן/תשע"ו</a:t>
             </a:fld>
             <a:endParaRPr lang="he-IL"/>
           </a:p>
@@ -2019,7 +2020,7 @@
           <a:p>
             <a:fld id="{749D2849-5570-4342-91BD-2F06611478A8}" type="datetimeFigureOut">
               <a:rPr lang="he-IL" smtClean="0"/>
-              <a:t>כ"ט/אדר א/תשע"ו</a:t>
+              <a:t>ח'/ניסן/תשע"ו</a:t>
             </a:fld>
             <a:endParaRPr lang="he-IL"/>
           </a:p>
@@ -2296,7 +2297,7 @@
           <a:p>
             <a:fld id="{749D2849-5570-4342-91BD-2F06611478A8}" type="datetimeFigureOut">
               <a:rPr lang="he-IL" smtClean="0"/>
-              <a:t>כ"ט/אדר א/תשע"ו</a:t>
+              <a:t>ח'/ניסן/תשע"ו</a:t>
             </a:fld>
             <a:endParaRPr lang="he-IL"/>
           </a:p>
@@ -2549,7 +2550,7 @@
           <a:p>
             <a:fld id="{749D2849-5570-4342-91BD-2F06611478A8}" type="datetimeFigureOut">
               <a:rPr lang="he-IL" smtClean="0"/>
-              <a:t>כ"ט/אדר א/תשע"ו</a:t>
+              <a:t>ח'/ניסן/תשע"ו</a:t>
             </a:fld>
             <a:endParaRPr lang="he-IL"/>
           </a:p>
@@ -2762,7 +2763,7 @@
           <a:p>
             <a:fld id="{749D2849-5570-4342-91BD-2F06611478A8}" type="datetimeFigureOut">
               <a:rPr lang="he-IL" smtClean="0"/>
-              <a:t>כ"ט/אדר א/תשע"ו</a:t>
+              <a:t>ח'/ניסן/תשע"ו</a:t>
             </a:fld>
             <a:endParaRPr lang="he-IL"/>
           </a:p>
@@ -3429,7 +3430,7 @@
             <a:pPr algn="ctr"/>
             <a:r>
               <a:rPr lang="en-US" dirty="0" smtClean="0"/>
-              <a:t>Feb 2016</a:t>
+              <a:t>Apr 2016</a:t>
             </a:r>
             <a:endParaRPr lang="he-IL" dirty="0"/>
           </a:p>
@@ -4642,11 +4643,7 @@
             <a:pPr rtl="0"/>
             <a:r>
               <a:rPr lang="en-GB" dirty="0" smtClean="0"/>
-              <a:t>Python is used </a:t>
-            </a:r>
-            <a:r>
-              <a:rPr lang="en-GB" dirty="0" smtClean="0"/>
-              <a:t>for:</a:t>
+              <a:t>Python is used for:</a:t>
             </a:r>
             <a:endParaRPr lang="en-GB" b="1" dirty="0" smtClean="0"/>
           </a:p>
@@ -4672,33 +4669,21 @@
             <a:pPr algn="l" rtl="0"/>
             <a:r>
               <a:rPr lang="en-US" dirty="0" smtClean="0"/>
-              <a:t>Scientific </a:t>
-            </a:r>
-            <a:r>
-              <a:rPr lang="en-US" dirty="0" smtClean="0"/>
-              <a:t>computing</a:t>
+              <a:t>Scientific computing</a:t>
             </a:r>
           </a:p>
           <a:p>
             <a:pPr algn="l" rtl="0"/>
             <a:r>
               <a:rPr lang="en-US" dirty="0" smtClean="0"/>
-              <a:t>Enterprise </a:t>
-            </a:r>
-            <a:r>
-              <a:rPr lang="en-US" dirty="0" smtClean="0"/>
-              <a:t>software</a:t>
+              <a:t>Enterprise software</a:t>
             </a:r>
           </a:p>
           <a:p>
             <a:pPr algn="l" rtl="0"/>
             <a:r>
               <a:rPr lang="en-US" dirty="0" smtClean="0"/>
-              <a:t>Web </a:t>
-            </a:r>
-            <a:r>
-              <a:rPr lang="en-US" dirty="0" smtClean="0"/>
-              <a:t>design</a:t>
+              <a:t>Web design</a:t>
             </a:r>
           </a:p>
           <a:p>
@@ -4707,7 +4692,6 @@
               <a:rPr lang="en-US" dirty="0" smtClean="0"/>
               <a:t>Back-end</a:t>
             </a:r>
-            <a:endParaRPr lang="en-US" dirty="0" smtClean="0"/>
           </a:p>
           <a:p>
             <a:pPr algn="l" rtl="0"/>
@@ -4715,17 +4699,12 @@
               <a:rPr lang="en-US" dirty="0" smtClean="0"/>
               <a:t>Front-end</a:t>
             </a:r>
-            <a:endParaRPr lang="en-US" dirty="0" smtClean="0"/>
           </a:p>
           <a:p>
             <a:pPr algn="l" rtl="0"/>
             <a:r>
               <a:rPr lang="en-US" dirty="0" smtClean="0"/>
-              <a:t>Everything </a:t>
-            </a:r>
-            <a:r>
-              <a:rPr lang="en-US" dirty="0" smtClean="0"/>
-              <a:t>in between</a:t>
+              <a:t>Everything in between</a:t>
             </a:r>
           </a:p>
         </p:txBody>
@@ -5072,22 +5051,45 @@
             <a:pPr algn="l" rtl="0"/>
             <a:r>
               <a:rPr lang="en-US" sz="2000" dirty="0" smtClean="0"/>
-              <a:t>Python helped iterate fast through all the different error cases they experienced on the wide variety of platforms they support.</a:t>
-            </a:r>
+              <a:t>Python helped iterate fast through </a:t>
+            </a:r>
+            <a:r>
+              <a:rPr lang="en-US" sz="2000" dirty="0" smtClean="0"/>
+              <a:t>error </a:t>
+            </a:r>
+            <a:r>
+              <a:rPr lang="en-US" sz="2000" dirty="0" smtClean="0"/>
+              <a:t>cases they experienced on the wide variety of platforms they </a:t>
+            </a:r>
+            <a:r>
+              <a:rPr lang="en-US" sz="2000" dirty="0" smtClean="0"/>
+              <a:t>support.</a:t>
+            </a:r>
+            <a:endParaRPr lang="en-US" sz="2000" dirty="0" smtClean="0"/>
           </a:p>
           <a:p>
             <a:pPr algn="l" rtl="0"/>
             <a:r>
               <a:rPr lang="en-US" sz="2000" dirty="0" smtClean="0"/>
-              <a:t>Use C for inner loops - optimizing CPU is easy</a:t>
-            </a:r>
+              <a:t>Use C for inner loops - optimizing CPU is </a:t>
+            </a:r>
+            <a:r>
+              <a:rPr lang="en-US" sz="2000" dirty="0" smtClean="0"/>
+              <a:t>easy.</a:t>
+            </a:r>
+            <a:endParaRPr lang="en-US" sz="2000" dirty="0" smtClean="0"/>
           </a:p>
           <a:p>
             <a:pPr algn="l" rtl="0"/>
             <a:r>
               <a:rPr lang="en-US" sz="2000" dirty="0" smtClean="0"/>
-              <a:t>Custom memory allocator - optimizing memory is hard</a:t>
-            </a:r>
+              <a:t>Custom memory allocator - optimizing memory is </a:t>
+            </a:r>
+            <a:r>
+              <a:rPr lang="en-US" sz="2000" dirty="0" smtClean="0"/>
+              <a:t>harder.</a:t>
+            </a:r>
+            <a:endParaRPr lang="en-US" sz="2000" dirty="0" smtClean="0"/>
           </a:p>
           <a:p>
             <a:pPr marL="0" indent="0" algn="l" rtl="0">
@@ -5449,7 +5451,7 @@
               <a:buAutoNum type="arabicPeriod"/>
             </a:pPr>
             <a:r>
-              <a:rPr lang="en-US" dirty="0" smtClean="0"/>
+              <a:rPr lang="en-US" sz="3300" dirty="0" smtClean="0"/>
               <a:t>Python requires less supporting code – less boilerplate</a:t>
             </a:r>
           </a:p>
@@ -5459,7 +5461,7 @@
               <a:buAutoNum type="arabicPeriod"/>
             </a:pPr>
             <a:r>
-              <a:rPr lang="en-US" dirty="0" smtClean="0"/>
+              <a:rPr lang="en-US" sz="3300" dirty="0" smtClean="0"/>
               <a:t>Python speeds the development cycle – no compilation</a:t>
             </a:r>
           </a:p>
@@ -5469,7 +5471,7 @@
               <a:buAutoNum type="arabicPeriod"/>
             </a:pPr>
             <a:r>
-              <a:rPr lang="en-GB" dirty="0" smtClean="0"/>
+              <a:rPr lang="en-GB" sz="3300" dirty="0" smtClean="0"/>
               <a:t>Python facilitates debugging – even without using debugger</a:t>
             </a:r>
           </a:p>
@@ -5751,7 +5753,7 @@
         </p:spPr>
         <p:txBody>
           <a:bodyPr>
-            <a:normAutofit fontScale="77500" lnSpcReduction="20000"/>
+            <a:normAutofit fontScale="92500" lnSpcReduction="10000"/>
           </a:bodyPr>
           <a:lstStyle/>
           <a:p>
@@ -5799,24 +5801,44 @@
               <a:buNone/>
             </a:pPr>
             <a:r>
+              <a:rPr lang="en-US" b="1" i="1" dirty="0" smtClean="0"/>
+              <a:t>You </a:t>
+            </a:r>
+            <a:r>
+              <a:rPr lang="en-US" b="1" i="1" dirty="0"/>
+              <a:t>spend more time reading code than writing it</a:t>
+            </a:r>
+            <a:r>
               <a:rPr lang="en-US" i="1" dirty="0"/>
-              <a:t>A friend of mine who knows nearly all the widely used languages uses Python for most of his projects. He says the main reason is that </a:t>
-            </a:r>
-            <a:r>
-              <a:rPr lang="en-US" b="1" i="1" dirty="0"/>
-              <a:t>he likes the way source code looks</a:t>
+              <a:t>. </a:t>
+            </a:r>
+            <a:endParaRPr lang="en-US" i="1" dirty="0" smtClean="0"/>
+          </a:p>
+          <a:p>
+            <a:pPr marL="400050" lvl="1" indent="0" algn="l" rtl="0">
+              <a:buNone/>
+            </a:pPr>
+            <a:r>
+              <a:rPr lang="en-US" i="1" dirty="0" smtClean="0"/>
+              <a:t>You </a:t>
             </a:r>
             <a:r>
               <a:rPr lang="en-US" i="1" dirty="0"/>
-              <a:t>. That may seem a frivolous reason to choose one language over another. But it is not so frivolous as it sounds: when you program, </a:t>
-            </a:r>
-            <a:r>
-              <a:rPr lang="en-US" b="1" i="1" dirty="0"/>
-              <a:t>you spend more time reading code than writing it</a:t>
+              <a:t>push blobs of source code around the way a sculptor does blobs of clay. </a:t>
+            </a:r>
+            <a:endParaRPr lang="en-US" i="1" dirty="0" smtClean="0"/>
+          </a:p>
+          <a:p>
+            <a:pPr marL="400050" lvl="1" indent="0" algn="l" rtl="0">
+              <a:buNone/>
+            </a:pPr>
+            <a:r>
+              <a:rPr lang="en-US" i="1" dirty="0" smtClean="0"/>
+              <a:t>So </a:t>
             </a:r>
             <a:r>
               <a:rPr lang="en-US" i="1" dirty="0"/>
-              <a:t>. You push blobs of source code around the way a sculptor does blobs of clay. So a </a:t>
+              <a:t>a </a:t>
             </a:r>
             <a:r>
               <a:rPr lang="en-US" b="1" i="1" dirty="0"/>
@@ -5824,7 +5846,15 @@
             </a:r>
             <a:r>
               <a:rPr lang="en-US" i="1" dirty="0"/>
-              <a:t>, as clay full of lumps would be to a sculptor</a:t>
+              <a:t>, </a:t>
+            </a:r>
+            <a:r>
+              <a:rPr lang="en-US" i="1" dirty="0" smtClean="0"/>
+              <a:t>as </a:t>
+            </a:r>
+            <a:r>
+              <a:rPr lang="en-US" i="1" dirty="0"/>
+              <a:t>clay full of lumps would be to a sculptor</a:t>
             </a:r>
             <a:r>
               <a:rPr lang="en-US" i="1" dirty="0" smtClean="0"/>
@@ -5999,11 +6029,7 @@
             <a:pPr algn="l" rtl="0"/>
             <a:r>
               <a:rPr lang="en-US" dirty="0" smtClean="0"/>
-              <a:t>The implied usefulness is that these things each have their own members and methods that encapsulate its functionality and </a:t>
-            </a:r>
-            <a:r>
-              <a:rPr lang="en-US" dirty="0" smtClean="0"/>
-              <a:t>information</a:t>
+              <a:t>The implied usefulness is that these things each have their own members and methods that encapsulate its functionality and information</a:t>
             </a:r>
           </a:p>
           <a:p>
@@ -7321,6 +7347,345 @@
           <a:chExt cx="0" cy="0"/>
         </a:xfrm>
       </p:grpSpPr>
+      <p:pic>
+        <p:nvPicPr>
+          <p:cNvPr id="1026" name="Picture 2"/>
+          <p:cNvPicPr>
+            <a:picLocks noChangeAspect="1" noChangeArrowheads="1"/>
+          </p:cNvPicPr>
+          <p:nvPr/>
+        </p:nvPicPr>
+        <p:blipFill>
+          <a:blip r:embed="rId2">
+            <a:extLst>
+              <a:ext uri="{28A0092B-C50C-407E-A947-70E740481C1C}">
+                <a14:useLocalDpi xmlns:a14="http://schemas.microsoft.com/office/drawing/2010/main" val="0"/>
+              </a:ext>
+            </a:extLst>
+          </a:blip>
+          <a:srcRect/>
+          <a:stretch>
+            <a:fillRect/>
+          </a:stretch>
+        </p:blipFill>
+        <p:spPr bwMode="auto">
+          <a:xfrm>
+            <a:off x="6519325" y="16881"/>
+            <a:ext cx="2624675" cy="2372706"/>
+          </a:xfrm>
+          <a:prstGeom prst="rect">
+            <a:avLst/>
+          </a:prstGeom>
+          <a:noFill/>
+          <a:ln>
+            <a:noFill/>
+          </a:ln>
+          <a:extLst>
+            <a:ext uri="{909E8E84-426E-40DD-AFC4-6F175D3DCCD1}">
+              <a14:hiddenFill xmlns:a14="http://schemas.microsoft.com/office/drawing/2010/main">
+                <a:solidFill>
+                  <a:schemeClr val="accent1"/>
+                </a:solidFill>
+              </a14:hiddenFill>
+            </a:ext>
+            <a:ext uri="{91240B29-F687-4F45-9708-019B960494DF}">
+              <a14:hiddenLine xmlns:a14="http://schemas.microsoft.com/office/drawing/2010/main" w="9525">
+                <a:solidFill>
+                  <a:schemeClr val="tx1"/>
+                </a:solidFill>
+                <a:miter lim="800000"/>
+                <a:headEnd/>
+                <a:tailEnd/>
+              </a14:hiddenLine>
+            </a:ext>
+          </a:extLst>
+        </p:spPr>
+      </p:pic>
+      <p:sp>
+        <p:nvSpPr>
+          <p:cNvPr id="2" name="Title 1"/>
+          <p:cNvSpPr>
+            <a:spLocks noGrp="1"/>
+          </p:cNvSpPr>
+          <p:nvPr>
+            <p:ph type="title"/>
+          </p:nvPr>
+        </p:nvSpPr>
+        <p:spPr/>
+        <p:txBody>
+          <a:bodyPr/>
+          <a:lstStyle/>
+          <a:p>
+            <a:pPr algn="l" rtl="0"/>
+            <a:r>
+              <a:rPr lang="en-US" b="1" dirty="0" smtClean="0"/>
+              <a:t>First </a:t>
+            </a:r>
+            <a:r>
+              <a:rPr lang="en-US" b="1" dirty="0" err="1" smtClean="0"/>
+              <a:t>PyCon</a:t>
+            </a:r>
+            <a:r>
+              <a:rPr lang="en-US" b="1" dirty="0" smtClean="0"/>
+              <a:t> in Israel!</a:t>
+            </a:r>
+            <a:endParaRPr lang="he-IL" b="1" dirty="0"/>
+          </a:p>
+        </p:txBody>
+      </p:sp>
+      <p:sp>
+        <p:nvSpPr>
+          <p:cNvPr id="3" name="Content Placeholder 2"/>
+          <p:cNvSpPr>
+            <a:spLocks noGrp="1"/>
+          </p:cNvSpPr>
+          <p:nvPr>
+            <p:ph idx="1"/>
+          </p:nvPr>
+        </p:nvSpPr>
+        <p:spPr>
+          <a:xfrm>
+            <a:off x="457200" y="1600200"/>
+            <a:ext cx="8229600" cy="5133578"/>
+          </a:xfrm>
+        </p:spPr>
+        <p:txBody>
+          <a:bodyPr>
+            <a:normAutofit fontScale="77500" lnSpcReduction="20000"/>
+          </a:bodyPr>
+          <a:lstStyle/>
+          <a:p>
+            <a:pPr marL="0" indent="0" algn="l" rtl="0">
+              <a:buNone/>
+            </a:pPr>
+            <a:r>
+              <a:rPr lang="en-US" dirty="0" smtClean="0"/>
+              <a:t>Tel </a:t>
+            </a:r>
+            <a:r>
+              <a:rPr lang="en-US" dirty="0"/>
+              <a:t>Aviv, </a:t>
+            </a:r>
+            <a:r>
+              <a:rPr lang="en-US" dirty="0" smtClean="0"/>
+              <a:t>Israel, May 2-3</a:t>
+            </a:r>
+          </a:p>
+          <a:p>
+            <a:pPr marL="0" indent="0" algn="l" rtl="0">
+              <a:buNone/>
+            </a:pPr>
+            <a:endParaRPr lang="en-US" dirty="0" smtClean="0"/>
+          </a:p>
+          <a:p>
+            <a:pPr marL="0" indent="0" algn="l" rtl="0">
+              <a:buNone/>
+            </a:pPr>
+            <a:r>
+              <a:rPr lang="en-US" dirty="0" smtClean="0"/>
+              <a:t>Keynote by Travis Oliphant, creator of </a:t>
+            </a:r>
+            <a:r>
+              <a:rPr lang="en-US" dirty="0" err="1" smtClean="0"/>
+              <a:t>NumPy</a:t>
+            </a:r>
+            <a:r>
+              <a:rPr lang="en-US" dirty="0" smtClean="0"/>
+              <a:t> &amp; </a:t>
+            </a:r>
+            <a:r>
+              <a:rPr lang="en-US" dirty="0" err="1" smtClean="0"/>
+              <a:t>SciPy</a:t>
+            </a:r>
+            <a:r>
+              <a:rPr lang="en-US" dirty="0" smtClean="0"/>
+              <a:t>.</a:t>
+            </a:r>
+          </a:p>
+          <a:p>
+            <a:pPr marL="0" indent="0" algn="l" rtl="0">
+              <a:buNone/>
+            </a:pPr>
+            <a:endParaRPr lang="en-US" dirty="0" smtClean="0"/>
+          </a:p>
+          <a:p>
+            <a:pPr marL="0" indent="0" algn="l" rtl="0">
+              <a:buNone/>
+            </a:pPr>
+            <a:r>
+              <a:rPr lang="en-US" dirty="0" smtClean="0"/>
+              <a:t>Sponsored by </a:t>
+            </a:r>
+            <a:r>
+              <a:rPr lang="en-US" dirty="0" err="1" smtClean="0"/>
+              <a:t>RedHat</a:t>
+            </a:r>
+            <a:r>
+              <a:rPr lang="en-US" dirty="0" smtClean="0"/>
+              <a:t>, </a:t>
+            </a:r>
+            <a:r>
+              <a:rPr lang="en-US" dirty="0" err="1" smtClean="0"/>
+              <a:t>Cymmetria</a:t>
+            </a:r>
+            <a:r>
+              <a:rPr lang="en-US" dirty="0" smtClean="0"/>
+              <a:t>, </a:t>
+            </a:r>
+            <a:r>
+              <a:rPr lang="en-US" dirty="0" err="1" smtClean="0"/>
+              <a:t>AutoDesk</a:t>
+            </a:r>
+            <a:r>
+              <a:rPr lang="en-US" dirty="0" smtClean="0"/>
+              <a:t>, </a:t>
+            </a:r>
+            <a:r>
+              <a:rPr lang="en-US" dirty="0" err="1" smtClean="0"/>
+              <a:t>XtremIO</a:t>
+            </a:r>
+            <a:r>
+              <a:rPr lang="en-US" dirty="0" smtClean="0"/>
+              <a:t>, Cisco, Dropbox, </a:t>
+            </a:r>
+            <a:r>
+              <a:rPr lang="en-US" dirty="0" err="1" smtClean="0"/>
+              <a:t>SentinelOne</a:t>
+            </a:r>
+            <a:r>
+              <a:rPr lang="en-US" dirty="0" smtClean="0"/>
+              <a:t>, </a:t>
+            </a:r>
+            <a:r>
+              <a:rPr lang="en-US" dirty="0" err="1" smtClean="0"/>
+              <a:t>Cloudify</a:t>
+            </a:r>
+            <a:r>
+              <a:rPr lang="en-US" dirty="0" smtClean="0"/>
+              <a:t>, </a:t>
+            </a:r>
+            <a:r>
+              <a:rPr lang="en-US" dirty="0" err="1" smtClean="0"/>
+              <a:t>Adgorithms</a:t>
+            </a:r>
+            <a:r>
+              <a:rPr lang="en-US" dirty="0" smtClean="0"/>
+              <a:t>, PSF, </a:t>
+            </a:r>
+            <a:r>
+              <a:rPr lang="en-US" dirty="0" err="1" smtClean="0"/>
+              <a:t>applitools</a:t>
+            </a:r>
+            <a:r>
+              <a:rPr lang="en-US" dirty="0" smtClean="0"/>
+              <a:t>, HP</a:t>
+            </a:r>
+            <a:endParaRPr lang="en-US" dirty="0"/>
+          </a:p>
+          <a:p>
+            <a:pPr marL="0" indent="0" algn="l" rtl="0">
+              <a:buNone/>
+            </a:pPr>
+            <a:endParaRPr lang="en-US" dirty="0" smtClean="0"/>
+          </a:p>
+          <a:p>
+            <a:pPr marL="0" indent="0" algn="l" rtl="0">
+              <a:buNone/>
+            </a:pPr>
+            <a:r>
+              <a:rPr lang="en-US" dirty="0" smtClean="0"/>
+              <a:t>I’m giving a talk: </a:t>
+            </a:r>
+          </a:p>
+          <a:p>
+            <a:pPr marL="0" indent="0" algn="l" rtl="0">
+              <a:buNone/>
+            </a:pPr>
+            <a:r>
+              <a:rPr lang="en-US" b="1" dirty="0"/>
+              <a:t>How to Study Evolution Using Scientific Python</a:t>
+            </a:r>
+          </a:p>
+          <a:p>
+            <a:pPr marL="0" indent="0" algn="l" rtl="0">
+              <a:buNone/>
+            </a:pPr>
+            <a:endParaRPr lang="en-US" dirty="0"/>
+          </a:p>
+          <a:p>
+            <a:pPr marL="0" indent="0" algn="l" rtl="0">
+              <a:buNone/>
+            </a:pPr>
+            <a:r>
+              <a:rPr lang="en-GB" dirty="0" smtClean="0">
+                <a:hlinkClick r:id="rId3"/>
+              </a:rPr>
+              <a:t>http://il.pycon.org</a:t>
+            </a:r>
+            <a:endParaRPr lang="en-GB" dirty="0" smtClean="0"/>
+          </a:p>
+          <a:p>
+            <a:pPr marL="0" indent="0" algn="l" rtl="0">
+              <a:buNone/>
+            </a:pPr>
+            <a:r>
+              <a:rPr lang="en-GB" dirty="0">
+                <a:hlinkClick r:id="rId4"/>
+              </a:rPr>
+              <a:t>pycon-israel@googlegroups.com</a:t>
+            </a:r>
+            <a:endParaRPr lang="en-GB" dirty="0" smtClean="0"/>
+          </a:p>
+          <a:p>
+            <a:pPr marL="0" indent="0" algn="l" rtl="0">
+              <a:buNone/>
+            </a:pPr>
+            <a:endParaRPr lang="en-GB" dirty="0"/>
+          </a:p>
+          <a:p>
+            <a:pPr marL="0" indent="0" algn="l" rtl="0">
+              <a:buNone/>
+            </a:pPr>
+            <a:endParaRPr lang="en-GB" dirty="0" smtClean="0"/>
+          </a:p>
+          <a:p>
+            <a:pPr marL="0" indent="0" algn="l" rtl="0">
+              <a:buNone/>
+            </a:pPr>
+            <a:endParaRPr lang="he-IL" dirty="0"/>
+          </a:p>
+        </p:txBody>
+      </p:sp>
+    </p:spTree>
+    <p:extLst>
+      <p:ext uri="{BB962C8B-B14F-4D97-AF65-F5344CB8AC3E}">
+        <p14:creationId xmlns:p14="http://schemas.microsoft.com/office/powerpoint/2010/main" val="3636087581"/>
+      </p:ext>
+    </p:extLst>
+  </p:cSld>
+  <p:clrMapOvr>
+    <a:masterClrMapping/>
+  </p:clrMapOvr>
+</p:sld>
+</file>
+
+<file path=ppt/slides/slide35.xml><?xml version="1.0" encoding="utf-8"?>
+<p:sld xmlns:a="http://schemas.openxmlformats.org/drawingml/2006/main" xmlns:r="http://schemas.openxmlformats.org/officeDocument/2006/relationships" xmlns:p="http://schemas.openxmlformats.org/presentationml/2006/main">
+  <p:cSld>
+    <p:spTree>
+      <p:nvGrpSpPr>
+        <p:cNvPr id="1" name=""/>
+        <p:cNvGrpSpPr/>
+        <p:nvPr/>
+      </p:nvGrpSpPr>
+      <p:grpSpPr>
+        <a:xfrm>
+          <a:off x="0" y="0"/>
+          <a:ext cx="0" cy="0"/>
+          <a:chOff x="0" y="0"/>
+          <a:chExt cx="0" cy="0"/>
+        </a:xfrm>
+      </p:grpSpPr>
       <p:sp>
         <p:nvSpPr>
           <p:cNvPr id="2" name="Title 1"/>
@@ -7358,7 +7723,7 @@
 </p:sld>
 </file>
 
-<file path=ppt/slides/slide35.xml><?xml version="1.0" encoding="utf-8"?>
+<file path=ppt/slides/slide36.xml><?xml version="1.0" encoding="utf-8"?>
 <p:sld xmlns:a="http://schemas.openxmlformats.org/drawingml/2006/main" xmlns:r="http://schemas.openxmlformats.org/officeDocument/2006/relationships" xmlns:p="http://schemas.openxmlformats.org/presentationml/2006/main">
   <p:cSld>
     <p:spTree>
@@ -7455,15 +7820,7 @@
             <a:pPr algn="l" rtl="0"/>
             <a:r>
               <a:rPr lang="en-US" sz="2400" dirty="0" smtClean="0"/>
-              <a:t>During 2015, </a:t>
-            </a:r>
-            <a:r>
-              <a:rPr lang="en-US" sz="2400" dirty="0" smtClean="0"/>
-              <a:t>&gt; 1,500 </a:t>
-            </a:r>
-            <a:r>
-              <a:rPr lang="en-US" sz="2400" dirty="0" smtClean="0"/>
-              <a:t>new packages released </a:t>
+              <a:t>During 2015, &gt; 1,500 new packages released </a:t>
             </a:r>
             <a:r>
               <a:rPr lang="en-US" sz="2400" u="sng" dirty="0" smtClean="0"/>
@@ -7471,11 +7828,7 @@
             </a:r>
             <a:r>
               <a:rPr lang="en-US" sz="2400" dirty="0" smtClean="0"/>
-              <a:t> </a:t>
-            </a:r>
-            <a:r>
-              <a:rPr lang="en-US" sz="2400" dirty="0" smtClean="0"/>
-              <a:t>to </a:t>
+              <a:t> to </a:t>
             </a:r>
             <a:r>
               <a:rPr lang="en-US" sz="2400" dirty="0" err="1" smtClean="0">
@@ -7487,7 +7840,6 @@
               <a:rPr lang="en-US" sz="2400" dirty="0" smtClean="0"/>
               <a:t>. </a:t>
             </a:r>
-            <a:endParaRPr lang="en-US" sz="2400" dirty="0" smtClean="0"/>
           </a:p>
           <a:p>
             <a:pPr algn="l" rtl="0"/>
@@ -7519,126 +7871,6 @@
     <p:extLst>
       <p:ext uri="{BB962C8B-B14F-4D97-AF65-F5344CB8AC3E}">
         <p14:creationId xmlns:p14="http://schemas.microsoft.com/office/powerpoint/2010/main" val="3644176354"/>
-      </p:ext>
-    </p:extLst>
-  </p:cSld>
-  <p:clrMapOvr>
-    <a:masterClrMapping/>
-  </p:clrMapOvr>
-</p:sld>
-</file>
-
-<file path=ppt/slides/slide36.xml><?xml version="1.0" encoding="utf-8"?>
-<p:sld xmlns:a="http://schemas.openxmlformats.org/drawingml/2006/main" xmlns:r="http://schemas.openxmlformats.org/officeDocument/2006/relationships" xmlns:p="http://schemas.openxmlformats.org/presentationml/2006/main">
-  <p:cSld>
-    <p:spTree>
-      <p:nvGrpSpPr>
-        <p:cNvPr id="1" name=""/>
-        <p:cNvGrpSpPr/>
-        <p:nvPr/>
-      </p:nvGrpSpPr>
-      <p:grpSpPr>
-        <a:xfrm>
-          <a:off x="0" y="0"/>
-          <a:ext cx="0" cy="0"/>
-          <a:chOff x="0" y="0"/>
-          <a:chExt cx="0" cy="0"/>
-        </a:xfrm>
-      </p:grpSpPr>
-      <p:sp>
-        <p:nvSpPr>
-          <p:cNvPr id="4" name="Title 3"/>
-          <p:cNvSpPr>
-            <a:spLocks noGrp="1"/>
-          </p:cNvSpPr>
-          <p:nvPr>
-            <p:ph type="ctrTitle"/>
-          </p:nvPr>
-        </p:nvSpPr>
-        <p:spPr/>
-        <p:txBody>
-          <a:bodyPr>
-            <a:normAutofit/>
-          </a:bodyPr>
-          <a:lstStyle/>
-          <a:p>
-            <a:pPr rtl="0"/>
-            <a:r>
-              <a:rPr lang="en-US" dirty="0" smtClean="0"/>
-              <a:t>Python can do nearly everything MATLAB can do</a:t>
-            </a:r>
-            <a:endParaRPr lang="he-IL" dirty="0"/>
-          </a:p>
-        </p:txBody>
-      </p:sp>
-      <p:sp>
-        <p:nvSpPr>
-          <p:cNvPr id="5" name="Subtitle 4"/>
-          <p:cNvSpPr>
-            <a:spLocks noGrp="1"/>
-          </p:cNvSpPr>
-          <p:nvPr>
-            <p:ph type="subTitle" idx="1"/>
-          </p:nvPr>
-        </p:nvSpPr>
-        <p:spPr/>
-        <p:txBody>
-          <a:bodyPr/>
-          <a:lstStyle/>
-          <a:p>
-            <a:pPr rtl="0"/>
-            <a:r>
-              <a:rPr lang="en-US" dirty="0" smtClean="0"/>
-              <a:t>With libraries like </a:t>
-            </a:r>
-            <a:r>
-              <a:rPr lang="en-US" dirty="0" err="1" smtClean="0"/>
-              <a:t>NumPy</a:t>
-            </a:r>
-            <a:r>
-              <a:rPr lang="en-US" dirty="0" smtClean="0"/>
-              <a:t>, </a:t>
-            </a:r>
-            <a:r>
-              <a:rPr lang="en-US" dirty="0" err="1" smtClean="0"/>
-              <a:t>SciPy</a:t>
-            </a:r>
-            <a:r>
-              <a:rPr lang="en-US" dirty="0" smtClean="0"/>
-              <a:t>, </a:t>
-            </a:r>
-            <a:r>
-              <a:rPr lang="en-US" dirty="0" err="1" smtClean="0"/>
-              <a:t>Matplotlib</a:t>
-            </a:r>
-            <a:r>
-              <a:rPr lang="en-US" dirty="0" smtClean="0"/>
-              <a:t>, </a:t>
-            </a:r>
-            <a:r>
-              <a:rPr lang="en-US" dirty="0" err="1" smtClean="0"/>
-              <a:t>IPython</a:t>
-            </a:r>
-            <a:r>
-              <a:rPr lang="en-US" dirty="0" smtClean="0"/>
-              <a:t>, </a:t>
-            </a:r>
-            <a:r>
-              <a:rPr lang="en-US" dirty="0" err="1" smtClean="0"/>
-              <a:t>Scikit</a:t>
-            </a:r>
-            <a:r>
-              <a:rPr lang="en-US" dirty="0" smtClean="0"/>
-              <a:t>, and more</a:t>
-            </a:r>
-            <a:endParaRPr lang="he-IL" dirty="0"/>
-          </a:p>
-        </p:txBody>
-      </p:sp>
-    </p:spTree>
-    <p:extLst>
-      <p:ext uri="{BB962C8B-B14F-4D97-AF65-F5344CB8AC3E}">
-        <p14:creationId xmlns:p14="http://schemas.microsoft.com/office/powerpoint/2010/main" val="1802572147"/>
       </p:ext>
     </p:extLst>
   </p:cSld>
@@ -7667,6 +7899,126 @@
       </p:grpSpPr>
       <p:sp>
         <p:nvSpPr>
+          <p:cNvPr id="4" name="Title 3"/>
+          <p:cNvSpPr>
+            <a:spLocks noGrp="1"/>
+          </p:cNvSpPr>
+          <p:nvPr>
+            <p:ph type="ctrTitle"/>
+          </p:nvPr>
+        </p:nvSpPr>
+        <p:spPr/>
+        <p:txBody>
+          <a:bodyPr>
+            <a:normAutofit/>
+          </a:bodyPr>
+          <a:lstStyle/>
+          <a:p>
+            <a:pPr rtl="0"/>
+            <a:r>
+              <a:rPr lang="en-US" dirty="0" smtClean="0"/>
+              <a:t>Python can do nearly everything MATLAB can do</a:t>
+            </a:r>
+            <a:endParaRPr lang="he-IL" dirty="0"/>
+          </a:p>
+        </p:txBody>
+      </p:sp>
+      <p:sp>
+        <p:nvSpPr>
+          <p:cNvPr id="5" name="Subtitle 4"/>
+          <p:cNvSpPr>
+            <a:spLocks noGrp="1"/>
+          </p:cNvSpPr>
+          <p:nvPr>
+            <p:ph type="subTitle" idx="1"/>
+          </p:nvPr>
+        </p:nvSpPr>
+        <p:spPr/>
+        <p:txBody>
+          <a:bodyPr/>
+          <a:lstStyle/>
+          <a:p>
+            <a:pPr rtl="0"/>
+            <a:r>
+              <a:rPr lang="en-US" dirty="0" smtClean="0"/>
+              <a:t>With libraries like </a:t>
+            </a:r>
+            <a:r>
+              <a:rPr lang="en-US" dirty="0" err="1" smtClean="0"/>
+              <a:t>NumPy</a:t>
+            </a:r>
+            <a:r>
+              <a:rPr lang="en-US" dirty="0" smtClean="0"/>
+              <a:t>, </a:t>
+            </a:r>
+            <a:r>
+              <a:rPr lang="en-US" dirty="0" err="1" smtClean="0"/>
+              <a:t>SciPy</a:t>
+            </a:r>
+            <a:r>
+              <a:rPr lang="en-US" dirty="0" smtClean="0"/>
+              <a:t>, </a:t>
+            </a:r>
+            <a:r>
+              <a:rPr lang="en-US" dirty="0" err="1" smtClean="0"/>
+              <a:t>Matplotlib</a:t>
+            </a:r>
+            <a:r>
+              <a:rPr lang="en-US" dirty="0" smtClean="0"/>
+              <a:t>, </a:t>
+            </a:r>
+            <a:r>
+              <a:rPr lang="en-US" dirty="0" err="1" smtClean="0"/>
+              <a:t>IPython</a:t>
+            </a:r>
+            <a:r>
+              <a:rPr lang="en-US" dirty="0" smtClean="0"/>
+              <a:t>, </a:t>
+            </a:r>
+            <a:r>
+              <a:rPr lang="en-US" dirty="0" err="1" smtClean="0"/>
+              <a:t>Scikit</a:t>
+            </a:r>
+            <a:r>
+              <a:rPr lang="en-US" dirty="0" smtClean="0"/>
+              <a:t>, and more</a:t>
+            </a:r>
+            <a:endParaRPr lang="he-IL" dirty="0"/>
+          </a:p>
+        </p:txBody>
+      </p:sp>
+    </p:spTree>
+    <p:extLst>
+      <p:ext uri="{BB962C8B-B14F-4D97-AF65-F5344CB8AC3E}">
+        <p14:creationId xmlns:p14="http://schemas.microsoft.com/office/powerpoint/2010/main" val="1802572147"/>
+      </p:ext>
+    </p:extLst>
+  </p:cSld>
+  <p:clrMapOvr>
+    <a:masterClrMapping/>
+  </p:clrMapOvr>
+</p:sld>
+</file>
+
+<file path=ppt/slides/slide38.xml><?xml version="1.0" encoding="utf-8"?>
+<p:sld xmlns:a="http://schemas.openxmlformats.org/drawingml/2006/main" xmlns:r="http://schemas.openxmlformats.org/officeDocument/2006/relationships" xmlns:p="http://schemas.openxmlformats.org/presentationml/2006/main">
+  <p:cSld>
+    <p:spTree>
+      <p:nvGrpSpPr>
+        <p:cNvPr id="1" name=""/>
+        <p:cNvGrpSpPr/>
+        <p:nvPr/>
+      </p:nvGrpSpPr>
+      <p:grpSpPr>
+        <a:xfrm>
+          <a:off x="0" y="0"/>
+          <a:ext cx="0" cy="0"/>
+          <a:chOff x="0" y="0"/>
+          <a:chExt cx="0" cy="0"/>
+        </a:xfrm>
+      </p:grpSpPr>
+      <p:sp>
+        <p:nvSpPr>
           <p:cNvPr id="2" name="Title 1"/>
           <p:cNvSpPr>
             <a:spLocks noGrp="1"/>
@@ -7702,7 +8054,7 @@
 </p:sld>
 </file>
 
-<file path=ppt/slides/slide38.xml><?xml version="1.0" encoding="utf-8"?>
+<file path=ppt/slides/slide39.xml><?xml version="1.0" encoding="utf-8"?>
 <p:sld xmlns:a="http://schemas.openxmlformats.org/drawingml/2006/main" xmlns:r="http://schemas.openxmlformats.org/officeDocument/2006/relationships" xmlns:p="http://schemas.openxmlformats.org/presentationml/2006/main">
   <p:cSld>
     <p:spTree>
@@ -7818,7 +8170,402 @@
 </p:sld>
 </file>
 
-<file path=ppt/slides/slide39.xml><?xml version="1.0" encoding="utf-8"?>
+<file path=ppt/slides/slide4.xml><?xml version="1.0" encoding="utf-8"?>
+<p:sld xmlns:a="http://schemas.openxmlformats.org/drawingml/2006/main" xmlns:r="http://schemas.openxmlformats.org/officeDocument/2006/relationships" xmlns:p="http://schemas.openxmlformats.org/presentationml/2006/main">
+  <p:cSld>
+    <p:spTree>
+      <p:nvGrpSpPr>
+        <p:cNvPr id="1" name=""/>
+        <p:cNvGrpSpPr/>
+        <p:nvPr/>
+      </p:nvGrpSpPr>
+      <p:grpSpPr>
+        <a:xfrm>
+          <a:off x="0" y="0"/>
+          <a:ext cx="0" cy="0"/>
+          <a:chOff x="0" y="0"/>
+          <a:chExt cx="0" cy="0"/>
+        </a:xfrm>
+      </p:grpSpPr>
+      <p:sp>
+        <p:nvSpPr>
+          <p:cNvPr id="4" name="Title 3"/>
+          <p:cNvSpPr>
+            <a:spLocks noGrp="1"/>
+          </p:cNvSpPr>
+          <p:nvPr>
+            <p:ph type="title"/>
+          </p:nvPr>
+        </p:nvSpPr>
+        <p:spPr/>
+        <p:txBody>
+          <a:bodyPr/>
+          <a:lstStyle/>
+          <a:p>
+            <a:pPr rtl="0"/>
+            <a:r>
+              <a:rPr lang="en-US" dirty="0" smtClean="0"/>
+              <a:t>Example</a:t>
+            </a:r>
+            <a:endParaRPr lang="he-IL" dirty="0"/>
+          </a:p>
+        </p:txBody>
+      </p:sp>
+      <p:sp>
+        <p:nvSpPr>
+          <p:cNvPr id="5" name="Text Placeholder 4"/>
+          <p:cNvSpPr>
+            <a:spLocks noGrp="1"/>
+          </p:cNvSpPr>
+          <p:nvPr>
+            <p:ph type="body" idx="1"/>
+          </p:nvPr>
+        </p:nvSpPr>
+        <p:spPr/>
+        <p:txBody>
+          <a:bodyPr/>
+          <a:lstStyle/>
+          <a:p>
+            <a:pPr algn="l" rtl="0"/>
+            <a:r>
+              <a:rPr lang="en-US" dirty="0" smtClean="0"/>
+              <a:t>C</a:t>
+            </a:r>
+            <a:endParaRPr lang="he-IL" dirty="0"/>
+          </a:p>
+        </p:txBody>
+      </p:sp>
+      <p:sp>
+        <p:nvSpPr>
+          <p:cNvPr id="6" name="Content Placeholder 5"/>
+          <p:cNvSpPr>
+            <a:spLocks noGrp="1"/>
+          </p:cNvSpPr>
+          <p:nvPr>
+            <p:ph sz="half" idx="2"/>
+          </p:nvPr>
+        </p:nvSpPr>
+        <p:spPr/>
+        <p:txBody>
+          <a:bodyPr>
+            <a:normAutofit fontScale="92500" lnSpcReduction="10000"/>
+          </a:bodyPr>
+          <a:lstStyle/>
+          <a:p>
+            <a:pPr marL="0" indent="0" algn="l" rtl="0">
+              <a:buNone/>
+            </a:pPr>
+            <a:r>
+              <a:rPr lang="en-GB" dirty="0"/>
+              <a:t>void </a:t>
+            </a:r>
+            <a:r>
+              <a:rPr lang="en-GB" dirty="0" smtClean="0"/>
+              <a:t>foo(</a:t>
+            </a:r>
+            <a:r>
+              <a:rPr lang="en-GB" dirty="0" err="1" smtClean="0"/>
+              <a:t>int</a:t>
+            </a:r>
+            <a:r>
+              <a:rPr lang="en-GB" dirty="0" smtClean="0"/>
+              <a:t> </a:t>
+            </a:r>
+            <a:r>
+              <a:rPr lang="en-GB" dirty="0"/>
+              <a:t>x) </a:t>
+            </a:r>
+            <a:endParaRPr lang="en-GB" dirty="0" smtClean="0"/>
+          </a:p>
+          <a:p>
+            <a:pPr marL="0" indent="0" algn="l" rtl="0">
+              <a:buNone/>
+            </a:pPr>
+            <a:r>
+              <a:rPr lang="en-GB" dirty="0" smtClean="0"/>
+              <a:t>{ </a:t>
+            </a:r>
+          </a:p>
+          <a:p>
+            <a:pPr marL="0" indent="0" algn="l" rtl="0">
+              <a:buNone/>
+            </a:pPr>
+            <a:r>
+              <a:rPr lang="en-GB" dirty="0" smtClean="0"/>
+              <a:t>    if (-1 &lt; x &amp;&amp; x &lt; 1) </a:t>
+            </a:r>
+            <a:r>
+              <a:rPr lang="en-GB" dirty="0"/>
+              <a:t>{ </a:t>
+            </a:r>
+            <a:endParaRPr lang="en-GB" dirty="0" smtClean="0"/>
+          </a:p>
+          <a:p>
+            <a:pPr marL="0" indent="0" algn="l" rtl="0">
+              <a:buNone/>
+            </a:pPr>
+            <a:r>
+              <a:rPr lang="en-GB" dirty="0"/>
+              <a:t> </a:t>
+            </a:r>
+            <a:r>
+              <a:rPr lang="en-GB" dirty="0" smtClean="0"/>
+              <a:t>         bar</a:t>
+            </a:r>
+            <a:r>
+              <a:rPr lang="en-GB" dirty="0"/>
+              <a:t>(); </a:t>
+            </a:r>
+            <a:endParaRPr lang="en-GB" dirty="0" smtClean="0"/>
+          </a:p>
+          <a:p>
+            <a:pPr marL="0" indent="0" algn="l" rtl="0">
+              <a:buNone/>
+            </a:pPr>
+            <a:r>
+              <a:rPr lang="en-GB" dirty="0"/>
+              <a:t> </a:t>
+            </a:r>
+            <a:r>
+              <a:rPr lang="en-GB" dirty="0" smtClean="0"/>
+              <a:t>         </a:t>
+            </a:r>
+            <a:r>
+              <a:rPr lang="en-GB" dirty="0" err="1" smtClean="0"/>
+              <a:t>baz</a:t>
+            </a:r>
+            <a:r>
+              <a:rPr lang="en-GB" dirty="0"/>
+              <a:t>(); </a:t>
+            </a:r>
+            <a:endParaRPr lang="en-GB" dirty="0" smtClean="0"/>
+          </a:p>
+          <a:p>
+            <a:pPr marL="0" indent="0" algn="l" rtl="0">
+              <a:buNone/>
+            </a:pPr>
+            <a:r>
+              <a:rPr lang="en-GB" dirty="0" smtClean="0"/>
+              <a:t>     } </a:t>
+            </a:r>
+            <a:r>
+              <a:rPr lang="en-GB" dirty="0"/>
+              <a:t>else { </a:t>
+            </a:r>
+            <a:endParaRPr lang="en-GB" dirty="0" smtClean="0"/>
+          </a:p>
+          <a:p>
+            <a:pPr marL="0" indent="0" algn="l" rtl="0">
+              <a:buNone/>
+            </a:pPr>
+            <a:r>
+              <a:rPr lang="en-GB" dirty="0"/>
+              <a:t> </a:t>
+            </a:r>
+            <a:r>
+              <a:rPr lang="en-GB" dirty="0" smtClean="0"/>
+              <a:t>         </a:t>
+            </a:r>
+            <a:r>
+              <a:rPr lang="en-GB" dirty="0" err="1" smtClean="0"/>
+              <a:t>qux</a:t>
+            </a:r>
+            <a:r>
+              <a:rPr lang="en-GB" dirty="0" smtClean="0"/>
+              <a:t>(x</a:t>
+            </a:r>
+            <a:r>
+              <a:rPr lang="en-GB" dirty="0"/>
+              <a:t>); </a:t>
+            </a:r>
+            <a:endParaRPr lang="en-GB" dirty="0" smtClean="0"/>
+          </a:p>
+          <a:p>
+            <a:pPr marL="0" indent="0" algn="l" rtl="0">
+              <a:buNone/>
+            </a:pPr>
+            <a:r>
+              <a:rPr lang="en-GB" dirty="0"/>
+              <a:t> </a:t>
+            </a:r>
+            <a:r>
+              <a:rPr lang="en-GB" dirty="0" smtClean="0"/>
+              <a:t>         foo(x </a:t>
+            </a:r>
+            <a:r>
+              <a:rPr lang="en-GB" dirty="0"/>
+              <a:t>- 1); </a:t>
+            </a:r>
+            <a:endParaRPr lang="en-GB" dirty="0" smtClean="0"/>
+          </a:p>
+          <a:p>
+            <a:pPr marL="0" indent="0" algn="l" rtl="0">
+              <a:buNone/>
+            </a:pPr>
+            <a:r>
+              <a:rPr lang="en-GB" dirty="0"/>
+              <a:t> </a:t>
+            </a:r>
+            <a:r>
+              <a:rPr lang="en-GB" dirty="0" smtClean="0"/>
+              <a:t>    } </a:t>
+            </a:r>
+          </a:p>
+          <a:p>
+            <a:pPr marL="0" indent="0" algn="l" rtl="0">
+              <a:buNone/>
+            </a:pPr>
+            <a:r>
+              <a:rPr lang="en-GB" dirty="0" smtClean="0"/>
+              <a:t>}</a:t>
+            </a:r>
+            <a:endParaRPr lang="he-IL" dirty="0"/>
+          </a:p>
+        </p:txBody>
+      </p:sp>
+      <p:sp>
+        <p:nvSpPr>
+          <p:cNvPr id="7" name="Text Placeholder 6"/>
+          <p:cNvSpPr>
+            <a:spLocks noGrp="1"/>
+          </p:cNvSpPr>
+          <p:nvPr>
+            <p:ph type="body" sz="quarter" idx="3"/>
+          </p:nvPr>
+        </p:nvSpPr>
+        <p:spPr/>
+        <p:txBody>
+          <a:bodyPr/>
+          <a:lstStyle/>
+          <a:p>
+            <a:pPr algn="l" rtl="0"/>
+            <a:r>
+              <a:rPr lang="en-US" dirty="0" smtClean="0"/>
+              <a:t>Python</a:t>
+            </a:r>
+            <a:endParaRPr lang="he-IL" dirty="0"/>
+          </a:p>
+        </p:txBody>
+      </p:sp>
+      <p:sp>
+        <p:nvSpPr>
+          <p:cNvPr id="8" name="Content Placeholder 7"/>
+          <p:cNvSpPr>
+            <a:spLocks noGrp="1"/>
+          </p:cNvSpPr>
+          <p:nvPr>
+            <p:ph sz="quarter" idx="4"/>
+          </p:nvPr>
+        </p:nvSpPr>
+        <p:spPr/>
+        <p:txBody>
+          <a:bodyPr/>
+          <a:lstStyle/>
+          <a:p>
+            <a:pPr marL="0" indent="0" algn="l" rtl="0">
+              <a:buNone/>
+            </a:pPr>
+            <a:r>
+              <a:rPr lang="en-US" dirty="0" err="1"/>
+              <a:t>def</a:t>
+            </a:r>
+            <a:r>
+              <a:rPr lang="en-US" dirty="0"/>
+              <a:t> foo(x):</a:t>
+            </a:r>
+          </a:p>
+          <a:p>
+            <a:pPr marL="0" indent="0" algn="l" rtl="0">
+              <a:buNone/>
+            </a:pPr>
+            <a:r>
+              <a:rPr lang="en-US" dirty="0"/>
+              <a:t>    if </a:t>
+            </a:r>
+            <a:r>
+              <a:rPr lang="en-US" dirty="0" smtClean="0"/>
+              <a:t>-1 &lt; x &lt; 1:</a:t>
+            </a:r>
+            <a:endParaRPr lang="en-US" dirty="0"/>
+          </a:p>
+          <a:p>
+            <a:pPr marL="0" indent="0" algn="l" rtl="0">
+              <a:buNone/>
+            </a:pPr>
+            <a:r>
+              <a:rPr lang="en-US" dirty="0"/>
+              <a:t>        bar()</a:t>
+            </a:r>
+          </a:p>
+          <a:p>
+            <a:pPr marL="0" indent="0" algn="l" rtl="0">
+              <a:buNone/>
+            </a:pPr>
+            <a:r>
+              <a:rPr lang="en-US" dirty="0"/>
+              <a:t>        </a:t>
+            </a:r>
+            <a:r>
+              <a:rPr lang="en-US" dirty="0" err="1"/>
+              <a:t>baz</a:t>
+            </a:r>
+            <a:r>
+              <a:rPr lang="en-US" dirty="0"/>
+              <a:t>()</a:t>
+            </a:r>
+          </a:p>
+          <a:p>
+            <a:pPr marL="0" indent="0" algn="l" rtl="0">
+              <a:buNone/>
+            </a:pPr>
+            <a:r>
+              <a:rPr lang="en-US" dirty="0"/>
+              <a:t>    else:</a:t>
+            </a:r>
+          </a:p>
+          <a:p>
+            <a:pPr marL="0" indent="0" algn="l" rtl="0">
+              <a:buNone/>
+            </a:pPr>
+            <a:r>
+              <a:rPr lang="en-US" dirty="0"/>
+              <a:t>        </a:t>
+            </a:r>
+            <a:r>
+              <a:rPr lang="en-US" dirty="0" err="1"/>
+              <a:t>qux</a:t>
+            </a:r>
+            <a:r>
+              <a:rPr lang="en-US" dirty="0"/>
+              <a:t>(x)</a:t>
+            </a:r>
+          </a:p>
+          <a:p>
+            <a:pPr marL="0" indent="0" algn="l" rtl="0">
+              <a:buNone/>
+            </a:pPr>
+            <a:r>
+              <a:rPr lang="en-US" dirty="0"/>
+              <a:t>        foo(x - 1)</a:t>
+            </a:r>
+            <a:endParaRPr lang="he-IL" dirty="0"/>
+          </a:p>
+        </p:txBody>
+      </p:sp>
+    </p:spTree>
+    <p:extLst>
+      <p:ext uri="{BB962C8B-B14F-4D97-AF65-F5344CB8AC3E}">
+        <p14:creationId xmlns:p14="http://schemas.microsoft.com/office/powerpoint/2010/main" val="2846433581"/>
+      </p:ext>
+    </p:extLst>
+  </p:cSld>
+  <p:clrMapOvr>
+    <a:masterClrMapping/>
+  </p:clrMapOvr>
+</p:sld>
+</file>
+
+<file path=ppt/slides/slide40.xml><?xml version="1.0" encoding="utf-8"?>
 <p:sld xmlns:a="http://schemas.openxmlformats.org/drawingml/2006/main" xmlns:r="http://schemas.openxmlformats.org/officeDocument/2006/relationships" xmlns:p="http://schemas.openxmlformats.org/presentationml/2006/main">
   <p:cSld>
     <p:spTree>
@@ -7973,7 +8720,7 @@
 </p:sld>
 </file>
 
-<file path=ppt/slides/slide4.xml><?xml version="1.0" encoding="utf-8"?>
+<file path=ppt/slides/slide41.xml><?xml version="1.0" encoding="utf-8"?>
 <p:sld xmlns:a="http://schemas.openxmlformats.org/drawingml/2006/main" xmlns:r="http://schemas.openxmlformats.org/officeDocument/2006/relationships" xmlns:p="http://schemas.openxmlformats.org/presentationml/2006/main">
   <p:cSld>
     <p:spTree>
@@ -7992,401 +8739,6 @@
       </p:grpSpPr>
       <p:sp>
         <p:nvSpPr>
-          <p:cNvPr id="4" name="Title 3"/>
-          <p:cNvSpPr>
-            <a:spLocks noGrp="1"/>
-          </p:cNvSpPr>
-          <p:nvPr>
-            <p:ph type="title"/>
-          </p:nvPr>
-        </p:nvSpPr>
-        <p:spPr/>
-        <p:txBody>
-          <a:bodyPr/>
-          <a:lstStyle/>
-          <a:p>
-            <a:pPr rtl="0"/>
-            <a:r>
-              <a:rPr lang="en-US" dirty="0" smtClean="0"/>
-              <a:t>Example</a:t>
-            </a:r>
-            <a:endParaRPr lang="he-IL" dirty="0"/>
-          </a:p>
-        </p:txBody>
-      </p:sp>
-      <p:sp>
-        <p:nvSpPr>
-          <p:cNvPr id="5" name="Text Placeholder 4"/>
-          <p:cNvSpPr>
-            <a:spLocks noGrp="1"/>
-          </p:cNvSpPr>
-          <p:nvPr>
-            <p:ph type="body" idx="1"/>
-          </p:nvPr>
-        </p:nvSpPr>
-        <p:spPr/>
-        <p:txBody>
-          <a:bodyPr/>
-          <a:lstStyle/>
-          <a:p>
-            <a:pPr algn="l" rtl="0"/>
-            <a:r>
-              <a:rPr lang="en-US" dirty="0" smtClean="0"/>
-              <a:t>C</a:t>
-            </a:r>
-            <a:endParaRPr lang="he-IL" dirty="0"/>
-          </a:p>
-        </p:txBody>
-      </p:sp>
-      <p:sp>
-        <p:nvSpPr>
-          <p:cNvPr id="6" name="Content Placeholder 5"/>
-          <p:cNvSpPr>
-            <a:spLocks noGrp="1"/>
-          </p:cNvSpPr>
-          <p:nvPr>
-            <p:ph sz="half" idx="2"/>
-          </p:nvPr>
-        </p:nvSpPr>
-        <p:spPr/>
-        <p:txBody>
-          <a:bodyPr>
-            <a:normAutofit fontScale="92500" lnSpcReduction="10000"/>
-          </a:bodyPr>
-          <a:lstStyle/>
-          <a:p>
-            <a:pPr marL="0" indent="0" algn="l" rtl="0">
-              <a:buNone/>
-            </a:pPr>
-            <a:r>
-              <a:rPr lang="en-GB" dirty="0"/>
-              <a:t>void </a:t>
-            </a:r>
-            <a:r>
-              <a:rPr lang="en-GB" dirty="0" smtClean="0"/>
-              <a:t>foo(</a:t>
-            </a:r>
-            <a:r>
-              <a:rPr lang="en-GB" dirty="0" err="1" smtClean="0"/>
-              <a:t>int</a:t>
-            </a:r>
-            <a:r>
-              <a:rPr lang="en-GB" dirty="0" smtClean="0"/>
-              <a:t> </a:t>
-            </a:r>
-            <a:r>
-              <a:rPr lang="en-GB" dirty="0"/>
-              <a:t>x) </a:t>
-            </a:r>
-            <a:endParaRPr lang="en-GB" dirty="0" smtClean="0"/>
-          </a:p>
-          <a:p>
-            <a:pPr marL="0" indent="0" algn="l" rtl="0">
-              <a:buNone/>
-            </a:pPr>
-            <a:r>
-              <a:rPr lang="en-GB" dirty="0" smtClean="0"/>
-              <a:t>{ </a:t>
-            </a:r>
-          </a:p>
-          <a:p>
-            <a:pPr marL="0" indent="0" algn="l" rtl="0">
-              <a:buNone/>
-            </a:pPr>
-            <a:r>
-              <a:rPr lang="en-GB" dirty="0" smtClean="0"/>
-              <a:t>    if (-1 &lt; x &amp;&amp; x &lt; 1) </a:t>
-            </a:r>
-            <a:r>
-              <a:rPr lang="en-GB" dirty="0"/>
-              <a:t>{ </a:t>
-            </a:r>
-            <a:endParaRPr lang="en-GB" dirty="0" smtClean="0"/>
-          </a:p>
-          <a:p>
-            <a:pPr marL="0" indent="0" algn="l" rtl="0">
-              <a:buNone/>
-            </a:pPr>
-            <a:r>
-              <a:rPr lang="en-GB" dirty="0"/>
-              <a:t> </a:t>
-            </a:r>
-            <a:r>
-              <a:rPr lang="en-GB" dirty="0" smtClean="0"/>
-              <a:t>         bar</a:t>
-            </a:r>
-            <a:r>
-              <a:rPr lang="en-GB" dirty="0"/>
-              <a:t>(); </a:t>
-            </a:r>
-            <a:endParaRPr lang="en-GB" dirty="0" smtClean="0"/>
-          </a:p>
-          <a:p>
-            <a:pPr marL="0" indent="0" algn="l" rtl="0">
-              <a:buNone/>
-            </a:pPr>
-            <a:r>
-              <a:rPr lang="en-GB" dirty="0"/>
-              <a:t> </a:t>
-            </a:r>
-            <a:r>
-              <a:rPr lang="en-GB" dirty="0" smtClean="0"/>
-              <a:t>         </a:t>
-            </a:r>
-            <a:r>
-              <a:rPr lang="en-GB" dirty="0" err="1" smtClean="0"/>
-              <a:t>baz</a:t>
-            </a:r>
-            <a:r>
-              <a:rPr lang="en-GB" dirty="0"/>
-              <a:t>(); </a:t>
-            </a:r>
-            <a:endParaRPr lang="en-GB" dirty="0" smtClean="0"/>
-          </a:p>
-          <a:p>
-            <a:pPr marL="0" indent="0" algn="l" rtl="0">
-              <a:buNone/>
-            </a:pPr>
-            <a:r>
-              <a:rPr lang="en-GB" dirty="0" smtClean="0"/>
-              <a:t>     } </a:t>
-            </a:r>
-            <a:r>
-              <a:rPr lang="en-GB" dirty="0"/>
-              <a:t>else { </a:t>
-            </a:r>
-            <a:endParaRPr lang="en-GB" dirty="0" smtClean="0"/>
-          </a:p>
-          <a:p>
-            <a:pPr marL="0" indent="0" algn="l" rtl="0">
-              <a:buNone/>
-            </a:pPr>
-            <a:r>
-              <a:rPr lang="en-GB" dirty="0"/>
-              <a:t> </a:t>
-            </a:r>
-            <a:r>
-              <a:rPr lang="en-GB" dirty="0" smtClean="0"/>
-              <a:t>         </a:t>
-            </a:r>
-            <a:r>
-              <a:rPr lang="en-GB" dirty="0" err="1" smtClean="0"/>
-              <a:t>qux</a:t>
-            </a:r>
-            <a:r>
-              <a:rPr lang="en-GB" dirty="0" smtClean="0"/>
-              <a:t>(x</a:t>
-            </a:r>
-            <a:r>
-              <a:rPr lang="en-GB" dirty="0"/>
-              <a:t>); </a:t>
-            </a:r>
-            <a:endParaRPr lang="en-GB" dirty="0" smtClean="0"/>
-          </a:p>
-          <a:p>
-            <a:pPr marL="0" indent="0" algn="l" rtl="0">
-              <a:buNone/>
-            </a:pPr>
-            <a:r>
-              <a:rPr lang="en-GB" dirty="0"/>
-              <a:t> </a:t>
-            </a:r>
-            <a:r>
-              <a:rPr lang="en-GB" dirty="0" smtClean="0"/>
-              <a:t>         foo(x </a:t>
-            </a:r>
-            <a:r>
-              <a:rPr lang="en-GB" dirty="0"/>
-              <a:t>- 1); </a:t>
-            </a:r>
-            <a:endParaRPr lang="en-GB" dirty="0" smtClean="0"/>
-          </a:p>
-          <a:p>
-            <a:pPr marL="0" indent="0" algn="l" rtl="0">
-              <a:buNone/>
-            </a:pPr>
-            <a:r>
-              <a:rPr lang="en-GB" dirty="0"/>
-              <a:t> </a:t>
-            </a:r>
-            <a:r>
-              <a:rPr lang="en-GB" dirty="0" smtClean="0"/>
-              <a:t>    } </a:t>
-            </a:r>
-          </a:p>
-          <a:p>
-            <a:pPr marL="0" indent="0" algn="l" rtl="0">
-              <a:buNone/>
-            </a:pPr>
-            <a:r>
-              <a:rPr lang="en-GB" dirty="0" smtClean="0"/>
-              <a:t>}</a:t>
-            </a:r>
-            <a:endParaRPr lang="he-IL" dirty="0"/>
-          </a:p>
-        </p:txBody>
-      </p:sp>
-      <p:sp>
-        <p:nvSpPr>
-          <p:cNvPr id="7" name="Text Placeholder 6"/>
-          <p:cNvSpPr>
-            <a:spLocks noGrp="1"/>
-          </p:cNvSpPr>
-          <p:nvPr>
-            <p:ph type="body" sz="quarter" idx="3"/>
-          </p:nvPr>
-        </p:nvSpPr>
-        <p:spPr/>
-        <p:txBody>
-          <a:bodyPr/>
-          <a:lstStyle/>
-          <a:p>
-            <a:pPr algn="l" rtl="0"/>
-            <a:r>
-              <a:rPr lang="en-US" dirty="0" smtClean="0"/>
-              <a:t>Python</a:t>
-            </a:r>
-            <a:endParaRPr lang="he-IL" dirty="0"/>
-          </a:p>
-        </p:txBody>
-      </p:sp>
-      <p:sp>
-        <p:nvSpPr>
-          <p:cNvPr id="8" name="Content Placeholder 7"/>
-          <p:cNvSpPr>
-            <a:spLocks noGrp="1"/>
-          </p:cNvSpPr>
-          <p:nvPr>
-            <p:ph sz="quarter" idx="4"/>
-          </p:nvPr>
-        </p:nvSpPr>
-        <p:spPr/>
-        <p:txBody>
-          <a:bodyPr/>
-          <a:lstStyle/>
-          <a:p>
-            <a:pPr marL="0" indent="0" algn="l" rtl="0">
-              <a:buNone/>
-            </a:pPr>
-            <a:r>
-              <a:rPr lang="en-US" dirty="0" err="1"/>
-              <a:t>def</a:t>
-            </a:r>
-            <a:r>
-              <a:rPr lang="en-US" dirty="0"/>
-              <a:t> foo(x):</a:t>
-            </a:r>
-          </a:p>
-          <a:p>
-            <a:pPr marL="0" indent="0" algn="l" rtl="0">
-              <a:buNone/>
-            </a:pPr>
-            <a:r>
-              <a:rPr lang="en-US" dirty="0"/>
-              <a:t>    if </a:t>
-            </a:r>
-            <a:r>
-              <a:rPr lang="en-US" dirty="0" smtClean="0"/>
-              <a:t>-1 &lt; x &lt; 1:</a:t>
-            </a:r>
-            <a:endParaRPr lang="en-US" dirty="0"/>
-          </a:p>
-          <a:p>
-            <a:pPr marL="0" indent="0" algn="l" rtl="0">
-              <a:buNone/>
-            </a:pPr>
-            <a:r>
-              <a:rPr lang="en-US" dirty="0"/>
-              <a:t>        bar()</a:t>
-            </a:r>
-          </a:p>
-          <a:p>
-            <a:pPr marL="0" indent="0" algn="l" rtl="0">
-              <a:buNone/>
-            </a:pPr>
-            <a:r>
-              <a:rPr lang="en-US" dirty="0"/>
-              <a:t>        </a:t>
-            </a:r>
-            <a:r>
-              <a:rPr lang="en-US" dirty="0" err="1"/>
-              <a:t>baz</a:t>
-            </a:r>
-            <a:r>
-              <a:rPr lang="en-US" dirty="0"/>
-              <a:t>()</a:t>
-            </a:r>
-          </a:p>
-          <a:p>
-            <a:pPr marL="0" indent="0" algn="l" rtl="0">
-              <a:buNone/>
-            </a:pPr>
-            <a:r>
-              <a:rPr lang="en-US" dirty="0"/>
-              <a:t>    else:</a:t>
-            </a:r>
-          </a:p>
-          <a:p>
-            <a:pPr marL="0" indent="0" algn="l" rtl="0">
-              <a:buNone/>
-            </a:pPr>
-            <a:r>
-              <a:rPr lang="en-US" dirty="0"/>
-              <a:t>        </a:t>
-            </a:r>
-            <a:r>
-              <a:rPr lang="en-US" dirty="0" err="1"/>
-              <a:t>qux</a:t>
-            </a:r>
-            <a:r>
-              <a:rPr lang="en-US" dirty="0"/>
-              <a:t>(x)</a:t>
-            </a:r>
-          </a:p>
-          <a:p>
-            <a:pPr marL="0" indent="0" algn="l" rtl="0">
-              <a:buNone/>
-            </a:pPr>
-            <a:r>
-              <a:rPr lang="en-US" dirty="0"/>
-              <a:t>        foo(x - 1)</a:t>
-            </a:r>
-            <a:endParaRPr lang="he-IL" dirty="0"/>
-          </a:p>
-        </p:txBody>
-      </p:sp>
-    </p:spTree>
-    <p:extLst>
-      <p:ext uri="{BB962C8B-B14F-4D97-AF65-F5344CB8AC3E}">
-        <p14:creationId xmlns:p14="http://schemas.microsoft.com/office/powerpoint/2010/main" val="2846433581"/>
-      </p:ext>
-    </p:extLst>
-  </p:cSld>
-  <p:clrMapOvr>
-    <a:masterClrMapping/>
-  </p:clrMapOvr>
-</p:sld>
-</file>
-
-<file path=ppt/slides/slide40.xml><?xml version="1.0" encoding="utf-8"?>
-<p:sld xmlns:a="http://schemas.openxmlformats.org/drawingml/2006/main" xmlns:r="http://schemas.openxmlformats.org/officeDocument/2006/relationships" xmlns:p="http://schemas.openxmlformats.org/presentationml/2006/main">
-  <p:cSld>
-    <p:spTree>
-      <p:nvGrpSpPr>
-        <p:cNvPr id="1" name=""/>
-        <p:cNvGrpSpPr/>
-        <p:nvPr/>
-      </p:nvGrpSpPr>
-      <p:grpSpPr>
-        <a:xfrm>
-          <a:off x="0" y="0"/>
-          <a:ext cx="0" cy="0"/>
-          <a:chOff x="0" y="0"/>
-          <a:chExt cx="0" cy="0"/>
-        </a:xfrm>
-      </p:grpSpPr>
-      <p:sp>
-        <p:nvSpPr>
           <p:cNvPr id="2" name="Title 1"/>
           <p:cNvSpPr>
             <a:spLocks noGrp="1"/>
@@ -8483,7 +8835,7 @@
 </p:sld>
 </file>
 
-<file path=ppt/slides/slide41.xml><?xml version="1.0" encoding="utf-8"?>
+<file path=ppt/slides/slide42.xml><?xml version="1.0" encoding="utf-8"?>
 <p:sld xmlns:a="http://schemas.openxmlformats.org/drawingml/2006/main" xmlns:r="http://schemas.openxmlformats.org/officeDocument/2006/relationships" xmlns:p="http://schemas.openxmlformats.org/presentationml/2006/main">
   <p:cSld>
     <p:spTree>
@@ -8670,7 +9022,7 @@
 </p:sld>
 </file>
 
-<file path=ppt/slides/slide42.xml><?xml version="1.0" encoding="utf-8"?>
+<file path=ppt/slides/slide43.xml><?xml version="1.0" encoding="utf-8"?>
 <p:sld xmlns:a="http://schemas.openxmlformats.org/drawingml/2006/main" xmlns:r="http://schemas.openxmlformats.org/officeDocument/2006/relationships" xmlns:p="http://schemas.openxmlformats.org/presentationml/2006/main">
   <p:cSld>
     <p:spTree>
@@ -8807,7 +9159,7 @@
 </p:sld>
 </file>
 
-<file path=ppt/slides/slide43.xml><?xml version="1.0" encoding="utf-8"?>
+<file path=ppt/slides/slide44.xml><?xml version="1.0" encoding="utf-8"?>
 <p:sld xmlns:a="http://schemas.openxmlformats.org/drawingml/2006/main" xmlns:r="http://schemas.openxmlformats.org/officeDocument/2006/relationships" xmlns:p="http://schemas.openxmlformats.org/presentationml/2006/main">
   <p:cSld>
     <p:spTree>
@@ -9165,24 +9517,13 @@
             <a:pPr algn="l" rtl="0"/>
             <a:r>
               <a:rPr lang="en-US" dirty="0" smtClean="0"/>
-              <a:t>Asynchronous programming (especially </a:t>
-            </a:r>
-            <a:r>
-              <a:rPr lang="en-US" dirty="0" err="1" smtClean="0"/>
-              <a:t>Py</a:t>
-            </a:r>
-            <a:r>
-              <a:rPr lang="en-US" dirty="0" smtClean="0"/>
-              <a:t> </a:t>
-            </a:r>
-            <a:r>
-              <a:rPr lang="en-US" dirty="0" smtClean="0"/>
-              <a:t>3.5</a:t>
-            </a:r>
-            <a:r>
-              <a:rPr lang="en-US" dirty="0" smtClean="0"/>
-              <a:t>)</a:t>
-            </a:r>
+              <a:t>Asynchronous </a:t>
+            </a:r>
+            <a:r>
+              <a:rPr lang="en-US" dirty="0" smtClean="0"/>
+              <a:t>programming</a:t>
+            </a:r>
+            <a:endParaRPr lang="en-US" dirty="0" smtClean="0"/>
           </a:p>
         </p:txBody>
       </p:sp>
